--- a/doc/Prezentacja.pptx
+++ b/doc/Prezentacja.pptx
@@ -15,9 +15,10 @@
     <p:sldId id="263" r:id="rId9"/>
     <p:sldId id="266" r:id="rId10"/>
     <p:sldId id="267" r:id="rId11"/>
-    <p:sldId id="272" r:id="rId12"/>
-    <p:sldId id="273" r:id="rId13"/>
-    <p:sldId id="269" r:id="rId14"/>
+    <p:sldId id="275" r:id="rId12"/>
+    <p:sldId id="276" r:id="rId13"/>
+    <p:sldId id="277" r:id="rId14"/>
+    <p:sldId id="274" r:id="rId15"/>
   </p:sldIdLst>
   <p:sldSz cx="12192000" cy="6858000"/>
   <p:notesSz cx="6858000" cy="9144000"/>
@@ -127,10 +128,13 @@
 <file path=ppt/revisionInfo.xml><?xml version="1.0" encoding="utf-8"?>
 <p1510:revInfo xmlns:a="http://schemas.openxmlformats.org/drawingml/2006/main" xmlns:r="http://schemas.openxmlformats.org/officeDocument/2006/relationships" xmlns:p1510="http://schemas.microsoft.com/office/powerpoint/2015/10/main">
   <p1510:revLst>
+    <p1510:client id="{0B3D3891-105A-1304-98E8-0D8DCCBF1EB8}" v="6" dt="2020-01-17T02:39:21.835"/>
     <p1510:client id="{4F31CD5E-E8CB-EFAB-8F71-F9CC419E1DC4}" v="29" dt="2019-11-13T11:08:18.464"/>
     <p1510:client id="{7650DB4D-4E1B-8C4F-4F09-835477EA3F5C}" v="299" dt="2020-01-15T08:25:20.926"/>
     <p1510:client id="{8240DE95-F872-E5F8-146C-4F6F6D6A76AD}" v="1172" dt="2019-11-12T19:34:33.323"/>
     <p1510:client id="{AAB3FF7D-5E0B-F99F-322D-33A8CD7B4ABA}" v="1151" dt="2019-11-12T20:35:27.742"/>
+    <p1510:client id="{DC5051E3-B76E-BDAB-786B-C5DA33E97B7F}" v="207" dt="2020-01-17T00:10:06.737"/>
+    <p1510:client id="{ECE0A1CB-FE33-F1F9-AF23-6D7FC099C7AB}" v="686" dt="2020-01-17T02:37:26.540"/>
   </p1510:revLst>
 </p1510:revInfo>
 </file>
@@ -4396,6 +4400,1500 @@
     <dgm:fillClrLst meth="repeat">
       <a:schemeClr val="accent2">
         <a:tint val="40000"/>
+      </a:schemeClr>
+    </dgm:fillClrLst>
+    <dgm:linClrLst meth="repeat">
+      <a:schemeClr val="lt1"/>
+    </dgm:linClrLst>
+    <dgm:effectClrLst/>
+    <dgm:txLinClrLst/>
+    <dgm:txFillClrLst meth="repeat">
+      <a:schemeClr val="dk1"/>
+    </dgm:txFillClrLst>
+    <dgm:txEffectClrLst/>
+  </dgm:styleLbl>
+  <dgm:styleLbl name="revTx">
+    <dgm:fillClrLst meth="repeat">
+      <a:schemeClr val="lt1">
+        <a:alpha val="0"/>
+      </a:schemeClr>
+    </dgm:fillClrLst>
+    <dgm:linClrLst meth="repeat">
+      <a:schemeClr val="dk1">
+        <a:alpha val="0"/>
+      </a:schemeClr>
+    </dgm:linClrLst>
+    <dgm:effectClrLst/>
+    <dgm:txLinClrLst/>
+    <dgm:txFillClrLst meth="repeat">
+      <a:schemeClr val="tx1"/>
+    </dgm:txFillClrLst>
+    <dgm:txEffectClrLst/>
+  </dgm:styleLbl>
+</dgm:colorsDef>
+</file>
+
+<file path=ppt/diagrams/colors6.xml><?xml version="1.0" encoding="utf-8"?>
+<dgm:colorsDef xmlns:dgm="http://schemas.openxmlformats.org/drawingml/2006/diagram" xmlns:a="http://schemas.openxmlformats.org/drawingml/2006/main" uniqueId="urn:microsoft.com/office/officeart/2005/8/colors/accent1_2">
+  <dgm:title val=""/>
+  <dgm:desc val=""/>
+  <dgm:catLst>
+    <dgm:cat type="accent1" pri="11200"/>
+  </dgm:catLst>
+  <dgm:styleLbl name="node0">
+    <dgm:fillClrLst meth="repeat">
+      <a:schemeClr val="accent1"/>
+    </dgm:fillClrLst>
+    <dgm:linClrLst meth="repeat">
+      <a:schemeClr val="lt1"/>
+    </dgm:linClrLst>
+    <dgm:effectClrLst/>
+    <dgm:txLinClrLst/>
+    <dgm:txFillClrLst/>
+    <dgm:txEffectClrLst/>
+  </dgm:styleLbl>
+  <dgm:styleLbl name="alignNode1">
+    <dgm:fillClrLst meth="repeat">
+      <a:schemeClr val="accent1"/>
+    </dgm:fillClrLst>
+    <dgm:linClrLst meth="repeat">
+      <a:schemeClr val="accent1"/>
+    </dgm:linClrLst>
+    <dgm:effectClrLst/>
+    <dgm:txLinClrLst/>
+    <dgm:txFillClrLst/>
+    <dgm:txEffectClrLst/>
+  </dgm:styleLbl>
+  <dgm:styleLbl name="node1">
+    <dgm:fillClrLst meth="repeat">
+      <a:schemeClr val="accent1"/>
+    </dgm:fillClrLst>
+    <dgm:linClrLst meth="repeat">
+      <a:schemeClr val="lt1"/>
+    </dgm:linClrLst>
+    <dgm:effectClrLst/>
+    <dgm:txLinClrLst/>
+    <dgm:txFillClrLst/>
+    <dgm:txEffectClrLst/>
+  </dgm:styleLbl>
+  <dgm:styleLbl name="lnNode1">
+    <dgm:fillClrLst meth="repeat">
+      <a:schemeClr val="accent1"/>
+    </dgm:fillClrLst>
+    <dgm:linClrLst meth="repeat">
+      <a:schemeClr val="lt1"/>
+    </dgm:linClrLst>
+    <dgm:effectClrLst/>
+    <dgm:txLinClrLst/>
+    <dgm:txFillClrLst/>
+    <dgm:txEffectClrLst/>
+  </dgm:styleLbl>
+  <dgm:styleLbl name="vennNode1">
+    <dgm:fillClrLst meth="repeat">
+      <a:schemeClr val="accent1">
+        <a:alpha val="50000"/>
+      </a:schemeClr>
+    </dgm:fillClrLst>
+    <dgm:linClrLst meth="repeat">
+      <a:schemeClr val="lt1"/>
+    </dgm:linClrLst>
+    <dgm:effectClrLst/>
+    <dgm:txLinClrLst/>
+    <dgm:txFillClrLst/>
+    <dgm:txEffectClrLst/>
+  </dgm:styleLbl>
+  <dgm:styleLbl name="node2">
+    <dgm:fillClrLst meth="repeat">
+      <a:schemeClr val="accent1"/>
+    </dgm:fillClrLst>
+    <dgm:linClrLst meth="repeat">
+      <a:schemeClr val="lt1"/>
+    </dgm:linClrLst>
+    <dgm:effectClrLst/>
+    <dgm:txLinClrLst/>
+    <dgm:txFillClrLst/>
+    <dgm:txEffectClrLst/>
+  </dgm:styleLbl>
+  <dgm:styleLbl name="node3">
+    <dgm:fillClrLst meth="repeat">
+      <a:schemeClr val="accent1"/>
+    </dgm:fillClrLst>
+    <dgm:linClrLst meth="repeat">
+      <a:schemeClr val="lt1"/>
+    </dgm:linClrLst>
+    <dgm:effectClrLst/>
+    <dgm:txLinClrLst/>
+    <dgm:txFillClrLst/>
+    <dgm:txEffectClrLst/>
+  </dgm:styleLbl>
+  <dgm:styleLbl name="node4">
+    <dgm:fillClrLst meth="repeat">
+      <a:schemeClr val="accent1"/>
+    </dgm:fillClrLst>
+    <dgm:linClrLst meth="repeat">
+      <a:schemeClr val="lt1"/>
+    </dgm:linClrLst>
+    <dgm:effectClrLst/>
+    <dgm:txLinClrLst/>
+    <dgm:txFillClrLst/>
+    <dgm:txEffectClrLst/>
+  </dgm:styleLbl>
+  <dgm:styleLbl name="fgImgPlace1">
+    <dgm:fillClrLst meth="repeat">
+      <a:schemeClr val="accent1">
+        <a:tint val="50000"/>
+      </a:schemeClr>
+    </dgm:fillClrLst>
+    <dgm:linClrLst meth="repeat">
+      <a:schemeClr val="lt1"/>
+    </dgm:linClrLst>
+    <dgm:effectClrLst/>
+    <dgm:txLinClrLst/>
+    <dgm:txFillClrLst meth="repeat">
+      <a:schemeClr val="lt1"/>
+    </dgm:txFillClrLst>
+    <dgm:txEffectClrLst/>
+  </dgm:styleLbl>
+  <dgm:styleLbl name="alignImgPlace1">
+    <dgm:fillClrLst meth="repeat">
+      <a:schemeClr val="accent1">
+        <a:tint val="50000"/>
+      </a:schemeClr>
+    </dgm:fillClrLst>
+    <dgm:linClrLst meth="repeat">
+      <a:schemeClr val="lt1"/>
+    </dgm:linClrLst>
+    <dgm:effectClrLst/>
+    <dgm:txLinClrLst/>
+    <dgm:txFillClrLst meth="repeat">
+      <a:schemeClr val="lt1"/>
+    </dgm:txFillClrLst>
+    <dgm:txEffectClrLst/>
+  </dgm:styleLbl>
+  <dgm:styleLbl name="bgImgPlace1">
+    <dgm:fillClrLst meth="repeat">
+      <a:schemeClr val="accent1">
+        <a:tint val="50000"/>
+      </a:schemeClr>
+    </dgm:fillClrLst>
+    <dgm:linClrLst meth="repeat">
+      <a:schemeClr val="lt1"/>
+    </dgm:linClrLst>
+    <dgm:effectClrLst/>
+    <dgm:txLinClrLst/>
+    <dgm:txFillClrLst meth="repeat">
+      <a:schemeClr val="lt1"/>
+    </dgm:txFillClrLst>
+    <dgm:txEffectClrLst/>
+  </dgm:styleLbl>
+  <dgm:styleLbl name="sibTrans2D1">
+    <dgm:fillClrLst meth="repeat">
+      <a:schemeClr val="accent1">
+        <a:tint val="60000"/>
+      </a:schemeClr>
+    </dgm:fillClrLst>
+    <dgm:linClrLst meth="repeat">
+      <a:schemeClr val="accent1">
+        <a:tint val="60000"/>
+      </a:schemeClr>
+    </dgm:linClrLst>
+    <dgm:effectClrLst/>
+    <dgm:txLinClrLst/>
+    <dgm:txFillClrLst/>
+    <dgm:txEffectClrLst/>
+  </dgm:styleLbl>
+  <dgm:styleLbl name="fgSibTrans2D1">
+    <dgm:fillClrLst meth="repeat">
+      <a:schemeClr val="accent1">
+        <a:tint val="60000"/>
+      </a:schemeClr>
+    </dgm:fillClrLst>
+    <dgm:linClrLst meth="repeat">
+      <a:schemeClr val="accent1">
+        <a:tint val="60000"/>
+      </a:schemeClr>
+    </dgm:linClrLst>
+    <dgm:effectClrLst/>
+    <dgm:txLinClrLst/>
+    <dgm:txFillClrLst/>
+    <dgm:txEffectClrLst/>
+  </dgm:styleLbl>
+  <dgm:styleLbl name="bgSibTrans2D1">
+    <dgm:fillClrLst meth="repeat">
+      <a:schemeClr val="accent1">
+        <a:tint val="60000"/>
+      </a:schemeClr>
+    </dgm:fillClrLst>
+    <dgm:linClrLst meth="repeat">
+      <a:schemeClr val="accent1">
+        <a:tint val="60000"/>
+      </a:schemeClr>
+    </dgm:linClrLst>
+    <dgm:effectClrLst/>
+    <dgm:txLinClrLst/>
+    <dgm:txFillClrLst/>
+    <dgm:txEffectClrLst/>
+  </dgm:styleLbl>
+  <dgm:styleLbl name="sibTrans1D1">
+    <dgm:fillClrLst meth="repeat">
+      <a:schemeClr val="accent1"/>
+    </dgm:fillClrLst>
+    <dgm:linClrLst meth="repeat">
+      <a:schemeClr val="accent1"/>
+    </dgm:linClrLst>
+    <dgm:effectClrLst/>
+    <dgm:txLinClrLst/>
+    <dgm:txFillClrLst meth="repeat">
+      <a:schemeClr val="tx1"/>
+    </dgm:txFillClrLst>
+    <dgm:txEffectClrLst/>
+  </dgm:styleLbl>
+  <dgm:styleLbl name="callout">
+    <dgm:fillClrLst meth="repeat">
+      <a:schemeClr val="accent1"/>
+    </dgm:fillClrLst>
+    <dgm:linClrLst meth="repeat">
+      <a:schemeClr val="accent1">
+        <a:tint val="50000"/>
+      </a:schemeClr>
+    </dgm:linClrLst>
+    <dgm:effectClrLst/>
+    <dgm:txLinClrLst/>
+    <dgm:txFillClrLst meth="repeat">
+      <a:schemeClr val="tx1"/>
+    </dgm:txFillClrLst>
+    <dgm:txEffectClrLst/>
+  </dgm:styleLbl>
+  <dgm:styleLbl name="asst0">
+    <dgm:fillClrLst meth="repeat">
+      <a:schemeClr val="accent1"/>
+    </dgm:fillClrLst>
+    <dgm:linClrLst meth="repeat">
+      <a:schemeClr val="lt1"/>
+    </dgm:linClrLst>
+    <dgm:effectClrLst/>
+    <dgm:txLinClrLst/>
+    <dgm:txFillClrLst/>
+    <dgm:txEffectClrLst/>
+  </dgm:styleLbl>
+  <dgm:styleLbl name="asst1">
+    <dgm:fillClrLst meth="repeat">
+      <a:schemeClr val="accent1"/>
+    </dgm:fillClrLst>
+    <dgm:linClrLst meth="repeat">
+      <a:schemeClr val="lt1"/>
+    </dgm:linClrLst>
+    <dgm:effectClrLst/>
+    <dgm:txLinClrLst/>
+    <dgm:txFillClrLst/>
+    <dgm:txEffectClrLst/>
+  </dgm:styleLbl>
+  <dgm:styleLbl name="asst2">
+    <dgm:fillClrLst meth="repeat">
+      <a:schemeClr val="accent1"/>
+    </dgm:fillClrLst>
+    <dgm:linClrLst meth="repeat">
+      <a:schemeClr val="lt1"/>
+    </dgm:linClrLst>
+    <dgm:effectClrLst/>
+    <dgm:txLinClrLst/>
+    <dgm:txFillClrLst/>
+    <dgm:txEffectClrLst/>
+  </dgm:styleLbl>
+  <dgm:styleLbl name="asst3">
+    <dgm:fillClrLst meth="repeat">
+      <a:schemeClr val="accent1"/>
+    </dgm:fillClrLst>
+    <dgm:linClrLst meth="repeat">
+      <a:schemeClr val="lt1"/>
+    </dgm:linClrLst>
+    <dgm:effectClrLst/>
+    <dgm:txLinClrLst/>
+    <dgm:txFillClrLst/>
+    <dgm:txEffectClrLst/>
+  </dgm:styleLbl>
+  <dgm:styleLbl name="asst4">
+    <dgm:fillClrLst meth="repeat">
+      <a:schemeClr val="accent1"/>
+    </dgm:fillClrLst>
+    <dgm:linClrLst meth="repeat">
+      <a:schemeClr val="lt1"/>
+    </dgm:linClrLst>
+    <dgm:effectClrLst/>
+    <dgm:txLinClrLst/>
+    <dgm:txFillClrLst/>
+    <dgm:txEffectClrLst/>
+  </dgm:styleLbl>
+  <dgm:styleLbl name="parChTrans2D1">
+    <dgm:fillClrLst meth="repeat">
+      <a:schemeClr val="accent1">
+        <a:tint val="60000"/>
+      </a:schemeClr>
+    </dgm:fillClrLst>
+    <dgm:linClrLst meth="repeat">
+      <a:schemeClr val="accent1">
+        <a:tint val="60000"/>
+      </a:schemeClr>
+    </dgm:linClrLst>
+    <dgm:effectClrLst/>
+    <dgm:txLinClrLst/>
+    <dgm:txFillClrLst meth="repeat">
+      <a:schemeClr val="lt1"/>
+    </dgm:txFillClrLst>
+    <dgm:txEffectClrLst/>
+  </dgm:styleLbl>
+  <dgm:styleLbl name="parChTrans2D2">
+    <dgm:fillClrLst meth="repeat">
+      <a:schemeClr val="accent1"/>
+    </dgm:fillClrLst>
+    <dgm:linClrLst meth="repeat">
+      <a:schemeClr val="accent1"/>
+    </dgm:linClrLst>
+    <dgm:effectClrLst/>
+    <dgm:txLinClrLst/>
+    <dgm:txFillClrLst meth="repeat">
+      <a:schemeClr val="lt1"/>
+    </dgm:txFillClrLst>
+    <dgm:txEffectClrLst/>
+  </dgm:styleLbl>
+  <dgm:styleLbl name="parChTrans2D3">
+    <dgm:fillClrLst meth="repeat">
+      <a:schemeClr val="accent1"/>
+    </dgm:fillClrLst>
+    <dgm:linClrLst meth="repeat">
+      <a:schemeClr val="accent1"/>
+    </dgm:linClrLst>
+    <dgm:effectClrLst/>
+    <dgm:txLinClrLst/>
+    <dgm:txFillClrLst meth="repeat">
+      <a:schemeClr val="lt1"/>
+    </dgm:txFillClrLst>
+    <dgm:txEffectClrLst/>
+  </dgm:styleLbl>
+  <dgm:styleLbl name="parChTrans2D4">
+    <dgm:fillClrLst meth="repeat">
+      <a:schemeClr val="accent1"/>
+    </dgm:fillClrLst>
+    <dgm:linClrLst meth="repeat">
+      <a:schemeClr val="accent1"/>
+    </dgm:linClrLst>
+    <dgm:effectClrLst/>
+    <dgm:txLinClrLst/>
+    <dgm:txFillClrLst meth="repeat">
+      <a:schemeClr val="lt1"/>
+    </dgm:txFillClrLst>
+    <dgm:txEffectClrLst/>
+  </dgm:styleLbl>
+  <dgm:styleLbl name="parChTrans1D1">
+    <dgm:fillClrLst meth="repeat">
+      <a:schemeClr val="accent1"/>
+    </dgm:fillClrLst>
+    <dgm:linClrLst meth="repeat">
+      <a:schemeClr val="accent1">
+        <a:shade val="60000"/>
+      </a:schemeClr>
+    </dgm:linClrLst>
+    <dgm:effectClrLst/>
+    <dgm:txLinClrLst/>
+    <dgm:txFillClrLst meth="repeat">
+      <a:schemeClr val="tx1"/>
+    </dgm:txFillClrLst>
+    <dgm:txEffectClrLst/>
+  </dgm:styleLbl>
+  <dgm:styleLbl name="parChTrans1D2">
+    <dgm:fillClrLst meth="repeat">
+      <a:schemeClr val="accent1"/>
+    </dgm:fillClrLst>
+    <dgm:linClrLst meth="repeat">
+      <a:schemeClr val="accent1">
+        <a:shade val="60000"/>
+      </a:schemeClr>
+    </dgm:linClrLst>
+    <dgm:effectClrLst/>
+    <dgm:txLinClrLst/>
+    <dgm:txFillClrLst meth="repeat">
+      <a:schemeClr val="tx1"/>
+    </dgm:txFillClrLst>
+    <dgm:txEffectClrLst/>
+  </dgm:styleLbl>
+  <dgm:styleLbl name="parChTrans1D3">
+    <dgm:fillClrLst meth="repeat">
+      <a:schemeClr val="accent1"/>
+    </dgm:fillClrLst>
+    <dgm:linClrLst meth="repeat">
+      <a:schemeClr val="accent1">
+        <a:shade val="80000"/>
+      </a:schemeClr>
+    </dgm:linClrLst>
+    <dgm:effectClrLst/>
+    <dgm:txLinClrLst/>
+    <dgm:txFillClrLst meth="repeat">
+      <a:schemeClr val="tx1"/>
+    </dgm:txFillClrLst>
+    <dgm:txEffectClrLst/>
+  </dgm:styleLbl>
+  <dgm:styleLbl name="parChTrans1D4">
+    <dgm:fillClrLst meth="repeat">
+      <a:schemeClr val="accent1"/>
+    </dgm:fillClrLst>
+    <dgm:linClrLst meth="repeat">
+      <a:schemeClr val="accent1">
+        <a:shade val="80000"/>
+      </a:schemeClr>
+    </dgm:linClrLst>
+    <dgm:effectClrLst/>
+    <dgm:txLinClrLst/>
+    <dgm:txFillClrLst meth="repeat">
+      <a:schemeClr val="tx1"/>
+    </dgm:txFillClrLst>
+    <dgm:txEffectClrLst/>
+  </dgm:styleLbl>
+  <dgm:styleLbl name="fgAcc1">
+    <dgm:fillClrLst meth="repeat">
+      <a:schemeClr val="lt1">
+        <a:alpha val="90000"/>
+      </a:schemeClr>
+    </dgm:fillClrLst>
+    <dgm:linClrLst meth="repeat">
+      <a:schemeClr val="accent1"/>
+    </dgm:linClrLst>
+    <dgm:effectClrLst/>
+    <dgm:txLinClrLst/>
+    <dgm:txFillClrLst meth="repeat">
+      <a:schemeClr val="dk1"/>
+    </dgm:txFillClrLst>
+    <dgm:txEffectClrLst/>
+  </dgm:styleLbl>
+  <dgm:styleLbl name="conFgAcc1">
+    <dgm:fillClrLst meth="repeat">
+      <a:schemeClr val="lt1">
+        <a:alpha val="90000"/>
+      </a:schemeClr>
+    </dgm:fillClrLst>
+    <dgm:linClrLst meth="repeat">
+      <a:schemeClr val="accent1"/>
+    </dgm:linClrLst>
+    <dgm:effectClrLst/>
+    <dgm:txLinClrLst/>
+    <dgm:txFillClrLst meth="repeat">
+      <a:schemeClr val="dk1"/>
+    </dgm:txFillClrLst>
+    <dgm:txEffectClrLst/>
+  </dgm:styleLbl>
+  <dgm:styleLbl name="alignAcc1">
+    <dgm:fillClrLst meth="repeat">
+      <a:schemeClr val="lt1">
+        <a:alpha val="90000"/>
+      </a:schemeClr>
+    </dgm:fillClrLst>
+    <dgm:linClrLst meth="repeat">
+      <a:schemeClr val="accent1"/>
+    </dgm:linClrLst>
+    <dgm:effectClrLst/>
+    <dgm:txLinClrLst/>
+    <dgm:txFillClrLst meth="repeat">
+      <a:schemeClr val="dk1"/>
+    </dgm:txFillClrLst>
+    <dgm:txEffectClrLst/>
+  </dgm:styleLbl>
+  <dgm:styleLbl name="trAlignAcc1">
+    <dgm:fillClrLst meth="repeat">
+      <a:schemeClr val="lt1">
+        <a:alpha val="40000"/>
+      </a:schemeClr>
+    </dgm:fillClrLst>
+    <dgm:linClrLst meth="repeat">
+      <a:schemeClr val="accent1"/>
+    </dgm:linClrLst>
+    <dgm:effectClrLst/>
+    <dgm:txLinClrLst/>
+    <dgm:txFillClrLst meth="repeat">
+      <a:schemeClr val="dk1"/>
+    </dgm:txFillClrLst>
+    <dgm:txEffectClrLst/>
+  </dgm:styleLbl>
+  <dgm:styleLbl name="bgAcc1">
+    <dgm:fillClrLst meth="repeat">
+      <a:schemeClr val="lt1">
+        <a:alpha val="90000"/>
+      </a:schemeClr>
+    </dgm:fillClrLst>
+    <dgm:linClrLst meth="repeat">
+      <a:schemeClr val="accent1"/>
+    </dgm:linClrLst>
+    <dgm:effectClrLst/>
+    <dgm:txLinClrLst/>
+    <dgm:txFillClrLst meth="repeat">
+      <a:schemeClr val="dk1"/>
+    </dgm:txFillClrLst>
+    <dgm:txEffectClrLst/>
+  </dgm:styleLbl>
+  <dgm:styleLbl name="solidFgAcc1">
+    <dgm:fillClrLst meth="repeat">
+      <a:schemeClr val="lt1"/>
+    </dgm:fillClrLst>
+    <dgm:linClrLst meth="repeat">
+      <a:schemeClr val="accent1"/>
+    </dgm:linClrLst>
+    <dgm:effectClrLst/>
+    <dgm:txLinClrLst/>
+    <dgm:txFillClrLst meth="repeat">
+      <a:schemeClr val="dk1"/>
+    </dgm:txFillClrLst>
+    <dgm:txEffectClrLst/>
+  </dgm:styleLbl>
+  <dgm:styleLbl name="solidAlignAcc1">
+    <dgm:fillClrLst meth="repeat">
+      <a:schemeClr val="lt1"/>
+    </dgm:fillClrLst>
+    <dgm:linClrLst meth="repeat">
+      <a:schemeClr val="accent1"/>
+    </dgm:linClrLst>
+    <dgm:effectClrLst/>
+    <dgm:txLinClrLst/>
+    <dgm:txFillClrLst meth="repeat">
+      <a:schemeClr val="dk1"/>
+    </dgm:txFillClrLst>
+    <dgm:txEffectClrLst/>
+  </dgm:styleLbl>
+  <dgm:styleLbl name="solidBgAcc1">
+    <dgm:fillClrLst meth="repeat">
+      <a:schemeClr val="lt1"/>
+    </dgm:fillClrLst>
+    <dgm:linClrLst meth="repeat">
+      <a:schemeClr val="accent1"/>
+    </dgm:linClrLst>
+    <dgm:effectClrLst/>
+    <dgm:txLinClrLst/>
+    <dgm:txFillClrLst meth="repeat">
+      <a:schemeClr val="dk1"/>
+    </dgm:txFillClrLst>
+    <dgm:txEffectClrLst/>
+  </dgm:styleLbl>
+  <dgm:styleLbl name="fgAccFollowNode1">
+    <dgm:fillClrLst meth="repeat">
+      <a:schemeClr val="accent1">
+        <a:alpha val="90000"/>
+        <a:tint val="40000"/>
+      </a:schemeClr>
+    </dgm:fillClrLst>
+    <dgm:linClrLst meth="repeat">
+      <a:schemeClr val="accent1">
+        <a:alpha val="90000"/>
+        <a:tint val="40000"/>
+      </a:schemeClr>
+    </dgm:linClrLst>
+    <dgm:effectClrLst/>
+    <dgm:txLinClrLst/>
+    <dgm:txFillClrLst meth="repeat">
+      <a:schemeClr val="dk1"/>
+    </dgm:txFillClrLst>
+    <dgm:txEffectClrLst/>
+  </dgm:styleLbl>
+  <dgm:styleLbl name="alignAccFollowNode1">
+    <dgm:fillClrLst meth="repeat">
+      <a:schemeClr val="accent1">
+        <a:alpha val="90000"/>
+        <a:tint val="40000"/>
+      </a:schemeClr>
+    </dgm:fillClrLst>
+    <dgm:linClrLst meth="repeat">
+      <a:schemeClr val="accent1">
+        <a:alpha val="90000"/>
+        <a:tint val="40000"/>
+      </a:schemeClr>
+    </dgm:linClrLst>
+    <dgm:effectClrLst/>
+    <dgm:txLinClrLst/>
+    <dgm:txFillClrLst meth="repeat">
+      <a:schemeClr val="dk1"/>
+    </dgm:txFillClrLst>
+    <dgm:txEffectClrLst/>
+  </dgm:styleLbl>
+  <dgm:styleLbl name="bgAccFollowNode1">
+    <dgm:fillClrLst meth="repeat">
+      <a:schemeClr val="accent1">
+        <a:alpha val="90000"/>
+        <a:tint val="40000"/>
+      </a:schemeClr>
+    </dgm:fillClrLst>
+    <dgm:linClrLst meth="repeat">
+      <a:schemeClr val="accent1">
+        <a:alpha val="90000"/>
+        <a:tint val="40000"/>
+      </a:schemeClr>
+    </dgm:linClrLst>
+    <dgm:effectClrLst/>
+    <dgm:txLinClrLst/>
+    <dgm:txFillClrLst meth="repeat">
+      <a:schemeClr val="dk1"/>
+    </dgm:txFillClrLst>
+    <dgm:txEffectClrLst/>
+  </dgm:styleLbl>
+  <dgm:styleLbl name="fgAcc0">
+    <dgm:fillClrLst meth="repeat">
+      <a:schemeClr val="lt1">
+        <a:alpha val="90000"/>
+      </a:schemeClr>
+    </dgm:fillClrLst>
+    <dgm:linClrLst meth="repeat">
+      <a:schemeClr val="accent1"/>
+    </dgm:linClrLst>
+    <dgm:effectClrLst/>
+    <dgm:txLinClrLst/>
+    <dgm:txFillClrLst meth="repeat">
+      <a:schemeClr val="dk1"/>
+    </dgm:txFillClrLst>
+    <dgm:txEffectClrLst/>
+  </dgm:styleLbl>
+  <dgm:styleLbl name="fgAcc2">
+    <dgm:fillClrLst meth="repeat">
+      <a:schemeClr val="lt1">
+        <a:alpha val="90000"/>
+      </a:schemeClr>
+    </dgm:fillClrLst>
+    <dgm:linClrLst meth="repeat">
+      <a:schemeClr val="accent1"/>
+    </dgm:linClrLst>
+    <dgm:effectClrLst/>
+    <dgm:txLinClrLst/>
+    <dgm:txFillClrLst meth="repeat">
+      <a:schemeClr val="dk1"/>
+    </dgm:txFillClrLst>
+    <dgm:txEffectClrLst/>
+  </dgm:styleLbl>
+  <dgm:styleLbl name="fgAcc3">
+    <dgm:fillClrLst meth="repeat">
+      <a:schemeClr val="lt1">
+        <a:alpha val="90000"/>
+      </a:schemeClr>
+    </dgm:fillClrLst>
+    <dgm:linClrLst meth="repeat">
+      <a:schemeClr val="accent1"/>
+    </dgm:linClrLst>
+    <dgm:effectClrLst/>
+    <dgm:txLinClrLst/>
+    <dgm:txFillClrLst meth="repeat">
+      <a:schemeClr val="dk1"/>
+    </dgm:txFillClrLst>
+    <dgm:txEffectClrLst/>
+  </dgm:styleLbl>
+  <dgm:styleLbl name="fgAcc4">
+    <dgm:fillClrLst meth="repeat">
+      <a:schemeClr val="lt1">
+        <a:alpha val="90000"/>
+      </a:schemeClr>
+    </dgm:fillClrLst>
+    <dgm:linClrLst meth="repeat">
+      <a:schemeClr val="accent1"/>
+    </dgm:linClrLst>
+    <dgm:effectClrLst/>
+    <dgm:txLinClrLst/>
+    <dgm:txFillClrLst meth="repeat">
+      <a:schemeClr val="dk1"/>
+    </dgm:txFillClrLst>
+    <dgm:txEffectClrLst/>
+  </dgm:styleLbl>
+  <dgm:styleLbl name="bgShp">
+    <dgm:fillClrLst meth="repeat">
+      <a:schemeClr val="accent1">
+        <a:tint val="40000"/>
+      </a:schemeClr>
+    </dgm:fillClrLst>
+    <dgm:linClrLst meth="repeat">
+      <a:schemeClr val="accent1"/>
+    </dgm:linClrLst>
+    <dgm:effectClrLst/>
+    <dgm:txLinClrLst/>
+    <dgm:txFillClrLst meth="repeat">
+      <a:schemeClr val="dk1"/>
+    </dgm:txFillClrLst>
+    <dgm:txEffectClrLst/>
+  </dgm:styleLbl>
+  <dgm:styleLbl name="dkBgShp">
+    <dgm:fillClrLst meth="repeat">
+      <a:schemeClr val="accent1">
+        <a:shade val="80000"/>
+      </a:schemeClr>
+    </dgm:fillClrLst>
+    <dgm:linClrLst meth="repeat">
+      <a:schemeClr val="accent1"/>
+    </dgm:linClrLst>
+    <dgm:effectClrLst/>
+    <dgm:txLinClrLst/>
+    <dgm:txFillClrLst meth="repeat">
+      <a:schemeClr val="lt1"/>
+    </dgm:txFillClrLst>
+    <dgm:txEffectClrLst/>
+  </dgm:styleLbl>
+  <dgm:styleLbl name="trBgShp">
+    <dgm:fillClrLst meth="repeat">
+      <a:schemeClr val="accent1">
+        <a:tint val="50000"/>
+        <a:alpha val="40000"/>
+      </a:schemeClr>
+    </dgm:fillClrLst>
+    <dgm:linClrLst meth="repeat">
+      <a:schemeClr val="accent1"/>
+    </dgm:linClrLst>
+    <dgm:effectClrLst/>
+    <dgm:txLinClrLst/>
+    <dgm:txFillClrLst meth="repeat">
+      <a:schemeClr val="lt1"/>
+    </dgm:txFillClrLst>
+    <dgm:txEffectClrLst/>
+  </dgm:styleLbl>
+  <dgm:styleLbl name="fgShp">
+    <dgm:fillClrLst meth="repeat">
+      <a:schemeClr val="accent1">
+        <a:tint val="60000"/>
+      </a:schemeClr>
+    </dgm:fillClrLst>
+    <dgm:linClrLst meth="repeat">
+      <a:schemeClr val="lt1"/>
+    </dgm:linClrLst>
+    <dgm:effectClrLst/>
+    <dgm:txLinClrLst/>
+    <dgm:txFillClrLst meth="repeat">
+      <a:schemeClr val="dk1"/>
+    </dgm:txFillClrLst>
+    <dgm:txEffectClrLst/>
+  </dgm:styleLbl>
+  <dgm:styleLbl name="revTx">
+    <dgm:fillClrLst meth="repeat">
+      <a:schemeClr val="lt1">
+        <a:alpha val="0"/>
+      </a:schemeClr>
+    </dgm:fillClrLst>
+    <dgm:linClrLst meth="repeat">
+      <a:schemeClr val="dk1">
+        <a:alpha val="0"/>
+      </a:schemeClr>
+    </dgm:linClrLst>
+    <dgm:effectClrLst/>
+    <dgm:txLinClrLst/>
+    <dgm:txFillClrLst meth="repeat">
+      <a:schemeClr val="tx1"/>
+    </dgm:txFillClrLst>
+    <dgm:txEffectClrLst/>
+  </dgm:styleLbl>
+</dgm:colorsDef>
+</file>
+
+<file path=ppt/diagrams/colors7.xml><?xml version="1.0" encoding="utf-8"?>
+<dgm:colorsDef xmlns:dgm="http://schemas.openxmlformats.org/drawingml/2006/diagram" xmlns:a="http://schemas.openxmlformats.org/drawingml/2006/main" uniqueId="urn:microsoft.com/office/officeart/2005/8/colors/accent1_2">
+  <dgm:title val=""/>
+  <dgm:desc val=""/>
+  <dgm:catLst>
+    <dgm:cat type="accent1" pri="11200"/>
+  </dgm:catLst>
+  <dgm:styleLbl name="node0">
+    <dgm:fillClrLst meth="repeat">
+      <a:schemeClr val="accent1"/>
+    </dgm:fillClrLst>
+    <dgm:linClrLst meth="repeat">
+      <a:schemeClr val="lt1"/>
+    </dgm:linClrLst>
+    <dgm:effectClrLst/>
+    <dgm:txLinClrLst/>
+    <dgm:txFillClrLst/>
+    <dgm:txEffectClrLst/>
+  </dgm:styleLbl>
+  <dgm:styleLbl name="alignNode1">
+    <dgm:fillClrLst meth="repeat">
+      <a:schemeClr val="accent1"/>
+    </dgm:fillClrLst>
+    <dgm:linClrLst meth="repeat">
+      <a:schemeClr val="accent1"/>
+    </dgm:linClrLst>
+    <dgm:effectClrLst/>
+    <dgm:txLinClrLst/>
+    <dgm:txFillClrLst/>
+    <dgm:txEffectClrLst/>
+  </dgm:styleLbl>
+  <dgm:styleLbl name="node1">
+    <dgm:fillClrLst meth="repeat">
+      <a:schemeClr val="accent1"/>
+    </dgm:fillClrLst>
+    <dgm:linClrLst meth="repeat">
+      <a:schemeClr val="lt1"/>
+    </dgm:linClrLst>
+    <dgm:effectClrLst/>
+    <dgm:txLinClrLst/>
+    <dgm:txFillClrLst/>
+    <dgm:txEffectClrLst/>
+  </dgm:styleLbl>
+  <dgm:styleLbl name="lnNode1">
+    <dgm:fillClrLst meth="repeat">
+      <a:schemeClr val="accent1"/>
+    </dgm:fillClrLst>
+    <dgm:linClrLst meth="repeat">
+      <a:schemeClr val="lt1"/>
+    </dgm:linClrLst>
+    <dgm:effectClrLst/>
+    <dgm:txLinClrLst/>
+    <dgm:txFillClrLst/>
+    <dgm:txEffectClrLst/>
+  </dgm:styleLbl>
+  <dgm:styleLbl name="vennNode1">
+    <dgm:fillClrLst meth="repeat">
+      <a:schemeClr val="accent1">
+        <a:alpha val="50000"/>
+      </a:schemeClr>
+    </dgm:fillClrLst>
+    <dgm:linClrLst meth="repeat">
+      <a:schemeClr val="lt1"/>
+    </dgm:linClrLst>
+    <dgm:effectClrLst/>
+    <dgm:txLinClrLst/>
+    <dgm:txFillClrLst/>
+    <dgm:txEffectClrLst/>
+  </dgm:styleLbl>
+  <dgm:styleLbl name="node2">
+    <dgm:fillClrLst meth="repeat">
+      <a:schemeClr val="accent1"/>
+    </dgm:fillClrLst>
+    <dgm:linClrLst meth="repeat">
+      <a:schemeClr val="lt1"/>
+    </dgm:linClrLst>
+    <dgm:effectClrLst/>
+    <dgm:txLinClrLst/>
+    <dgm:txFillClrLst/>
+    <dgm:txEffectClrLst/>
+  </dgm:styleLbl>
+  <dgm:styleLbl name="node3">
+    <dgm:fillClrLst meth="repeat">
+      <a:schemeClr val="accent1"/>
+    </dgm:fillClrLst>
+    <dgm:linClrLst meth="repeat">
+      <a:schemeClr val="lt1"/>
+    </dgm:linClrLst>
+    <dgm:effectClrLst/>
+    <dgm:txLinClrLst/>
+    <dgm:txFillClrLst/>
+    <dgm:txEffectClrLst/>
+  </dgm:styleLbl>
+  <dgm:styleLbl name="node4">
+    <dgm:fillClrLst meth="repeat">
+      <a:schemeClr val="accent1"/>
+    </dgm:fillClrLst>
+    <dgm:linClrLst meth="repeat">
+      <a:schemeClr val="lt1"/>
+    </dgm:linClrLst>
+    <dgm:effectClrLst/>
+    <dgm:txLinClrLst/>
+    <dgm:txFillClrLst/>
+    <dgm:txEffectClrLst/>
+  </dgm:styleLbl>
+  <dgm:styleLbl name="fgImgPlace1">
+    <dgm:fillClrLst meth="repeat">
+      <a:schemeClr val="accent1">
+        <a:tint val="50000"/>
+      </a:schemeClr>
+    </dgm:fillClrLst>
+    <dgm:linClrLst meth="repeat">
+      <a:schemeClr val="lt1"/>
+    </dgm:linClrLst>
+    <dgm:effectClrLst/>
+    <dgm:txLinClrLst/>
+    <dgm:txFillClrLst meth="repeat">
+      <a:schemeClr val="lt1"/>
+    </dgm:txFillClrLst>
+    <dgm:txEffectClrLst/>
+  </dgm:styleLbl>
+  <dgm:styleLbl name="alignImgPlace1">
+    <dgm:fillClrLst meth="repeat">
+      <a:schemeClr val="accent1">
+        <a:tint val="50000"/>
+      </a:schemeClr>
+    </dgm:fillClrLst>
+    <dgm:linClrLst meth="repeat">
+      <a:schemeClr val="lt1"/>
+    </dgm:linClrLst>
+    <dgm:effectClrLst/>
+    <dgm:txLinClrLst/>
+    <dgm:txFillClrLst meth="repeat">
+      <a:schemeClr val="lt1"/>
+    </dgm:txFillClrLst>
+    <dgm:txEffectClrLst/>
+  </dgm:styleLbl>
+  <dgm:styleLbl name="bgImgPlace1">
+    <dgm:fillClrLst meth="repeat">
+      <a:schemeClr val="accent1">
+        <a:tint val="50000"/>
+      </a:schemeClr>
+    </dgm:fillClrLst>
+    <dgm:linClrLst meth="repeat">
+      <a:schemeClr val="lt1"/>
+    </dgm:linClrLst>
+    <dgm:effectClrLst/>
+    <dgm:txLinClrLst/>
+    <dgm:txFillClrLst meth="repeat">
+      <a:schemeClr val="lt1"/>
+    </dgm:txFillClrLst>
+    <dgm:txEffectClrLst/>
+  </dgm:styleLbl>
+  <dgm:styleLbl name="sibTrans2D1">
+    <dgm:fillClrLst meth="repeat">
+      <a:schemeClr val="accent1">
+        <a:tint val="60000"/>
+      </a:schemeClr>
+    </dgm:fillClrLst>
+    <dgm:linClrLst meth="repeat">
+      <a:schemeClr val="accent1">
+        <a:tint val="60000"/>
+      </a:schemeClr>
+    </dgm:linClrLst>
+    <dgm:effectClrLst/>
+    <dgm:txLinClrLst/>
+    <dgm:txFillClrLst/>
+    <dgm:txEffectClrLst/>
+  </dgm:styleLbl>
+  <dgm:styleLbl name="fgSibTrans2D1">
+    <dgm:fillClrLst meth="repeat">
+      <a:schemeClr val="accent1">
+        <a:tint val="60000"/>
+      </a:schemeClr>
+    </dgm:fillClrLst>
+    <dgm:linClrLst meth="repeat">
+      <a:schemeClr val="accent1">
+        <a:tint val="60000"/>
+      </a:schemeClr>
+    </dgm:linClrLst>
+    <dgm:effectClrLst/>
+    <dgm:txLinClrLst/>
+    <dgm:txFillClrLst/>
+    <dgm:txEffectClrLst/>
+  </dgm:styleLbl>
+  <dgm:styleLbl name="bgSibTrans2D1">
+    <dgm:fillClrLst meth="repeat">
+      <a:schemeClr val="accent1">
+        <a:tint val="60000"/>
+      </a:schemeClr>
+    </dgm:fillClrLst>
+    <dgm:linClrLst meth="repeat">
+      <a:schemeClr val="accent1">
+        <a:tint val="60000"/>
+      </a:schemeClr>
+    </dgm:linClrLst>
+    <dgm:effectClrLst/>
+    <dgm:txLinClrLst/>
+    <dgm:txFillClrLst/>
+    <dgm:txEffectClrLst/>
+  </dgm:styleLbl>
+  <dgm:styleLbl name="sibTrans1D1">
+    <dgm:fillClrLst meth="repeat">
+      <a:schemeClr val="accent1"/>
+    </dgm:fillClrLst>
+    <dgm:linClrLst meth="repeat">
+      <a:schemeClr val="accent1"/>
+    </dgm:linClrLst>
+    <dgm:effectClrLst/>
+    <dgm:txLinClrLst/>
+    <dgm:txFillClrLst meth="repeat">
+      <a:schemeClr val="tx1"/>
+    </dgm:txFillClrLst>
+    <dgm:txEffectClrLst/>
+  </dgm:styleLbl>
+  <dgm:styleLbl name="callout">
+    <dgm:fillClrLst meth="repeat">
+      <a:schemeClr val="accent1"/>
+    </dgm:fillClrLst>
+    <dgm:linClrLst meth="repeat">
+      <a:schemeClr val="accent1">
+        <a:tint val="50000"/>
+      </a:schemeClr>
+    </dgm:linClrLst>
+    <dgm:effectClrLst/>
+    <dgm:txLinClrLst/>
+    <dgm:txFillClrLst meth="repeat">
+      <a:schemeClr val="tx1"/>
+    </dgm:txFillClrLst>
+    <dgm:txEffectClrLst/>
+  </dgm:styleLbl>
+  <dgm:styleLbl name="asst0">
+    <dgm:fillClrLst meth="repeat">
+      <a:schemeClr val="accent1"/>
+    </dgm:fillClrLst>
+    <dgm:linClrLst meth="repeat">
+      <a:schemeClr val="lt1"/>
+    </dgm:linClrLst>
+    <dgm:effectClrLst/>
+    <dgm:txLinClrLst/>
+    <dgm:txFillClrLst/>
+    <dgm:txEffectClrLst/>
+  </dgm:styleLbl>
+  <dgm:styleLbl name="asst1">
+    <dgm:fillClrLst meth="repeat">
+      <a:schemeClr val="accent1"/>
+    </dgm:fillClrLst>
+    <dgm:linClrLst meth="repeat">
+      <a:schemeClr val="lt1"/>
+    </dgm:linClrLst>
+    <dgm:effectClrLst/>
+    <dgm:txLinClrLst/>
+    <dgm:txFillClrLst/>
+    <dgm:txEffectClrLst/>
+  </dgm:styleLbl>
+  <dgm:styleLbl name="asst2">
+    <dgm:fillClrLst meth="repeat">
+      <a:schemeClr val="accent1"/>
+    </dgm:fillClrLst>
+    <dgm:linClrLst meth="repeat">
+      <a:schemeClr val="lt1"/>
+    </dgm:linClrLst>
+    <dgm:effectClrLst/>
+    <dgm:txLinClrLst/>
+    <dgm:txFillClrLst/>
+    <dgm:txEffectClrLst/>
+  </dgm:styleLbl>
+  <dgm:styleLbl name="asst3">
+    <dgm:fillClrLst meth="repeat">
+      <a:schemeClr val="accent1"/>
+    </dgm:fillClrLst>
+    <dgm:linClrLst meth="repeat">
+      <a:schemeClr val="lt1"/>
+    </dgm:linClrLst>
+    <dgm:effectClrLst/>
+    <dgm:txLinClrLst/>
+    <dgm:txFillClrLst/>
+    <dgm:txEffectClrLst/>
+  </dgm:styleLbl>
+  <dgm:styleLbl name="asst4">
+    <dgm:fillClrLst meth="repeat">
+      <a:schemeClr val="accent1"/>
+    </dgm:fillClrLst>
+    <dgm:linClrLst meth="repeat">
+      <a:schemeClr val="lt1"/>
+    </dgm:linClrLst>
+    <dgm:effectClrLst/>
+    <dgm:txLinClrLst/>
+    <dgm:txFillClrLst/>
+    <dgm:txEffectClrLst/>
+  </dgm:styleLbl>
+  <dgm:styleLbl name="parChTrans2D1">
+    <dgm:fillClrLst meth="repeat">
+      <a:schemeClr val="accent1">
+        <a:tint val="60000"/>
+      </a:schemeClr>
+    </dgm:fillClrLst>
+    <dgm:linClrLst meth="repeat">
+      <a:schemeClr val="accent1">
+        <a:tint val="60000"/>
+      </a:schemeClr>
+    </dgm:linClrLst>
+    <dgm:effectClrLst/>
+    <dgm:txLinClrLst/>
+    <dgm:txFillClrLst meth="repeat">
+      <a:schemeClr val="lt1"/>
+    </dgm:txFillClrLst>
+    <dgm:txEffectClrLst/>
+  </dgm:styleLbl>
+  <dgm:styleLbl name="parChTrans2D2">
+    <dgm:fillClrLst meth="repeat">
+      <a:schemeClr val="accent1"/>
+    </dgm:fillClrLst>
+    <dgm:linClrLst meth="repeat">
+      <a:schemeClr val="accent1"/>
+    </dgm:linClrLst>
+    <dgm:effectClrLst/>
+    <dgm:txLinClrLst/>
+    <dgm:txFillClrLst meth="repeat">
+      <a:schemeClr val="lt1"/>
+    </dgm:txFillClrLst>
+    <dgm:txEffectClrLst/>
+  </dgm:styleLbl>
+  <dgm:styleLbl name="parChTrans2D3">
+    <dgm:fillClrLst meth="repeat">
+      <a:schemeClr val="accent1"/>
+    </dgm:fillClrLst>
+    <dgm:linClrLst meth="repeat">
+      <a:schemeClr val="accent1"/>
+    </dgm:linClrLst>
+    <dgm:effectClrLst/>
+    <dgm:txLinClrLst/>
+    <dgm:txFillClrLst meth="repeat">
+      <a:schemeClr val="lt1"/>
+    </dgm:txFillClrLst>
+    <dgm:txEffectClrLst/>
+  </dgm:styleLbl>
+  <dgm:styleLbl name="parChTrans2D4">
+    <dgm:fillClrLst meth="repeat">
+      <a:schemeClr val="accent1"/>
+    </dgm:fillClrLst>
+    <dgm:linClrLst meth="repeat">
+      <a:schemeClr val="accent1"/>
+    </dgm:linClrLst>
+    <dgm:effectClrLst/>
+    <dgm:txLinClrLst/>
+    <dgm:txFillClrLst meth="repeat">
+      <a:schemeClr val="lt1"/>
+    </dgm:txFillClrLst>
+    <dgm:txEffectClrLst/>
+  </dgm:styleLbl>
+  <dgm:styleLbl name="parChTrans1D1">
+    <dgm:fillClrLst meth="repeat">
+      <a:schemeClr val="accent1"/>
+    </dgm:fillClrLst>
+    <dgm:linClrLst meth="repeat">
+      <a:schemeClr val="accent1">
+        <a:shade val="60000"/>
+      </a:schemeClr>
+    </dgm:linClrLst>
+    <dgm:effectClrLst/>
+    <dgm:txLinClrLst/>
+    <dgm:txFillClrLst meth="repeat">
+      <a:schemeClr val="tx1"/>
+    </dgm:txFillClrLst>
+    <dgm:txEffectClrLst/>
+  </dgm:styleLbl>
+  <dgm:styleLbl name="parChTrans1D2">
+    <dgm:fillClrLst meth="repeat">
+      <a:schemeClr val="accent1"/>
+    </dgm:fillClrLst>
+    <dgm:linClrLst meth="repeat">
+      <a:schemeClr val="accent1">
+        <a:shade val="60000"/>
+      </a:schemeClr>
+    </dgm:linClrLst>
+    <dgm:effectClrLst/>
+    <dgm:txLinClrLst/>
+    <dgm:txFillClrLst meth="repeat">
+      <a:schemeClr val="tx1"/>
+    </dgm:txFillClrLst>
+    <dgm:txEffectClrLst/>
+  </dgm:styleLbl>
+  <dgm:styleLbl name="parChTrans1D3">
+    <dgm:fillClrLst meth="repeat">
+      <a:schemeClr val="accent1"/>
+    </dgm:fillClrLst>
+    <dgm:linClrLst meth="repeat">
+      <a:schemeClr val="accent1">
+        <a:shade val="80000"/>
+      </a:schemeClr>
+    </dgm:linClrLst>
+    <dgm:effectClrLst/>
+    <dgm:txLinClrLst/>
+    <dgm:txFillClrLst meth="repeat">
+      <a:schemeClr val="tx1"/>
+    </dgm:txFillClrLst>
+    <dgm:txEffectClrLst/>
+  </dgm:styleLbl>
+  <dgm:styleLbl name="parChTrans1D4">
+    <dgm:fillClrLst meth="repeat">
+      <a:schemeClr val="accent1"/>
+    </dgm:fillClrLst>
+    <dgm:linClrLst meth="repeat">
+      <a:schemeClr val="accent1">
+        <a:shade val="80000"/>
+      </a:schemeClr>
+    </dgm:linClrLst>
+    <dgm:effectClrLst/>
+    <dgm:txLinClrLst/>
+    <dgm:txFillClrLst meth="repeat">
+      <a:schemeClr val="tx1"/>
+    </dgm:txFillClrLst>
+    <dgm:txEffectClrLst/>
+  </dgm:styleLbl>
+  <dgm:styleLbl name="fgAcc1">
+    <dgm:fillClrLst meth="repeat">
+      <a:schemeClr val="lt1">
+        <a:alpha val="90000"/>
+      </a:schemeClr>
+    </dgm:fillClrLst>
+    <dgm:linClrLst meth="repeat">
+      <a:schemeClr val="accent1"/>
+    </dgm:linClrLst>
+    <dgm:effectClrLst/>
+    <dgm:txLinClrLst/>
+    <dgm:txFillClrLst meth="repeat">
+      <a:schemeClr val="dk1"/>
+    </dgm:txFillClrLst>
+    <dgm:txEffectClrLst/>
+  </dgm:styleLbl>
+  <dgm:styleLbl name="conFgAcc1">
+    <dgm:fillClrLst meth="repeat">
+      <a:schemeClr val="lt1">
+        <a:alpha val="90000"/>
+      </a:schemeClr>
+    </dgm:fillClrLst>
+    <dgm:linClrLst meth="repeat">
+      <a:schemeClr val="accent1"/>
+    </dgm:linClrLst>
+    <dgm:effectClrLst/>
+    <dgm:txLinClrLst/>
+    <dgm:txFillClrLst meth="repeat">
+      <a:schemeClr val="dk1"/>
+    </dgm:txFillClrLst>
+    <dgm:txEffectClrLst/>
+  </dgm:styleLbl>
+  <dgm:styleLbl name="alignAcc1">
+    <dgm:fillClrLst meth="repeat">
+      <a:schemeClr val="lt1">
+        <a:alpha val="90000"/>
+      </a:schemeClr>
+    </dgm:fillClrLst>
+    <dgm:linClrLst meth="repeat">
+      <a:schemeClr val="accent1"/>
+    </dgm:linClrLst>
+    <dgm:effectClrLst/>
+    <dgm:txLinClrLst/>
+    <dgm:txFillClrLst meth="repeat">
+      <a:schemeClr val="dk1"/>
+    </dgm:txFillClrLst>
+    <dgm:txEffectClrLst/>
+  </dgm:styleLbl>
+  <dgm:styleLbl name="trAlignAcc1">
+    <dgm:fillClrLst meth="repeat">
+      <a:schemeClr val="lt1">
+        <a:alpha val="40000"/>
+      </a:schemeClr>
+    </dgm:fillClrLst>
+    <dgm:linClrLst meth="repeat">
+      <a:schemeClr val="accent1"/>
+    </dgm:linClrLst>
+    <dgm:effectClrLst/>
+    <dgm:txLinClrLst/>
+    <dgm:txFillClrLst meth="repeat">
+      <a:schemeClr val="dk1"/>
+    </dgm:txFillClrLst>
+    <dgm:txEffectClrLst/>
+  </dgm:styleLbl>
+  <dgm:styleLbl name="bgAcc1">
+    <dgm:fillClrLst meth="repeat">
+      <a:schemeClr val="lt1">
+        <a:alpha val="90000"/>
+      </a:schemeClr>
+    </dgm:fillClrLst>
+    <dgm:linClrLst meth="repeat">
+      <a:schemeClr val="accent1"/>
+    </dgm:linClrLst>
+    <dgm:effectClrLst/>
+    <dgm:txLinClrLst/>
+    <dgm:txFillClrLst meth="repeat">
+      <a:schemeClr val="dk1"/>
+    </dgm:txFillClrLst>
+    <dgm:txEffectClrLst/>
+  </dgm:styleLbl>
+  <dgm:styleLbl name="solidFgAcc1">
+    <dgm:fillClrLst meth="repeat">
+      <a:schemeClr val="lt1"/>
+    </dgm:fillClrLst>
+    <dgm:linClrLst meth="repeat">
+      <a:schemeClr val="accent1"/>
+    </dgm:linClrLst>
+    <dgm:effectClrLst/>
+    <dgm:txLinClrLst/>
+    <dgm:txFillClrLst meth="repeat">
+      <a:schemeClr val="dk1"/>
+    </dgm:txFillClrLst>
+    <dgm:txEffectClrLst/>
+  </dgm:styleLbl>
+  <dgm:styleLbl name="solidAlignAcc1">
+    <dgm:fillClrLst meth="repeat">
+      <a:schemeClr val="lt1"/>
+    </dgm:fillClrLst>
+    <dgm:linClrLst meth="repeat">
+      <a:schemeClr val="accent1"/>
+    </dgm:linClrLst>
+    <dgm:effectClrLst/>
+    <dgm:txLinClrLst/>
+    <dgm:txFillClrLst meth="repeat">
+      <a:schemeClr val="dk1"/>
+    </dgm:txFillClrLst>
+    <dgm:txEffectClrLst/>
+  </dgm:styleLbl>
+  <dgm:styleLbl name="solidBgAcc1">
+    <dgm:fillClrLst meth="repeat">
+      <a:schemeClr val="lt1"/>
+    </dgm:fillClrLst>
+    <dgm:linClrLst meth="repeat">
+      <a:schemeClr val="accent1"/>
+    </dgm:linClrLst>
+    <dgm:effectClrLst/>
+    <dgm:txLinClrLst/>
+    <dgm:txFillClrLst meth="repeat">
+      <a:schemeClr val="dk1"/>
+    </dgm:txFillClrLst>
+    <dgm:txEffectClrLst/>
+  </dgm:styleLbl>
+  <dgm:styleLbl name="fgAccFollowNode1">
+    <dgm:fillClrLst meth="repeat">
+      <a:schemeClr val="accent1">
+        <a:alpha val="90000"/>
+        <a:tint val="40000"/>
+      </a:schemeClr>
+    </dgm:fillClrLst>
+    <dgm:linClrLst meth="repeat">
+      <a:schemeClr val="accent1">
+        <a:alpha val="90000"/>
+        <a:tint val="40000"/>
+      </a:schemeClr>
+    </dgm:linClrLst>
+    <dgm:effectClrLst/>
+    <dgm:txLinClrLst/>
+    <dgm:txFillClrLst meth="repeat">
+      <a:schemeClr val="dk1"/>
+    </dgm:txFillClrLst>
+    <dgm:txEffectClrLst/>
+  </dgm:styleLbl>
+  <dgm:styleLbl name="alignAccFollowNode1">
+    <dgm:fillClrLst meth="repeat">
+      <a:schemeClr val="accent1">
+        <a:alpha val="90000"/>
+        <a:tint val="40000"/>
+      </a:schemeClr>
+    </dgm:fillClrLst>
+    <dgm:linClrLst meth="repeat">
+      <a:schemeClr val="accent1">
+        <a:alpha val="90000"/>
+        <a:tint val="40000"/>
+      </a:schemeClr>
+    </dgm:linClrLst>
+    <dgm:effectClrLst/>
+    <dgm:txLinClrLst/>
+    <dgm:txFillClrLst meth="repeat">
+      <a:schemeClr val="dk1"/>
+    </dgm:txFillClrLst>
+    <dgm:txEffectClrLst/>
+  </dgm:styleLbl>
+  <dgm:styleLbl name="bgAccFollowNode1">
+    <dgm:fillClrLst meth="repeat">
+      <a:schemeClr val="accent1">
+        <a:alpha val="90000"/>
+        <a:tint val="40000"/>
+      </a:schemeClr>
+    </dgm:fillClrLst>
+    <dgm:linClrLst meth="repeat">
+      <a:schemeClr val="accent1">
+        <a:alpha val="90000"/>
+        <a:tint val="40000"/>
+      </a:schemeClr>
+    </dgm:linClrLst>
+    <dgm:effectClrLst/>
+    <dgm:txLinClrLst/>
+    <dgm:txFillClrLst meth="repeat">
+      <a:schemeClr val="dk1"/>
+    </dgm:txFillClrLst>
+    <dgm:txEffectClrLst/>
+  </dgm:styleLbl>
+  <dgm:styleLbl name="fgAcc0">
+    <dgm:fillClrLst meth="repeat">
+      <a:schemeClr val="lt1">
+        <a:alpha val="90000"/>
+      </a:schemeClr>
+    </dgm:fillClrLst>
+    <dgm:linClrLst meth="repeat">
+      <a:schemeClr val="accent1"/>
+    </dgm:linClrLst>
+    <dgm:effectClrLst/>
+    <dgm:txLinClrLst/>
+    <dgm:txFillClrLst meth="repeat">
+      <a:schemeClr val="dk1"/>
+    </dgm:txFillClrLst>
+    <dgm:txEffectClrLst/>
+  </dgm:styleLbl>
+  <dgm:styleLbl name="fgAcc2">
+    <dgm:fillClrLst meth="repeat">
+      <a:schemeClr val="lt1">
+        <a:alpha val="90000"/>
+      </a:schemeClr>
+    </dgm:fillClrLst>
+    <dgm:linClrLst meth="repeat">
+      <a:schemeClr val="accent1"/>
+    </dgm:linClrLst>
+    <dgm:effectClrLst/>
+    <dgm:txLinClrLst/>
+    <dgm:txFillClrLst meth="repeat">
+      <a:schemeClr val="dk1"/>
+    </dgm:txFillClrLst>
+    <dgm:txEffectClrLst/>
+  </dgm:styleLbl>
+  <dgm:styleLbl name="fgAcc3">
+    <dgm:fillClrLst meth="repeat">
+      <a:schemeClr val="lt1">
+        <a:alpha val="90000"/>
+      </a:schemeClr>
+    </dgm:fillClrLst>
+    <dgm:linClrLst meth="repeat">
+      <a:schemeClr val="accent1"/>
+    </dgm:linClrLst>
+    <dgm:effectClrLst/>
+    <dgm:txLinClrLst/>
+    <dgm:txFillClrLst meth="repeat">
+      <a:schemeClr val="dk1"/>
+    </dgm:txFillClrLst>
+    <dgm:txEffectClrLst/>
+  </dgm:styleLbl>
+  <dgm:styleLbl name="fgAcc4">
+    <dgm:fillClrLst meth="repeat">
+      <a:schemeClr val="lt1">
+        <a:alpha val="90000"/>
+      </a:schemeClr>
+    </dgm:fillClrLst>
+    <dgm:linClrLst meth="repeat">
+      <a:schemeClr val="accent1"/>
+    </dgm:linClrLst>
+    <dgm:effectClrLst/>
+    <dgm:txLinClrLst/>
+    <dgm:txFillClrLst meth="repeat">
+      <a:schemeClr val="dk1"/>
+    </dgm:txFillClrLst>
+    <dgm:txEffectClrLst/>
+  </dgm:styleLbl>
+  <dgm:styleLbl name="bgShp">
+    <dgm:fillClrLst meth="repeat">
+      <a:schemeClr val="accent1">
+        <a:tint val="40000"/>
+      </a:schemeClr>
+    </dgm:fillClrLst>
+    <dgm:linClrLst meth="repeat">
+      <a:schemeClr val="accent1"/>
+    </dgm:linClrLst>
+    <dgm:effectClrLst/>
+    <dgm:txLinClrLst/>
+    <dgm:txFillClrLst meth="repeat">
+      <a:schemeClr val="dk1"/>
+    </dgm:txFillClrLst>
+    <dgm:txEffectClrLst/>
+  </dgm:styleLbl>
+  <dgm:styleLbl name="dkBgShp">
+    <dgm:fillClrLst meth="repeat">
+      <a:schemeClr val="accent1">
+        <a:shade val="80000"/>
+      </a:schemeClr>
+    </dgm:fillClrLst>
+    <dgm:linClrLst meth="repeat">
+      <a:schemeClr val="accent1"/>
+    </dgm:linClrLst>
+    <dgm:effectClrLst/>
+    <dgm:txLinClrLst/>
+    <dgm:txFillClrLst meth="repeat">
+      <a:schemeClr val="lt1"/>
+    </dgm:txFillClrLst>
+    <dgm:txEffectClrLst/>
+  </dgm:styleLbl>
+  <dgm:styleLbl name="trBgShp">
+    <dgm:fillClrLst meth="repeat">
+      <a:schemeClr val="accent1">
+        <a:tint val="50000"/>
+        <a:alpha val="40000"/>
+      </a:schemeClr>
+    </dgm:fillClrLst>
+    <dgm:linClrLst meth="repeat">
+      <a:schemeClr val="accent1"/>
+    </dgm:linClrLst>
+    <dgm:effectClrLst/>
+    <dgm:txLinClrLst/>
+    <dgm:txFillClrLst meth="repeat">
+      <a:schemeClr val="lt1"/>
+    </dgm:txFillClrLst>
+    <dgm:txEffectClrLst/>
+  </dgm:styleLbl>
+  <dgm:styleLbl name="fgShp">
+    <dgm:fillClrLst meth="repeat">
+      <a:schemeClr val="accent1">
+        <a:tint val="60000"/>
       </a:schemeClr>
     </dgm:fillClrLst>
     <dgm:linClrLst meth="repeat">
@@ -6156,6 +7654,625 @@
   <dgm:extLst>
     <a:ext uri="http://schemas.microsoft.com/office/drawing/2008/diagram">
       <dsp:dataModelExt xmlns:dsp="http://schemas.microsoft.com/office/drawing/2008/diagram" relId="rId7" minVer="http://schemas.openxmlformats.org/drawingml/2006/diagram"/>
+    </a:ext>
+  </dgm:extLst>
+</dgm:dataModel>
+</file>
+
+<file path=ppt/diagrams/data6.xml><?xml version="1.0" encoding="utf-8"?>
+<dgm:dataModel xmlns:dgm="http://schemas.openxmlformats.org/drawingml/2006/diagram" xmlns:a="http://schemas.openxmlformats.org/drawingml/2006/main">
+  <dgm:ptLst>
+    <dgm:pt modelId="{7C0F0A3D-3D0E-467C-AF18-005C132346D0}" type="doc">
+      <dgm:prSet loTypeId="urn:microsoft.com/office/officeart/2005/8/layout/hierarchy1" loCatId="hierarchy" qsTypeId="urn:microsoft.com/office/officeart/2005/8/quickstyle/simple1" qsCatId="simple" csTypeId="urn:microsoft.com/office/officeart/2005/8/colors/accent1_2" csCatId="accent1"/>
+      <dgm:spPr/>
+      <dgm:t>
+        <a:bodyPr/>
+        <a:lstStyle/>
+        <a:p>
+          <a:endParaRPr lang="pl-PL"/>
+        </a:p>
+      </dgm:t>
+    </dgm:pt>
+    <dgm:pt modelId="{A3728869-9A9E-47BE-842F-FEA05D2CFDC9}">
+      <dgm:prSet/>
+      <dgm:spPr/>
+      <dgm:t>
+        <a:bodyPr/>
+        <a:lstStyle/>
+        <a:p>
+          <a:r>
+            <a:rPr lang="pl-PL"/>
+            <a:t>Potrzeba dobrego zbioru testowego</a:t>
+          </a:r>
+        </a:p>
+      </dgm:t>
+    </dgm:pt>
+    <dgm:pt modelId="{9F7E13E6-D6D3-4F39-BDE1-EC473EA62FD1}" type="parTrans" cxnId="{FFC7E967-61F8-424E-BC51-1A312ECBA7FF}">
+      <dgm:prSet/>
+      <dgm:spPr/>
+      <dgm:t>
+        <a:bodyPr/>
+        <a:lstStyle/>
+        <a:p>
+          <a:endParaRPr lang="pl-PL"/>
+        </a:p>
+      </dgm:t>
+    </dgm:pt>
+    <dgm:pt modelId="{D14A7280-C9B7-4E39-A96F-7DF1CB70A97E}" type="sibTrans" cxnId="{FFC7E967-61F8-424E-BC51-1A312ECBA7FF}">
+      <dgm:prSet/>
+      <dgm:spPr/>
+      <dgm:t>
+        <a:bodyPr/>
+        <a:lstStyle/>
+        <a:p>
+          <a:endParaRPr lang="pl-PL"/>
+        </a:p>
+      </dgm:t>
+    </dgm:pt>
+    <dgm:pt modelId="{B4A78C84-C0FE-4EAB-A675-F3DD825E8E44}">
+      <dgm:prSet/>
+      <dgm:spPr/>
+      <dgm:t>
+        <a:bodyPr/>
+        <a:lstStyle/>
+        <a:p>
+          <a:r>
+            <a:rPr lang="pl-PL"/>
+            <a:t>Stworzenie dobrej jakości algorytmu wymaga czasu</a:t>
+          </a:r>
+        </a:p>
+      </dgm:t>
+    </dgm:pt>
+    <dgm:pt modelId="{E8CFFCF8-92AC-45E9-A15A-AEBF3D045106}" type="parTrans" cxnId="{EB7537F0-4270-45FD-8A79-955AD9FED1F4}">
+      <dgm:prSet/>
+      <dgm:spPr/>
+      <dgm:t>
+        <a:bodyPr/>
+        <a:lstStyle/>
+        <a:p>
+          <a:endParaRPr lang="pl-PL"/>
+        </a:p>
+      </dgm:t>
+    </dgm:pt>
+    <dgm:pt modelId="{24BF135C-1854-4A4A-B7A0-DB6D10C7448A}" type="sibTrans" cxnId="{EB7537F0-4270-45FD-8A79-955AD9FED1F4}">
+      <dgm:prSet/>
+      <dgm:spPr/>
+      <dgm:t>
+        <a:bodyPr/>
+        <a:lstStyle/>
+        <a:p>
+          <a:endParaRPr lang="pl-PL"/>
+        </a:p>
+      </dgm:t>
+    </dgm:pt>
+    <dgm:pt modelId="{10641DC1-0E36-465E-99BE-6E69CFF3F2C7}">
+      <dgm:prSet/>
+      <dgm:spPr/>
+      <dgm:t>
+        <a:bodyPr/>
+        <a:lstStyle/>
+        <a:p>
+          <a:r>
+            <a:rPr lang="pl-PL"/>
+            <a:t>Rezygnacja z paradygmatu obiektowego rodzi problemy</a:t>
+          </a:r>
+        </a:p>
+      </dgm:t>
+    </dgm:pt>
+    <dgm:pt modelId="{92CC1418-1703-4DA9-A149-6F5BFC7A5311}" type="parTrans" cxnId="{71B1BAFE-0817-4FFF-8E5A-DCE9A5B5E51D}">
+      <dgm:prSet/>
+      <dgm:spPr/>
+      <dgm:t>
+        <a:bodyPr/>
+        <a:lstStyle/>
+        <a:p>
+          <a:endParaRPr lang="pl-PL"/>
+        </a:p>
+      </dgm:t>
+    </dgm:pt>
+    <dgm:pt modelId="{A12E1ABF-5D0D-4DD1-9EE3-0909CC9A60C0}" type="sibTrans" cxnId="{71B1BAFE-0817-4FFF-8E5A-DCE9A5B5E51D}">
+      <dgm:prSet/>
+      <dgm:spPr/>
+      <dgm:t>
+        <a:bodyPr/>
+        <a:lstStyle/>
+        <a:p>
+          <a:endParaRPr lang="pl-PL"/>
+        </a:p>
+      </dgm:t>
+    </dgm:pt>
+    <dgm:pt modelId="{A27E2C7D-53DA-4BF5-8979-D25FA913BD61}" type="pres">
+      <dgm:prSet presAssocID="{7C0F0A3D-3D0E-467C-AF18-005C132346D0}" presName="hierChild1" presStyleCnt="0">
+        <dgm:presLayoutVars>
+          <dgm:chPref val="1"/>
+          <dgm:dir/>
+          <dgm:animOne val="branch"/>
+          <dgm:animLvl val="lvl"/>
+          <dgm:resizeHandles/>
+        </dgm:presLayoutVars>
+      </dgm:prSet>
+      <dgm:spPr/>
+    </dgm:pt>
+    <dgm:pt modelId="{E0251D72-93B4-4D96-BA98-9AD153202A10}" type="pres">
+      <dgm:prSet presAssocID="{A3728869-9A9E-47BE-842F-FEA05D2CFDC9}" presName="hierRoot1" presStyleCnt="0"/>
+      <dgm:spPr/>
+    </dgm:pt>
+    <dgm:pt modelId="{FC237A3A-3C28-4B91-B7D7-3D2FD7E4A2F2}" type="pres">
+      <dgm:prSet presAssocID="{A3728869-9A9E-47BE-842F-FEA05D2CFDC9}" presName="composite" presStyleCnt="0"/>
+      <dgm:spPr/>
+    </dgm:pt>
+    <dgm:pt modelId="{150B7963-F647-4086-BA8F-F05AF1C429C3}" type="pres">
+      <dgm:prSet presAssocID="{A3728869-9A9E-47BE-842F-FEA05D2CFDC9}" presName="background" presStyleLbl="node0" presStyleIdx="0" presStyleCnt="3"/>
+      <dgm:spPr/>
+    </dgm:pt>
+    <dgm:pt modelId="{03AFFE5A-3B98-4E16-A251-461FEF2DF3C2}" type="pres">
+      <dgm:prSet presAssocID="{A3728869-9A9E-47BE-842F-FEA05D2CFDC9}" presName="text" presStyleLbl="fgAcc0" presStyleIdx="0" presStyleCnt="3">
+        <dgm:presLayoutVars>
+          <dgm:chPref val="3"/>
+        </dgm:presLayoutVars>
+      </dgm:prSet>
+      <dgm:spPr/>
+    </dgm:pt>
+    <dgm:pt modelId="{57455F28-4648-4A5B-BFC4-D9CF39F51975}" type="pres">
+      <dgm:prSet presAssocID="{A3728869-9A9E-47BE-842F-FEA05D2CFDC9}" presName="hierChild2" presStyleCnt="0"/>
+      <dgm:spPr/>
+    </dgm:pt>
+    <dgm:pt modelId="{A62A8E80-D7D6-4807-AC2A-6299C4EF02C9}" type="pres">
+      <dgm:prSet presAssocID="{B4A78C84-C0FE-4EAB-A675-F3DD825E8E44}" presName="hierRoot1" presStyleCnt="0"/>
+      <dgm:spPr/>
+    </dgm:pt>
+    <dgm:pt modelId="{259F95AB-615E-4C1E-B9AB-F88F9A37268F}" type="pres">
+      <dgm:prSet presAssocID="{B4A78C84-C0FE-4EAB-A675-F3DD825E8E44}" presName="composite" presStyleCnt="0"/>
+      <dgm:spPr/>
+    </dgm:pt>
+    <dgm:pt modelId="{251BA6C9-D144-4E18-98EA-E928CD109FE4}" type="pres">
+      <dgm:prSet presAssocID="{B4A78C84-C0FE-4EAB-A675-F3DD825E8E44}" presName="background" presStyleLbl="node0" presStyleIdx="1" presStyleCnt="3"/>
+      <dgm:spPr/>
+    </dgm:pt>
+    <dgm:pt modelId="{D4551938-7077-4E96-A7C8-A3DE5B5051A7}" type="pres">
+      <dgm:prSet presAssocID="{B4A78C84-C0FE-4EAB-A675-F3DD825E8E44}" presName="text" presStyleLbl="fgAcc0" presStyleIdx="1" presStyleCnt="3">
+        <dgm:presLayoutVars>
+          <dgm:chPref val="3"/>
+        </dgm:presLayoutVars>
+      </dgm:prSet>
+      <dgm:spPr/>
+    </dgm:pt>
+    <dgm:pt modelId="{D8A542E3-E48D-414E-9DD2-FDE1C364669A}" type="pres">
+      <dgm:prSet presAssocID="{B4A78C84-C0FE-4EAB-A675-F3DD825E8E44}" presName="hierChild2" presStyleCnt="0"/>
+      <dgm:spPr/>
+    </dgm:pt>
+    <dgm:pt modelId="{82261493-699D-45B0-87C8-78024A2A648D}" type="pres">
+      <dgm:prSet presAssocID="{10641DC1-0E36-465E-99BE-6E69CFF3F2C7}" presName="hierRoot1" presStyleCnt="0"/>
+      <dgm:spPr/>
+    </dgm:pt>
+    <dgm:pt modelId="{022EBB65-788E-4F53-90C8-DC5CCD5EE938}" type="pres">
+      <dgm:prSet presAssocID="{10641DC1-0E36-465E-99BE-6E69CFF3F2C7}" presName="composite" presStyleCnt="0"/>
+      <dgm:spPr/>
+    </dgm:pt>
+    <dgm:pt modelId="{F5827DDB-6580-419D-B938-735B0371278E}" type="pres">
+      <dgm:prSet presAssocID="{10641DC1-0E36-465E-99BE-6E69CFF3F2C7}" presName="background" presStyleLbl="node0" presStyleIdx="2" presStyleCnt="3"/>
+      <dgm:spPr/>
+    </dgm:pt>
+    <dgm:pt modelId="{EFAB2E85-C2E2-47CB-A17D-9826E58573B6}" type="pres">
+      <dgm:prSet presAssocID="{10641DC1-0E36-465E-99BE-6E69CFF3F2C7}" presName="text" presStyleLbl="fgAcc0" presStyleIdx="2" presStyleCnt="3">
+        <dgm:presLayoutVars>
+          <dgm:chPref val="3"/>
+        </dgm:presLayoutVars>
+      </dgm:prSet>
+      <dgm:spPr/>
+    </dgm:pt>
+    <dgm:pt modelId="{60C009F3-06BF-491D-AA92-3A8A5DD25CD7}" type="pres">
+      <dgm:prSet presAssocID="{10641DC1-0E36-465E-99BE-6E69CFF3F2C7}" presName="hierChild2" presStyleCnt="0"/>
+      <dgm:spPr/>
+    </dgm:pt>
+  </dgm:ptLst>
+  <dgm:cxnLst>
+    <dgm:cxn modelId="{D1DC8C1B-46DC-4095-AB86-4E05165D68A0}" type="presOf" srcId="{A3728869-9A9E-47BE-842F-FEA05D2CFDC9}" destId="{03AFFE5A-3B98-4E16-A251-461FEF2DF3C2}" srcOrd="0" destOrd="0" presId="urn:microsoft.com/office/officeart/2005/8/layout/hierarchy1"/>
+    <dgm:cxn modelId="{FFC7E967-61F8-424E-BC51-1A312ECBA7FF}" srcId="{7C0F0A3D-3D0E-467C-AF18-005C132346D0}" destId="{A3728869-9A9E-47BE-842F-FEA05D2CFDC9}" srcOrd="0" destOrd="0" parTransId="{9F7E13E6-D6D3-4F39-BDE1-EC473EA62FD1}" sibTransId="{D14A7280-C9B7-4E39-A96F-7DF1CB70A97E}"/>
+    <dgm:cxn modelId="{130E8148-4149-4739-B398-A9C5DEED4CE7}" type="presOf" srcId="{B4A78C84-C0FE-4EAB-A675-F3DD825E8E44}" destId="{D4551938-7077-4E96-A7C8-A3DE5B5051A7}" srcOrd="0" destOrd="0" presId="urn:microsoft.com/office/officeart/2005/8/layout/hierarchy1"/>
+    <dgm:cxn modelId="{99CE2EBD-C122-462C-A505-2235A8536617}" type="presOf" srcId="{7C0F0A3D-3D0E-467C-AF18-005C132346D0}" destId="{A27E2C7D-53DA-4BF5-8979-D25FA913BD61}" srcOrd="0" destOrd="0" presId="urn:microsoft.com/office/officeart/2005/8/layout/hierarchy1"/>
+    <dgm:cxn modelId="{EB7537F0-4270-45FD-8A79-955AD9FED1F4}" srcId="{7C0F0A3D-3D0E-467C-AF18-005C132346D0}" destId="{B4A78C84-C0FE-4EAB-A675-F3DD825E8E44}" srcOrd="1" destOrd="0" parTransId="{E8CFFCF8-92AC-45E9-A15A-AEBF3D045106}" sibTransId="{24BF135C-1854-4A4A-B7A0-DB6D10C7448A}"/>
+    <dgm:cxn modelId="{BD2F3FF0-B649-40D9-B7CF-2D9B109C2A3E}" type="presOf" srcId="{10641DC1-0E36-465E-99BE-6E69CFF3F2C7}" destId="{EFAB2E85-C2E2-47CB-A17D-9826E58573B6}" srcOrd="0" destOrd="0" presId="urn:microsoft.com/office/officeart/2005/8/layout/hierarchy1"/>
+    <dgm:cxn modelId="{71B1BAFE-0817-4FFF-8E5A-DCE9A5B5E51D}" srcId="{7C0F0A3D-3D0E-467C-AF18-005C132346D0}" destId="{10641DC1-0E36-465E-99BE-6E69CFF3F2C7}" srcOrd="2" destOrd="0" parTransId="{92CC1418-1703-4DA9-A149-6F5BFC7A5311}" sibTransId="{A12E1ABF-5D0D-4DD1-9EE3-0909CC9A60C0}"/>
+    <dgm:cxn modelId="{325CE655-458E-47BA-A0AB-329A4F6F5079}" type="presParOf" srcId="{A27E2C7D-53DA-4BF5-8979-D25FA913BD61}" destId="{E0251D72-93B4-4D96-BA98-9AD153202A10}" srcOrd="0" destOrd="0" presId="urn:microsoft.com/office/officeart/2005/8/layout/hierarchy1"/>
+    <dgm:cxn modelId="{20AD9306-6B6F-4229-8E42-09A0D13AA54F}" type="presParOf" srcId="{E0251D72-93B4-4D96-BA98-9AD153202A10}" destId="{FC237A3A-3C28-4B91-B7D7-3D2FD7E4A2F2}" srcOrd="0" destOrd="0" presId="urn:microsoft.com/office/officeart/2005/8/layout/hierarchy1"/>
+    <dgm:cxn modelId="{C051012A-E724-410F-9FC8-2C8F0BC9C44E}" type="presParOf" srcId="{FC237A3A-3C28-4B91-B7D7-3D2FD7E4A2F2}" destId="{150B7963-F647-4086-BA8F-F05AF1C429C3}" srcOrd="0" destOrd="0" presId="urn:microsoft.com/office/officeart/2005/8/layout/hierarchy1"/>
+    <dgm:cxn modelId="{3AE2A921-274D-479A-BE0B-3193AED18F65}" type="presParOf" srcId="{FC237A3A-3C28-4B91-B7D7-3D2FD7E4A2F2}" destId="{03AFFE5A-3B98-4E16-A251-461FEF2DF3C2}" srcOrd="1" destOrd="0" presId="urn:microsoft.com/office/officeart/2005/8/layout/hierarchy1"/>
+    <dgm:cxn modelId="{F9DA7CB8-AD8C-4E92-9FAD-081E6A3D3341}" type="presParOf" srcId="{E0251D72-93B4-4D96-BA98-9AD153202A10}" destId="{57455F28-4648-4A5B-BFC4-D9CF39F51975}" srcOrd="1" destOrd="0" presId="urn:microsoft.com/office/officeart/2005/8/layout/hierarchy1"/>
+    <dgm:cxn modelId="{8C1DFE52-EDE6-4A09-BB53-841ACB601433}" type="presParOf" srcId="{A27E2C7D-53DA-4BF5-8979-D25FA913BD61}" destId="{A62A8E80-D7D6-4807-AC2A-6299C4EF02C9}" srcOrd="1" destOrd="0" presId="urn:microsoft.com/office/officeart/2005/8/layout/hierarchy1"/>
+    <dgm:cxn modelId="{5C09C637-E781-42D7-8F4A-250FE113DA12}" type="presParOf" srcId="{A62A8E80-D7D6-4807-AC2A-6299C4EF02C9}" destId="{259F95AB-615E-4C1E-B9AB-F88F9A37268F}" srcOrd="0" destOrd="0" presId="urn:microsoft.com/office/officeart/2005/8/layout/hierarchy1"/>
+    <dgm:cxn modelId="{C3266933-37B0-4B80-AB19-DA05EEFF924C}" type="presParOf" srcId="{259F95AB-615E-4C1E-B9AB-F88F9A37268F}" destId="{251BA6C9-D144-4E18-98EA-E928CD109FE4}" srcOrd="0" destOrd="0" presId="urn:microsoft.com/office/officeart/2005/8/layout/hierarchy1"/>
+    <dgm:cxn modelId="{D01D1C90-57DA-4E4F-8B7B-CEA0570EA5E3}" type="presParOf" srcId="{259F95AB-615E-4C1E-B9AB-F88F9A37268F}" destId="{D4551938-7077-4E96-A7C8-A3DE5B5051A7}" srcOrd="1" destOrd="0" presId="urn:microsoft.com/office/officeart/2005/8/layout/hierarchy1"/>
+    <dgm:cxn modelId="{664BD87A-6FAB-443C-9716-A70EA6055486}" type="presParOf" srcId="{A62A8E80-D7D6-4807-AC2A-6299C4EF02C9}" destId="{D8A542E3-E48D-414E-9DD2-FDE1C364669A}" srcOrd="1" destOrd="0" presId="urn:microsoft.com/office/officeart/2005/8/layout/hierarchy1"/>
+    <dgm:cxn modelId="{CD2750C0-31F7-4E11-926A-2B25100B9E0C}" type="presParOf" srcId="{A27E2C7D-53DA-4BF5-8979-D25FA913BD61}" destId="{82261493-699D-45B0-87C8-78024A2A648D}" srcOrd="2" destOrd="0" presId="urn:microsoft.com/office/officeart/2005/8/layout/hierarchy1"/>
+    <dgm:cxn modelId="{2B0E82C9-EC90-4882-B9F0-03B8F4B3EF2A}" type="presParOf" srcId="{82261493-699D-45B0-87C8-78024A2A648D}" destId="{022EBB65-788E-4F53-90C8-DC5CCD5EE938}" srcOrd="0" destOrd="0" presId="urn:microsoft.com/office/officeart/2005/8/layout/hierarchy1"/>
+    <dgm:cxn modelId="{DCBBD508-4773-4798-9EE7-AC5B1783325D}" type="presParOf" srcId="{022EBB65-788E-4F53-90C8-DC5CCD5EE938}" destId="{F5827DDB-6580-419D-B938-735B0371278E}" srcOrd="0" destOrd="0" presId="urn:microsoft.com/office/officeart/2005/8/layout/hierarchy1"/>
+    <dgm:cxn modelId="{C6468B79-FBE7-4820-A0CB-2332C67F36E6}" type="presParOf" srcId="{022EBB65-788E-4F53-90C8-DC5CCD5EE938}" destId="{EFAB2E85-C2E2-47CB-A17D-9826E58573B6}" srcOrd="1" destOrd="0" presId="urn:microsoft.com/office/officeart/2005/8/layout/hierarchy1"/>
+    <dgm:cxn modelId="{BA18AFD2-677B-42A1-8DF3-7ED5349F9923}" type="presParOf" srcId="{82261493-699D-45B0-87C8-78024A2A648D}" destId="{60C009F3-06BF-491D-AA92-3A8A5DD25CD7}" srcOrd="1" destOrd="0" presId="urn:microsoft.com/office/officeart/2005/8/layout/hierarchy1"/>
+  </dgm:cxnLst>
+  <dgm:bg/>
+  <dgm:whole/>
+  <dgm:extLst>
+    <a:ext uri="http://schemas.microsoft.com/office/drawing/2008/diagram">
+      <dsp:dataModelExt xmlns:dsp="http://schemas.microsoft.com/office/drawing/2008/diagram" relId="rId6" minVer="http://schemas.openxmlformats.org/drawingml/2006/diagram"/>
+    </a:ext>
+  </dgm:extLst>
+</dgm:dataModel>
+</file>
+
+<file path=ppt/diagrams/data7.xml><?xml version="1.0" encoding="utf-8"?>
+<dgm:dataModel xmlns:dgm="http://schemas.openxmlformats.org/drawingml/2006/diagram" xmlns:a="http://schemas.openxmlformats.org/drawingml/2006/main">
+  <dgm:ptLst>
+    <dgm:pt modelId="{DCC091DD-34D4-4ABC-9A6D-C40DAB5F4350}" type="doc">
+      <dgm:prSet loTypeId="urn:microsoft.com/office/officeart/2005/8/layout/vProcess5" loCatId="process" qsTypeId="urn:microsoft.com/office/officeart/2005/8/quickstyle/simple1" qsCatId="simple" csTypeId="urn:microsoft.com/office/officeart/2005/8/colors/accent1_2" csCatId="accent1"/>
+      <dgm:spPr/>
+      <dgm:t>
+        <a:bodyPr/>
+        <a:lstStyle/>
+        <a:p>
+          <a:endParaRPr lang="pl-PL"/>
+        </a:p>
+      </dgm:t>
+    </dgm:pt>
+    <dgm:pt modelId="{28AE519C-AD5B-4DCA-99AF-276F5A927ED9}">
+      <dgm:prSet/>
+      <dgm:spPr/>
+      <dgm:t>
+        <a:bodyPr/>
+        <a:lstStyle/>
+        <a:p>
+          <a:r>
+            <a:rPr lang="pl-PL" dirty="0"/>
+            <a:t>Większy zbiór testowy</a:t>
+          </a:r>
+        </a:p>
+      </dgm:t>
+    </dgm:pt>
+    <dgm:pt modelId="{74612448-EFE9-4015-A261-CCD6B9628B8F}" type="parTrans" cxnId="{5C4770FB-BCB1-4DB1-93B3-BA56C145FAC4}">
+      <dgm:prSet/>
+      <dgm:spPr/>
+      <dgm:t>
+        <a:bodyPr/>
+        <a:lstStyle/>
+        <a:p>
+          <a:endParaRPr lang="pl-PL"/>
+        </a:p>
+      </dgm:t>
+    </dgm:pt>
+    <dgm:pt modelId="{0DA3C04E-757F-4949-81D5-AE7DA9479E4B}" type="sibTrans" cxnId="{5C4770FB-BCB1-4DB1-93B3-BA56C145FAC4}">
+      <dgm:prSet/>
+      <dgm:spPr/>
+      <dgm:t>
+        <a:bodyPr/>
+        <a:lstStyle/>
+        <a:p>
+          <a:endParaRPr lang="pl-PL"/>
+        </a:p>
+      </dgm:t>
+    </dgm:pt>
+    <dgm:pt modelId="{950B5A63-43E3-4720-97D7-051A62B00F47}">
+      <dgm:prSet/>
+      <dgm:spPr/>
+      <dgm:t>
+        <a:bodyPr/>
+        <a:lstStyle/>
+        <a:p>
+          <a:r>
+            <a:rPr lang="pl-PL" dirty="0"/>
+            <a:t>Obsługa skompresowanych plików .mp3</a:t>
+          </a:r>
+        </a:p>
+      </dgm:t>
+    </dgm:pt>
+    <dgm:pt modelId="{7E258D52-A00F-49BD-B1AF-961A38CC392C}" type="parTrans" cxnId="{E1DA6D82-A803-44E5-A530-98E975F46098}">
+      <dgm:prSet/>
+      <dgm:spPr/>
+      <dgm:t>
+        <a:bodyPr/>
+        <a:lstStyle/>
+        <a:p>
+          <a:endParaRPr lang="pl-PL"/>
+        </a:p>
+      </dgm:t>
+    </dgm:pt>
+    <dgm:pt modelId="{9067861D-D9F4-4354-BC5E-B4B1B58CE19A}" type="sibTrans" cxnId="{E1DA6D82-A803-44E5-A530-98E975F46098}">
+      <dgm:prSet/>
+      <dgm:spPr/>
+      <dgm:t>
+        <a:bodyPr/>
+        <a:lstStyle/>
+        <a:p>
+          <a:endParaRPr lang="pl-PL"/>
+        </a:p>
+      </dgm:t>
+    </dgm:pt>
+    <dgm:pt modelId="{DA1BF043-9B69-4EC1-90B1-3F97A67F72DA}">
+      <dgm:prSet/>
+      <dgm:spPr/>
+      <dgm:t>
+        <a:bodyPr/>
+        <a:lstStyle/>
+        <a:p>
+          <a:r>
+            <a:rPr lang="pl-PL" dirty="0"/>
+            <a:t>Zastąpienie filtra prostokątnego</a:t>
+          </a:r>
+        </a:p>
+      </dgm:t>
+    </dgm:pt>
+    <dgm:pt modelId="{ECF74055-8CB4-4E3C-ADDF-0555838A07C3}" type="parTrans" cxnId="{ED11C431-CC34-4FF5-A85D-2BBD7BE4ECA1}">
+      <dgm:prSet/>
+      <dgm:spPr/>
+      <dgm:t>
+        <a:bodyPr/>
+        <a:lstStyle/>
+        <a:p>
+          <a:endParaRPr lang="pl-PL"/>
+        </a:p>
+      </dgm:t>
+    </dgm:pt>
+    <dgm:pt modelId="{705B31A2-D527-43DD-85B3-D40024C3BE5C}" type="sibTrans" cxnId="{ED11C431-CC34-4FF5-A85D-2BBD7BE4ECA1}">
+      <dgm:prSet/>
+      <dgm:spPr/>
+      <dgm:t>
+        <a:bodyPr/>
+        <a:lstStyle/>
+        <a:p>
+          <a:endParaRPr lang="pl-PL"/>
+        </a:p>
+      </dgm:t>
+    </dgm:pt>
+    <dgm:pt modelId="{0E5B7FD0-D4D7-4C0E-8D6E-9115A9DF2518}">
+      <dgm:prSet/>
+      <dgm:spPr/>
+      <dgm:t>
+        <a:bodyPr/>
+        <a:lstStyle/>
+        <a:p>
+          <a:r>
+            <a:rPr lang="pl-PL" dirty="0"/>
+            <a:t>Zmiana metody wykrywania metrum</a:t>
+          </a:r>
+        </a:p>
+      </dgm:t>
+    </dgm:pt>
+    <dgm:pt modelId="{7F0A47B1-7EBA-49D4-BE68-CCE472BE9CD9}" type="parTrans" cxnId="{37BDDDEF-C65C-4960-985E-DE22654C19FA}">
+      <dgm:prSet/>
+      <dgm:spPr/>
+      <dgm:t>
+        <a:bodyPr/>
+        <a:lstStyle/>
+        <a:p>
+          <a:endParaRPr lang="pl-PL"/>
+        </a:p>
+      </dgm:t>
+    </dgm:pt>
+    <dgm:pt modelId="{51086400-1A61-4DE0-AB34-F5BFC9CB7E3B}" type="sibTrans" cxnId="{37BDDDEF-C65C-4960-985E-DE22654C19FA}">
+      <dgm:prSet/>
+      <dgm:spPr/>
+      <dgm:t>
+        <a:bodyPr/>
+        <a:lstStyle/>
+        <a:p>
+          <a:endParaRPr lang="pl-PL"/>
+        </a:p>
+      </dgm:t>
+    </dgm:pt>
+    <dgm:pt modelId="{2AB116BF-605C-497A-A58A-D94F025A695D}">
+      <dgm:prSet/>
+      <dgm:spPr/>
+      <dgm:t>
+        <a:bodyPr/>
+        <a:lstStyle/>
+        <a:p>
+          <a:pPr rtl="0"/>
+          <a:r>
+            <a:rPr lang="pl-PL" dirty="0"/>
+            <a:t>Program współbieżny - </a:t>
+          </a:r>
+          <a:r>
+            <a:rPr lang="pl-PL" dirty="0">
+              <a:latin typeface="Century Gothic" panose="020B0502020202020204"/>
+            </a:rPr>
+            <a:t>NVIDIA CUDA</a:t>
+          </a:r>
+          <a:endParaRPr lang="pl-PL" dirty="0"/>
+        </a:p>
+      </dgm:t>
+    </dgm:pt>
+    <dgm:pt modelId="{ADECCEE7-857F-48A6-A6F9-3325AF73704A}" type="parTrans" cxnId="{2EE2A63E-4A63-448B-A7FF-67BAA471BB21}">
+      <dgm:prSet/>
+      <dgm:spPr/>
+      <dgm:t>
+        <a:bodyPr/>
+        <a:lstStyle/>
+        <a:p>
+          <a:endParaRPr lang="pl-PL"/>
+        </a:p>
+      </dgm:t>
+    </dgm:pt>
+    <dgm:pt modelId="{A8438FA9-E1C1-463A-BC3B-0A51449EBD6B}" type="sibTrans" cxnId="{2EE2A63E-4A63-448B-A7FF-67BAA471BB21}">
+      <dgm:prSet/>
+      <dgm:spPr/>
+      <dgm:t>
+        <a:bodyPr/>
+        <a:lstStyle/>
+        <a:p>
+          <a:endParaRPr lang="pl-PL"/>
+        </a:p>
+      </dgm:t>
+    </dgm:pt>
+    <dgm:pt modelId="{93031E55-6C9B-4EA1-9542-36E5E18D2AE2}" type="pres">
+      <dgm:prSet presAssocID="{DCC091DD-34D4-4ABC-9A6D-C40DAB5F4350}" presName="outerComposite" presStyleCnt="0">
+        <dgm:presLayoutVars>
+          <dgm:chMax val="5"/>
+          <dgm:dir/>
+          <dgm:resizeHandles val="exact"/>
+        </dgm:presLayoutVars>
+      </dgm:prSet>
+      <dgm:spPr/>
+    </dgm:pt>
+    <dgm:pt modelId="{C8F28E88-1051-4157-B9D0-33B40523FEBF}" type="pres">
+      <dgm:prSet presAssocID="{DCC091DD-34D4-4ABC-9A6D-C40DAB5F4350}" presName="dummyMaxCanvas" presStyleCnt="0">
+        <dgm:presLayoutVars/>
+      </dgm:prSet>
+      <dgm:spPr/>
+    </dgm:pt>
+    <dgm:pt modelId="{14B28DF0-746B-4CDC-96C6-730BB2B7266F}" type="pres">
+      <dgm:prSet presAssocID="{DCC091DD-34D4-4ABC-9A6D-C40DAB5F4350}" presName="FiveNodes_1" presStyleLbl="node1" presStyleIdx="0" presStyleCnt="5">
+        <dgm:presLayoutVars>
+          <dgm:bulletEnabled val="1"/>
+        </dgm:presLayoutVars>
+      </dgm:prSet>
+      <dgm:spPr/>
+    </dgm:pt>
+    <dgm:pt modelId="{8BFAE6AB-8025-4652-9C23-1C979D054600}" type="pres">
+      <dgm:prSet presAssocID="{DCC091DD-34D4-4ABC-9A6D-C40DAB5F4350}" presName="FiveNodes_2" presStyleLbl="node1" presStyleIdx="1" presStyleCnt="5">
+        <dgm:presLayoutVars>
+          <dgm:bulletEnabled val="1"/>
+        </dgm:presLayoutVars>
+      </dgm:prSet>
+      <dgm:spPr/>
+    </dgm:pt>
+    <dgm:pt modelId="{8AEFAAA4-7A53-481F-9B03-D51925BF8019}" type="pres">
+      <dgm:prSet presAssocID="{DCC091DD-34D4-4ABC-9A6D-C40DAB5F4350}" presName="FiveNodes_3" presStyleLbl="node1" presStyleIdx="2" presStyleCnt="5">
+        <dgm:presLayoutVars>
+          <dgm:bulletEnabled val="1"/>
+        </dgm:presLayoutVars>
+      </dgm:prSet>
+      <dgm:spPr/>
+    </dgm:pt>
+    <dgm:pt modelId="{8C251A3D-57A3-4957-A29A-455919B97B9B}" type="pres">
+      <dgm:prSet presAssocID="{DCC091DD-34D4-4ABC-9A6D-C40DAB5F4350}" presName="FiveNodes_4" presStyleLbl="node1" presStyleIdx="3" presStyleCnt="5">
+        <dgm:presLayoutVars>
+          <dgm:bulletEnabled val="1"/>
+        </dgm:presLayoutVars>
+      </dgm:prSet>
+      <dgm:spPr/>
+    </dgm:pt>
+    <dgm:pt modelId="{FA55BFB4-0955-439D-A563-E3853532FF9E}" type="pres">
+      <dgm:prSet presAssocID="{DCC091DD-34D4-4ABC-9A6D-C40DAB5F4350}" presName="FiveNodes_5" presStyleLbl="node1" presStyleIdx="4" presStyleCnt="5">
+        <dgm:presLayoutVars>
+          <dgm:bulletEnabled val="1"/>
+        </dgm:presLayoutVars>
+      </dgm:prSet>
+      <dgm:spPr/>
+    </dgm:pt>
+    <dgm:pt modelId="{E6986A7D-DE23-4AFC-8BE8-D927E8696A13}" type="pres">
+      <dgm:prSet presAssocID="{DCC091DD-34D4-4ABC-9A6D-C40DAB5F4350}" presName="FiveConn_1-2" presStyleLbl="fgAccFollowNode1" presStyleIdx="0" presStyleCnt="4">
+        <dgm:presLayoutVars>
+          <dgm:bulletEnabled val="1"/>
+        </dgm:presLayoutVars>
+      </dgm:prSet>
+      <dgm:spPr/>
+    </dgm:pt>
+    <dgm:pt modelId="{F9474506-920E-4104-BEB5-A86D8E1D4A62}" type="pres">
+      <dgm:prSet presAssocID="{DCC091DD-34D4-4ABC-9A6D-C40DAB5F4350}" presName="FiveConn_2-3" presStyleLbl="fgAccFollowNode1" presStyleIdx="1" presStyleCnt="4">
+        <dgm:presLayoutVars>
+          <dgm:bulletEnabled val="1"/>
+        </dgm:presLayoutVars>
+      </dgm:prSet>
+      <dgm:spPr/>
+    </dgm:pt>
+    <dgm:pt modelId="{B26F874A-35D9-4D1A-B0F2-C8CC32DE575E}" type="pres">
+      <dgm:prSet presAssocID="{DCC091DD-34D4-4ABC-9A6D-C40DAB5F4350}" presName="FiveConn_3-4" presStyleLbl="fgAccFollowNode1" presStyleIdx="2" presStyleCnt="4">
+        <dgm:presLayoutVars>
+          <dgm:bulletEnabled val="1"/>
+        </dgm:presLayoutVars>
+      </dgm:prSet>
+      <dgm:spPr/>
+    </dgm:pt>
+    <dgm:pt modelId="{D450F799-0C12-4724-BB7C-C51C1623EE8D}" type="pres">
+      <dgm:prSet presAssocID="{DCC091DD-34D4-4ABC-9A6D-C40DAB5F4350}" presName="FiveConn_4-5" presStyleLbl="fgAccFollowNode1" presStyleIdx="3" presStyleCnt="4">
+        <dgm:presLayoutVars>
+          <dgm:bulletEnabled val="1"/>
+        </dgm:presLayoutVars>
+      </dgm:prSet>
+      <dgm:spPr/>
+    </dgm:pt>
+    <dgm:pt modelId="{2A9FE4D2-B535-419A-9937-4FE14FE9B5CF}" type="pres">
+      <dgm:prSet presAssocID="{DCC091DD-34D4-4ABC-9A6D-C40DAB5F4350}" presName="FiveNodes_1_text" presStyleLbl="node1" presStyleIdx="4" presStyleCnt="5">
+        <dgm:presLayoutVars>
+          <dgm:bulletEnabled val="1"/>
+        </dgm:presLayoutVars>
+      </dgm:prSet>
+      <dgm:spPr/>
+    </dgm:pt>
+    <dgm:pt modelId="{21765E20-E209-48DB-ADE3-621A6CE0B70E}" type="pres">
+      <dgm:prSet presAssocID="{DCC091DD-34D4-4ABC-9A6D-C40DAB5F4350}" presName="FiveNodes_2_text" presStyleLbl="node1" presStyleIdx="4" presStyleCnt="5">
+        <dgm:presLayoutVars>
+          <dgm:bulletEnabled val="1"/>
+        </dgm:presLayoutVars>
+      </dgm:prSet>
+      <dgm:spPr/>
+    </dgm:pt>
+    <dgm:pt modelId="{2EA5C34C-D538-4A82-B634-F2DB4E6834DC}" type="pres">
+      <dgm:prSet presAssocID="{DCC091DD-34D4-4ABC-9A6D-C40DAB5F4350}" presName="FiveNodes_3_text" presStyleLbl="node1" presStyleIdx="4" presStyleCnt="5">
+        <dgm:presLayoutVars>
+          <dgm:bulletEnabled val="1"/>
+        </dgm:presLayoutVars>
+      </dgm:prSet>
+      <dgm:spPr/>
+    </dgm:pt>
+    <dgm:pt modelId="{C31008F8-920F-4F88-8E37-0E251F0E7F44}" type="pres">
+      <dgm:prSet presAssocID="{DCC091DD-34D4-4ABC-9A6D-C40DAB5F4350}" presName="FiveNodes_4_text" presStyleLbl="node1" presStyleIdx="4" presStyleCnt="5">
+        <dgm:presLayoutVars>
+          <dgm:bulletEnabled val="1"/>
+        </dgm:presLayoutVars>
+      </dgm:prSet>
+      <dgm:spPr/>
+    </dgm:pt>
+    <dgm:pt modelId="{04FB07D2-059B-46E6-8C5D-1660F0024CFD}" type="pres">
+      <dgm:prSet presAssocID="{DCC091DD-34D4-4ABC-9A6D-C40DAB5F4350}" presName="FiveNodes_5_text" presStyleLbl="node1" presStyleIdx="4" presStyleCnt="5">
+        <dgm:presLayoutVars>
+          <dgm:bulletEnabled val="1"/>
+        </dgm:presLayoutVars>
+      </dgm:prSet>
+      <dgm:spPr/>
+    </dgm:pt>
+  </dgm:ptLst>
+  <dgm:cxnLst>
+    <dgm:cxn modelId="{756D0529-0D77-4720-A974-522DF24CA6FD}" type="presOf" srcId="{DA1BF043-9B69-4EC1-90B1-3F97A67F72DA}" destId="{8AEFAAA4-7A53-481F-9B03-D51925BF8019}" srcOrd="0" destOrd="0" presId="urn:microsoft.com/office/officeart/2005/8/layout/vProcess5"/>
+    <dgm:cxn modelId="{ED11C431-CC34-4FF5-A85D-2BBD7BE4ECA1}" srcId="{DCC091DD-34D4-4ABC-9A6D-C40DAB5F4350}" destId="{DA1BF043-9B69-4EC1-90B1-3F97A67F72DA}" srcOrd="2" destOrd="0" parTransId="{ECF74055-8CB4-4E3C-ADDF-0555838A07C3}" sibTransId="{705B31A2-D527-43DD-85B3-D40024C3BE5C}"/>
+    <dgm:cxn modelId="{34ABA53A-2212-460C-991A-1B6FEFDA5D75}" type="presOf" srcId="{51086400-1A61-4DE0-AB34-F5BFC9CB7E3B}" destId="{D450F799-0C12-4724-BB7C-C51C1623EE8D}" srcOrd="0" destOrd="0" presId="urn:microsoft.com/office/officeart/2005/8/layout/vProcess5"/>
+    <dgm:cxn modelId="{DCB4BF3D-6DB8-4F2A-B97C-84C75FB8C5E7}" type="presOf" srcId="{705B31A2-D527-43DD-85B3-D40024C3BE5C}" destId="{B26F874A-35D9-4D1A-B0F2-C8CC32DE575E}" srcOrd="0" destOrd="0" presId="urn:microsoft.com/office/officeart/2005/8/layout/vProcess5"/>
+    <dgm:cxn modelId="{2EE2A63E-4A63-448B-A7FF-67BAA471BB21}" srcId="{DCC091DD-34D4-4ABC-9A6D-C40DAB5F4350}" destId="{2AB116BF-605C-497A-A58A-D94F025A695D}" srcOrd="4" destOrd="0" parTransId="{ADECCEE7-857F-48A6-A6F9-3325AF73704A}" sibTransId="{A8438FA9-E1C1-463A-BC3B-0A51449EBD6B}"/>
+    <dgm:cxn modelId="{CFA81D49-5E73-4B1A-BDBC-496EA5F269E2}" type="presOf" srcId="{0E5B7FD0-D4D7-4C0E-8D6E-9115A9DF2518}" destId="{C31008F8-920F-4F88-8E37-0E251F0E7F44}" srcOrd="1" destOrd="0" presId="urn:microsoft.com/office/officeart/2005/8/layout/vProcess5"/>
+    <dgm:cxn modelId="{3095D56B-A370-4BC3-9371-C34B6B8BC146}" type="presOf" srcId="{28AE519C-AD5B-4DCA-99AF-276F5A927ED9}" destId="{14B28DF0-746B-4CDC-96C6-730BB2B7266F}" srcOrd="0" destOrd="0" presId="urn:microsoft.com/office/officeart/2005/8/layout/vProcess5"/>
+    <dgm:cxn modelId="{A663236C-E613-42C4-997A-9C5AFDFB6787}" type="presOf" srcId="{950B5A63-43E3-4720-97D7-051A62B00F47}" destId="{21765E20-E209-48DB-ADE3-621A6CE0B70E}" srcOrd="1" destOrd="0" presId="urn:microsoft.com/office/officeart/2005/8/layout/vProcess5"/>
+    <dgm:cxn modelId="{C8F5C56C-DA05-483B-A51A-875F135127CD}" type="presOf" srcId="{950B5A63-43E3-4720-97D7-051A62B00F47}" destId="{8BFAE6AB-8025-4652-9C23-1C979D054600}" srcOrd="0" destOrd="0" presId="urn:microsoft.com/office/officeart/2005/8/layout/vProcess5"/>
+    <dgm:cxn modelId="{A8B65F71-188B-4886-853D-C92F1E381297}" type="presOf" srcId="{0DA3C04E-757F-4949-81D5-AE7DA9479E4B}" destId="{E6986A7D-DE23-4AFC-8BE8-D927E8696A13}" srcOrd="0" destOrd="0" presId="urn:microsoft.com/office/officeart/2005/8/layout/vProcess5"/>
+    <dgm:cxn modelId="{D600C473-B980-4EF9-BFAE-1DEDE50FD2ED}" type="presOf" srcId="{0E5B7FD0-D4D7-4C0E-8D6E-9115A9DF2518}" destId="{8C251A3D-57A3-4957-A29A-455919B97B9B}" srcOrd="0" destOrd="0" presId="urn:microsoft.com/office/officeart/2005/8/layout/vProcess5"/>
+    <dgm:cxn modelId="{41FC2658-09A7-43AA-A37A-912FFC4C844B}" type="presOf" srcId="{2AB116BF-605C-497A-A58A-D94F025A695D}" destId="{04FB07D2-059B-46E6-8C5D-1660F0024CFD}" srcOrd="1" destOrd="0" presId="urn:microsoft.com/office/officeart/2005/8/layout/vProcess5"/>
+    <dgm:cxn modelId="{E1DA6D82-A803-44E5-A530-98E975F46098}" srcId="{DCC091DD-34D4-4ABC-9A6D-C40DAB5F4350}" destId="{950B5A63-43E3-4720-97D7-051A62B00F47}" srcOrd="1" destOrd="0" parTransId="{7E258D52-A00F-49BD-B1AF-961A38CC392C}" sibTransId="{9067861D-D9F4-4354-BC5E-B4B1B58CE19A}"/>
+    <dgm:cxn modelId="{B815528A-E29C-4D55-AC56-C4215894BAA6}" type="presOf" srcId="{28AE519C-AD5B-4DCA-99AF-276F5A927ED9}" destId="{2A9FE4D2-B535-419A-9937-4FE14FE9B5CF}" srcOrd="1" destOrd="0" presId="urn:microsoft.com/office/officeart/2005/8/layout/vProcess5"/>
+    <dgm:cxn modelId="{FFE71BA1-3C13-422A-9455-01F7140D4DB5}" type="presOf" srcId="{DCC091DD-34D4-4ABC-9A6D-C40DAB5F4350}" destId="{93031E55-6C9B-4EA1-9542-36E5E18D2AE2}" srcOrd="0" destOrd="0" presId="urn:microsoft.com/office/officeart/2005/8/layout/vProcess5"/>
+    <dgm:cxn modelId="{0CD212B8-1672-4FBE-9EC5-8DABED72F75A}" type="presOf" srcId="{9067861D-D9F4-4354-BC5E-B4B1B58CE19A}" destId="{F9474506-920E-4104-BEB5-A86D8E1D4A62}" srcOrd="0" destOrd="0" presId="urn:microsoft.com/office/officeart/2005/8/layout/vProcess5"/>
+    <dgm:cxn modelId="{5EA40DD9-45F7-4A9C-93C3-EC987A6CD0FD}" type="presOf" srcId="{DA1BF043-9B69-4EC1-90B1-3F97A67F72DA}" destId="{2EA5C34C-D538-4A82-B634-F2DB4E6834DC}" srcOrd="1" destOrd="0" presId="urn:microsoft.com/office/officeart/2005/8/layout/vProcess5"/>
+    <dgm:cxn modelId="{37BDDDEF-C65C-4960-985E-DE22654C19FA}" srcId="{DCC091DD-34D4-4ABC-9A6D-C40DAB5F4350}" destId="{0E5B7FD0-D4D7-4C0E-8D6E-9115A9DF2518}" srcOrd="3" destOrd="0" parTransId="{7F0A47B1-7EBA-49D4-BE68-CCE472BE9CD9}" sibTransId="{51086400-1A61-4DE0-AB34-F5BFC9CB7E3B}"/>
+    <dgm:cxn modelId="{5C4770FB-BCB1-4DB1-93B3-BA56C145FAC4}" srcId="{DCC091DD-34D4-4ABC-9A6D-C40DAB5F4350}" destId="{28AE519C-AD5B-4DCA-99AF-276F5A927ED9}" srcOrd="0" destOrd="0" parTransId="{74612448-EFE9-4015-A261-CCD6B9628B8F}" sibTransId="{0DA3C04E-757F-4949-81D5-AE7DA9479E4B}"/>
+    <dgm:cxn modelId="{794D40FF-A420-44EA-A94C-1F789DE0C6F3}" type="presOf" srcId="{2AB116BF-605C-497A-A58A-D94F025A695D}" destId="{FA55BFB4-0955-439D-A563-E3853532FF9E}" srcOrd="0" destOrd="0" presId="urn:microsoft.com/office/officeart/2005/8/layout/vProcess5"/>
+    <dgm:cxn modelId="{7DC514A5-F0BB-4018-B40B-45E777DEF18A}" type="presParOf" srcId="{93031E55-6C9B-4EA1-9542-36E5E18D2AE2}" destId="{C8F28E88-1051-4157-B9D0-33B40523FEBF}" srcOrd="0" destOrd="0" presId="urn:microsoft.com/office/officeart/2005/8/layout/vProcess5"/>
+    <dgm:cxn modelId="{F1FE3302-4AE8-40C5-9D60-1BD155583504}" type="presParOf" srcId="{93031E55-6C9B-4EA1-9542-36E5E18D2AE2}" destId="{14B28DF0-746B-4CDC-96C6-730BB2B7266F}" srcOrd="1" destOrd="0" presId="urn:microsoft.com/office/officeart/2005/8/layout/vProcess5"/>
+    <dgm:cxn modelId="{569E08EC-6765-4026-90E5-F638107FB988}" type="presParOf" srcId="{93031E55-6C9B-4EA1-9542-36E5E18D2AE2}" destId="{8BFAE6AB-8025-4652-9C23-1C979D054600}" srcOrd="2" destOrd="0" presId="urn:microsoft.com/office/officeart/2005/8/layout/vProcess5"/>
+    <dgm:cxn modelId="{95194A65-49F9-4CDD-8A10-D90EDFCD681B}" type="presParOf" srcId="{93031E55-6C9B-4EA1-9542-36E5E18D2AE2}" destId="{8AEFAAA4-7A53-481F-9B03-D51925BF8019}" srcOrd="3" destOrd="0" presId="urn:microsoft.com/office/officeart/2005/8/layout/vProcess5"/>
+    <dgm:cxn modelId="{E5DE87E9-8E83-49BB-A251-A965452D03CC}" type="presParOf" srcId="{93031E55-6C9B-4EA1-9542-36E5E18D2AE2}" destId="{8C251A3D-57A3-4957-A29A-455919B97B9B}" srcOrd="4" destOrd="0" presId="urn:microsoft.com/office/officeart/2005/8/layout/vProcess5"/>
+    <dgm:cxn modelId="{E6C6C479-186D-4A3F-8EB3-C587752F815D}" type="presParOf" srcId="{93031E55-6C9B-4EA1-9542-36E5E18D2AE2}" destId="{FA55BFB4-0955-439D-A563-E3853532FF9E}" srcOrd="5" destOrd="0" presId="urn:microsoft.com/office/officeart/2005/8/layout/vProcess5"/>
+    <dgm:cxn modelId="{FE3C0E21-6E48-41FE-84FC-489443BAB03B}" type="presParOf" srcId="{93031E55-6C9B-4EA1-9542-36E5E18D2AE2}" destId="{E6986A7D-DE23-4AFC-8BE8-D927E8696A13}" srcOrd="6" destOrd="0" presId="urn:microsoft.com/office/officeart/2005/8/layout/vProcess5"/>
+    <dgm:cxn modelId="{A5E9DD37-6E21-47C1-9E0B-E271D56F9214}" type="presParOf" srcId="{93031E55-6C9B-4EA1-9542-36E5E18D2AE2}" destId="{F9474506-920E-4104-BEB5-A86D8E1D4A62}" srcOrd="7" destOrd="0" presId="urn:microsoft.com/office/officeart/2005/8/layout/vProcess5"/>
+    <dgm:cxn modelId="{264A8E52-854A-4196-B391-9A0010A14769}" type="presParOf" srcId="{93031E55-6C9B-4EA1-9542-36E5E18D2AE2}" destId="{B26F874A-35D9-4D1A-B0F2-C8CC32DE575E}" srcOrd="8" destOrd="0" presId="urn:microsoft.com/office/officeart/2005/8/layout/vProcess5"/>
+    <dgm:cxn modelId="{28C8129C-0E2E-41C8-9A35-7EA869BA6F43}" type="presParOf" srcId="{93031E55-6C9B-4EA1-9542-36E5E18D2AE2}" destId="{D450F799-0C12-4724-BB7C-C51C1623EE8D}" srcOrd="9" destOrd="0" presId="urn:microsoft.com/office/officeart/2005/8/layout/vProcess5"/>
+    <dgm:cxn modelId="{94DB2B98-4AC1-4A02-B4ED-CF4DE8C54759}" type="presParOf" srcId="{93031E55-6C9B-4EA1-9542-36E5E18D2AE2}" destId="{2A9FE4D2-B535-419A-9937-4FE14FE9B5CF}" srcOrd="10" destOrd="0" presId="urn:microsoft.com/office/officeart/2005/8/layout/vProcess5"/>
+    <dgm:cxn modelId="{F2428E59-E04A-4ACD-8F8D-01725779A8C5}" type="presParOf" srcId="{93031E55-6C9B-4EA1-9542-36E5E18D2AE2}" destId="{21765E20-E209-48DB-ADE3-621A6CE0B70E}" srcOrd="11" destOrd="0" presId="urn:microsoft.com/office/officeart/2005/8/layout/vProcess5"/>
+    <dgm:cxn modelId="{0697E716-F45E-424F-A747-7B0A8162C049}" type="presParOf" srcId="{93031E55-6C9B-4EA1-9542-36E5E18D2AE2}" destId="{2EA5C34C-D538-4A82-B634-F2DB4E6834DC}" srcOrd="12" destOrd="0" presId="urn:microsoft.com/office/officeart/2005/8/layout/vProcess5"/>
+    <dgm:cxn modelId="{8E1579E1-70D6-4BA6-B8B3-4F85541914BF}" type="presParOf" srcId="{93031E55-6C9B-4EA1-9542-36E5E18D2AE2}" destId="{C31008F8-920F-4F88-8E37-0E251F0E7F44}" srcOrd="13" destOrd="0" presId="urn:microsoft.com/office/officeart/2005/8/layout/vProcess5"/>
+    <dgm:cxn modelId="{B71437C1-5BF0-4FF1-BB79-005553A02C91}" type="presParOf" srcId="{93031E55-6C9B-4EA1-9542-36E5E18D2AE2}" destId="{04FB07D2-059B-46E6-8C5D-1660F0024CFD}" srcOrd="14" destOrd="0" presId="urn:microsoft.com/office/officeart/2005/8/layout/vProcess5"/>
+  </dgm:cxnLst>
+  <dgm:bg/>
+  <dgm:whole/>
+  <dgm:extLst>
+    <a:ext uri="http://schemas.microsoft.com/office/drawing/2008/diagram">
+      <dsp:dataModelExt xmlns:dsp="http://schemas.microsoft.com/office/drawing/2008/diagram" relId="rId6" minVer="http://schemas.openxmlformats.org/drawingml/2006/diagram"/>
     </a:ext>
   </dgm:extLst>
 </dgm:dataModel>
@@ -8609,6 +10726,1135 @@
 </dsp:drawing>
 </file>
 
+<file path=ppt/diagrams/drawing6.xml><?xml version="1.0" encoding="utf-8"?>
+<dsp:drawing xmlns:dgm="http://schemas.openxmlformats.org/drawingml/2006/diagram" xmlns:dsp="http://schemas.microsoft.com/office/drawing/2008/diagram" xmlns:a="http://schemas.openxmlformats.org/drawingml/2006/main">
+  <dsp:spTree>
+    <dsp:nvGrpSpPr>
+      <dsp:cNvPr id="0" name=""/>
+      <dsp:cNvGrpSpPr/>
+    </dsp:nvGrpSpPr>
+    <dsp:grpSpPr/>
+    <dsp:sp modelId="{150B7963-F647-4086-BA8F-F05AF1C429C3}">
+      <dsp:nvSpPr>
+        <dsp:cNvPr id="0" name=""/>
+        <dsp:cNvSpPr/>
+      </dsp:nvSpPr>
+      <dsp:spPr>
+        <a:xfrm>
+          <a:off x="0" y="530483"/>
+          <a:ext cx="2786061" cy="1769149"/>
+        </a:xfrm>
+        <a:prstGeom prst="roundRect">
+          <a:avLst>
+            <a:gd name="adj" fmla="val 10000"/>
+          </a:avLst>
+        </a:prstGeom>
+        <a:solidFill>
+          <a:schemeClr val="accent1">
+            <a:hueOff val="0"/>
+            <a:satOff val="0"/>
+            <a:lumOff val="0"/>
+            <a:alphaOff val="0"/>
+          </a:schemeClr>
+        </a:solidFill>
+        <a:ln w="19050" cap="rnd" cmpd="sng" algn="ctr">
+          <a:solidFill>
+            <a:schemeClr val="lt1">
+              <a:hueOff val="0"/>
+              <a:satOff val="0"/>
+              <a:lumOff val="0"/>
+              <a:alphaOff val="0"/>
+            </a:schemeClr>
+          </a:solidFill>
+          <a:prstDash val="solid"/>
+        </a:ln>
+        <a:effectLst/>
+      </dsp:spPr>
+      <dsp:style>
+        <a:lnRef idx="2">
+          <a:scrgbClr r="0" g="0" b="0"/>
+        </a:lnRef>
+        <a:fillRef idx="1">
+          <a:scrgbClr r="0" g="0" b="0"/>
+        </a:fillRef>
+        <a:effectRef idx="0">
+          <a:scrgbClr r="0" g="0" b="0"/>
+        </a:effectRef>
+        <a:fontRef idx="minor">
+          <a:schemeClr val="lt1"/>
+        </a:fontRef>
+      </dsp:style>
+    </dsp:sp>
+    <dsp:sp modelId="{03AFFE5A-3B98-4E16-A251-461FEF2DF3C2}">
+      <dsp:nvSpPr>
+        <dsp:cNvPr id="0" name=""/>
+        <dsp:cNvSpPr/>
+      </dsp:nvSpPr>
+      <dsp:spPr>
+        <a:xfrm>
+          <a:off x="309562" y="824567"/>
+          <a:ext cx="2786061" cy="1769149"/>
+        </a:xfrm>
+        <a:prstGeom prst="roundRect">
+          <a:avLst>
+            <a:gd name="adj" fmla="val 10000"/>
+          </a:avLst>
+        </a:prstGeom>
+        <a:solidFill>
+          <a:schemeClr val="lt1">
+            <a:alpha val="90000"/>
+            <a:hueOff val="0"/>
+            <a:satOff val="0"/>
+            <a:lumOff val="0"/>
+            <a:alphaOff val="0"/>
+          </a:schemeClr>
+        </a:solidFill>
+        <a:ln w="19050" cap="rnd" cmpd="sng" algn="ctr">
+          <a:solidFill>
+            <a:schemeClr val="accent1">
+              <a:hueOff val="0"/>
+              <a:satOff val="0"/>
+              <a:lumOff val="0"/>
+              <a:alphaOff val="0"/>
+            </a:schemeClr>
+          </a:solidFill>
+          <a:prstDash val="solid"/>
+        </a:ln>
+        <a:effectLst/>
+      </dsp:spPr>
+      <dsp:style>
+        <a:lnRef idx="2">
+          <a:scrgbClr r="0" g="0" b="0"/>
+        </a:lnRef>
+        <a:fillRef idx="1">
+          <a:scrgbClr r="0" g="0" b="0"/>
+        </a:fillRef>
+        <a:effectRef idx="0">
+          <a:scrgbClr r="0" g="0" b="0"/>
+        </a:effectRef>
+        <a:fontRef idx="minor"/>
+      </dsp:style>
+      <dsp:txBody>
+        <a:bodyPr spcFirstLastPara="0" vert="horz" wrap="square" lIns="99060" tIns="99060" rIns="99060" bIns="99060" numCol="1" spcCol="1270" anchor="ctr" anchorCtr="0">
+          <a:noAutofit/>
+        </a:bodyPr>
+        <a:lstStyle/>
+        <a:p>
+          <a:pPr marL="0" lvl="0" indent="0" algn="ctr" defTabSz="1155700">
+            <a:lnSpc>
+              <a:spcPct val="90000"/>
+            </a:lnSpc>
+            <a:spcBef>
+              <a:spcPct val="0"/>
+            </a:spcBef>
+            <a:spcAft>
+              <a:spcPct val="35000"/>
+            </a:spcAft>
+            <a:buNone/>
+          </a:pPr>
+          <a:r>
+            <a:rPr lang="pl-PL" sz="2600" kern="1200"/>
+            <a:t>Potrzeba dobrego zbioru testowego</a:t>
+          </a:r>
+        </a:p>
+      </dsp:txBody>
+      <dsp:txXfrm>
+        <a:off x="361379" y="876384"/>
+        <a:ext cx="2682427" cy="1665515"/>
+      </dsp:txXfrm>
+    </dsp:sp>
+    <dsp:sp modelId="{251BA6C9-D144-4E18-98EA-E928CD109FE4}">
+      <dsp:nvSpPr>
+        <dsp:cNvPr id="0" name=""/>
+        <dsp:cNvSpPr/>
+      </dsp:nvSpPr>
+      <dsp:spPr>
+        <a:xfrm>
+          <a:off x="3405186" y="530483"/>
+          <a:ext cx="2786061" cy="1769149"/>
+        </a:xfrm>
+        <a:prstGeom prst="roundRect">
+          <a:avLst>
+            <a:gd name="adj" fmla="val 10000"/>
+          </a:avLst>
+        </a:prstGeom>
+        <a:solidFill>
+          <a:schemeClr val="accent1">
+            <a:hueOff val="0"/>
+            <a:satOff val="0"/>
+            <a:lumOff val="0"/>
+            <a:alphaOff val="0"/>
+          </a:schemeClr>
+        </a:solidFill>
+        <a:ln w="19050" cap="rnd" cmpd="sng" algn="ctr">
+          <a:solidFill>
+            <a:schemeClr val="lt1">
+              <a:hueOff val="0"/>
+              <a:satOff val="0"/>
+              <a:lumOff val="0"/>
+              <a:alphaOff val="0"/>
+            </a:schemeClr>
+          </a:solidFill>
+          <a:prstDash val="solid"/>
+        </a:ln>
+        <a:effectLst/>
+      </dsp:spPr>
+      <dsp:style>
+        <a:lnRef idx="2">
+          <a:scrgbClr r="0" g="0" b="0"/>
+        </a:lnRef>
+        <a:fillRef idx="1">
+          <a:scrgbClr r="0" g="0" b="0"/>
+        </a:fillRef>
+        <a:effectRef idx="0">
+          <a:scrgbClr r="0" g="0" b="0"/>
+        </a:effectRef>
+        <a:fontRef idx="minor">
+          <a:schemeClr val="lt1"/>
+        </a:fontRef>
+      </dsp:style>
+    </dsp:sp>
+    <dsp:sp modelId="{D4551938-7077-4E96-A7C8-A3DE5B5051A7}">
+      <dsp:nvSpPr>
+        <dsp:cNvPr id="0" name=""/>
+        <dsp:cNvSpPr/>
+      </dsp:nvSpPr>
+      <dsp:spPr>
+        <a:xfrm>
+          <a:off x="3714749" y="824567"/>
+          <a:ext cx="2786061" cy="1769149"/>
+        </a:xfrm>
+        <a:prstGeom prst="roundRect">
+          <a:avLst>
+            <a:gd name="adj" fmla="val 10000"/>
+          </a:avLst>
+        </a:prstGeom>
+        <a:solidFill>
+          <a:schemeClr val="lt1">
+            <a:alpha val="90000"/>
+            <a:hueOff val="0"/>
+            <a:satOff val="0"/>
+            <a:lumOff val="0"/>
+            <a:alphaOff val="0"/>
+          </a:schemeClr>
+        </a:solidFill>
+        <a:ln w="19050" cap="rnd" cmpd="sng" algn="ctr">
+          <a:solidFill>
+            <a:schemeClr val="accent1">
+              <a:hueOff val="0"/>
+              <a:satOff val="0"/>
+              <a:lumOff val="0"/>
+              <a:alphaOff val="0"/>
+            </a:schemeClr>
+          </a:solidFill>
+          <a:prstDash val="solid"/>
+        </a:ln>
+        <a:effectLst/>
+      </dsp:spPr>
+      <dsp:style>
+        <a:lnRef idx="2">
+          <a:scrgbClr r="0" g="0" b="0"/>
+        </a:lnRef>
+        <a:fillRef idx="1">
+          <a:scrgbClr r="0" g="0" b="0"/>
+        </a:fillRef>
+        <a:effectRef idx="0">
+          <a:scrgbClr r="0" g="0" b="0"/>
+        </a:effectRef>
+        <a:fontRef idx="minor"/>
+      </dsp:style>
+      <dsp:txBody>
+        <a:bodyPr spcFirstLastPara="0" vert="horz" wrap="square" lIns="99060" tIns="99060" rIns="99060" bIns="99060" numCol="1" spcCol="1270" anchor="ctr" anchorCtr="0">
+          <a:noAutofit/>
+        </a:bodyPr>
+        <a:lstStyle/>
+        <a:p>
+          <a:pPr marL="0" lvl="0" indent="0" algn="ctr" defTabSz="1155700">
+            <a:lnSpc>
+              <a:spcPct val="90000"/>
+            </a:lnSpc>
+            <a:spcBef>
+              <a:spcPct val="0"/>
+            </a:spcBef>
+            <a:spcAft>
+              <a:spcPct val="35000"/>
+            </a:spcAft>
+            <a:buNone/>
+          </a:pPr>
+          <a:r>
+            <a:rPr lang="pl-PL" sz="2600" kern="1200"/>
+            <a:t>Stworzenie dobrej jakości algorytmu wymaga czasu</a:t>
+          </a:r>
+        </a:p>
+      </dsp:txBody>
+      <dsp:txXfrm>
+        <a:off x="3766566" y="876384"/>
+        <a:ext cx="2682427" cy="1665515"/>
+      </dsp:txXfrm>
+    </dsp:sp>
+    <dsp:sp modelId="{F5827DDB-6580-419D-B938-735B0371278E}">
+      <dsp:nvSpPr>
+        <dsp:cNvPr id="0" name=""/>
+        <dsp:cNvSpPr/>
+      </dsp:nvSpPr>
+      <dsp:spPr>
+        <a:xfrm>
+          <a:off x="6810373" y="530483"/>
+          <a:ext cx="2786061" cy="1769149"/>
+        </a:xfrm>
+        <a:prstGeom prst="roundRect">
+          <a:avLst>
+            <a:gd name="adj" fmla="val 10000"/>
+          </a:avLst>
+        </a:prstGeom>
+        <a:solidFill>
+          <a:schemeClr val="accent1">
+            <a:hueOff val="0"/>
+            <a:satOff val="0"/>
+            <a:lumOff val="0"/>
+            <a:alphaOff val="0"/>
+          </a:schemeClr>
+        </a:solidFill>
+        <a:ln w="19050" cap="rnd" cmpd="sng" algn="ctr">
+          <a:solidFill>
+            <a:schemeClr val="lt1">
+              <a:hueOff val="0"/>
+              <a:satOff val="0"/>
+              <a:lumOff val="0"/>
+              <a:alphaOff val="0"/>
+            </a:schemeClr>
+          </a:solidFill>
+          <a:prstDash val="solid"/>
+        </a:ln>
+        <a:effectLst/>
+      </dsp:spPr>
+      <dsp:style>
+        <a:lnRef idx="2">
+          <a:scrgbClr r="0" g="0" b="0"/>
+        </a:lnRef>
+        <a:fillRef idx="1">
+          <a:scrgbClr r="0" g="0" b="0"/>
+        </a:fillRef>
+        <a:effectRef idx="0">
+          <a:scrgbClr r="0" g="0" b="0"/>
+        </a:effectRef>
+        <a:fontRef idx="minor">
+          <a:schemeClr val="lt1"/>
+        </a:fontRef>
+      </dsp:style>
+    </dsp:sp>
+    <dsp:sp modelId="{EFAB2E85-C2E2-47CB-A17D-9826E58573B6}">
+      <dsp:nvSpPr>
+        <dsp:cNvPr id="0" name=""/>
+        <dsp:cNvSpPr/>
+      </dsp:nvSpPr>
+      <dsp:spPr>
+        <a:xfrm>
+          <a:off x="7119936" y="824567"/>
+          <a:ext cx="2786061" cy="1769149"/>
+        </a:xfrm>
+        <a:prstGeom prst="roundRect">
+          <a:avLst>
+            <a:gd name="adj" fmla="val 10000"/>
+          </a:avLst>
+        </a:prstGeom>
+        <a:solidFill>
+          <a:schemeClr val="lt1">
+            <a:alpha val="90000"/>
+            <a:hueOff val="0"/>
+            <a:satOff val="0"/>
+            <a:lumOff val="0"/>
+            <a:alphaOff val="0"/>
+          </a:schemeClr>
+        </a:solidFill>
+        <a:ln w="19050" cap="rnd" cmpd="sng" algn="ctr">
+          <a:solidFill>
+            <a:schemeClr val="accent1">
+              <a:hueOff val="0"/>
+              <a:satOff val="0"/>
+              <a:lumOff val="0"/>
+              <a:alphaOff val="0"/>
+            </a:schemeClr>
+          </a:solidFill>
+          <a:prstDash val="solid"/>
+        </a:ln>
+        <a:effectLst/>
+      </dsp:spPr>
+      <dsp:style>
+        <a:lnRef idx="2">
+          <a:scrgbClr r="0" g="0" b="0"/>
+        </a:lnRef>
+        <a:fillRef idx="1">
+          <a:scrgbClr r="0" g="0" b="0"/>
+        </a:fillRef>
+        <a:effectRef idx="0">
+          <a:scrgbClr r="0" g="0" b="0"/>
+        </a:effectRef>
+        <a:fontRef idx="minor"/>
+      </dsp:style>
+      <dsp:txBody>
+        <a:bodyPr spcFirstLastPara="0" vert="horz" wrap="square" lIns="99060" tIns="99060" rIns="99060" bIns="99060" numCol="1" spcCol="1270" anchor="ctr" anchorCtr="0">
+          <a:noAutofit/>
+        </a:bodyPr>
+        <a:lstStyle/>
+        <a:p>
+          <a:pPr marL="0" lvl="0" indent="0" algn="ctr" defTabSz="1155700">
+            <a:lnSpc>
+              <a:spcPct val="90000"/>
+            </a:lnSpc>
+            <a:spcBef>
+              <a:spcPct val="0"/>
+            </a:spcBef>
+            <a:spcAft>
+              <a:spcPct val="35000"/>
+            </a:spcAft>
+            <a:buNone/>
+          </a:pPr>
+          <a:r>
+            <a:rPr lang="pl-PL" sz="2600" kern="1200"/>
+            <a:t>Rezygnacja z paradygmatu obiektowego rodzi problemy</a:t>
+          </a:r>
+        </a:p>
+      </dsp:txBody>
+      <dsp:txXfrm>
+        <a:off x="7171753" y="876384"/>
+        <a:ext cx="2682427" cy="1665515"/>
+      </dsp:txXfrm>
+    </dsp:sp>
+  </dsp:spTree>
+</dsp:drawing>
+</file>
+
+<file path=ppt/diagrams/drawing7.xml><?xml version="1.0" encoding="utf-8"?>
+<dsp:drawing xmlns:dgm="http://schemas.openxmlformats.org/drawingml/2006/diagram" xmlns:dsp="http://schemas.microsoft.com/office/drawing/2008/diagram" xmlns:a="http://schemas.openxmlformats.org/drawingml/2006/main">
+  <dsp:spTree>
+    <dsp:nvGrpSpPr>
+      <dsp:cNvPr id="0" name=""/>
+      <dsp:cNvGrpSpPr/>
+    </dsp:nvGrpSpPr>
+    <dsp:grpSpPr/>
+    <dsp:sp modelId="{14B28DF0-746B-4CDC-96C6-730BB2B7266F}">
+      <dsp:nvSpPr>
+        <dsp:cNvPr id="0" name=""/>
+        <dsp:cNvSpPr/>
+      </dsp:nvSpPr>
+      <dsp:spPr>
+        <a:xfrm>
+          <a:off x="0" y="0"/>
+          <a:ext cx="7627618" cy="562356"/>
+        </a:xfrm>
+        <a:prstGeom prst="roundRect">
+          <a:avLst>
+            <a:gd name="adj" fmla="val 10000"/>
+          </a:avLst>
+        </a:prstGeom>
+        <a:solidFill>
+          <a:schemeClr val="accent1">
+            <a:hueOff val="0"/>
+            <a:satOff val="0"/>
+            <a:lumOff val="0"/>
+            <a:alphaOff val="0"/>
+          </a:schemeClr>
+        </a:solidFill>
+        <a:ln w="19050" cap="rnd" cmpd="sng" algn="ctr">
+          <a:solidFill>
+            <a:schemeClr val="lt1">
+              <a:hueOff val="0"/>
+              <a:satOff val="0"/>
+              <a:lumOff val="0"/>
+              <a:alphaOff val="0"/>
+            </a:schemeClr>
+          </a:solidFill>
+          <a:prstDash val="solid"/>
+        </a:ln>
+        <a:effectLst/>
+      </dsp:spPr>
+      <dsp:style>
+        <a:lnRef idx="2">
+          <a:scrgbClr r="0" g="0" b="0"/>
+        </a:lnRef>
+        <a:fillRef idx="1">
+          <a:scrgbClr r="0" g="0" b="0"/>
+        </a:fillRef>
+        <a:effectRef idx="0">
+          <a:scrgbClr r="0" g="0" b="0"/>
+        </a:effectRef>
+        <a:fontRef idx="minor">
+          <a:schemeClr val="lt1"/>
+        </a:fontRef>
+      </dsp:style>
+      <dsp:txBody>
+        <a:bodyPr spcFirstLastPara="0" vert="horz" wrap="square" lIns="91440" tIns="91440" rIns="91440" bIns="91440" numCol="1" spcCol="1270" anchor="ctr" anchorCtr="0">
+          <a:noAutofit/>
+        </a:bodyPr>
+        <a:lstStyle/>
+        <a:p>
+          <a:pPr marL="0" lvl="0" indent="0" algn="l" defTabSz="1066800">
+            <a:lnSpc>
+              <a:spcPct val="90000"/>
+            </a:lnSpc>
+            <a:spcBef>
+              <a:spcPct val="0"/>
+            </a:spcBef>
+            <a:spcAft>
+              <a:spcPct val="35000"/>
+            </a:spcAft>
+            <a:buNone/>
+          </a:pPr>
+          <a:r>
+            <a:rPr lang="pl-PL" sz="2400" kern="1200" dirty="0"/>
+            <a:t>Większy zbiór testowy</a:t>
+          </a:r>
+        </a:p>
+      </dsp:txBody>
+      <dsp:txXfrm>
+        <a:off x="16471" y="16471"/>
+        <a:ext cx="6954996" cy="529414"/>
+      </dsp:txXfrm>
+    </dsp:sp>
+    <dsp:sp modelId="{8BFAE6AB-8025-4652-9C23-1C979D054600}">
+      <dsp:nvSpPr>
+        <dsp:cNvPr id="0" name=""/>
+        <dsp:cNvSpPr/>
+      </dsp:nvSpPr>
+      <dsp:spPr>
+        <a:xfrm>
+          <a:off x="569594" y="640461"/>
+          <a:ext cx="7627618" cy="562356"/>
+        </a:xfrm>
+        <a:prstGeom prst="roundRect">
+          <a:avLst>
+            <a:gd name="adj" fmla="val 10000"/>
+          </a:avLst>
+        </a:prstGeom>
+        <a:solidFill>
+          <a:schemeClr val="accent1">
+            <a:hueOff val="0"/>
+            <a:satOff val="0"/>
+            <a:lumOff val="0"/>
+            <a:alphaOff val="0"/>
+          </a:schemeClr>
+        </a:solidFill>
+        <a:ln w="19050" cap="rnd" cmpd="sng" algn="ctr">
+          <a:solidFill>
+            <a:schemeClr val="lt1">
+              <a:hueOff val="0"/>
+              <a:satOff val="0"/>
+              <a:lumOff val="0"/>
+              <a:alphaOff val="0"/>
+            </a:schemeClr>
+          </a:solidFill>
+          <a:prstDash val="solid"/>
+        </a:ln>
+        <a:effectLst/>
+      </dsp:spPr>
+      <dsp:style>
+        <a:lnRef idx="2">
+          <a:scrgbClr r="0" g="0" b="0"/>
+        </a:lnRef>
+        <a:fillRef idx="1">
+          <a:scrgbClr r="0" g="0" b="0"/>
+        </a:fillRef>
+        <a:effectRef idx="0">
+          <a:scrgbClr r="0" g="0" b="0"/>
+        </a:effectRef>
+        <a:fontRef idx="minor">
+          <a:schemeClr val="lt1"/>
+        </a:fontRef>
+      </dsp:style>
+      <dsp:txBody>
+        <a:bodyPr spcFirstLastPara="0" vert="horz" wrap="square" lIns="91440" tIns="91440" rIns="91440" bIns="91440" numCol="1" spcCol="1270" anchor="ctr" anchorCtr="0">
+          <a:noAutofit/>
+        </a:bodyPr>
+        <a:lstStyle/>
+        <a:p>
+          <a:pPr marL="0" lvl="0" indent="0" algn="l" defTabSz="1066800">
+            <a:lnSpc>
+              <a:spcPct val="90000"/>
+            </a:lnSpc>
+            <a:spcBef>
+              <a:spcPct val="0"/>
+            </a:spcBef>
+            <a:spcAft>
+              <a:spcPct val="35000"/>
+            </a:spcAft>
+            <a:buNone/>
+          </a:pPr>
+          <a:r>
+            <a:rPr lang="pl-PL" sz="2400" kern="1200" dirty="0"/>
+            <a:t>Obsługa skompresowanych plików .mp3</a:t>
+          </a:r>
+        </a:p>
+      </dsp:txBody>
+      <dsp:txXfrm>
+        <a:off x="586065" y="656932"/>
+        <a:ext cx="6659550" cy="529414"/>
+      </dsp:txXfrm>
+    </dsp:sp>
+    <dsp:sp modelId="{8AEFAAA4-7A53-481F-9B03-D51925BF8019}">
+      <dsp:nvSpPr>
+        <dsp:cNvPr id="0" name=""/>
+        <dsp:cNvSpPr/>
+      </dsp:nvSpPr>
+      <dsp:spPr>
+        <a:xfrm>
+          <a:off x="1139189" y="1280922"/>
+          <a:ext cx="7627618" cy="562356"/>
+        </a:xfrm>
+        <a:prstGeom prst="roundRect">
+          <a:avLst>
+            <a:gd name="adj" fmla="val 10000"/>
+          </a:avLst>
+        </a:prstGeom>
+        <a:solidFill>
+          <a:schemeClr val="accent1">
+            <a:hueOff val="0"/>
+            <a:satOff val="0"/>
+            <a:lumOff val="0"/>
+            <a:alphaOff val="0"/>
+          </a:schemeClr>
+        </a:solidFill>
+        <a:ln w="19050" cap="rnd" cmpd="sng" algn="ctr">
+          <a:solidFill>
+            <a:schemeClr val="lt1">
+              <a:hueOff val="0"/>
+              <a:satOff val="0"/>
+              <a:lumOff val="0"/>
+              <a:alphaOff val="0"/>
+            </a:schemeClr>
+          </a:solidFill>
+          <a:prstDash val="solid"/>
+        </a:ln>
+        <a:effectLst/>
+      </dsp:spPr>
+      <dsp:style>
+        <a:lnRef idx="2">
+          <a:scrgbClr r="0" g="0" b="0"/>
+        </a:lnRef>
+        <a:fillRef idx="1">
+          <a:scrgbClr r="0" g="0" b="0"/>
+        </a:fillRef>
+        <a:effectRef idx="0">
+          <a:scrgbClr r="0" g="0" b="0"/>
+        </a:effectRef>
+        <a:fontRef idx="minor">
+          <a:schemeClr val="lt1"/>
+        </a:fontRef>
+      </dsp:style>
+      <dsp:txBody>
+        <a:bodyPr spcFirstLastPara="0" vert="horz" wrap="square" lIns="91440" tIns="91440" rIns="91440" bIns="91440" numCol="1" spcCol="1270" anchor="ctr" anchorCtr="0">
+          <a:noAutofit/>
+        </a:bodyPr>
+        <a:lstStyle/>
+        <a:p>
+          <a:pPr marL="0" lvl="0" indent="0" algn="l" defTabSz="1066800">
+            <a:lnSpc>
+              <a:spcPct val="90000"/>
+            </a:lnSpc>
+            <a:spcBef>
+              <a:spcPct val="0"/>
+            </a:spcBef>
+            <a:spcAft>
+              <a:spcPct val="35000"/>
+            </a:spcAft>
+            <a:buNone/>
+          </a:pPr>
+          <a:r>
+            <a:rPr lang="pl-PL" sz="2400" kern="1200" dirty="0"/>
+            <a:t>Zastąpienie filtra prostokątnego</a:t>
+          </a:r>
+        </a:p>
+      </dsp:txBody>
+      <dsp:txXfrm>
+        <a:off x="1155660" y="1297393"/>
+        <a:ext cx="6659550" cy="529414"/>
+      </dsp:txXfrm>
+    </dsp:sp>
+    <dsp:sp modelId="{8C251A3D-57A3-4957-A29A-455919B97B9B}">
+      <dsp:nvSpPr>
+        <dsp:cNvPr id="0" name=""/>
+        <dsp:cNvSpPr/>
+      </dsp:nvSpPr>
+      <dsp:spPr>
+        <a:xfrm>
+          <a:off x="1708784" y="1921383"/>
+          <a:ext cx="7627618" cy="562356"/>
+        </a:xfrm>
+        <a:prstGeom prst="roundRect">
+          <a:avLst>
+            <a:gd name="adj" fmla="val 10000"/>
+          </a:avLst>
+        </a:prstGeom>
+        <a:solidFill>
+          <a:schemeClr val="accent1">
+            <a:hueOff val="0"/>
+            <a:satOff val="0"/>
+            <a:lumOff val="0"/>
+            <a:alphaOff val="0"/>
+          </a:schemeClr>
+        </a:solidFill>
+        <a:ln w="19050" cap="rnd" cmpd="sng" algn="ctr">
+          <a:solidFill>
+            <a:schemeClr val="lt1">
+              <a:hueOff val="0"/>
+              <a:satOff val="0"/>
+              <a:lumOff val="0"/>
+              <a:alphaOff val="0"/>
+            </a:schemeClr>
+          </a:solidFill>
+          <a:prstDash val="solid"/>
+        </a:ln>
+        <a:effectLst/>
+      </dsp:spPr>
+      <dsp:style>
+        <a:lnRef idx="2">
+          <a:scrgbClr r="0" g="0" b="0"/>
+        </a:lnRef>
+        <a:fillRef idx="1">
+          <a:scrgbClr r="0" g="0" b="0"/>
+        </a:fillRef>
+        <a:effectRef idx="0">
+          <a:scrgbClr r="0" g="0" b="0"/>
+        </a:effectRef>
+        <a:fontRef idx="minor">
+          <a:schemeClr val="lt1"/>
+        </a:fontRef>
+      </dsp:style>
+      <dsp:txBody>
+        <a:bodyPr spcFirstLastPara="0" vert="horz" wrap="square" lIns="91440" tIns="91440" rIns="91440" bIns="91440" numCol="1" spcCol="1270" anchor="ctr" anchorCtr="0">
+          <a:noAutofit/>
+        </a:bodyPr>
+        <a:lstStyle/>
+        <a:p>
+          <a:pPr marL="0" lvl="0" indent="0" algn="l" defTabSz="1066800">
+            <a:lnSpc>
+              <a:spcPct val="90000"/>
+            </a:lnSpc>
+            <a:spcBef>
+              <a:spcPct val="0"/>
+            </a:spcBef>
+            <a:spcAft>
+              <a:spcPct val="35000"/>
+            </a:spcAft>
+            <a:buNone/>
+          </a:pPr>
+          <a:r>
+            <a:rPr lang="pl-PL" sz="2400" kern="1200" dirty="0"/>
+            <a:t>Zmiana metody wykrywania metrum</a:t>
+          </a:r>
+        </a:p>
+      </dsp:txBody>
+      <dsp:txXfrm>
+        <a:off x="1725255" y="1937854"/>
+        <a:ext cx="6659550" cy="529414"/>
+      </dsp:txXfrm>
+    </dsp:sp>
+    <dsp:sp modelId="{FA55BFB4-0955-439D-A563-E3853532FF9E}">
+      <dsp:nvSpPr>
+        <dsp:cNvPr id="0" name=""/>
+        <dsp:cNvSpPr/>
+      </dsp:nvSpPr>
+      <dsp:spPr>
+        <a:xfrm>
+          <a:off x="2278379" y="2561844"/>
+          <a:ext cx="7627618" cy="562356"/>
+        </a:xfrm>
+        <a:prstGeom prst="roundRect">
+          <a:avLst>
+            <a:gd name="adj" fmla="val 10000"/>
+          </a:avLst>
+        </a:prstGeom>
+        <a:solidFill>
+          <a:schemeClr val="accent1">
+            <a:hueOff val="0"/>
+            <a:satOff val="0"/>
+            <a:lumOff val="0"/>
+            <a:alphaOff val="0"/>
+          </a:schemeClr>
+        </a:solidFill>
+        <a:ln w="19050" cap="rnd" cmpd="sng" algn="ctr">
+          <a:solidFill>
+            <a:schemeClr val="lt1">
+              <a:hueOff val="0"/>
+              <a:satOff val="0"/>
+              <a:lumOff val="0"/>
+              <a:alphaOff val="0"/>
+            </a:schemeClr>
+          </a:solidFill>
+          <a:prstDash val="solid"/>
+        </a:ln>
+        <a:effectLst/>
+      </dsp:spPr>
+      <dsp:style>
+        <a:lnRef idx="2">
+          <a:scrgbClr r="0" g="0" b="0"/>
+        </a:lnRef>
+        <a:fillRef idx="1">
+          <a:scrgbClr r="0" g="0" b="0"/>
+        </a:fillRef>
+        <a:effectRef idx="0">
+          <a:scrgbClr r="0" g="0" b="0"/>
+        </a:effectRef>
+        <a:fontRef idx="minor">
+          <a:schemeClr val="lt1"/>
+        </a:fontRef>
+      </dsp:style>
+      <dsp:txBody>
+        <a:bodyPr spcFirstLastPara="0" vert="horz" wrap="square" lIns="91440" tIns="91440" rIns="91440" bIns="91440" numCol="1" spcCol="1270" anchor="ctr" anchorCtr="0">
+          <a:noAutofit/>
+        </a:bodyPr>
+        <a:lstStyle/>
+        <a:p>
+          <a:pPr marL="0" lvl="0" indent="0" algn="l" defTabSz="1066800" rtl="0">
+            <a:lnSpc>
+              <a:spcPct val="90000"/>
+            </a:lnSpc>
+            <a:spcBef>
+              <a:spcPct val="0"/>
+            </a:spcBef>
+            <a:spcAft>
+              <a:spcPct val="35000"/>
+            </a:spcAft>
+            <a:buNone/>
+          </a:pPr>
+          <a:r>
+            <a:rPr lang="pl-PL" sz="2400" kern="1200" dirty="0"/>
+            <a:t>Program współbieżny - </a:t>
+          </a:r>
+          <a:r>
+            <a:rPr lang="pl-PL" sz="2400" kern="1200" dirty="0">
+              <a:latin typeface="Century Gothic" panose="020B0502020202020204"/>
+            </a:rPr>
+            <a:t>NVIDIA CUDA</a:t>
+          </a:r>
+          <a:endParaRPr lang="pl-PL" sz="2400" kern="1200" dirty="0"/>
+        </a:p>
+      </dsp:txBody>
+      <dsp:txXfrm>
+        <a:off x="2294850" y="2578315"/>
+        <a:ext cx="6659550" cy="529414"/>
+      </dsp:txXfrm>
+    </dsp:sp>
+    <dsp:sp modelId="{E6986A7D-DE23-4AFC-8BE8-D927E8696A13}">
+      <dsp:nvSpPr>
+        <dsp:cNvPr id="0" name=""/>
+        <dsp:cNvSpPr/>
+      </dsp:nvSpPr>
+      <dsp:spPr>
+        <a:xfrm>
+          <a:off x="7262086" y="410832"/>
+          <a:ext cx="365531" cy="365531"/>
+        </a:xfrm>
+        <a:prstGeom prst="downArrow">
+          <a:avLst>
+            <a:gd name="adj1" fmla="val 55000"/>
+            <a:gd name="adj2" fmla="val 45000"/>
+          </a:avLst>
+        </a:prstGeom>
+        <a:solidFill>
+          <a:schemeClr val="accent1">
+            <a:alpha val="90000"/>
+            <a:tint val="40000"/>
+            <a:hueOff val="0"/>
+            <a:satOff val="0"/>
+            <a:lumOff val="0"/>
+            <a:alphaOff val="0"/>
+          </a:schemeClr>
+        </a:solidFill>
+        <a:ln w="19050" cap="rnd" cmpd="sng" algn="ctr">
+          <a:solidFill>
+            <a:schemeClr val="accent1">
+              <a:alpha val="90000"/>
+              <a:tint val="40000"/>
+              <a:hueOff val="0"/>
+              <a:satOff val="0"/>
+              <a:lumOff val="0"/>
+              <a:alphaOff val="0"/>
+            </a:schemeClr>
+          </a:solidFill>
+          <a:prstDash val="solid"/>
+        </a:ln>
+        <a:effectLst/>
+      </dsp:spPr>
+      <dsp:style>
+        <a:lnRef idx="2">
+          <a:scrgbClr r="0" g="0" b="0"/>
+        </a:lnRef>
+        <a:fillRef idx="1">
+          <a:scrgbClr r="0" g="0" b="0"/>
+        </a:fillRef>
+        <a:effectRef idx="0">
+          <a:scrgbClr r="0" g="0" b="0"/>
+        </a:effectRef>
+        <a:fontRef idx="minor"/>
+      </dsp:style>
+      <dsp:txBody>
+        <a:bodyPr spcFirstLastPara="0" vert="horz" wrap="square" lIns="21590" tIns="21590" rIns="21590" bIns="21590" numCol="1" spcCol="1270" anchor="ctr" anchorCtr="0">
+          <a:noAutofit/>
+        </a:bodyPr>
+        <a:lstStyle/>
+        <a:p>
+          <a:pPr marL="0" lvl="0" indent="0" algn="ctr" defTabSz="755650">
+            <a:lnSpc>
+              <a:spcPct val="90000"/>
+            </a:lnSpc>
+            <a:spcBef>
+              <a:spcPct val="0"/>
+            </a:spcBef>
+            <a:spcAft>
+              <a:spcPct val="35000"/>
+            </a:spcAft>
+            <a:buNone/>
+          </a:pPr>
+          <a:endParaRPr lang="pl-PL" sz="1700" kern="1200"/>
+        </a:p>
+      </dsp:txBody>
+      <dsp:txXfrm>
+        <a:off x="7344330" y="410832"/>
+        <a:ext cx="201043" cy="275062"/>
+      </dsp:txXfrm>
+    </dsp:sp>
+    <dsp:sp modelId="{F9474506-920E-4104-BEB5-A86D8E1D4A62}">
+      <dsp:nvSpPr>
+        <dsp:cNvPr id="0" name=""/>
+        <dsp:cNvSpPr/>
+      </dsp:nvSpPr>
+      <dsp:spPr>
+        <a:xfrm>
+          <a:off x="7831681" y="1051293"/>
+          <a:ext cx="365531" cy="365531"/>
+        </a:xfrm>
+        <a:prstGeom prst="downArrow">
+          <a:avLst>
+            <a:gd name="adj1" fmla="val 55000"/>
+            <a:gd name="adj2" fmla="val 45000"/>
+          </a:avLst>
+        </a:prstGeom>
+        <a:solidFill>
+          <a:schemeClr val="accent1">
+            <a:alpha val="90000"/>
+            <a:tint val="40000"/>
+            <a:hueOff val="0"/>
+            <a:satOff val="0"/>
+            <a:lumOff val="0"/>
+            <a:alphaOff val="0"/>
+          </a:schemeClr>
+        </a:solidFill>
+        <a:ln w="19050" cap="rnd" cmpd="sng" algn="ctr">
+          <a:solidFill>
+            <a:schemeClr val="accent1">
+              <a:alpha val="90000"/>
+              <a:tint val="40000"/>
+              <a:hueOff val="0"/>
+              <a:satOff val="0"/>
+              <a:lumOff val="0"/>
+              <a:alphaOff val="0"/>
+            </a:schemeClr>
+          </a:solidFill>
+          <a:prstDash val="solid"/>
+        </a:ln>
+        <a:effectLst/>
+      </dsp:spPr>
+      <dsp:style>
+        <a:lnRef idx="2">
+          <a:scrgbClr r="0" g="0" b="0"/>
+        </a:lnRef>
+        <a:fillRef idx="1">
+          <a:scrgbClr r="0" g="0" b="0"/>
+        </a:fillRef>
+        <a:effectRef idx="0">
+          <a:scrgbClr r="0" g="0" b="0"/>
+        </a:effectRef>
+        <a:fontRef idx="minor"/>
+      </dsp:style>
+      <dsp:txBody>
+        <a:bodyPr spcFirstLastPara="0" vert="horz" wrap="square" lIns="21590" tIns="21590" rIns="21590" bIns="21590" numCol="1" spcCol="1270" anchor="ctr" anchorCtr="0">
+          <a:noAutofit/>
+        </a:bodyPr>
+        <a:lstStyle/>
+        <a:p>
+          <a:pPr marL="0" lvl="0" indent="0" algn="ctr" defTabSz="755650">
+            <a:lnSpc>
+              <a:spcPct val="90000"/>
+            </a:lnSpc>
+            <a:spcBef>
+              <a:spcPct val="0"/>
+            </a:spcBef>
+            <a:spcAft>
+              <a:spcPct val="35000"/>
+            </a:spcAft>
+            <a:buNone/>
+          </a:pPr>
+          <a:endParaRPr lang="pl-PL" sz="1700" kern="1200"/>
+        </a:p>
+      </dsp:txBody>
+      <dsp:txXfrm>
+        <a:off x="7913925" y="1051293"/>
+        <a:ext cx="201043" cy="275062"/>
+      </dsp:txXfrm>
+    </dsp:sp>
+    <dsp:sp modelId="{B26F874A-35D9-4D1A-B0F2-C8CC32DE575E}">
+      <dsp:nvSpPr>
+        <dsp:cNvPr id="0" name=""/>
+        <dsp:cNvSpPr/>
+      </dsp:nvSpPr>
+      <dsp:spPr>
+        <a:xfrm>
+          <a:off x="8401276" y="1682382"/>
+          <a:ext cx="365531" cy="365531"/>
+        </a:xfrm>
+        <a:prstGeom prst="downArrow">
+          <a:avLst>
+            <a:gd name="adj1" fmla="val 55000"/>
+            <a:gd name="adj2" fmla="val 45000"/>
+          </a:avLst>
+        </a:prstGeom>
+        <a:solidFill>
+          <a:schemeClr val="accent1">
+            <a:alpha val="90000"/>
+            <a:tint val="40000"/>
+            <a:hueOff val="0"/>
+            <a:satOff val="0"/>
+            <a:lumOff val="0"/>
+            <a:alphaOff val="0"/>
+          </a:schemeClr>
+        </a:solidFill>
+        <a:ln w="19050" cap="rnd" cmpd="sng" algn="ctr">
+          <a:solidFill>
+            <a:schemeClr val="accent1">
+              <a:alpha val="90000"/>
+              <a:tint val="40000"/>
+              <a:hueOff val="0"/>
+              <a:satOff val="0"/>
+              <a:lumOff val="0"/>
+              <a:alphaOff val="0"/>
+            </a:schemeClr>
+          </a:solidFill>
+          <a:prstDash val="solid"/>
+        </a:ln>
+        <a:effectLst/>
+      </dsp:spPr>
+      <dsp:style>
+        <a:lnRef idx="2">
+          <a:scrgbClr r="0" g="0" b="0"/>
+        </a:lnRef>
+        <a:fillRef idx="1">
+          <a:scrgbClr r="0" g="0" b="0"/>
+        </a:fillRef>
+        <a:effectRef idx="0">
+          <a:scrgbClr r="0" g="0" b="0"/>
+        </a:effectRef>
+        <a:fontRef idx="minor"/>
+      </dsp:style>
+      <dsp:txBody>
+        <a:bodyPr spcFirstLastPara="0" vert="horz" wrap="square" lIns="21590" tIns="21590" rIns="21590" bIns="21590" numCol="1" spcCol="1270" anchor="ctr" anchorCtr="0">
+          <a:noAutofit/>
+        </a:bodyPr>
+        <a:lstStyle/>
+        <a:p>
+          <a:pPr marL="0" lvl="0" indent="0" algn="ctr" defTabSz="755650">
+            <a:lnSpc>
+              <a:spcPct val="90000"/>
+            </a:lnSpc>
+            <a:spcBef>
+              <a:spcPct val="0"/>
+            </a:spcBef>
+            <a:spcAft>
+              <a:spcPct val="35000"/>
+            </a:spcAft>
+            <a:buNone/>
+          </a:pPr>
+          <a:endParaRPr lang="pl-PL" sz="1700" kern="1200"/>
+        </a:p>
+      </dsp:txBody>
+      <dsp:txXfrm>
+        <a:off x="8483520" y="1682382"/>
+        <a:ext cx="201043" cy="275062"/>
+      </dsp:txXfrm>
+    </dsp:sp>
+    <dsp:sp modelId="{D450F799-0C12-4724-BB7C-C51C1623EE8D}">
+      <dsp:nvSpPr>
+        <dsp:cNvPr id="0" name=""/>
+        <dsp:cNvSpPr/>
+      </dsp:nvSpPr>
+      <dsp:spPr>
+        <a:xfrm>
+          <a:off x="8970871" y="2329091"/>
+          <a:ext cx="365531" cy="365531"/>
+        </a:xfrm>
+        <a:prstGeom prst="downArrow">
+          <a:avLst>
+            <a:gd name="adj1" fmla="val 55000"/>
+            <a:gd name="adj2" fmla="val 45000"/>
+          </a:avLst>
+        </a:prstGeom>
+        <a:solidFill>
+          <a:schemeClr val="accent1">
+            <a:alpha val="90000"/>
+            <a:tint val="40000"/>
+            <a:hueOff val="0"/>
+            <a:satOff val="0"/>
+            <a:lumOff val="0"/>
+            <a:alphaOff val="0"/>
+          </a:schemeClr>
+        </a:solidFill>
+        <a:ln w="19050" cap="rnd" cmpd="sng" algn="ctr">
+          <a:solidFill>
+            <a:schemeClr val="accent1">
+              <a:alpha val="90000"/>
+              <a:tint val="40000"/>
+              <a:hueOff val="0"/>
+              <a:satOff val="0"/>
+              <a:lumOff val="0"/>
+              <a:alphaOff val="0"/>
+            </a:schemeClr>
+          </a:solidFill>
+          <a:prstDash val="solid"/>
+        </a:ln>
+        <a:effectLst/>
+      </dsp:spPr>
+      <dsp:style>
+        <a:lnRef idx="2">
+          <a:scrgbClr r="0" g="0" b="0"/>
+        </a:lnRef>
+        <a:fillRef idx="1">
+          <a:scrgbClr r="0" g="0" b="0"/>
+        </a:fillRef>
+        <a:effectRef idx="0">
+          <a:scrgbClr r="0" g="0" b="0"/>
+        </a:effectRef>
+        <a:fontRef idx="minor"/>
+      </dsp:style>
+      <dsp:txBody>
+        <a:bodyPr spcFirstLastPara="0" vert="horz" wrap="square" lIns="21590" tIns="21590" rIns="21590" bIns="21590" numCol="1" spcCol="1270" anchor="ctr" anchorCtr="0">
+          <a:noAutofit/>
+        </a:bodyPr>
+        <a:lstStyle/>
+        <a:p>
+          <a:pPr marL="0" lvl="0" indent="0" algn="ctr" defTabSz="755650">
+            <a:lnSpc>
+              <a:spcPct val="90000"/>
+            </a:lnSpc>
+            <a:spcBef>
+              <a:spcPct val="0"/>
+            </a:spcBef>
+            <a:spcAft>
+              <a:spcPct val="35000"/>
+            </a:spcAft>
+            <a:buNone/>
+          </a:pPr>
+          <a:endParaRPr lang="pl-PL" sz="1700" kern="1200"/>
+        </a:p>
+      </dsp:txBody>
+      <dsp:txXfrm>
+        <a:off x="9053115" y="2329091"/>
+        <a:ext cx="201043" cy="275062"/>
+      </dsp:txXfrm>
+    </dsp:sp>
+  </dsp:spTree>
+</dsp:drawing>
+</file>
+
 <file path=ppt/diagrams/layout1.xml><?xml version="1.0" encoding="utf-8"?>
 <dgm:layoutDef xmlns:dgm="http://schemas.openxmlformats.org/drawingml/2006/diagram" xmlns:a="http://schemas.openxmlformats.org/drawingml/2006/main" uniqueId="urn:microsoft.com/office/officeart/2018/2/layout/IconVerticalSolidList">
   <dgm:title val="Icon Vertical Solid List"/>
@@ -10803,6 +14049,1795 @@
 </dgm:layoutDef>
 </file>
 
+<file path=ppt/diagrams/layout6.xml><?xml version="1.0" encoding="utf-8"?>
+<dgm:layoutDef xmlns:dgm="http://schemas.openxmlformats.org/drawingml/2006/diagram" xmlns:a="http://schemas.openxmlformats.org/drawingml/2006/main" uniqueId="urn:microsoft.com/office/officeart/2005/8/layout/hierarchy1">
+  <dgm:title val=""/>
+  <dgm:desc val=""/>
+  <dgm:catLst>
+    <dgm:cat type="hierarchy" pri="2000"/>
+  </dgm:catLst>
+  <dgm:sampData>
+    <dgm:dataModel>
+      <dgm:ptLst>
+        <dgm:pt modelId="0" type="doc"/>
+        <dgm:pt modelId="1">
+          <dgm:prSet phldr="1"/>
+        </dgm:pt>
+        <dgm:pt modelId="2">
+          <dgm:prSet phldr="1"/>
+        </dgm:pt>
+        <dgm:pt modelId="21">
+          <dgm:prSet phldr="1"/>
+        </dgm:pt>
+        <dgm:pt modelId="22">
+          <dgm:prSet phldr="1"/>
+        </dgm:pt>
+        <dgm:pt modelId="3">
+          <dgm:prSet phldr="1"/>
+        </dgm:pt>
+        <dgm:pt modelId="31">
+          <dgm:prSet phldr="1"/>
+        </dgm:pt>
+      </dgm:ptLst>
+      <dgm:cxnLst>
+        <dgm:cxn modelId="4" srcId="0" destId="1" srcOrd="0" destOrd="0"/>
+        <dgm:cxn modelId="5" srcId="1" destId="2" srcOrd="0" destOrd="0"/>
+        <dgm:cxn modelId="6" srcId="1" destId="3" srcOrd="1" destOrd="0"/>
+        <dgm:cxn modelId="23" srcId="2" destId="21" srcOrd="0" destOrd="0"/>
+        <dgm:cxn modelId="24" srcId="2" destId="22" srcOrd="1" destOrd="0"/>
+        <dgm:cxn modelId="33" srcId="3" destId="31" srcOrd="0" destOrd="0"/>
+      </dgm:cxnLst>
+      <dgm:bg/>
+      <dgm:whole/>
+    </dgm:dataModel>
+  </dgm:sampData>
+  <dgm:styleData>
+    <dgm:dataModel>
+      <dgm:ptLst>
+        <dgm:pt modelId="0" type="doc"/>
+        <dgm:pt modelId="1"/>
+        <dgm:pt modelId="11"/>
+        <dgm:pt modelId="12"/>
+      </dgm:ptLst>
+      <dgm:cxnLst>
+        <dgm:cxn modelId="2" srcId="0" destId="1" srcOrd="0" destOrd="0"/>
+        <dgm:cxn modelId="13" srcId="1" destId="11" srcOrd="0" destOrd="0"/>
+        <dgm:cxn modelId="14" srcId="1" destId="12" srcOrd="1" destOrd="0"/>
+      </dgm:cxnLst>
+      <dgm:bg/>
+      <dgm:whole/>
+    </dgm:dataModel>
+  </dgm:styleData>
+  <dgm:clrData>
+    <dgm:dataModel>
+      <dgm:ptLst>
+        <dgm:pt modelId="0" type="doc"/>
+        <dgm:pt modelId="1"/>
+        <dgm:pt modelId="2"/>
+        <dgm:pt modelId="21"/>
+        <dgm:pt modelId="211"/>
+        <dgm:pt modelId="3"/>
+        <dgm:pt modelId="31"/>
+        <dgm:pt modelId="311"/>
+      </dgm:ptLst>
+      <dgm:cxnLst>
+        <dgm:cxn modelId="4" srcId="0" destId="1" srcOrd="0" destOrd="0"/>
+        <dgm:cxn modelId="5" srcId="1" destId="2" srcOrd="0" destOrd="0"/>
+        <dgm:cxn modelId="6" srcId="1" destId="3" srcOrd="1" destOrd="0"/>
+        <dgm:cxn modelId="23" srcId="2" destId="21" srcOrd="0" destOrd="0"/>
+        <dgm:cxn modelId="24" srcId="21" destId="211" srcOrd="0" destOrd="0"/>
+        <dgm:cxn modelId="33" srcId="3" destId="31" srcOrd="0" destOrd="0"/>
+        <dgm:cxn modelId="34" srcId="31" destId="311" srcOrd="0" destOrd="0"/>
+      </dgm:cxnLst>
+      <dgm:bg/>
+      <dgm:whole/>
+    </dgm:dataModel>
+  </dgm:clrData>
+  <dgm:layoutNode name="hierChild1">
+    <dgm:varLst>
+      <dgm:chPref val="1"/>
+      <dgm:dir/>
+      <dgm:animOne val="branch"/>
+      <dgm:animLvl val="lvl"/>
+      <dgm:resizeHandles/>
+    </dgm:varLst>
+    <dgm:choose name="Name0">
+      <dgm:if name="Name1" func="var" arg="dir" op="equ" val="norm">
+        <dgm:alg type="hierChild">
+          <dgm:param type="linDir" val="fromL"/>
+        </dgm:alg>
+      </dgm:if>
+      <dgm:else name="Name2">
+        <dgm:alg type="hierChild">
+          <dgm:param type="linDir" val="fromR"/>
+        </dgm:alg>
+      </dgm:else>
+    </dgm:choose>
+    <dgm:shape xmlns:r="http://schemas.openxmlformats.org/officeDocument/2006/relationships" r:blip="">
+      <dgm:adjLst/>
+    </dgm:shape>
+    <dgm:presOf/>
+    <dgm:constrLst>
+      <dgm:constr type="primFontSz" for="des" ptType="node" op="equ" val="65"/>
+      <dgm:constr type="w" for="des" forName="composite" refType="w"/>
+      <dgm:constr type="h" for="des" forName="composite" refType="w" refFor="des" refForName="composite" fact="0.667"/>
+      <dgm:constr type="w" for="des" forName="composite2" refType="w" refFor="des" refForName="composite"/>
+      <dgm:constr type="h" for="des" forName="composite2" refType="h" refFor="des" refForName="composite"/>
+      <dgm:constr type="w" for="des" forName="composite3" refType="w" refFor="des" refForName="composite"/>
+      <dgm:constr type="h" for="des" forName="composite3" refType="h" refFor="des" refForName="composite"/>
+      <dgm:constr type="w" for="des" forName="composite4" refType="w" refFor="des" refForName="composite"/>
+      <dgm:constr type="h" for="des" forName="composite4" refType="h" refFor="des" refForName="composite"/>
+      <dgm:constr type="w" for="des" forName="composite5" refType="w" refFor="des" refForName="composite"/>
+      <dgm:constr type="h" for="des" forName="composite5" refType="h" refFor="des" refForName="composite"/>
+      <dgm:constr type="sibSp" refType="w" refFor="des" refForName="composite" fact="0.1"/>
+      <dgm:constr type="sibSp" for="des" forName="hierChild2" refType="sibSp"/>
+      <dgm:constr type="sibSp" for="des" forName="hierChild3" refType="sibSp"/>
+      <dgm:constr type="sibSp" for="des" forName="hierChild4" refType="sibSp"/>
+      <dgm:constr type="sibSp" for="des" forName="hierChild5" refType="sibSp"/>
+      <dgm:constr type="sibSp" for="des" forName="hierChild6" refType="sibSp"/>
+      <dgm:constr type="sp" for="des" forName="hierRoot1" refType="h" refFor="des" refForName="composite" fact="0.25"/>
+      <dgm:constr type="sp" for="des" forName="hierRoot2" refType="sp" refFor="des" refForName="hierRoot1"/>
+      <dgm:constr type="sp" for="des" forName="hierRoot3" refType="sp" refFor="des" refForName="hierRoot1"/>
+      <dgm:constr type="sp" for="des" forName="hierRoot4" refType="sp" refFor="des" refForName="hierRoot1"/>
+      <dgm:constr type="sp" for="des" forName="hierRoot5" refType="sp" refFor="des" refForName="hierRoot1"/>
+    </dgm:constrLst>
+    <dgm:ruleLst/>
+    <dgm:forEach name="Name3" axis="ch">
+      <dgm:forEach name="Name4" axis="self" ptType="node">
+        <dgm:layoutNode name="hierRoot1">
+          <dgm:alg type="hierRoot"/>
+          <dgm:shape xmlns:r="http://schemas.openxmlformats.org/officeDocument/2006/relationships" r:blip="">
+            <dgm:adjLst/>
+          </dgm:shape>
+          <dgm:presOf/>
+          <dgm:constrLst>
+            <dgm:constr type="bendDist" for="des" ptType="parTrans" refType="sp" fact="0.5"/>
+          </dgm:constrLst>
+          <dgm:ruleLst/>
+          <dgm:layoutNode name="composite">
+            <dgm:alg type="composite"/>
+            <dgm:shape xmlns:r="http://schemas.openxmlformats.org/officeDocument/2006/relationships" r:blip="">
+              <dgm:adjLst/>
+            </dgm:shape>
+            <dgm:presOf/>
+            <dgm:constrLst>
+              <dgm:constr type="w" for="ch" forName="background" refType="w" fact="0.9"/>
+              <dgm:constr type="h" for="ch" forName="background" refType="w" refFor="ch" refForName="background" fact="0.635"/>
+              <dgm:constr type="t" for="ch" forName="background"/>
+              <dgm:constr type="l" for="ch" forName="background"/>
+              <dgm:constr type="w" for="ch" forName="text" refType="w" fact="0.9"/>
+              <dgm:constr type="h" for="ch" forName="text" refType="w" refFor="ch" refForName="text" fact="0.635"/>
+              <dgm:constr type="t" for="ch" forName="text" refType="w" fact="0.095"/>
+              <dgm:constr type="l" for="ch" forName="text" refType="w" fact="0.1"/>
+            </dgm:constrLst>
+            <dgm:ruleLst/>
+            <dgm:layoutNode name="background" styleLbl="node0" moveWith="text">
+              <dgm:alg type="sp"/>
+              <dgm:shape xmlns:r="http://schemas.openxmlformats.org/officeDocument/2006/relationships" type="roundRect" r:blip="">
+                <dgm:adjLst>
+                  <dgm:adj idx="1" val="0.1"/>
+                </dgm:adjLst>
+              </dgm:shape>
+              <dgm:presOf/>
+              <dgm:constrLst/>
+              <dgm:ruleLst/>
+            </dgm:layoutNode>
+            <dgm:layoutNode name="text" styleLbl="fgAcc0">
+              <dgm:varLst>
+                <dgm:chPref val="3"/>
+              </dgm:varLst>
+              <dgm:alg type="tx"/>
+              <dgm:shape xmlns:r="http://schemas.openxmlformats.org/officeDocument/2006/relationships" type="roundRect" r:blip="">
+                <dgm:adjLst>
+                  <dgm:adj idx="1" val="0.1"/>
+                </dgm:adjLst>
+              </dgm:shape>
+              <dgm:presOf axis="self"/>
+              <dgm:constrLst>
+                <dgm:constr type="tMarg" refType="primFontSz" fact="0.3"/>
+                <dgm:constr type="bMarg" refType="primFontSz" fact="0.3"/>
+                <dgm:constr type="lMarg" refType="primFontSz" fact="0.3"/>
+                <dgm:constr type="rMarg" refType="primFontSz" fact="0.3"/>
+              </dgm:constrLst>
+              <dgm:ruleLst>
+                <dgm:rule type="primFontSz" val="5" fact="NaN" max="NaN"/>
+              </dgm:ruleLst>
+            </dgm:layoutNode>
+          </dgm:layoutNode>
+          <dgm:layoutNode name="hierChild2">
+            <dgm:choose name="Name5">
+              <dgm:if name="Name6" func="var" arg="dir" op="equ" val="norm">
+                <dgm:alg type="hierChild">
+                  <dgm:param type="linDir" val="fromL"/>
+                </dgm:alg>
+              </dgm:if>
+              <dgm:else name="Name7">
+                <dgm:alg type="hierChild">
+                  <dgm:param type="linDir" val="fromR"/>
+                </dgm:alg>
+              </dgm:else>
+            </dgm:choose>
+            <dgm:shape xmlns:r="http://schemas.openxmlformats.org/officeDocument/2006/relationships" r:blip="">
+              <dgm:adjLst/>
+            </dgm:shape>
+            <dgm:presOf/>
+            <dgm:constrLst/>
+            <dgm:ruleLst/>
+            <dgm:forEach name="Name8" axis="ch">
+              <dgm:forEach name="Name9" axis="self" ptType="parTrans" cnt="1">
+                <dgm:layoutNode name="Name10">
+                  <dgm:alg type="conn">
+                    <dgm:param type="dim" val="1D"/>
+                    <dgm:param type="endSty" val="noArr"/>
+                    <dgm:param type="connRout" val="bend"/>
+                    <dgm:param type="bendPt" val="end"/>
+                    <dgm:param type="begPts" val="bCtr"/>
+                    <dgm:param type="endPts" val="tCtr"/>
+                    <dgm:param type="srcNode" val="background"/>
+                    <dgm:param type="dstNode" val="background2"/>
+                  </dgm:alg>
+                  <dgm:shape xmlns:r="http://schemas.openxmlformats.org/officeDocument/2006/relationships" type="conn" r:blip="" zOrderOff="-999">
+                    <dgm:adjLst/>
+                  </dgm:shape>
+                  <dgm:presOf axis="self"/>
+                  <dgm:constrLst>
+                    <dgm:constr type="begPad"/>
+                    <dgm:constr type="endPad"/>
+                  </dgm:constrLst>
+                  <dgm:ruleLst/>
+                </dgm:layoutNode>
+              </dgm:forEach>
+              <dgm:forEach name="Name11" axis="self" ptType="node">
+                <dgm:layoutNode name="hierRoot2">
+                  <dgm:alg type="hierRoot"/>
+                  <dgm:shape xmlns:r="http://schemas.openxmlformats.org/officeDocument/2006/relationships" r:blip="">
+                    <dgm:adjLst/>
+                  </dgm:shape>
+                  <dgm:presOf/>
+                  <dgm:constrLst>
+                    <dgm:constr type="bendDist" for="des" ptType="parTrans" refType="sp" fact="0.5"/>
+                  </dgm:constrLst>
+                  <dgm:ruleLst/>
+                  <dgm:layoutNode name="composite2">
+                    <dgm:alg type="composite"/>
+                    <dgm:shape xmlns:r="http://schemas.openxmlformats.org/officeDocument/2006/relationships" r:blip="">
+                      <dgm:adjLst/>
+                    </dgm:shape>
+                    <dgm:presOf/>
+                    <dgm:constrLst>
+                      <dgm:constr type="w" for="ch" forName="background2" refType="w" fact="0.9"/>
+                      <dgm:constr type="h" for="ch" forName="background2" refType="w" refFor="ch" refForName="background2" fact="0.635"/>
+                      <dgm:constr type="t" for="ch" forName="background2"/>
+                      <dgm:constr type="l" for="ch" forName="background2"/>
+                      <dgm:constr type="w" for="ch" forName="text2" refType="w" fact="0.9"/>
+                      <dgm:constr type="h" for="ch" forName="text2" refType="w" refFor="ch" refForName="text2" fact="0.635"/>
+                      <dgm:constr type="t" for="ch" forName="text2" refType="w" fact="0.095"/>
+                      <dgm:constr type="l" for="ch" forName="text2" refType="w" fact="0.1"/>
+                    </dgm:constrLst>
+                    <dgm:ruleLst/>
+                    <dgm:layoutNode name="background2" moveWith="text2">
+                      <dgm:alg type="sp"/>
+                      <dgm:shape xmlns:r="http://schemas.openxmlformats.org/officeDocument/2006/relationships" type="roundRect" r:blip="">
+                        <dgm:adjLst>
+                          <dgm:adj idx="1" val="0.1"/>
+                        </dgm:adjLst>
+                      </dgm:shape>
+                      <dgm:presOf/>
+                      <dgm:constrLst/>
+                      <dgm:ruleLst/>
+                    </dgm:layoutNode>
+                    <dgm:layoutNode name="text2" styleLbl="fgAcc2">
+                      <dgm:varLst>
+                        <dgm:chPref val="3"/>
+                      </dgm:varLst>
+                      <dgm:alg type="tx"/>
+                      <dgm:shape xmlns:r="http://schemas.openxmlformats.org/officeDocument/2006/relationships" type="roundRect" r:blip="">
+                        <dgm:adjLst>
+                          <dgm:adj idx="1" val="0.1"/>
+                        </dgm:adjLst>
+                      </dgm:shape>
+                      <dgm:presOf axis="self"/>
+                      <dgm:constrLst>
+                        <dgm:constr type="tMarg" refType="primFontSz" fact="0.3"/>
+                        <dgm:constr type="bMarg" refType="primFontSz" fact="0.3"/>
+                        <dgm:constr type="lMarg" refType="primFontSz" fact="0.3"/>
+                        <dgm:constr type="rMarg" refType="primFontSz" fact="0.3"/>
+                      </dgm:constrLst>
+                      <dgm:ruleLst>
+                        <dgm:rule type="primFontSz" val="5" fact="NaN" max="NaN"/>
+                      </dgm:ruleLst>
+                    </dgm:layoutNode>
+                  </dgm:layoutNode>
+                  <dgm:layoutNode name="hierChild3">
+                    <dgm:choose name="Name12">
+                      <dgm:if name="Name13" func="var" arg="dir" op="equ" val="norm">
+                        <dgm:alg type="hierChild">
+                          <dgm:param type="linDir" val="fromL"/>
+                        </dgm:alg>
+                      </dgm:if>
+                      <dgm:else name="Name14">
+                        <dgm:alg type="hierChild">
+                          <dgm:param type="linDir" val="fromR"/>
+                        </dgm:alg>
+                      </dgm:else>
+                    </dgm:choose>
+                    <dgm:shape xmlns:r="http://schemas.openxmlformats.org/officeDocument/2006/relationships" r:blip="">
+                      <dgm:adjLst/>
+                    </dgm:shape>
+                    <dgm:presOf/>
+                    <dgm:constrLst/>
+                    <dgm:ruleLst/>
+                    <dgm:forEach name="Name15" axis="ch">
+                      <dgm:forEach name="Name16" axis="self" ptType="parTrans" cnt="1">
+                        <dgm:layoutNode name="Name17">
+                          <dgm:alg type="conn">
+                            <dgm:param type="dim" val="1D"/>
+                            <dgm:param type="endSty" val="noArr"/>
+                            <dgm:param type="connRout" val="bend"/>
+                            <dgm:param type="bendPt" val="end"/>
+                            <dgm:param type="begPts" val="bCtr"/>
+                            <dgm:param type="endPts" val="tCtr"/>
+                            <dgm:param type="srcNode" val="background2"/>
+                            <dgm:param type="dstNode" val="background3"/>
+                          </dgm:alg>
+                          <dgm:shape xmlns:r="http://schemas.openxmlformats.org/officeDocument/2006/relationships" type="conn" r:blip="" zOrderOff="-999">
+                            <dgm:adjLst/>
+                          </dgm:shape>
+                          <dgm:presOf axis="self"/>
+                          <dgm:constrLst>
+                            <dgm:constr type="begPad"/>
+                            <dgm:constr type="endPad"/>
+                          </dgm:constrLst>
+                          <dgm:ruleLst/>
+                        </dgm:layoutNode>
+                      </dgm:forEach>
+                      <dgm:forEach name="Name18" axis="self" ptType="node">
+                        <dgm:layoutNode name="hierRoot3">
+                          <dgm:alg type="hierRoot"/>
+                          <dgm:shape xmlns:r="http://schemas.openxmlformats.org/officeDocument/2006/relationships" r:blip="">
+                            <dgm:adjLst/>
+                          </dgm:shape>
+                          <dgm:presOf/>
+                          <dgm:constrLst>
+                            <dgm:constr type="bendDist" for="des" ptType="parTrans" refType="sp" fact="0.5"/>
+                          </dgm:constrLst>
+                          <dgm:ruleLst/>
+                          <dgm:layoutNode name="composite3">
+                            <dgm:alg type="composite"/>
+                            <dgm:shape xmlns:r="http://schemas.openxmlformats.org/officeDocument/2006/relationships" r:blip="">
+                              <dgm:adjLst/>
+                            </dgm:shape>
+                            <dgm:presOf/>
+                            <dgm:constrLst>
+                              <dgm:constr type="w" for="ch" forName="background3" refType="w" fact="0.9"/>
+                              <dgm:constr type="h" for="ch" forName="background3" refType="w" refFor="ch" refForName="background3" fact="0.635"/>
+                              <dgm:constr type="t" for="ch" forName="background3"/>
+                              <dgm:constr type="l" for="ch" forName="background3"/>
+                              <dgm:constr type="w" for="ch" forName="text3" refType="w" fact="0.9"/>
+                              <dgm:constr type="h" for="ch" forName="text3" refType="w" refFor="ch" refForName="text3" fact="0.635"/>
+                              <dgm:constr type="t" for="ch" forName="text3" refType="w" fact="0.095"/>
+                              <dgm:constr type="l" for="ch" forName="text3" refType="w" fact="0.1"/>
+                            </dgm:constrLst>
+                            <dgm:ruleLst/>
+                            <dgm:layoutNode name="background3" moveWith="text3">
+                              <dgm:alg type="sp"/>
+                              <dgm:shape xmlns:r="http://schemas.openxmlformats.org/officeDocument/2006/relationships" type="roundRect" r:blip="">
+                                <dgm:adjLst>
+                                  <dgm:adj idx="1" val="0.1"/>
+                                </dgm:adjLst>
+                              </dgm:shape>
+                              <dgm:presOf/>
+                              <dgm:constrLst/>
+                              <dgm:ruleLst/>
+                            </dgm:layoutNode>
+                            <dgm:layoutNode name="text3" styleLbl="fgAcc3">
+                              <dgm:varLst>
+                                <dgm:chPref val="3"/>
+                              </dgm:varLst>
+                              <dgm:alg type="tx"/>
+                              <dgm:shape xmlns:r="http://schemas.openxmlformats.org/officeDocument/2006/relationships" type="roundRect" r:blip="">
+                                <dgm:adjLst>
+                                  <dgm:adj idx="1" val="0.1"/>
+                                </dgm:adjLst>
+                              </dgm:shape>
+                              <dgm:presOf axis="self"/>
+                              <dgm:constrLst>
+                                <dgm:constr type="tMarg" refType="primFontSz" fact="0.3"/>
+                                <dgm:constr type="bMarg" refType="primFontSz" fact="0.3"/>
+                                <dgm:constr type="lMarg" refType="primFontSz" fact="0.3"/>
+                                <dgm:constr type="rMarg" refType="primFontSz" fact="0.3"/>
+                              </dgm:constrLst>
+                              <dgm:ruleLst>
+                                <dgm:rule type="primFontSz" val="5" fact="NaN" max="NaN"/>
+                              </dgm:ruleLst>
+                            </dgm:layoutNode>
+                          </dgm:layoutNode>
+                          <dgm:layoutNode name="hierChild4">
+                            <dgm:choose name="Name19">
+                              <dgm:if name="Name20" func="var" arg="dir" op="equ" val="norm">
+                                <dgm:alg type="hierChild">
+                                  <dgm:param type="linDir" val="fromL"/>
+                                </dgm:alg>
+                              </dgm:if>
+                              <dgm:else name="Name21">
+                                <dgm:alg type="hierChild">
+                                  <dgm:param type="linDir" val="fromR"/>
+                                </dgm:alg>
+                              </dgm:else>
+                            </dgm:choose>
+                            <dgm:shape xmlns:r="http://schemas.openxmlformats.org/officeDocument/2006/relationships" r:blip="">
+                              <dgm:adjLst/>
+                            </dgm:shape>
+                            <dgm:presOf/>
+                            <dgm:constrLst/>
+                            <dgm:ruleLst/>
+                            <dgm:forEach name="repeat" axis="ch">
+                              <dgm:forEach name="Name22" axis="self" ptType="parTrans" cnt="1">
+                                <dgm:layoutNode name="Name23">
+                                  <dgm:choose name="Name24">
+                                    <dgm:if name="Name25" axis="self" func="depth" op="lte" val="4">
+                                      <dgm:alg type="conn">
+                                        <dgm:param type="dim" val="1D"/>
+                                        <dgm:param type="endSty" val="noArr"/>
+                                        <dgm:param type="connRout" val="bend"/>
+                                        <dgm:param type="bendPt" val="end"/>
+                                        <dgm:param type="begPts" val="bCtr"/>
+                                        <dgm:param type="endPts" val="tCtr"/>
+                                        <dgm:param type="srcNode" val="background3"/>
+                                        <dgm:param type="dstNode" val="background4"/>
+                                      </dgm:alg>
+                                    </dgm:if>
+                                    <dgm:else name="Name26">
+                                      <dgm:alg type="conn">
+                                        <dgm:param type="dim" val="1D"/>
+                                        <dgm:param type="endSty" val="noArr"/>
+                                        <dgm:param type="connRout" val="bend"/>
+                                        <dgm:param type="bendPt" val="end"/>
+                                        <dgm:param type="begPts" val="bCtr"/>
+                                        <dgm:param type="endPts" val="tCtr"/>
+                                        <dgm:param type="srcNode" val="background4"/>
+                                        <dgm:param type="dstNode" val="background4"/>
+                                      </dgm:alg>
+                                    </dgm:else>
+                                  </dgm:choose>
+                                  <dgm:shape xmlns:r="http://schemas.openxmlformats.org/officeDocument/2006/relationships" type="conn" r:blip="" zOrderOff="-999">
+                                    <dgm:adjLst/>
+                                  </dgm:shape>
+                                  <dgm:presOf axis="self"/>
+                                  <dgm:constrLst>
+                                    <dgm:constr type="begPad"/>
+                                    <dgm:constr type="endPad"/>
+                                  </dgm:constrLst>
+                                  <dgm:ruleLst/>
+                                </dgm:layoutNode>
+                              </dgm:forEach>
+                              <dgm:forEach name="Name27" axis="self" ptType="node">
+                                <dgm:layoutNode name="hierRoot4">
+                                  <dgm:alg type="hierRoot"/>
+                                  <dgm:shape xmlns:r="http://schemas.openxmlformats.org/officeDocument/2006/relationships" r:blip="">
+                                    <dgm:adjLst/>
+                                  </dgm:shape>
+                                  <dgm:presOf/>
+                                  <dgm:constrLst>
+                                    <dgm:constr type="bendDist" for="des" ptType="parTrans" refType="sp" fact="0.5"/>
+                                  </dgm:constrLst>
+                                  <dgm:ruleLst/>
+                                  <dgm:layoutNode name="composite4">
+                                    <dgm:alg type="composite"/>
+                                    <dgm:shape xmlns:r="http://schemas.openxmlformats.org/officeDocument/2006/relationships" r:blip="">
+                                      <dgm:adjLst/>
+                                    </dgm:shape>
+                                    <dgm:presOf/>
+                                    <dgm:constrLst>
+                                      <dgm:constr type="w" for="ch" forName="background4" refType="w" fact="0.9"/>
+                                      <dgm:constr type="h" for="ch" forName="background4" refType="w" refFor="ch" refForName="background4" fact="0.635"/>
+                                      <dgm:constr type="t" for="ch" forName="background4"/>
+                                      <dgm:constr type="l" for="ch" forName="background4"/>
+                                      <dgm:constr type="w" for="ch" forName="text4" refType="w" fact="0.9"/>
+                                      <dgm:constr type="h" for="ch" forName="text4" refType="w" refFor="ch" refForName="text4" fact="0.635"/>
+                                      <dgm:constr type="t" for="ch" forName="text4" refType="w" fact="0.095"/>
+                                      <dgm:constr type="l" for="ch" forName="text4" refType="w" fact="0.1"/>
+                                    </dgm:constrLst>
+                                    <dgm:ruleLst/>
+                                    <dgm:layoutNode name="background4" moveWith="text4">
+                                      <dgm:alg type="sp"/>
+                                      <dgm:shape xmlns:r="http://schemas.openxmlformats.org/officeDocument/2006/relationships" type="roundRect" r:blip="">
+                                        <dgm:adjLst>
+                                          <dgm:adj idx="1" val="0.1"/>
+                                        </dgm:adjLst>
+                                      </dgm:shape>
+                                      <dgm:presOf/>
+                                      <dgm:constrLst/>
+                                      <dgm:ruleLst/>
+                                    </dgm:layoutNode>
+                                    <dgm:layoutNode name="text4" styleLbl="fgAcc4">
+                                      <dgm:varLst>
+                                        <dgm:chPref val="3"/>
+                                      </dgm:varLst>
+                                      <dgm:alg type="tx"/>
+                                      <dgm:shape xmlns:r="http://schemas.openxmlformats.org/officeDocument/2006/relationships" type="roundRect" r:blip="">
+                                        <dgm:adjLst>
+                                          <dgm:adj idx="1" val="0.1"/>
+                                        </dgm:adjLst>
+                                      </dgm:shape>
+                                      <dgm:presOf axis="self"/>
+                                      <dgm:constrLst>
+                                        <dgm:constr type="tMarg" refType="primFontSz" fact="0.3"/>
+                                        <dgm:constr type="bMarg" refType="primFontSz" fact="0.3"/>
+                                        <dgm:constr type="lMarg" refType="primFontSz" fact="0.3"/>
+                                        <dgm:constr type="rMarg" refType="primFontSz" fact="0.3"/>
+                                      </dgm:constrLst>
+                                      <dgm:ruleLst>
+                                        <dgm:rule type="primFontSz" val="5" fact="NaN" max="NaN"/>
+                                      </dgm:ruleLst>
+                                    </dgm:layoutNode>
+                                  </dgm:layoutNode>
+                                  <dgm:layoutNode name="hierChild5">
+                                    <dgm:choose name="Name28">
+                                      <dgm:if name="Name29" func="var" arg="dir" op="equ" val="norm">
+                                        <dgm:alg type="hierChild">
+                                          <dgm:param type="linDir" val="fromL"/>
+                                        </dgm:alg>
+                                      </dgm:if>
+                                      <dgm:else name="Name30">
+                                        <dgm:alg type="hierChild">
+                                          <dgm:param type="linDir" val="fromR"/>
+                                        </dgm:alg>
+                                      </dgm:else>
+                                    </dgm:choose>
+                                    <dgm:shape xmlns:r="http://schemas.openxmlformats.org/officeDocument/2006/relationships" r:blip="">
+                                      <dgm:adjLst/>
+                                    </dgm:shape>
+                                    <dgm:presOf/>
+                                    <dgm:constrLst/>
+                                    <dgm:ruleLst/>
+                                    <dgm:forEach name="Name31" ref="repeat"/>
+                                  </dgm:layoutNode>
+                                </dgm:layoutNode>
+                              </dgm:forEach>
+                            </dgm:forEach>
+                          </dgm:layoutNode>
+                        </dgm:layoutNode>
+                      </dgm:forEach>
+                    </dgm:forEach>
+                  </dgm:layoutNode>
+                </dgm:layoutNode>
+              </dgm:forEach>
+            </dgm:forEach>
+          </dgm:layoutNode>
+        </dgm:layoutNode>
+      </dgm:forEach>
+    </dgm:forEach>
+  </dgm:layoutNode>
+</dgm:layoutDef>
+</file>
+
+<file path=ppt/diagrams/layout7.xml><?xml version="1.0" encoding="utf-8"?>
+<dgm:layoutDef xmlns:dgm="http://schemas.openxmlformats.org/drawingml/2006/diagram" xmlns:a="http://schemas.openxmlformats.org/drawingml/2006/main" uniqueId="urn:microsoft.com/office/officeart/2005/8/layout/vProcess5">
+  <dgm:title val=""/>
+  <dgm:desc val=""/>
+  <dgm:catLst>
+    <dgm:cat type="process" pri="14000"/>
+  </dgm:catLst>
+  <dgm:sampData>
+    <dgm:dataModel>
+      <dgm:ptLst>
+        <dgm:pt modelId="0" type="doc"/>
+        <dgm:pt modelId="1">
+          <dgm:prSet phldr="1"/>
+        </dgm:pt>
+        <dgm:pt modelId="2">
+          <dgm:prSet phldr="1"/>
+        </dgm:pt>
+        <dgm:pt modelId="3">
+          <dgm:prSet phldr="1"/>
+        </dgm:pt>
+      </dgm:ptLst>
+      <dgm:cxnLst>
+        <dgm:cxn modelId="5" srcId="0" destId="1" srcOrd="0" destOrd="0"/>
+        <dgm:cxn modelId="6" srcId="0" destId="2" srcOrd="1" destOrd="0"/>
+        <dgm:cxn modelId="7" srcId="0" destId="3" srcOrd="2" destOrd="0"/>
+      </dgm:cxnLst>
+      <dgm:bg/>
+      <dgm:whole/>
+    </dgm:dataModel>
+  </dgm:sampData>
+  <dgm:styleData>
+    <dgm:dataModel>
+      <dgm:ptLst>
+        <dgm:pt modelId="0" type="doc"/>
+        <dgm:pt modelId="1"/>
+        <dgm:pt modelId="2"/>
+      </dgm:ptLst>
+      <dgm:cxnLst>
+        <dgm:cxn modelId="3" srcId="0" destId="1" srcOrd="0" destOrd="0"/>
+        <dgm:cxn modelId="4" srcId="0" destId="2" srcOrd="1" destOrd="0"/>
+      </dgm:cxnLst>
+      <dgm:bg/>
+      <dgm:whole/>
+    </dgm:dataModel>
+  </dgm:styleData>
+  <dgm:clrData>
+    <dgm:dataModel>
+      <dgm:ptLst>
+        <dgm:pt modelId="0" type="doc"/>
+        <dgm:pt modelId="1"/>
+        <dgm:pt modelId="2"/>
+        <dgm:pt modelId="3"/>
+        <dgm:pt modelId="4"/>
+      </dgm:ptLst>
+      <dgm:cxnLst>
+        <dgm:cxn modelId="6" srcId="0" destId="1" srcOrd="0" destOrd="0"/>
+        <dgm:cxn modelId="7" srcId="0" destId="2" srcOrd="1" destOrd="0"/>
+        <dgm:cxn modelId="8" srcId="0" destId="3" srcOrd="2" destOrd="0"/>
+        <dgm:cxn modelId="9" srcId="0" destId="4" srcOrd="3" destOrd="0"/>
+      </dgm:cxnLst>
+      <dgm:bg/>
+      <dgm:whole/>
+    </dgm:dataModel>
+  </dgm:clrData>
+  <dgm:layoutNode name="outerComposite">
+    <dgm:varLst>
+      <dgm:chMax val="5"/>
+      <dgm:dir/>
+      <dgm:resizeHandles val="exact"/>
+    </dgm:varLst>
+    <dgm:alg type="composite"/>
+    <dgm:shape xmlns:r="http://schemas.openxmlformats.org/officeDocument/2006/relationships" r:blip="">
+      <dgm:adjLst/>
+    </dgm:shape>
+    <dgm:presOf/>
+    <dgm:choose name="Name0">
+      <dgm:if name="Name1" func="var" arg="dir" op="equ" val="norm">
+        <dgm:constrLst>
+          <dgm:constr type="primFontSz" for="ch" ptType="node" op="equ" val="65"/>
+          <dgm:constr type="w" for="ch" forName="dummyMaxCanvas" refType="w"/>
+          <dgm:constr type="h" for="ch" forName="dummyMaxCanvas" refType="h"/>
+          <dgm:constr type="w" for="ch" forName="OneNode_1" refType="w"/>
+          <dgm:constr type="h" for="ch" forName="OneNode_1" refType="h" fact="0.5"/>
+          <dgm:constr type="ctrY" for="ch" forName="OneNode_1" refType="h" fact="0.5"/>
+          <dgm:constr type="w" for="ch" forName="TwoNodes_1" refType="w" fact="0.85"/>
+          <dgm:constr type="h" for="ch" forName="TwoNodes_1" refType="h" fact="0.45"/>
+          <dgm:constr type="t" for="ch" forName="TwoNodes_1"/>
+          <dgm:constr type="l" for="ch" forName="TwoNodes_1"/>
+          <dgm:constr type="w" for="ch" forName="TwoNodes_2" refType="w" fact="0.85"/>
+          <dgm:constr type="h" for="ch" forName="TwoNodes_2" refType="h" fact="0.45"/>
+          <dgm:constr type="b" for="ch" forName="TwoNodes_2" refType="h"/>
+          <dgm:constr type="r" for="ch" forName="TwoNodes_2" refType="w"/>
+          <dgm:constr type="w" for="ch" forName="TwoConn_1-2" refType="h" refFor="ch" refForName="TwoNodes_1" fact="0.65"/>
+          <dgm:constr type="h" for="ch" forName="TwoConn_1-2" refType="h" refFor="ch" refForName="TwoNodes_1" fact="0.65"/>
+          <dgm:constr type="ctrY" for="ch" forName="TwoConn_1-2" refType="h" fact="0.5"/>
+          <dgm:constr type="r" for="ch" forName="TwoConn_1-2" refType="r" refFor="ch" refForName="TwoNodes_1"/>
+          <dgm:constr type="r" for="ch" forName="TwoNodes_1_text" refType="l" refFor="ch" refForName="TwoConn_1-2"/>
+          <dgm:constr type="rOff" for="ch" forName="TwoNodes_1_text" refType="w" refFor="ch" refForName="TwoConn_1-2" fact="-0.5"/>
+          <dgm:constr type="t" for="ch" forName="TwoNodes_1_text" refType="t" refFor="ch" refForName="TwoNodes_1"/>
+          <dgm:constr type="b" for="ch" forName="TwoNodes_1_text" refType="b" refFor="ch" refForName="TwoNodes_1"/>
+          <dgm:constr type="l" for="ch" forName="TwoNodes_1_text" refType="l" refFor="ch" refForName="TwoNodes_1"/>
+          <dgm:constr type="r" for="ch" forName="TwoNodes_2_text" refType="l" refFor="ch" refForName="TwoConn_1-2"/>
+          <dgm:constr type="t" for="ch" forName="TwoNodes_2_text" refType="t" refFor="ch" refForName="TwoNodes_2"/>
+          <dgm:constr type="b" for="ch" forName="TwoNodes_2_text" refType="b" refFor="ch" refForName="TwoNodes_2"/>
+          <dgm:constr type="l" for="ch" forName="TwoNodes_2_text" refType="l" refFor="ch" refForName="TwoNodes_2"/>
+          <dgm:constr type="w" for="ch" forName="ThreeNodes_1" refType="w" fact="0.85"/>
+          <dgm:constr type="h" for="ch" forName="ThreeNodes_1" refType="h" fact="0.3"/>
+          <dgm:constr type="t" for="ch" forName="ThreeNodes_1"/>
+          <dgm:constr type="l" for="ch" forName="ThreeNodes_1"/>
+          <dgm:constr type="w" for="ch" forName="ThreeNodes_2" refType="w" fact="0.85"/>
+          <dgm:constr type="h" for="ch" forName="ThreeNodes_2" refType="h" fact="0.3"/>
+          <dgm:constr type="ctrY" for="ch" forName="ThreeNodes_2" refType="h" fact="0.5"/>
+          <dgm:constr type="ctrX" for="ch" forName="ThreeNodes_2" refType="w" fact="0.5"/>
+          <dgm:constr type="w" for="ch" forName="ThreeNodes_3" refType="w" fact="0.85"/>
+          <dgm:constr type="h" for="ch" forName="ThreeNodes_3" refType="h" fact="0.3"/>
+          <dgm:constr type="b" for="ch" forName="ThreeNodes_3" refType="h"/>
+          <dgm:constr type="r" for="ch" forName="ThreeNodes_3" refType="w"/>
+          <dgm:constr type="w" for="ch" forName="ThreeConn_1-2" refType="h" refFor="ch" refForName="ThreeNodes_1" fact="0.65"/>
+          <dgm:constr type="h" for="ch" forName="ThreeConn_1-2" refType="h" refFor="ch" refForName="ThreeNodes_1" fact="0.65"/>
+          <dgm:constr type="ctrY" for="ch" forName="ThreeConn_1-2" refType="h" fact="0.325"/>
+          <dgm:constr type="r" for="ch" forName="ThreeConn_1-2" refType="r" refFor="ch" refForName="ThreeNodes_1"/>
+          <dgm:constr type="w" for="ch" forName="ThreeConn_2-3" refType="h" refFor="ch" refForName="ThreeNodes_2" fact="0.65"/>
+          <dgm:constr type="h" for="ch" forName="ThreeConn_2-3" refType="h" refFor="ch" refForName="ThreeNodes_2" fact="0.65"/>
+          <dgm:constr type="ctrY" for="ch" forName="ThreeConn_2-3" refType="h" fact="0.673"/>
+          <dgm:constr type="r" for="ch" forName="ThreeConn_2-3" refType="r" refFor="ch" refForName="ThreeNodes_2"/>
+          <dgm:constr type="r" for="ch" forName="ThreeNodes_1_text" refType="l" refFor="ch" refForName="ThreeConn_1-2"/>
+          <dgm:constr type="rOff" for="ch" forName="ThreeNodes_1_text" refType="w" refFor="ch" refForName="ThreeConn_1-2" fact="-0.57"/>
+          <dgm:constr type="t" for="ch" forName="ThreeNodes_1_text" refType="t" refFor="ch" refForName="ThreeNodes_1"/>
+          <dgm:constr type="b" for="ch" forName="ThreeNodes_1_text" refType="b" refFor="ch" refForName="ThreeNodes_1"/>
+          <dgm:constr type="l" for="ch" forName="ThreeNodes_1_text" refType="l" refFor="ch" refForName="ThreeNodes_1"/>
+          <dgm:constr type="r" for="ch" forName="ThreeNodes_2_text" refType="l" refFor="ch" refForName="ThreeConn_1-2"/>
+          <dgm:constr type="t" for="ch" forName="ThreeNodes_2_text" refType="t" refFor="ch" refForName="ThreeNodes_2"/>
+          <dgm:constr type="b" for="ch" forName="ThreeNodes_2_text" refType="b" refFor="ch" refForName="ThreeNodes_2"/>
+          <dgm:constr type="l" for="ch" forName="ThreeNodes_2_text" refType="l" refFor="ch" refForName="ThreeNodes_2"/>
+          <dgm:constr type="r" for="ch" forName="ThreeNodes_3_text" refType="l" refFor="ch" refForName="ThreeConn_2-3"/>
+          <dgm:constr type="t" for="ch" forName="ThreeNodes_3_text" refType="t" refFor="ch" refForName="ThreeNodes_3"/>
+          <dgm:constr type="b" for="ch" forName="ThreeNodes_3_text" refType="b" refFor="ch" refForName="ThreeNodes_3"/>
+          <dgm:constr type="l" for="ch" forName="ThreeNodes_3_text" refType="l" refFor="ch" refForName="ThreeNodes_3"/>
+          <dgm:constr type="w" for="ch" forName="FourNodes_1" refType="w" fact="0.8"/>
+          <dgm:constr type="h" for="ch" forName="FourNodes_1" refType="h" fact="0.22"/>
+          <dgm:constr type="t" for="ch" forName="FourNodes_1"/>
+          <dgm:constr type="l" for="ch" forName="FourNodes_1"/>
+          <dgm:constr type="w" for="ch" forName="FourNodes_2" refType="w" fact="0.8"/>
+          <dgm:constr type="h" for="ch" forName="FourNodes_2" refType="h" fact="0.22"/>
+          <dgm:constr type="ctrY" for="ch" forName="FourNodes_2" refType="h" fact="0.37"/>
+          <dgm:constr type="ctrX" for="ch" forName="FourNodes_2" refType="w" fact="0.467"/>
+          <dgm:constr type="w" for="ch" forName="FourNodes_3" refType="w" fact="0.8"/>
+          <dgm:constr type="h" for="ch" forName="FourNodes_3" refType="h" fact="0.22"/>
+          <dgm:constr type="ctrY" for="ch" forName="FourNodes_3" refType="h" fact="0.63"/>
+          <dgm:constr type="ctrX" for="ch" forName="FourNodes_3" refType="w" fact="0.533"/>
+          <dgm:constr type="w" for="ch" forName="FourNodes_4" refType="w" fact="0.8"/>
+          <dgm:constr type="h" for="ch" forName="FourNodes_4" refType="h" fact="0.22"/>
+          <dgm:constr type="b" for="ch" forName="FourNodes_4" refType="h"/>
+          <dgm:constr type="r" for="ch" forName="FourNodes_4" refType="w"/>
+          <dgm:constr type="w" for="ch" forName="FourConn_1-2" refType="h" refFor="ch" refForName="FourNodes_1" fact="0.65"/>
+          <dgm:constr type="h" for="ch" forName="FourConn_1-2" refType="h" refFor="ch" refForName="FourNodes_1" fact="0.65"/>
+          <dgm:constr type="ctrY" for="ch" forName="FourConn_1-2" refType="h" fact="0.24"/>
+          <dgm:constr type="r" for="ch" forName="FourConn_1-2" refType="r" refFor="ch" refForName="FourNodes_1"/>
+          <dgm:constr type="w" for="ch" forName="FourConn_2-3" refType="h" refFor="ch" refForName="FourNodes_2" fact="0.65"/>
+          <dgm:constr type="h" for="ch" forName="FourConn_2-3" refType="h" refFor="ch" refForName="FourNodes_2" fact="0.65"/>
+          <dgm:constr type="ctrY" for="ch" forName="FourConn_2-3" refType="h" fact="0.5"/>
+          <dgm:constr type="r" for="ch" forName="FourConn_2-3" refType="r" refFor="ch" refForName="FourNodes_2"/>
+          <dgm:constr type="w" for="ch" forName="FourConn_3-4" refType="h" refFor="ch" refForName="FourNodes_3" fact="0.65"/>
+          <dgm:constr type="h" for="ch" forName="FourConn_3-4" refType="h" refFor="ch" refForName="FourNodes_3" fact="0.65"/>
+          <dgm:constr type="ctrY" for="ch" forName="FourConn_3-4" refType="h" fact="0.76"/>
+          <dgm:constr type="r" for="ch" forName="FourConn_3-4" refType="r" refFor="ch" refForName="FourNodes_3"/>
+          <dgm:constr type="r" for="ch" forName="FourNodes_1_text" refType="l" refFor="ch" refForName="FourConn_1-2"/>
+          <dgm:constr type="rOff" for="ch" forName="FourNodes_1_text" refType="w" refFor="ch" refForName="FourConn_1-2" fact="-0.7"/>
+          <dgm:constr type="t" for="ch" forName="FourNodes_1_text" refType="t" refFor="ch" refForName="FourNodes_1"/>
+          <dgm:constr type="b" for="ch" forName="FourNodes_1_text" refType="b" refFor="ch" refForName="FourNodes_1"/>
+          <dgm:constr type="l" for="ch" forName="FourNodes_1_text" refType="l" refFor="ch" refForName="FourNodes_1"/>
+          <dgm:constr type="r" for="ch" forName="FourNodes_2_text" refType="l" refFor="ch" refForName="FourConn_1-2"/>
+          <dgm:constr type="t" for="ch" forName="FourNodes_2_text" refType="t" refFor="ch" refForName="FourNodes_2"/>
+          <dgm:constr type="b" for="ch" forName="FourNodes_2_text" refType="b" refFor="ch" refForName="FourNodes_2"/>
+          <dgm:constr type="l" for="ch" forName="FourNodes_2_text" refType="l" refFor="ch" refForName="FourNodes_2"/>
+          <dgm:constr type="r" for="ch" forName="FourNodes_3_text" refType="l" refFor="ch" refForName="FourConn_2-3"/>
+          <dgm:constr type="t" for="ch" forName="FourNodes_3_text" refType="t" refFor="ch" refForName="FourNodes_3"/>
+          <dgm:constr type="b" for="ch" forName="FourNodes_3_text" refType="b" refFor="ch" refForName="FourNodes_3"/>
+          <dgm:constr type="l" for="ch" forName="FourNodes_3_text" refType="l" refFor="ch" refForName="FourNodes_3"/>
+          <dgm:constr type="r" for="ch" forName="FourNodes_4_text" refType="l" refFor="ch" refForName="FourConn_3-4"/>
+          <dgm:constr type="t" for="ch" forName="FourNodes_4_text" refType="t" refFor="ch" refForName="FourNodes_4"/>
+          <dgm:constr type="b" for="ch" forName="FourNodes_4_text" refType="b" refFor="ch" refForName="FourNodes_4"/>
+          <dgm:constr type="l" for="ch" forName="FourNodes_4_text" refType="l" refFor="ch" refForName="FourNodes_4"/>
+          <dgm:constr type="w" for="ch" forName="FiveNodes_1" refType="w" fact="0.77"/>
+          <dgm:constr type="h" for="ch" forName="FiveNodes_1" refType="h" fact="0.18"/>
+          <dgm:constr type="t" for="ch" forName="FiveNodes_1"/>
+          <dgm:constr type="l" for="ch" forName="FiveNodes_1"/>
+          <dgm:constr type="w" for="ch" forName="FiveNodes_2" refType="w" fact="0.77"/>
+          <dgm:constr type="h" for="ch" forName="FiveNodes_2" refType="h" fact="0.18"/>
+          <dgm:constr type="ctrY" for="ch" forName="FiveNodes_2" refType="h" fact="0.295"/>
+          <dgm:constr type="ctrX" for="ch" forName="FiveNodes_2" refType="w" fact="0.4425"/>
+          <dgm:constr type="w" for="ch" forName="FiveNodes_3" refType="w" fact="0.77"/>
+          <dgm:constr type="h" for="ch" forName="FiveNodes_3" refType="h" fact="0.18"/>
+          <dgm:constr type="ctrY" for="ch" forName="FiveNodes_3" refType="h" fact="0.5"/>
+          <dgm:constr type="ctrX" for="ch" forName="FiveNodes_3" refType="w" fact="0.5"/>
+          <dgm:constr type="w" for="ch" forName="FiveNodes_4" refType="w" fact="0.77"/>
+          <dgm:constr type="h" for="ch" forName="FiveNodes_4" refType="h" fact="0.18"/>
+          <dgm:constr type="ctrY" for="ch" forName="FiveNodes_4" refType="h" fact="0.705"/>
+          <dgm:constr type="ctrX" for="ch" forName="FiveNodes_4" refType="w" fact="0.5575"/>
+          <dgm:constr type="w" for="ch" forName="FiveNodes_5" refType="w" fact="0.77"/>
+          <dgm:constr type="h" for="ch" forName="FiveNodes_5" refType="h" fact="0.18"/>
+          <dgm:constr type="b" for="ch" forName="FiveNodes_5" refType="h"/>
+          <dgm:constr type="r" for="ch" forName="FiveNodes_5" refType="w"/>
+          <dgm:constr type="w" for="ch" forName="FiveConn_1-2" refType="h" refFor="ch" refForName="FiveNodes_1" fact="0.65"/>
+          <dgm:constr type="h" for="ch" forName="FiveConn_1-2" refType="h" refFor="ch" refForName="FiveNodes_1" fact="0.65"/>
+          <dgm:constr type="ctrY" for="ch" forName="FiveConn_1-2" refType="h" fact="0.19"/>
+          <dgm:constr type="r" for="ch" forName="FiveConn_1-2" refType="r" refFor="ch" refForName="FiveNodes_1"/>
+          <dgm:constr type="w" for="ch" forName="FiveConn_2-3" refType="h" refFor="ch" refForName="FiveNodes_2" fact="0.65"/>
+          <dgm:constr type="h" for="ch" forName="FiveConn_2-3" refType="h" refFor="ch" refForName="FiveNodes_2" fact="0.65"/>
+          <dgm:constr type="ctrY" for="ch" forName="FiveConn_2-3" refType="h" fact="0.395"/>
+          <dgm:constr type="r" for="ch" forName="FiveConn_2-3" refType="r" refFor="ch" refForName="FiveNodes_2"/>
+          <dgm:constr type="w" for="ch" forName="FiveConn_3-4" refType="h" refFor="ch" refForName="FiveNodes_3" fact="0.65"/>
+          <dgm:constr type="h" for="ch" forName="FiveConn_3-4" refType="h" refFor="ch" refForName="FiveNodes_3" fact="0.65"/>
+          <dgm:constr type="ctrY" for="ch" forName="FiveConn_3-4" refType="h" fact="0.597"/>
+          <dgm:constr type="r" for="ch" forName="FiveConn_3-4" refType="r" refFor="ch" refForName="FiveNodes_3"/>
+          <dgm:constr type="w" for="ch" forName="FiveConn_4-5" refType="h" refFor="ch" refForName="FiveNodes_4" fact="0.65"/>
+          <dgm:constr type="h" for="ch" forName="FiveConn_4-5" refType="h" refFor="ch" refForName="FiveNodes_4" fact="0.65"/>
+          <dgm:constr type="ctrY" for="ch" forName="FiveConn_4-5" refType="h" fact="0.804"/>
+          <dgm:constr type="r" for="ch" forName="FiveConn_4-5" refType="r" refFor="ch" refForName="FiveNodes_4"/>
+          <dgm:constr type="r" for="ch" forName="FiveNodes_1_text" refType="l" refFor="ch" refForName="FiveConn_1-2"/>
+          <dgm:constr type="rOff" for="ch" forName="FiveNodes_1_text" refType="w" refFor="ch" refForName="FiveConn_1-2" fact="-0.75"/>
+          <dgm:constr type="t" for="ch" forName="FiveNodes_1_text" refType="t" refFor="ch" refForName="FiveNodes_1"/>
+          <dgm:constr type="b" for="ch" forName="FiveNodes_1_text" refType="b" refFor="ch" refForName="FiveNodes_1"/>
+          <dgm:constr type="l" for="ch" forName="FiveNodes_1_text" refType="l" refFor="ch" refForName="FiveNodes_1"/>
+          <dgm:constr type="r" for="ch" forName="FiveNodes_2_text" refType="l" refFor="ch" refForName="FiveConn_1-2"/>
+          <dgm:constr type="t" for="ch" forName="FiveNodes_2_text" refType="t" refFor="ch" refForName="FiveNodes_2"/>
+          <dgm:constr type="b" for="ch" forName="FiveNodes_2_text" refType="b" refFor="ch" refForName="FiveNodes_2"/>
+          <dgm:constr type="l" for="ch" forName="FiveNodes_2_text" refType="l" refFor="ch" refForName="FiveNodes_2"/>
+          <dgm:constr type="r" for="ch" forName="FiveNodes_3_text" refType="l" refFor="ch" refForName="FiveConn_2-3"/>
+          <dgm:constr type="t" for="ch" forName="FiveNodes_3_text" refType="t" refFor="ch" refForName="FiveNodes_3"/>
+          <dgm:constr type="b" for="ch" forName="FiveNodes_3_text" refType="b" refFor="ch" refForName="FiveNodes_3"/>
+          <dgm:constr type="l" for="ch" forName="FiveNodes_3_text" refType="l" refFor="ch" refForName="FiveNodes_3"/>
+          <dgm:constr type="r" for="ch" forName="FiveNodes_4_text" refType="l" refFor="ch" refForName="FiveConn_3-4"/>
+          <dgm:constr type="t" for="ch" forName="FiveNodes_4_text" refType="t" refFor="ch" refForName="FiveNodes_4"/>
+          <dgm:constr type="b" for="ch" forName="FiveNodes_4_text" refType="b" refFor="ch" refForName="FiveNodes_4"/>
+          <dgm:constr type="l" for="ch" forName="FiveNodes_4_text" refType="l" refFor="ch" refForName="FiveNodes_4"/>
+          <dgm:constr type="r" for="ch" forName="FiveNodes_5_text" refType="l" refFor="ch" refForName="FiveConn_4-5"/>
+          <dgm:constr type="t" for="ch" forName="FiveNodes_5_text" refType="t" refFor="ch" refForName="FiveNodes_5"/>
+          <dgm:constr type="b" for="ch" forName="FiveNodes_5_text" refType="b" refFor="ch" refForName="FiveNodes_5"/>
+          <dgm:constr type="l" for="ch" forName="FiveNodes_5_text" refType="l" refFor="ch" refForName="FiveNodes_5"/>
+        </dgm:constrLst>
+      </dgm:if>
+      <dgm:else name="Name2">
+        <dgm:constrLst>
+          <dgm:constr type="primFontSz" for="ch" ptType="node" op="equ" val="65"/>
+          <dgm:constr type="w" for="ch" forName="dummyMaxCanvas" refType="w"/>
+          <dgm:constr type="h" for="ch" forName="dummyMaxCanvas" refType="h"/>
+          <dgm:constr type="w" for="ch" forName="OneNode_1" refType="w"/>
+          <dgm:constr type="h" for="ch" forName="OneNode_1" refType="h" fact="0.5"/>
+          <dgm:constr type="ctrY" for="ch" forName="OneNode_1" refType="h" fact="0.5"/>
+          <dgm:constr type="w" for="ch" forName="TwoNodes_1" refType="w" fact="0.85"/>
+          <dgm:constr type="h" for="ch" forName="TwoNodes_1" refType="h" fact="0.45"/>
+          <dgm:constr type="t" for="ch" forName="TwoNodes_1"/>
+          <dgm:constr type="r" for="ch" forName="TwoNodes_1" refType="w"/>
+          <dgm:constr type="w" for="ch" forName="TwoNodes_2" refType="w" fact="0.85"/>
+          <dgm:constr type="h" for="ch" forName="TwoNodes_2" refType="h" fact="0.45"/>
+          <dgm:constr type="b" for="ch" forName="TwoNodes_2" refType="h"/>
+          <dgm:constr type="l" for="ch" forName="TwoNodes_2"/>
+          <dgm:constr type="w" for="ch" forName="TwoConn_1-2" refType="h" refFor="ch" refForName="TwoNodes_1" fact="0.65"/>
+          <dgm:constr type="h" for="ch" forName="TwoConn_1-2" refType="h" refFor="ch" refForName="TwoNodes_1" fact="0.65"/>
+          <dgm:constr type="ctrY" for="ch" forName="TwoConn_1-2" refType="h" fact="0.5"/>
+          <dgm:constr type="l" for="ch" forName="TwoConn_1-2" refType="l" refFor="ch" refForName="TwoNodes_1"/>
+          <dgm:constr type="l" for="ch" forName="TwoNodes_1_text" refType="r" refFor="ch" refForName="TwoConn_1-2"/>
+          <dgm:constr type="lOff" for="ch" forName="TwoNodes_1_text" refType="w" refFor="ch" refForName="TwoConn_1-2" fact="0.5"/>
+          <dgm:constr type="t" for="ch" forName="TwoNodes_1_text" refType="t" refFor="ch" refForName="TwoNodes_1"/>
+          <dgm:constr type="b" for="ch" forName="TwoNodes_1_text" refType="b" refFor="ch" refForName="TwoNodes_1"/>
+          <dgm:constr type="r" for="ch" forName="TwoNodes_1_text" refType="r" refFor="ch" refForName="TwoNodes_1"/>
+          <dgm:constr type="l" for="ch" forName="TwoNodes_2_text" refType="r" refFor="ch" refForName="TwoConn_1-2"/>
+          <dgm:constr type="t" for="ch" forName="TwoNodes_2_text" refType="t" refFor="ch" refForName="TwoNodes_2"/>
+          <dgm:constr type="b" for="ch" forName="TwoNodes_2_text" refType="b" refFor="ch" refForName="TwoNodes_2"/>
+          <dgm:constr type="r" for="ch" forName="TwoNodes_2_text" refType="r" refFor="ch" refForName="TwoNodes_2"/>
+          <dgm:constr type="w" for="ch" forName="ThreeNodes_1" refType="w" fact="0.85"/>
+          <dgm:constr type="h" for="ch" forName="ThreeNodes_1" refType="h" fact="0.3"/>
+          <dgm:constr type="t" for="ch" forName="ThreeNodes_1"/>
+          <dgm:constr type="r" for="ch" forName="ThreeNodes_1" refType="w"/>
+          <dgm:constr type="w" for="ch" forName="ThreeNodes_2" refType="w" fact="0.85"/>
+          <dgm:constr type="h" for="ch" forName="ThreeNodes_2" refType="h" fact="0.3"/>
+          <dgm:constr type="ctrY" for="ch" forName="ThreeNodes_2" refType="h" fact="0.5"/>
+          <dgm:constr type="ctrX" for="ch" forName="ThreeNodes_2" refType="w" fact="0.5"/>
+          <dgm:constr type="w" for="ch" forName="ThreeNodes_3" refType="w" fact="0.85"/>
+          <dgm:constr type="h" for="ch" forName="ThreeNodes_3" refType="h" fact="0.3"/>
+          <dgm:constr type="b" for="ch" forName="ThreeNodes_3" refType="h"/>
+          <dgm:constr type="l" for="ch" forName="ThreeNodes_3"/>
+          <dgm:constr type="w" for="ch" forName="ThreeConn_1-2" refType="h" refFor="ch" refForName="ThreeNodes_1" fact="0.65"/>
+          <dgm:constr type="h" for="ch" forName="ThreeConn_1-2" refType="h" refFor="ch" refForName="ThreeNodes_1" fact="0.65"/>
+          <dgm:constr type="ctrY" for="ch" forName="ThreeConn_1-2" refType="h" fact="0.325"/>
+          <dgm:constr type="l" for="ch" forName="ThreeConn_1-2" refType="l" refFor="ch" refForName="ThreeNodes_1"/>
+          <dgm:constr type="w" for="ch" forName="ThreeConn_2-3" refType="h" refFor="ch" refForName="ThreeNodes_2" fact="0.65"/>
+          <dgm:constr type="h" for="ch" forName="ThreeConn_2-3" refType="h" refFor="ch" refForName="ThreeNodes_2" fact="0.65"/>
+          <dgm:constr type="ctrY" for="ch" forName="ThreeConn_2-3" refType="h" fact="0.673"/>
+          <dgm:constr type="l" for="ch" forName="ThreeConn_2-3" refType="l" refFor="ch" refForName="ThreeNodes_2"/>
+          <dgm:constr type="l" for="ch" forName="ThreeNodes_1_text" refType="r" refFor="ch" refForName="ThreeConn_1-2"/>
+          <dgm:constr type="lOff" for="ch" forName="ThreeNodes_1_text" refType="w" refFor="ch" refForName="ThreeConn_1-2" fact="0.55"/>
+          <dgm:constr type="t" for="ch" forName="ThreeNodes_1_text" refType="t" refFor="ch" refForName="ThreeNodes_1"/>
+          <dgm:constr type="b" for="ch" forName="ThreeNodes_1_text" refType="b" refFor="ch" refForName="ThreeNodes_1"/>
+          <dgm:constr type="r" for="ch" forName="ThreeNodes_1_text" refType="r" refFor="ch" refForName="ThreeNodes_1"/>
+          <dgm:constr type="l" for="ch" forName="ThreeNodes_2_text" refType="r" refFor="ch" refForName="ThreeConn_1-2"/>
+          <dgm:constr type="t" for="ch" forName="ThreeNodes_2_text" refType="t" refFor="ch" refForName="ThreeNodes_2"/>
+          <dgm:constr type="b" for="ch" forName="ThreeNodes_2_text" refType="b" refFor="ch" refForName="ThreeNodes_2"/>
+          <dgm:constr type="r" for="ch" forName="ThreeNodes_2_text" refType="r" refFor="ch" refForName="ThreeNodes_2"/>
+          <dgm:constr type="l" for="ch" forName="ThreeNodes_3_text" refType="r" refFor="ch" refForName="ThreeConn_2-3"/>
+          <dgm:constr type="t" for="ch" forName="ThreeNodes_3_text" refType="t" refFor="ch" refForName="ThreeNodes_3"/>
+          <dgm:constr type="b" for="ch" forName="ThreeNodes_3_text" refType="b" refFor="ch" refForName="ThreeNodes_3"/>
+          <dgm:constr type="r" for="ch" forName="ThreeNodes_3_text" refType="r" refFor="ch" refForName="ThreeNodes_3"/>
+          <dgm:constr type="w" for="ch" forName="FourNodes_1" refType="w" fact="0.8"/>
+          <dgm:constr type="h" for="ch" forName="FourNodes_1" refType="h" fact="0.22"/>
+          <dgm:constr type="t" for="ch" forName="FourNodes_1"/>
+          <dgm:constr type="r" for="ch" forName="FourNodes_1" refType="w"/>
+          <dgm:constr type="w" for="ch" forName="FourNodes_2" refType="w" fact="0.8"/>
+          <dgm:constr type="h" for="ch" forName="FourNodes_2" refType="h" fact="0.22"/>
+          <dgm:constr type="ctrY" for="ch" forName="FourNodes_2" refType="h" fact="0.37"/>
+          <dgm:constr type="ctrX" for="ch" forName="FourNodes_2" refType="w" fact="0.533"/>
+          <dgm:constr type="w" for="ch" forName="FourNodes_3" refType="w" fact="0.8"/>
+          <dgm:constr type="h" for="ch" forName="FourNodes_3" refType="h" fact="0.22"/>
+          <dgm:constr type="ctrY" for="ch" forName="FourNodes_3" refType="h" fact="0.63"/>
+          <dgm:constr type="ctrX" for="ch" forName="FourNodes_3" refType="w" fact="0.467"/>
+          <dgm:constr type="w" for="ch" forName="FourNodes_4" refType="w" fact="0.8"/>
+          <dgm:constr type="h" for="ch" forName="FourNodes_4" refType="h" fact="0.22"/>
+          <dgm:constr type="b" for="ch" forName="FourNodes_4" refType="h"/>
+          <dgm:constr type="l" for="ch" forName="FourNodes_4"/>
+          <dgm:constr type="w" for="ch" forName="FourConn_1-2" refType="h" refFor="ch" refForName="FourNodes_1" fact="0.65"/>
+          <dgm:constr type="h" for="ch" forName="FourConn_1-2" refType="h" refFor="ch" refForName="FourNodes_1" fact="0.65"/>
+          <dgm:constr type="ctrY" for="ch" forName="FourConn_1-2" refType="h" fact="0.24"/>
+          <dgm:constr type="l" for="ch" forName="FourConn_1-2" refType="l" refFor="ch" refForName="FourNodes_1"/>
+          <dgm:constr type="w" for="ch" forName="FourConn_2-3" refType="h" refFor="ch" refForName="FourNodes_2" fact="0.65"/>
+          <dgm:constr type="h" for="ch" forName="FourConn_2-3" refType="h" refFor="ch" refForName="FourNodes_2" fact="0.65"/>
+          <dgm:constr type="ctrY" for="ch" forName="FourConn_2-3" refType="h" fact="0.5"/>
+          <dgm:constr type="l" for="ch" forName="FourConn_2-3" refType="l" refFor="ch" refForName="FourNodes_2"/>
+          <dgm:constr type="w" for="ch" forName="FourConn_3-4" refType="h" refFor="ch" refForName="FourNodes_3" fact="0.65"/>
+          <dgm:constr type="h" for="ch" forName="FourConn_3-4" refType="h" refFor="ch" refForName="FourNodes_3" fact="0.65"/>
+          <dgm:constr type="ctrY" for="ch" forName="FourConn_3-4" refType="h" fact="0.76"/>
+          <dgm:constr type="l" for="ch" forName="FourConn_3-4" refType="l" refFor="ch" refForName="FourNodes_3"/>
+          <dgm:constr type="l" for="ch" forName="FourNodes_1_text" refType="r" refFor="ch" refForName="FourConn_1-2"/>
+          <dgm:constr type="lOff" for="ch" forName="FourNodes_1_text" refType="w" refFor="ch" refForName="FourConn_1-2" fact="0.69"/>
+          <dgm:constr type="t" for="ch" forName="FourNodes_1_text" refType="t" refFor="ch" refForName="FourNodes_1"/>
+          <dgm:constr type="b" for="ch" forName="FourNodes_1_text" refType="b" refFor="ch" refForName="FourNodes_1"/>
+          <dgm:constr type="r" for="ch" forName="FourNodes_1_text" refType="r" refFor="ch" refForName="FourNodes_1"/>
+          <dgm:constr type="l" for="ch" forName="FourNodes_2_text" refType="r" refFor="ch" refForName="FourConn_1-2"/>
+          <dgm:constr type="t" for="ch" forName="FourNodes_2_text" refType="t" refFor="ch" refForName="FourNodes_2"/>
+          <dgm:constr type="b" for="ch" forName="FourNodes_2_text" refType="b" refFor="ch" refForName="FourNodes_2"/>
+          <dgm:constr type="r" for="ch" forName="FourNodes_2_text" refType="r" refFor="ch" refForName="FourNodes_2"/>
+          <dgm:constr type="l" for="ch" forName="FourNodes_3_text" refType="r" refFor="ch" refForName="FourConn_2-3"/>
+          <dgm:constr type="t" for="ch" forName="FourNodes_3_text" refType="t" refFor="ch" refForName="FourNodes_3"/>
+          <dgm:constr type="b" for="ch" forName="FourNodes_3_text" refType="b" refFor="ch" refForName="FourNodes_3"/>
+          <dgm:constr type="r" for="ch" forName="FourNodes_3_text" refType="r" refFor="ch" refForName="FourNodes_3"/>
+          <dgm:constr type="l" for="ch" forName="FourNodes_4_text" refType="r" refFor="ch" refForName="FourConn_3-4"/>
+          <dgm:constr type="t" for="ch" forName="FourNodes_4_text" refType="t" refFor="ch" refForName="FourNodes_4"/>
+          <dgm:constr type="b" for="ch" forName="FourNodes_4_text" refType="b" refFor="ch" refForName="FourNodes_4"/>
+          <dgm:constr type="r" for="ch" forName="FourNodes_4_text" refType="r" refFor="ch" refForName="FourNodes_4"/>
+          <dgm:constr type="w" for="ch" forName="FiveNodes_1" refType="w" fact="0.77"/>
+          <dgm:constr type="h" for="ch" forName="FiveNodes_1" refType="h" fact="0.18"/>
+          <dgm:constr type="t" for="ch" forName="FiveNodes_1"/>
+          <dgm:constr type="r" for="ch" forName="FiveNodes_1" refType="w"/>
+          <dgm:constr type="w" for="ch" forName="FiveNodes_2" refType="w" fact="0.77"/>
+          <dgm:constr type="h" for="ch" forName="FiveNodes_2" refType="h" fact="0.18"/>
+          <dgm:constr type="ctrY" for="ch" forName="FiveNodes_2" refType="h" fact="0.295"/>
+          <dgm:constr type="ctrX" for="ch" forName="FiveNodes_2" refType="w" fact="0.5575"/>
+          <dgm:constr type="w" for="ch" forName="FiveNodes_3" refType="w" fact="0.77"/>
+          <dgm:constr type="h" for="ch" forName="FiveNodes_3" refType="h" fact="0.18"/>
+          <dgm:constr type="ctrY" for="ch" forName="FiveNodes_3" refType="h" fact="0.5"/>
+          <dgm:constr type="ctrX" for="ch" forName="FiveNodes_3" refType="w" fact="0.5"/>
+          <dgm:constr type="w" for="ch" forName="FiveNodes_4" refType="w" fact="0.77"/>
+          <dgm:constr type="h" for="ch" forName="FiveNodes_4" refType="h" fact="0.18"/>
+          <dgm:constr type="ctrY" for="ch" forName="FiveNodes_4" refType="h" fact="0.705"/>
+          <dgm:constr type="ctrX" for="ch" forName="FiveNodes_4" refType="w" fact="0.4425"/>
+          <dgm:constr type="w" for="ch" forName="FiveNodes_5" refType="w" fact="0.77"/>
+          <dgm:constr type="h" for="ch" forName="FiveNodes_5" refType="h" fact="0.18"/>
+          <dgm:constr type="b" for="ch" forName="FiveNodes_5" refType="h"/>
+          <dgm:constr type="l" for="ch" forName="FiveNodes_5"/>
+          <dgm:constr type="w" for="ch" forName="FiveConn_1-2" refType="h" refFor="ch" refForName="FiveNodes_1" fact="0.65"/>
+          <dgm:constr type="h" for="ch" forName="FiveConn_1-2" refType="h" refFor="ch" refForName="FiveNodes_1" fact="0.65"/>
+          <dgm:constr type="ctrY" for="ch" forName="FiveConn_1-2" refType="h" fact="0.19"/>
+          <dgm:constr type="l" for="ch" forName="FiveConn_1-2" refType="l" refFor="ch" refForName="FiveNodes_1"/>
+          <dgm:constr type="w" for="ch" forName="FiveConn_2-3" refType="h" refFor="ch" refForName="FiveNodes_2" fact="0.65"/>
+          <dgm:constr type="h" for="ch" forName="FiveConn_2-3" refType="h" refFor="ch" refForName="FiveNodes_2" fact="0.65"/>
+          <dgm:constr type="ctrY" for="ch" forName="FiveConn_2-3" refType="h" fact="0.395"/>
+          <dgm:constr type="l" for="ch" forName="FiveConn_2-3" refType="l" refFor="ch" refForName="FiveNodes_2"/>
+          <dgm:constr type="w" for="ch" forName="FiveConn_3-4" refType="h" refFor="ch" refForName="FiveNodes_3" fact="0.65"/>
+          <dgm:constr type="h" for="ch" forName="FiveConn_3-4" refType="h" refFor="ch" refForName="FiveNodes_3" fact="0.65"/>
+          <dgm:constr type="ctrY" for="ch" forName="FiveConn_3-4" refType="h" fact="0.597"/>
+          <dgm:constr type="l" for="ch" forName="FiveConn_3-4" refType="l" refFor="ch" refForName="FiveNodes_3"/>
+          <dgm:constr type="w" for="ch" forName="FiveConn_4-5" refType="h" refFor="ch" refForName="FiveNodes_4" fact="0.65"/>
+          <dgm:constr type="h" for="ch" forName="FiveConn_4-5" refType="h" refFor="ch" refForName="FiveNodes_4" fact="0.65"/>
+          <dgm:constr type="ctrY" for="ch" forName="FiveConn_4-5" refType="h" fact="0.804"/>
+          <dgm:constr type="l" for="ch" forName="FiveConn_4-5" refType="l" refFor="ch" refForName="FiveNodes_4"/>
+          <dgm:constr type="l" for="ch" forName="FiveNodes_1_text" refType="r" refFor="ch" refForName="FiveConn_1-2"/>
+          <dgm:constr type="lOff" for="ch" forName="FiveNodes_1_text" refType="w" refFor="ch" refForName="FiveConn_1-2" fact="0.73"/>
+          <dgm:constr type="t" for="ch" forName="FiveNodes_1_text" refType="t" refFor="ch" refForName="FiveNodes_1"/>
+          <dgm:constr type="b" for="ch" forName="FiveNodes_1_text" refType="b" refFor="ch" refForName="FiveNodes_1"/>
+          <dgm:constr type="r" for="ch" forName="FiveNodes_1_text" refType="r" refFor="ch" refForName="FiveNodes_1"/>
+          <dgm:constr type="l" for="ch" forName="FiveNodes_2_text" refType="r" refFor="ch" refForName="FiveConn_1-2"/>
+          <dgm:constr type="t" for="ch" forName="FiveNodes_2_text" refType="t" refFor="ch" refForName="FiveNodes_2"/>
+          <dgm:constr type="b" for="ch" forName="FiveNodes_2_text" refType="b" refFor="ch" refForName="FiveNodes_2"/>
+          <dgm:constr type="r" for="ch" forName="FiveNodes_2_text" refType="r" refFor="ch" refForName="FiveNodes_2"/>
+          <dgm:constr type="l" for="ch" forName="FiveNodes_3_text" refType="r" refFor="ch" refForName="FiveConn_2-3"/>
+          <dgm:constr type="t" for="ch" forName="FiveNodes_3_text" refType="t" refFor="ch" refForName="FiveNodes_3"/>
+          <dgm:constr type="b" for="ch" forName="FiveNodes_3_text" refType="b" refFor="ch" refForName="FiveNodes_3"/>
+          <dgm:constr type="r" for="ch" forName="FiveNodes_3_text" refType="r" refFor="ch" refForName="FiveNodes_3"/>
+          <dgm:constr type="l" for="ch" forName="FiveNodes_4_text" refType="r" refFor="ch" refForName="FiveConn_3-4"/>
+          <dgm:constr type="t" for="ch" forName="FiveNodes_4_text" refType="t" refFor="ch" refForName="FiveNodes_4"/>
+          <dgm:constr type="b" for="ch" forName="FiveNodes_4_text" refType="b" refFor="ch" refForName="FiveNodes_4"/>
+          <dgm:constr type="r" for="ch" forName="FiveNodes_4_text" refType="r" refFor="ch" refForName="FiveNodes_4"/>
+          <dgm:constr type="l" for="ch" forName="FiveNodes_5_text" refType="r" refFor="ch" refForName="FiveConn_4-5"/>
+          <dgm:constr type="t" for="ch" forName="FiveNodes_5_text" refType="t" refFor="ch" refForName="FiveNodes_5"/>
+          <dgm:constr type="b" for="ch" forName="FiveNodes_5_text" refType="b" refFor="ch" refForName="FiveNodes_5"/>
+          <dgm:constr type="r" for="ch" forName="FiveNodes_5_text" refType="r" refFor="ch" refForName="FiveNodes_5"/>
+        </dgm:constrLst>
+      </dgm:else>
+    </dgm:choose>
+    <dgm:ruleLst/>
+    <dgm:layoutNode name="dummyMaxCanvas">
+      <dgm:varLst/>
+      <dgm:alg type="sp"/>
+      <dgm:shape xmlns:r="http://schemas.openxmlformats.org/officeDocument/2006/relationships" r:blip="">
+        <dgm:adjLst/>
+      </dgm:shape>
+      <dgm:presOf/>
+      <dgm:constrLst/>
+      <dgm:ruleLst/>
+    </dgm:layoutNode>
+    <dgm:choose name="Name3">
+      <dgm:if name="Name4" axis="ch" ptType="node" func="cnt" op="equ" val="1">
+        <dgm:layoutNode name="OneNode_1">
+          <dgm:varLst>
+            <dgm:bulletEnabled val="1"/>
+          </dgm:varLst>
+          <dgm:alg type="tx"/>
+          <dgm:shape xmlns:r="http://schemas.openxmlformats.org/officeDocument/2006/relationships" type="roundRect" r:blip="">
+            <dgm:adjLst>
+              <dgm:adj idx="1" val="0.1"/>
+            </dgm:adjLst>
+          </dgm:shape>
+          <dgm:presOf axis="ch desOrSelf" ptType="node node" st="1 1" cnt="1 0"/>
+          <dgm:constrLst>
+            <dgm:constr type="lMarg" refType="primFontSz" fact="0.3"/>
+            <dgm:constr type="rMarg" refType="primFontSz" fact="0.3"/>
+            <dgm:constr type="tMarg" refType="primFontSz" fact="0.3"/>
+            <dgm:constr type="bMarg" refType="primFontSz" fact="0.3"/>
+          </dgm:constrLst>
+          <dgm:ruleLst>
+            <dgm:rule type="primFontSz" val="5" fact="NaN" max="NaN"/>
+          </dgm:ruleLst>
+        </dgm:layoutNode>
+      </dgm:if>
+      <dgm:else name="Name5">
+        <dgm:choose name="Name6">
+          <dgm:if name="Name7" axis="ch" ptType="node" func="cnt" op="equ" val="2">
+            <dgm:layoutNode name="TwoNodes_1">
+              <dgm:varLst>
+                <dgm:bulletEnabled val="1"/>
+              </dgm:varLst>
+              <dgm:alg type="sp"/>
+              <dgm:shape xmlns:r="http://schemas.openxmlformats.org/officeDocument/2006/relationships" type="roundRect" r:blip="">
+                <dgm:adjLst>
+                  <dgm:adj idx="1" val="0.1"/>
+                </dgm:adjLst>
+              </dgm:shape>
+              <dgm:presOf axis="ch desOrSelf" ptType="node node" st="1 1" cnt="1 0"/>
+              <dgm:constrLst/>
+              <dgm:ruleLst/>
+            </dgm:layoutNode>
+            <dgm:layoutNode name="TwoNodes_2">
+              <dgm:varLst>
+                <dgm:bulletEnabled val="1"/>
+              </dgm:varLst>
+              <dgm:alg type="sp"/>
+              <dgm:shape xmlns:r="http://schemas.openxmlformats.org/officeDocument/2006/relationships" type="roundRect" r:blip="">
+                <dgm:adjLst>
+                  <dgm:adj idx="1" val="0.1"/>
+                </dgm:adjLst>
+              </dgm:shape>
+              <dgm:presOf axis="ch desOrSelf" ptType="node node" st="2 1" cnt="1 0"/>
+              <dgm:constrLst/>
+              <dgm:ruleLst/>
+            </dgm:layoutNode>
+            <dgm:layoutNode name="TwoConn_1-2" styleLbl="fgAccFollowNode1">
+              <dgm:varLst>
+                <dgm:bulletEnabled val="1"/>
+              </dgm:varLst>
+              <dgm:alg type="tx"/>
+              <dgm:shape xmlns:r="http://schemas.openxmlformats.org/officeDocument/2006/relationships" type="downArrow" r:blip="">
+                <dgm:adjLst>
+                  <dgm:adj idx="1" val="0.55"/>
+                  <dgm:adj idx="2" val="0.45"/>
+                </dgm:adjLst>
+              </dgm:shape>
+              <dgm:presOf axis="ch" ptType="sibTrans" cnt="1"/>
+              <dgm:constrLst>
+                <dgm:constr type="lMarg" refType="primFontSz" fact="0.1"/>
+                <dgm:constr type="rMarg" refType="primFontSz" fact="0.1"/>
+                <dgm:constr type="tMarg" refType="primFontSz" fact="0.1"/>
+                <dgm:constr type="bMarg" refType="primFontSz" fact="0.1"/>
+              </dgm:constrLst>
+              <dgm:ruleLst>
+                <dgm:rule type="primFontSz" val="5" fact="NaN" max="NaN"/>
+              </dgm:ruleLst>
+            </dgm:layoutNode>
+            <dgm:layoutNode name="TwoNodes_1_text">
+              <dgm:varLst>
+                <dgm:bulletEnabled val="1"/>
+              </dgm:varLst>
+              <dgm:alg type="tx">
+                <dgm:param type="parTxLTRAlign" val="l"/>
+                <dgm:param type="txAnchorVertCh" val="mid"/>
+              </dgm:alg>
+              <dgm:shape xmlns:r="http://schemas.openxmlformats.org/officeDocument/2006/relationships" type="roundRect" r:blip="" hideGeom="1">
+                <dgm:adjLst>
+                  <dgm:adj idx="1" val="0.1"/>
+                </dgm:adjLst>
+              </dgm:shape>
+              <dgm:presOf axis="ch desOrSelf" ptType="node node" st="1 1" cnt="1 0"/>
+              <dgm:constrLst>
+                <dgm:constr type="lMarg" refType="primFontSz" fact="0.3"/>
+                <dgm:constr type="rMarg" refType="primFontSz" fact="0.3"/>
+                <dgm:constr type="tMarg" refType="primFontSz" fact="0.3"/>
+                <dgm:constr type="bMarg" refType="primFontSz" fact="0.3"/>
+              </dgm:constrLst>
+              <dgm:ruleLst>
+                <dgm:rule type="primFontSz" val="5" fact="NaN" max="NaN"/>
+              </dgm:ruleLst>
+            </dgm:layoutNode>
+            <dgm:layoutNode name="TwoNodes_2_text">
+              <dgm:varLst>
+                <dgm:bulletEnabled val="1"/>
+              </dgm:varLst>
+              <dgm:alg type="tx">
+                <dgm:param type="parTxLTRAlign" val="l"/>
+                <dgm:param type="txAnchorVertCh" val="mid"/>
+              </dgm:alg>
+              <dgm:shape xmlns:r="http://schemas.openxmlformats.org/officeDocument/2006/relationships" type="roundRect" r:blip="" hideGeom="1">
+                <dgm:adjLst>
+                  <dgm:adj idx="1" val="0.1"/>
+                </dgm:adjLst>
+              </dgm:shape>
+              <dgm:presOf axis="ch desOrSelf" ptType="node node" st="2 1" cnt="1 0"/>
+              <dgm:constrLst>
+                <dgm:constr type="lMarg" refType="primFontSz" fact="0.3"/>
+                <dgm:constr type="rMarg" refType="primFontSz" fact="0.3"/>
+                <dgm:constr type="tMarg" refType="primFontSz" fact="0.3"/>
+                <dgm:constr type="bMarg" refType="primFontSz" fact="0.3"/>
+              </dgm:constrLst>
+              <dgm:ruleLst>
+                <dgm:rule type="primFontSz" val="5" fact="NaN" max="NaN"/>
+              </dgm:ruleLst>
+            </dgm:layoutNode>
+          </dgm:if>
+          <dgm:else name="Name8">
+            <dgm:choose name="Name9">
+              <dgm:if name="Name10" axis="ch" ptType="node" func="cnt" op="equ" val="3">
+                <dgm:layoutNode name="ThreeNodes_1">
+                  <dgm:varLst>
+                    <dgm:bulletEnabled val="1"/>
+                  </dgm:varLst>
+                  <dgm:alg type="sp"/>
+                  <dgm:shape xmlns:r="http://schemas.openxmlformats.org/officeDocument/2006/relationships" type="roundRect" r:blip="">
+                    <dgm:adjLst>
+                      <dgm:adj idx="1" val="0.1"/>
+                    </dgm:adjLst>
+                  </dgm:shape>
+                  <dgm:presOf axis="ch desOrSelf" ptType="node node" st="1 1" cnt="1 0"/>
+                  <dgm:constrLst/>
+                  <dgm:ruleLst/>
+                </dgm:layoutNode>
+                <dgm:layoutNode name="ThreeNodes_2">
+                  <dgm:varLst>
+                    <dgm:bulletEnabled val="1"/>
+                  </dgm:varLst>
+                  <dgm:alg type="sp"/>
+                  <dgm:shape xmlns:r="http://schemas.openxmlformats.org/officeDocument/2006/relationships" type="roundRect" r:blip="">
+                    <dgm:adjLst>
+                      <dgm:adj idx="1" val="0.1"/>
+                    </dgm:adjLst>
+                  </dgm:shape>
+                  <dgm:presOf axis="ch desOrSelf" ptType="node node" st="2 1" cnt="1 0"/>
+                  <dgm:constrLst/>
+                  <dgm:ruleLst/>
+                </dgm:layoutNode>
+                <dgm:layoutNode name="ThreeNodes_3">
+                  <dgm:varLst>
+                    <dgm:bulletEnabled val="1"/>
+                  </dgm:varLst>
+                  <dgm:alg type="sp"/>
+                  <dgm:shape xmlns:r="http://schemas.openxmlformats.org/officeDocument/2006/relationships" type="roundRect" r:blip="">
+                    <dgm:adjLst>
+                      <dgm:adj idx="1" val="0.1"/>
+                    </dgm:adjLst>
+                  </dgm:shape>
+                  <dgm:presOf axis="ch desOrSelf" ptType="node node" st="3 1" cnt="1 0"/>
+                  <dgm:constrLst/>
+                  <dgm:ruleLst/>
+                </dgm:layoutNode>
+                <dgm:layoutNode name="ThreeConn_1-2" styleLbl="fgAccFollowNode1">
+                  <dgm:varLst>
+                    <dgm:bulletEnabled val="1"/>
+                  </dgm:varLst>
+                  <dgm:alg type="tx"/>
+                  <dgm:shape xmlns:r="http://schemas.openxmlformats.org/officeDocument/2006/relationships" type="downArrow" r:blip="">
+                    <dgm:adjLst>
+                      <dgm:adj idx="1" val="0.55"/>
+                      <dgm:adj idx="2" val="0.45"/>
+                    </dgm:adjLst>
+                  </dgm:shape>
+                  <dgm:presOf axis="ch" ptType="sibTrans" cnt="1"/>
+                  <dgm:constrLst>
+                    <dgm:constr type="lMarg" refType="primFontSz" fact="0.1"/>
+                    <dgm:constr type="rMarg" refType="primFontSz" fact="0.1"/>
+                    <dgm:constr type="tMarg" refType="primFontSz" fact="0.1"/>
+                    <dgm:constr type="bMarg" refType="primFontSz" fact="0.1"/>
+                  </dgm:constrLst>
+                  <dgm:ruleLst>
+                    <dgm:rule type="primFontSz" val="5" fact="NaN" max="NaN"/>
+                  </dgm:ruleLst>
+                </dgm:layoutNode>
+                <dgm:layoutNode name="ThreeConn_2-3" styleLbl="fgAccFollowNode1">
+                  <dgm:varLst>
+                    <dgm:bulletEnabled val="1"/>
+                  </dgm:varLst>
+                  <dgm:alg type="tx"/>
+                  <dgm:shape xmlns:r="http://schemas.openxmlformats.org/officeDocument/2006/relationships" type="downArrow" r:blip="">
+                    <dgm:adjLst>
+                      <dgm:adj idx="1" val="0.55"/>
+                      <dgm:adj idx="2" val="0.45"/>
+                    </dgm:adjLst>
+                  </dgm:shape>
+                  <dgm:presOf axis="ch" ptType="sibTrans" st="2" cnt="1"/>
+                  <dgm:constrLst>
+                    <dgm:constr type="lMarg" refType="primFontSz" fact="0.1"/>
+                    <dgm:constr type="rMarg" refType="primFontSz" fact="0.1"/>
+                    <dgm:constr type="tMarg" refType="primFontSz" fact="0.1"/>
+                    <dgm:constr type="bMarg" refType="primFontSz" fact="0.1"/>
+                  </dgm:constrLst>
+                  <dgm:ruleLst>
+                    <dgm:rule type="primFontSz" val="5" fact="NaN" max="NaN"/>
+                  </dgm:ruleLst>
+                </dgm:layoutNode>
+                <dgm:layoutNode name="ThreeNodes_1_text">
+                  <dgm:varLst>
+                    <dgm:bulletEnabled val="1"/>
+                  </dgm:varLst>
+                  <dgm:alg type="tx">
+                    <dgm:param type="parTxLTRAlign" val="l"/>
+                    <dgm:param type="txAnchorVertCh" val="mid"/>
+                  </dgm:alg>
+                  <dgm:shape xmlns:r="http://schemas.openxmlformats.org/officeDocument/2006/relationships" type="roundRect" r:blip="" hideGeom="1">
+                    <dgm:adjLst>
+                      <dgm:adj idx="1" val="0.1"/>
+                    </dgm:adjLst>
+                  </dgm:shape>
+                  <dgm:presOf axis="ch desOrSelf" ptType="node node" st="1 1" cnt="1 0"/>
+                  <dgm:constrLst>
+                    <dgm:constr type="lMarg" refType="primFontSz" fact="0.3"/>
+                    <dgm:constr type="rMarg" refType="primFontSz" fact="0.3"/>
+                    <dgm:constr type="tMarg" refType="primFontSz" fact="0.3"/>
+                    <dgm:constr type="bMarg" refType="primFontSz" fact="0.3"/>
+                  </dgm:constrLst>
+                  <dgm:ruleLst>
+                    <dgm:rule type="primFontSz" val="5" fact="NaN" max="NaN"/>
+                  </dgm:ruleLst>
+                </dgm:layoutNode>
+                <dgm:layoutNode name="ThreeNodes_2_text">
+                  <dgm:varLst>
+                    <dgm:bulletEnabled val="1"/>
+                  </dgm:varLst>
+                  <dgm:alg type="tx">
+                    <dgm:param type="parTxLTRAlign" val="l"/>
+                    <dgm:param type="txAnchorVertCh" val="mid"/>
+                  </dgm:alg>
+                  <dgm:shape xmlns:r="http://schemas.openxmlformats.org/officeDocument/2006/relationships" type="roundRect" r:blip="" hideGeom="1">
+                    <dgm:adjLst>
+                      <dgm:adj idx="1" val="0.1"/>
+                    </dgm:adjLst>
+                  </dgm:shape>
+                  <dgm:presOf axis="ch desOrSelf" ptType="node node" st="2 1" cnt="1 0"/>
+                  <dgm:constrLst>
+                    <dgm:constr type="lMarg" refType="primFontSz" fact="0.3"/>
+                    <dgm:constr type="rMarg" refType="primFontSz" fact="0.3"/>
+                    <dgm:constr type="tMarg" refType="primFontSz" fact="0.3"/>
+                    <dgm:constr type="bMarg" refType="primFontSz" fact="0.3"/>
+                  </dgm:constrLst>
+                  <dgm:ruleLst>
+                    <dgm:rule type="primFontSz" val="5" fact="NaN" max="NaN"/>
+                  </dgm:ruleLst>
+                </dgm:layoutNode>
+                <dgm:layoutNode name="ThreeNodes_3_text">
+                  <dgm:varLst>
+                    <dgm:bulletEnabled val="1"/>
+                  </dgm:varLst>
+                  <dgm:alg type="tx">
+                    <dgm:param type="parTxLTRAlign" val="l"/>
+                    <dgm:param type="txAnchorVertCh" val="mid"/>
+                  </dgm:alg>
+                  <dgm:shape xmlns:r="http://schemas.openxmlformats.org/officeDocument/2006/relationships" type="roundRect" r:blip="" hideGeom="1">
+                    <dgm:adjLst>
+                      <dgm:adj idx="1" val="0.1"/>
+                    </dgm:adjLst>
+                  </dgm:shape>
+                  <dgm:presOf axis="ch desOrSelf" ptType="node node" st="3 1" cnt="1 0"/>
+                  <dgm:constrLst>
+                    <dgm:constr type="lMarg" refType="primFontSz" fact="0.3"/>
+                    <dgm:constr type="rMarg" refType="primFontSz" fact="0.3"/>
+                    <dgm:constr type="tMarg" refType="primFontSz" fact="0.3"/>
+                    <dgm:constr type="bMarg" refType="primFontSz" fact="0.3"/>
+                  </dgm:constrLst>
+                  <dgm:ruleLst>
+                    <dgm:rule type="primFontSz" val="5" fact="NaN" max="NaN"/>
+                  </dgm:ruleLst>
+                </dgm:layoutNode>
+              </dgm:if>
+              <dgm:else name="Name11">
+                <dgm:choose name="Name12">
+                  <dgm:if name="Name13" axis="ch" ptType="node" func="cnt" op="equ" val="4">
+                    <dgm:layoutNode name="FourNodes_1">
+                      <dgm:varLst>
+                        <dgm:bulletEnabled val="1"/>
+                      </dgm:varLst>
+                      <dgm:alg type="sp"/>
+                      <dgm:shape xmlns:r="http://schemas.openxmlformats.org/officeDocument/2006/relationships" type="roundRect" r:blip="">
+                        <dgm:adjLst>
+                          <dgm:adj idx="1" val="0.1"/>
+                        </dgm:adjLst>
+                      </dgm:shape>
+                      <dgm:presOf axis="ch desOrSelf" ptType="node node" st="1 1" cnt="1 0"/>
+                      <dgm:constrLst/>
+                      <dgm:ruleLst/>
+                    </dgm:layoutNode>
+                    <dgm:layoutNode name="FourNodes_2">
+                      <dgm:varLst>
+                        <dgm:bulletEnabled val="1"/>
+                      </dgm:varLst>
+                      <dgm:alg type="sp"/>
+                      <dgm:shape xmlns:r="http://schemas.openxmlformats.org/officeDocument/2006/relationships" type="roundRect" r:blip="">
+                        <dgm:adjLst>
+                          <dgm:adj idx="1" val="0.1"/>
+                        </dgm:adjLst>
+                      </dgm:shape>
+                      <dgm:presOf axis="ch desOrSelf" ptType="node node" st="2 1" cnt="1 0"/>
+                      <dgm:constrLst/>
+                      <dgm:ruleLst/>
+                    </dgm:layoutNode>
+                    <dgm:layoutNode name="FourNodes_3">
+                      <dgm:varLst>
+                        <dgm:bulletEnabled val="1"/>
+                      </dgm:varLst>
+                      <dgm:alg type="sp"/>
+                      <dgm:shape xmlns:r="http://schemas.openxmlformats.org/officeDocument/2006/relationships" type="roundRect" r:blip="">
+                        <dgm:adjLst>
+                          <dgm:adj idx="1" val="0.1"/>
+                        </dgm:adjLst>
+                      </dgm:shape>
+                      <dgm:presOf axis="ch desOrSelf" ptType="node node" st="3 1" cnt="1 0"/>
+                      <dgm:constrLst/>
+                      <dgm:ruleLst/>
+                    </dgm:layoutNode>
+                    <dgm:layoutNode name="FourNodes_4">
+                      <dgm:varLst>
+                        <dgm:bulletEnabled val="1"/>
+                      </dgm:varLst>
+                      <dgm:alg type="sp"/>
+                      <dgm:shape xmlns:r="http://schemas.openxmlformats.org/officeDocument/2006/relationships" type="roundRect" r:blip="">
+                        <dgm:adjLst>
+                          <dgm:adj idx="1" val="0.1"/>
+                        </dgm:adjLst>
+                      </dgm:shape>
+                      <dgm:presOf axis="ch desOrSelf" ptType="node node" st="4 1" cnt="1 0"/>
+                      <dgm:constrLst/>
+                      <dgm:ruleLst/>
+                    </dgm:layoutNode>
+                    <dgm:layoutNode name="FourConn_1-2" styleLbl="fgAccFollowNode1">
+                      <dgm:varLst>
+                        <dgm:bulletEnabled val="1"/>
+                      </dgm:varLst>
+                      <dgm:alg type="tx"/>
+                      <dgm:shape xmlns:r="http://schemas.openxmlformats.org/officeDocument/2006/relationships" type="downArrow" r:blip="">
+                        <dgm:adjLst>
+                          <dgm:adj idx="1" val="0.55"/>
+                          <dgm:adj idx="2" val="0.45"/>
+                        </dgm:adjLst>
+                      </dgm:shape>
+                      <dgm:presOf axis="ch" ptType="sibTrans" cnt="1"/>
+                      <dgm:constrLst>
+                        <dgm:constr type="lMarg" refType="primFontSz" fact="0.1"/>
+                        <dgm:constr type="rMarg" refType="primFontSz" fact="0.1"/>
+                        <dgm:constr type="tMarg" refType="primFontSz" fact="0.1"/>
+                        <dgm:constr type="bMarg" refType="primFontSz" fact="0.1"/>
+                      </dgm:constrLst>
+                      <dgm:ruleLst>
+                        <dgm:rule type="primFontSz" val="5" fact="NaN" max="NaN"/>
+                      </dgm:ruleLst>
+                    </dgm:layoutNode>
+                    <dgm:layoutNode name="FourConn_2-3" styleLbl="fgAccFollowNode1">
+                      <dgm:varLst>
+                        <dgm:bulletEnabled val="1"/>
+                      </dgm:varLst>
+                      <dgm:alg type="tx"/>
+                      <dgm:shape xmlns:r="http://schemas.openxmlformats.org/officeDocument/2006/relationships" type="downArrow" r:blip="">
+                        <dgm:adjLst>
+                          <dgm:adj idx="1" val="0.55"/>
+                          <dgm:adj idx="2" val="0.45"/>
+                        </dgm:adjLst>
+                      </dgm:shape>
+                      <dgm:presOf axis="ch" ptType="sibTrans" st="2" cnt="1"/>
+                      <dgm:constrLst>
+                        <dgm:constr type="lMarg" refType="primFontSz" fact="0.1"/>
+                        <dgm:constr type="rMarg" refType="primFontSz" fact="0.1"/>
+                        <dgm:constr type="tMarg" refType="primFontSz" fact="0.1"/>
+                        <dgm:constr type="bMarg" refType="primFontSz" fact="0.1"/>
+                      </dgm:constrLst>
+                      <dgm:ruleLst>
+                        <dgm:rule type="primFontSz" val="5" fact="NaN" max="NaN"/>
+                      </dgm:ruleLst>
+                    </dgm:layoutNode>
+                    <dgm:layoutNode name="FourConn_3-4" styleLbl="fgAccFollowNode1">
+                      <dgm:varLst>
+                        <dgm:bulletEnabled val="1"/>
+                      </dgm:varLst>
+                      <dgm:alg type="tx"/>
+                      <dgm:shape xmlns:r="http://schemas.openxmlformats.org/officeDocument/2006/relationships" type="downArrow" r:blip="">
+                        <dgm:adjLst>
+                          <dgm:adj idx="1" val="0.55"/>
+                          <dgm:adj idx="2" val="0.45"/>
+                        </dgm:adjLst>
+                      </dgm:shape>
+                      <dgm:presOf axis="ch" ptType="sibTrans" st="3" cnt="1"/>
+                      <dgm:constrLst>
+                        <dgm:constr type="lMarg" refType="primFontSz" fact="0.1"/>
+                        <dgm:constr type="rMarg" refType="primFontSz" fact="0.1"/>
+                        <dgm:constr type="tMarg" refType="primFontSz" fact="0.1"/>
+                        <dgm:constr type="bMarg" refType="primFontSz" fact="0.1"/>
+                      </dgm:constrLst>
+                      <dgm:ruleLst>
+                        <dgm:rule type="primFontSz" val="5" fact="NaN" max="NaN"/>
+                      </dgm:ruleLst>
+                    </dgm:layoutNode>
+                    <dgm:layoutNode name="FourNodes_1_text">
+                      <dgm:varLst>
+                        <dgm:bulletEnabled val="1"/>
+                      </dgm:varLst>
+                      <dgm:alg type="tx">
+                        <dgm:param type="parTxLTRAlign" val="l"/>
+                        <dgm:param type="txAnchorVertCh" val="mid"/>
+                      </dgm:alg>
+                      <dgm:shape xmlns:r="http://schemas.openxmlformats.org/officeDocument/2006/relationships" type="roundRect" r:blip="" hideGeom="1">
+                        <dgm:adjLst>
+                          <dgm:adj idx="1" val="0.1"/>
+                        </dgm:adjLst>
+                      </dgm:shape>
+                      <dgm:presOf axis="ch desOrSelf" ptType="node node" st="1 1" cnt="1 0"/>
+                      <dgm:constrLst>
+                        <dgm:constr type="lMarg" refType="primFontSz" fact="0.3"/>
+                        <dgm:constr type="rMarg" refType="primFontSz" fact="0.3"/>
+                        <dgm:constr type="tMarg" refType="primFontSz" fact="0.3"/>
+                        <dgm:constr type="bMarg" refType="primFontSz" fact="0.3"/>
+                      </dgm:constrLst>
+                      <dgm:ruleLst>
+                        <dgm:rule type="primFontSz" val="5" fact="NaN" max="NaN"/>
+                      </dgm:ruleLst>
+                    </dgm:layoutNode>
+                    <dgm:layoutNode name="FourNodes_2_text">
+                      <dgm:varLst>
+                        <dgm:bulletEnabled val="1"/>
+                      </dgm:varLst>
+                      <dgm:alg type="tx">
+                        <dgm:param type="parTxLTRAlign" val="l"/>
+                        <dgm:param type="txAnchorVertCh" val="mid"/>
+                      </dgm:alg>
+                      <dgm:shape xmlns:r="http://schemas.openxmlformats.org/officeDocument/2006/relationships" type="roundRect" r:blip="" hideGeom="1">
+                        <dgm:adjLst>
+                          <dgm:adj idx="1" val="0.1"/>
+                        </dgm:adjLst>
+                      </dgm:shape>
+                      <dgm:presOf axis="ch desOrSelf" ptType="node node" st="2 1" cnt="1 0"/>
+                      <dgm:constrLst>
+                        <dgm:constr type="lMarg" refType="primFontSz" fact="0.3"/>
+                        <dgm:constr type="rMarg" refType="primFontSz" fact="0.3"/>
+                        <dgm:constr type="tMarg" refType="primFontSz" fact="0.3"/>
+                        <dgm:constr type="bMarg" refType="primFontSz" fact="0.3"/>
+                      </dgm:constrLst>
+                      <dgm:ruleLst>
+                        <dgm:rule type="primFontSz" val="5" fact="NaN" max="NaN"/>
+                      </dgm:ruleLst>
+                    </dgm:layoutNode>
+                    <dgm:layoutNode name="FourNodes_3_text">
+                      <dgm:varLst>
+                        <dgm:bulletEnabled val="1"/>
+                      </dgm:varLst>
+                      <dgm:alg type="tx">
+                        <dgm:param type="parTxLTRAlign" val="l"/>
+                        <dgm:param type="txAnchorVertCh" val="mid"/>
+                      </dgm:alg>
+                      <dgm:shape xmlns:r="http://schemas.openxmlformats.org/officeDocument/2006/relationships" type="roundRect" r:blip="" hideGeom="1">
+                        <dgm:adjLst>
+                          <dgm:adj idx="1" val="0.1"/>
+                        </dgm:adjLst>
+                      </dgm:shape>
+                      <dgm:presOf axis="ch desOrSelf" ptType="node node" st="3 1" cnt="1 0"/>
+                      <dgm:constrLst>
+                        <dgm:constr type="lMarg" refType="primFontSz" fact="0.3"/>
+                        <dgm:constr type="rMarg" refType="primFontSz" fact="0.3"/>
+                        <dgm:constr type="tMarg" refType="primFontSz" fact="0.3"/>
+                        <dgm:constr type="bMarg" refType="primFontSz" fact="0.3"/>
+                      </dgm:constrLst>
+                      <dgm:ruleLst>
+                        <dgm:rule type="primFontSz" val="5" fact="NaN" max="NaN"/>
+                      </dgm:ruleLst>
+                    </dgm:layoutNode>
+                    <dgm:layoutNode name="FourNodes_4_text">
+                      <dgm:varLst>
+                        <dgm:bulletEnabled val="1"/>
+                      </dgm:varLst>
+                      <dgm:alg type="tx">
+                        <dgm:param type="parTxLTRAlign" val="l"/>
+                        <dgm:param type="txAnchorVertCh" val="mid"/>
+                      </dgm:alg>
+                      <dgm:shape xmlns:r="http://schemas.openxmlformats.org/officeDocument/2006/relationships" type="roundRect" r:blip="" hideGeom="1">
+                        <dgm:adjLst>
+                          <dgm:adj idx="1" val="0.1"/>
+                        </dgm:adjLst>
+                      </dgm:shape>
+                      <dgm:presOf axis="ch desOrSelf" ptType="node node" st="4 1" cnt="1 0"/>
+                      <dgm:constrLst>
+                        <dgm:constr type="lMarg" refType="primFontSz" fact="0.3"/>
+                        <dgm:constr type="rMarg" refType="primFontSz" fact="0.3"/>
+                        <dgm:constr type="tMarg" refType="primFontSz" fact="0.3"/>
+                        <dgm:constr type="bMarg" refType="primFontSz" fact="0.3"/>
+                      </dgm:constrLst>
+                      <dgm:ruleLst>
+                        <dgm:rule type="primFontSz" val="5" fact="NaN" max="NaN"/>
+                      </dgm:ruleLst>
+                    </dgm:layoutNode>
+                  </dgm:if>
+                  <dgm:else name="Name14">
+                    <dgm:choose name="Name15">
+                      <dgm:if name="Name16" axis="ch" ptType="node" func="cnt" op="gte" val="5">
+                        <dgm:layoutNode name="FiveNodes_1">
+                          <dgm:varLst>
+                            <dgm:bulletEnabled val="1"/>
+                          </dgm:varLst>
+                          <dgm:alg type="sp"/>
+                          <dgm:shape xmlns:r="http://schemas.openxmlformats.org/officeDocument/2006/relationships" type="roundRect" r:blip="">
+                            <dgm:adjLst>
+                              <dgm:adj idx="1" val="0.1"/>
+                            </dgm:adjLst>
+                          </dgm:shape>
+                          <dgm:presOf axis="ch desOrSelf" ptType="node node" st="1 1" cnt="1 0"/>
+                          <dgm:constrLst/>
+                          <dgm:ruleLst/>
+                        </dgm:layoutNode>
+                        <dgm:layoutNode name="FiveNodes_2">
+                          <dgm:varLst>
+                            <dgm:bulletEnabled val="1"/>
+                          </dgm:varLst>
+                          <dgm:alg type="sp"/>
+                          <dgm:shape xmlns:r="http://schemas.openxmlformats.org/officeDocument/2006/relationships" type="roundRect" r:blip="">
+                            <dgm:adjLst>
+                              <dgm:adj idx="1" val="0.1"/>
+                            </dgm:adjLst>
+                          </dgm:shape>
+                          <dgm:presOf axis="ch desOrSelf" ptType="node node" st="2 1" cnt="1 0"/>
+                          <dgm:constrLst/>
+                          <dgm:ruleLst/>
+                        </dgm:layoutNode>
+                        <dgm:layoutNode name="FiveNodes_3">
+                          <dgm:varLst>
+                            <dgm:bulletEnabled val="1"/>
+                          </dgm:varLst>
+                          <dgm:alg type="sp"/>
+                          <dgm:shape xmlns:r="http://schemas.openxmlformats.org/officeDocument/2006/relationships" type="roundRect" r:blip="">
+                            <dgm:adjLst>
+                              <dgm:adj idx="1" val="0.1"/>
+                            </dgm:adjLst>
+                          </dgm:shape>
+                          <dgm:presOf axis="ch desOrSelf" ptType="node node" st="3 1" cnt="1 0"/>
+                          <dgm:constrLst/>
+                          <dgm:ruleLst/>
+                        </dgm:layoutNode>
+                        <dgm:layoutNode name="FiveNodes_4">
+                          <dgm:varLst>
+                            <dgm:bulletEnabled val="1"/>
+                          </dgm:varLst>
+                          <dgm:alg type="sp"/>
+                          <dgm:shape xmlns:r="http://schemas.openxmlformats.org/officeDocument/2006/relationships" type="roundRect" r:blip="">
+                            <dgm:adjLst>
+                              <dgm:adj idx="1" val="0.1"/>
+                            </dgm:adjLst>
+                          </dgm:shape>
+                          <dgm:presOf axis="ch desOrSelf" ptType="node node" st="4 1" cnt="1 0"/>
+                          <dgm:constrLst/>
+                          <dgm:ruleLst/>
+                        </dgm:layoutNode>
+                        <dgm:layoutNode name="FiveNodes_5">
+                          <dgm:varLst>
+                            <dgm:bulletEnabled val="1"/>
+                          </dgm:varLst>
+                          <dgm:alg type="sp"/>
+                          <dgm:shape xmlns:r="http://schemas.openxmlformats.org/officeDocument/2006/relationships" type="roundRect" r:blip="">
+                            <dgm:adjLst>
+                              <dgm:adj idx="1" val="0.1"/>
+                            </dgm:adjLst>
+                          </dgm:shape>
+                          <dgm:presOf axis="ch desOrSelf" ptType="node node" st="5 1" cnt="1 0"/>
+                          <dgm:constrLst/>
+                          <dgm:ruleLst/>
+                        </dgm:layoutNode>
+                        <dgm:layoutNode name="FiveConn_1-2" styleLbl="fgAccFollowNode1">
+                          <dgm:varLst>
+                            <dgm:bulletEnabled val="1"/>
+                          </dgm:varLst>
+                          <dgm:alg type="tx"/>
+                          <dgm:shape xmlns:r="http://schemas.openxmlformats.org/officeDocument/2006/relationships" type="downArrow" r:blip="">
+                            <dgm:adjLst>
+                              <dgm:adj idx="1" val="0.55"/>
+                              <dgm:adj idx="2" val="0.45"/>
+                            </dgm:adjLst>
+                          </dgm:shape>
+                          <dgm:presOf axis="ch" ptType="sibTrans" cnt="1"/>
+                          <dgm:constrLst>
+                            <dgm:constr type="lMarg" refType="primFontSz" fact="0.1"/>
+                            <dgm:constr type="rMarg" refType="primFontSz" fact="0.1"/>
+                            <dgm:constr type="tMarg" refType="primFontSz" fact="0.1"/>
+                            <dgm:constr type="bMarg" refType="primFontSz" fact="0.1"/>
+                          </dgm:constrLst>
+                          <dgm:ruleLst>
+                            <dgm:rule type="primFontSz" val="5" fact="NaN" max="NaN"/>
+                          </dgm:ruleLst>
+                        </dgm:layoutNode>
+                        <dgm:layoutNode name="FiveConn_2-3" styleLbl="fgAccFollowNode1">
+                          <dgm:varLst>
+                            <dgm:bulletEnabled val="1"/>
+                          </dgm:varLst>
+                          <dgm:alg type="tx"/>
+                          <dgm:shape xmlns:r="http://schemas.openxmlformats.org/officeDocument/2006/relationships" type="downArrow" r:blip="">
+                            <dgm:adjLst>
+                              <dgm:adj idx="1" val="0.55"/>
+                              <dgm:adj idx="2" val="0.45"/>
+                            </dgm:adjLst>
+                          </dgm:shape>
+                          <dgm:presOf axis="ch" ptType="sibTrans" st="2" cnt="1"/>
+                          <dgm:constrLst>
+                            <dgm:constr type="lMarg" refType="primFontSz" fact="0.1"/>
+                            <dgm:constr type="rMarg" refType="primFontSz" fact="0.1"/>
+                            <dgm:constr type="tMarg" refType="primFontSz" fact="0.1"/>
+                            <dgm:constr type="bMarg" refType="primFontSz" fact="0.1"/>
+                          </dgm:constrLst>
+                          <dgm:ruleLst>
+                            <dgm:rule type="primFontSz" val="5" fact="NaN" max="NaN"/>
+                          </dgm:ruleLst>
+                        </dgm:layoutNode>
+                        <dgm:layoutNode name="FiveConn_3-4" styleLbl="fgAccFollowNode1">
+                          <dgm:varLst>
+                            <dgm:bulletEnabled val="1"/>
+                          </dgm:varLst>
+                          <dgm:alg type="tx"/>
+                          <dgm:shape xmlns:r="http://schemas.openxmlformats.org/officeDocument/2006/relationships" type="downArrow" r:blip="">
+                            <dgm:adjLst>
+                              <dgm:adj idx="1" val="0.55"/>
+                              <dgm:adj idx="2" val="0.45"/>
+                            </dgm:adjLst>
+                          </dgm:shape>
+                          <dgm:presOf axis="ch" ptType="sibTrans" st="3" cnt="1"/>
+                          <dgm:constrLst>
+                            <dgm:constr type="lMarg" refType="primFontSz" fact="0.1"/>
+                            <dgm:constr type="rMarg" refType="primFontSz" fact="0.1"/>
+                            <dgm:constr type="tMarg" refType="primFontSz" fact="0.1"/>
+                            <dgm:constr type="bMarg" refType="primFontSz" fact="0.1"/>
+                          </dgm:constrLst>
+                          <dgm:ruleLst>
+                            <dgm:rule type="primFontSz" val="5" fact="NaN" max="NaN"/>
+                          </dgm:ruleLst>
+                        </dgm:layoutNode>
+                        <dgm:layoutNode name="FiveConn_4-5" styleLbl="fgAccFollowNode1">
+                          <dgm:varLst>
+                            <dgm:bulletEnabled val="1"/>
+                          </dgm:varLst>
+                          <dgm:alg type="tx"/>
+                          <dgm:shape xmlns:r="http://schemas.openxmlformats.org/officeDocument/2006/relationships" type="downArrow" r:blip="">
+                            <dgm:adjLst>
+                              <dgm:adj idx="1" val="0.55"/>
+                              <dgm:adj idx="2" val="0.45"/>
+                            </dgm:adjLst>
+                          </dgm:shape>
+                          <dgm:presOf axis="ch" ptType="sibTrans" st="4" cnt="1"/>
+                          <dgm:constrLst>
+                            <dgm:constr type="lMarg" refType="primFontSz" fact="0.1"/>
+                            <dgm:constr type="rMarg" refType="primFontSz" fact="0.1"/>
+                            <dgm:constr type="tMarg" refType="primFontSz" fact="0.1"/>
+                            <dgm:constr type="bMarg" refType="primFontSz" fact="0.1"/>
+                          </dgm:constrLst>
+                          <dgm:ruleLst>
+                            <dgm:rule type="primFontSz" val="5" fact="NaN" max="NaN"/>
+                          </dgm:ruleLst>
+                        </dgm:layoutNode>
+                        <dgm:layoutNode name="FiveNodes_1_text">
+                          <dgm:varLst>
+                            <dgm:bulletEnabled val="1"/>
+                          </dgm:varLst>
+                          <dgm:alg type="tx">
+                            <dgm:param type="parTxLTRAlign" val="l"/>
+                            <dgm:param type="txAnchorVertCh" val="mid"/>
+                          </dgm:alg>
+                          <dgm:shape xmlns:r="http://schemas.openxmlformats.org/officeDocument/2006/relationships" type="roundRect" r:blip="" hideGeom="1">
+                            <dgm:adjLst>
+                              <dgm:adj idx="1" val="0.1"/>
+                            </dgm:adjLst>
+                          </dgm:shape>
+                          <dgm:presOf axis="ch desOrSelf" ptType="node node" st="1 1" cnt="1 0"/>
+                          <dgm:constrLst>
+                            <dgm:constr type="lMarg" refType="primFontSz" fact="0.3"/>
+                            <dgm:constr type="rMarg" refType="primFontSz" fact="0.3"/>
+                            <dgm:constr type="tMarg" refType="primFontSz" fact="0.3"/>
+                            <dgm:constr type="bMarg" refType="primFontSz" fact="0.3"/>
+                          </dgm:constrLst>
+                          <dgm:ruleLst>
+                            <dgm:rule type="primFontSz" val="5" fact="NaN" max="NaN"/>
+                          </dgm:ruleLst>
+                        </dgm:layoutNode>
+                        <dgm:layoutNode name="FiveNodes_2_text">
+                          <dgm:varLst>
+                            <dgm:bulletEnabled val="1"/>
+                          </dgm:varLst>
+                          <dgm:alg type="tx">
+                            <dgm:param type="parTxLTRAlign" val="l"/>
+                            <dgm:param type="txAnchorVertCh" val="mid"/>
+                          </dgm:alg>
+                          <dgm:shape xmlns:r="http://schemas.openxmlformats.org/officeDocument/2006/relationships" type="roundRect" r:blip="" hideGeom="1">
+                            <dgm:adjLst>
+                              <dgm:adj idx="1" val="0.1"/>
+                            </dgm:adjLst>
+                          </dgm:shape>
+                          <dgm:presOf axis="ch desOrSelf" ptType="node node" st="2 1" cnt="1 0"/>
+                          <dgm:constrLst>
+                            <dgm:constr type="lMarg" refType="primFontSz" fact="0.3"/>
+                            <dgm:constr type="rMarg" refType="primFontSz" fact="0.3"/>
+                            <dgm:constr type="tMarg" refType="primFontSz" fact="0.3"/>
+                            <dgm:constr type="bMarg" refType="primFontSz" fact="0.3"/>
+                          </dgm:constrLst>
+                          <dgm:ruleLst>
+                            <dgm:rule type="primFontSz" val="5" fact="NaN" max="NaN"/>
+                          </dgm:ruleLst>
+                        </dgm:layoutNode>
+                        <dgm:layoutNode name="FiveNodes_3_text">
+                          <dgm:varLst>
+                            <dgm:bulletEnabled val="1"/>
+                          </dgm:varLst>
+                          <dgm:alg type="tx">
+                            <dgm:param type="parTxLTRAlign" val="l"/>
+                            <dgm:param type="txAnchorVertCh" val="mid"/>
+                          </dgm:alg>
+                          <dgm:shape xmlns:r="http://schemas.openxmlformats.org/officeDocument/2006/relationships" type="roundRect" r:blip="" hideGeom="1">
+                            <dgm:adjLst>
+                              <dgm:adj idx="1" val="0.1"/>
+                            </dgm:adjLst>
+                          </dgm:shape>
+                          <dgm:presOf axis="ch desOrSelf" ptType="node node" st="3 1" cnt="1 0"/>
+                          <dgm:constrLst>
+                            <dgm:constr type="lMarg" refType="primFontSz" fact="0.3"/>
+                            <dgm:constr type="rMarg" refType="primFontSz" fact="0.3"/>
+                            <dgm:constr type="tMarg" refType="primFontSz" fact="0.3"/>
+                            <dgm:constr type="bMarg" refType="primFontSz" fact="0.3"/>
+                          </dgm:constrLst>
+                          <dgm:ruleLst>
+                            <dgm:rule type="primFontSz" val="5" fact="NaN" max="NaN"/>
+                          </dgm:ruleLst>
+                        </dgm:layoutNode>
+                        <dgm:layoutNode name="FiveNodes_4_text">
+                          <dgm:varLst>
+                            <dgm:bulletEnabled val="1"/>
+                          </dgm:varLst>
+                          <dgm:alg type="tx">
+                            <dgm:param type="parTxLTRAlign" val="l"/>
+                            <dgm:param type="txAnchorVertCh" val="mid"/>
+                          </dgm:alg>
+                          <dgm:shape xmlns:r="http://schemas.openxmlformats.org/officeDocument/2006/relationships" type="roundRect" r:blip="" hideGeom="1">
+                            <dgm:adjLst>
+                              <dgm:adj idx="1" val="0.1"/>
+                            </dgm:adjLst>
+                          </dgm:shape>
+                          <dgm:presOf axis="ch desOrSelf" ptType="node node" st="4 1" cnt="1 0"/>
+                          <dgm:constrLst>
+                            <dgm:constr type="lMarg" refType="primFontSz" fact="0.3"/>
+                            <dgm:constr type="rMarg" refType="primFontSz" fact="0.3"/>
+                            <dgm:constr type="tMarg" refType="primFontSz" fact="0.3"/>
+                            <dgm:constr type="bMarg" refType="primFontSz" fact="0.3"/>
+                          </dgm:constrLst>
+                          <dgm:ruleLst>
+                            <dgm:rule type="primFontSz" val="5" fact="NaN" max="NaN"/>
+                          </dgm:ruleLst>
+                        </dgm:layoutNode>
+                        <dgm:layoutNode name="FiveNodes_5_text">
+                          <dgm:varLst>
+                            <dgm:bulletEnabled val="1"/>
+                          </dgm:varLst>
+                          <dgm:alg type="tx">
+                            <dgm:param type="parTxLTRAlign" val="l"/>
+                            <dgm:param type="txAnchorVertCh" val="mid"/>
+                          </dgm:alg>
+                          <dgm:shape xmlns:r="http://schemas.openxmlformats.org/officeDocument/2006/relationships" type="roundRect" r:blip="" hideGeom="1">
+                            <dgm:adjLst>
+                              <dgm:adj idx="1" val="0.1"/>
+                            </dgm:adjLst>
+                          </dgm:shape>
+                          <dgm:presOf axis="ch desOrSelf" ptType="node node" st="5 1" cnt="1 0"/>
+                          <dgm:constrLst>
+                            <dgm:constr type="lMarg" refType="primFontSz" fact="0.3"/>
+                            <dgm:constr type="rMarg" refType="primFontSz" fact="0.3"/>
+                            <dgm:constr type="tMarg" refType="primFontSz" fact="0.3"/>
+                            <dgm:constr type="bMarg" refType="primFontSz" fact="0.3"/>
+                          </dgm:constrLst>
+                          <dgm:ruleLst>
+                            <dgm:rule type="primFontSz" val="5" fact="NaN" max="NaN"/>
+                          </dgm:ruleLst>
+                        </dgm:layoutNode>
+                      </dgm:if>
+                      <dgm:else name="Name17"/>
+                    </dgm:choose>
+                  </dgm:else>
+                </dgm:choose>
+              </dgm:else>
+            </dgm:choose>
+          </dgm:else>
+        </dgm:choose>
+      </dgm:else>
+    </dgm:choose>
+  </dgm:layoutNode>
+</dgm:layoutDef>
+</file>
+
 <file path=ppt/diagrams/quickStyle1.xml><?xml version="1.0" encoding="utf-8"?>
 <dgm:styleDef xmlns:dgm="http://schemas.openxmlformats.org/drawingml/2006/diagram" xmlns:a="http://schemas.openxmlformats.org/drawingml/2006/main" uniqueId="urn:microsoft.com/office/officeart/2005/8/quickstyle/simple1">
   <dgm:title val=""/>
@@ -14940,6 +19975,2074 @@
 </file>
 
 <file path=ppt/diagrams/quickStyle5.xml><?xml version="1.0" encoding="utf-8"?>
+<dgm:styleDef xmlns:dgm="http://schemas.openxmlformats.org/drawingml/2006/diagram" xmlns:a="http://schemas.openxmlformats.org/drawingml/2006/main" uniqueId="urn:microsoft.com/office/officeart/2005/8/quickstyle/simple1">
+  <dgm:title val=""/>
+  <dgm:desc val=""/>
+  <dgm:catLst>
+    <dgm:cat type="simple" pri="10100"/>
+  </dgm:catLst>
+  <dgm:scene3d>
+    <a:camera prst="orthographicFront"/>
+    <a:lightRig rig="threePt" dir="t"/>
+  </dgm:scene3d>
+  <dgm:styleLbl name="node0">
+    <dgm:scene3d>
+      <a:camera prst="orthographicFront"/>
+      <a:lightRig rig="threePt" dir="t"/>
+    </dgm:scene3d>
+    <dgm:sp3d/>
+    <dgm:txPr/>
+    <dgm:style>
+      <a:lnRef idx="2">
+        <a:scrgbClr r="0" g="0" b="0"/>
+      </a:lnRef>
+      <a:fillRef idx="1">
+        <a:scrgbClr r="0" g="0" b="0"/>
+      </a:fillRef>
+      <a:effectRef idx="0">
+        <a:scrgbClr r="0" g="0" b="0"/>
+      </a:effectRef>
+      <a:fontRef idx="minor">
+        <a:schemeClr val="lt1"/>
+      </a:fontRef>
+    </dgm:style>
+  </dgm:styleLbl>
+  <dgm:styleLbl name="lnNode1">
+    <dgm:scene3d>
+      <a:camera prst="orthographicFront"/>
+      <a:lightRig rig="threePt" dir="t"/>
+    </dgm:scene3d>
+    <dgm:sp3d/>
+    <dgm:txPr/>
+    <dgm:style>
+      <a:lnRef idx="2">
+        <a:scrgbClr r="0" g="0" b="0"/>
+      </a:lnRef>
+      <a:fillRef idx="1">
+        <a:scrgbClr r="0" g="0" b="0"/>
+      </a:fillRef>
+      <a:effectRef idx="0">
+        <a:scrgbClr r="0" g="0" b="0"/>
+      </a:effectRef>
+      <a:fontRef idx="minor">
+        <a:schemeClr val="lt1"/>
+      </a:fontRef>
+    </dgm:style>
+  </dgm:styleLbl>
+  <dgm:styleLbl name="vennNode1">
+    <dgm:scene3d>
+      <a:camera prst="orthographicFront"/>
+      <a:lightRig rig="threePt" dir="t"/>
+    </dgm:scene3d>
+    <dgm:sp3d/>
+    <dgm:txPr/>
+    <dgm:style>
+      <a:lnRef idx="2">
+        <a:scrgbClr r="0" g="0" b="0"/>
+      </a:lnRef>
+      <a:fillRef idx="1">
+        <a:scrgbClr r="0" g="0" b="0"/>
+      </a:fillRef>
+      <a:effectRef idx="0">
+        <a:scrgbClr r="0" g="0" b="0"/>
+      </a:effectRef>
+      <a:fontRef idx="minor">
+        <a:schemeClr val="tx1"/>
+      </a:fontRef>
+    </dgm:style>
+  </dgm:styleLbl>
+  <dgm:styleLbl name="alignNode1">
+    <dgm:scene3d>
+      <a:camera prst="orthographicFront"/>
+      <a:lightRig rig="threePt" dir="t"/>
+    </dgm:scene3d>
+    <dgm:sp3d/>
+    <dgm:txPr/>
+    <dgm:style>
+      <a:lnRef idx="2">
+        <a:scrgbClr r="0" g="0" b="0"/>
+      </a:lnRef>
+      <a:fillRef idx="1">
+        <a:scrgbClr r="0" g="0" b="0"/>
+      </a:fillRef>
+      <a:effectRef idx="0">
+        <a:scrgbClr r="0" g="0" b="0"/>
+      </a:effectRef>
+      <a:fontRef idx="minor">
+        <a:schemeClr val="lt1"/>
+      </a:fontRef>
+    </dgm:style>
+  </dgm:styleLbl>
+  <dgm:styleLbl name="node1">
+    <dgm:scene3d>
+      <a:camera prst="orthographicFront"/>
+      <a:lightRig rig="threePt" dir="t"/>
+    </dgm:scene3d>
+    <dgm:sp3d/>
+    <dgm:txPr/>
+    <dgm:style>
+      <a:lnRef idx="2">
+        <a:scrgbClr r="0" g="0" b="0"/>
+      </a:lnRef>
+      <a:fillRef idx="1">
+        <a:scrgbClr r="0" g="0" b="0"/>
+      </a:fillRef>
+      <a:effectRef idx="0">
+        <a:scrgbClr r="0" g="0" b="0"/>
+      </a:effectRef>
+      <a:fontRef idx="minor">
+        <a:schemeClr val="lt1"/>
+      </a:fontRef>
+    </dgm:style>
+  </dgm:styleLbl>
+  <dgm:styleLbl name="node2">
+    <dgm:scene3d>
+      <a:camera prst="orthographicFront"/>
+      <a:lightRig rig="threePt" dir="t"/>
+    </dgm:scene3d>
+    <dgm:sp3d/>
+    <dgm:txPr/>
+    <dgm:style>
+      <a:lnRef idx="2">
+        <a:scrgbClr r="0" g="0" b="0"/>
+      </a:lnRef>
+      <a:fillRef idx="1">
+        <a:scrgbClr r="0" g="0" b="0"/>
+      </a:fillRef>
+      <a:effectRef idx="0">
+        <a:scrgbClr r="0" g="0" b="0"/>
+      </a:effectRef>
+      <a:fontRef idx="minor">
+        <a:schemeClr val="lt1"/>
+      </a:fontRef>
+    </dgm:style>
+  </dgm:styleLbl>
+  <dgm:styleLbl name="node3">
+    <dgm:scene3d>
+      <a:camera prst="orthographicFront"/>
+      <a:lightRig rig="threePt" dir="t"/>
+    </dgm:scene3d>
+    <dgm:sp3d/>
+    <dgm:txPr/>
+    <dgm:style>
+      <a:lnRef idx="2">
+        <a:scrgbClr r="0" g="0" b="0"/>
+      </a:lnRef>
+      <a:fillRef idx="1">
+        <a:scrgbClr r="0" g="0" b="0"/>
+      </a:fillRef>
+      <a:effectRef idx="0">
+        <a:scrgbClr r="0" g="0" b="0"/>
+      </a:effectRef>
+      <a:fontRef idx="minor">
+        <a:schemeClr val="lt1"/>
+      </a:fontRef>
+    </dgm:style>
+  </dgm:styleLbl>
+  <dgm:styleLbl name="node4">
+    <dgm:scene3d>
+      <a:camera prst="orthographicFront"/>
+      <a:lightRig rig="threePt" dir="t"/>
+    </dgm:scene3d>
+    <dgm:sp3d/>
+    <dgm:txPr/>
+    <dgm:style>
+      <a:lnRef idx="2">
+        <a:scrgbClr r="0" g="0" b="0"/>
+      </a:lnRef>
+      <a:fillRef idx="1">
+        <a:scrgbClr r="0" g="0" b="0"/>
+      </a:fillRef>
+      <a:effectRef idx="0">
+        <a:scrgbClr r="0" g="0" b="0"/>
+      </a:effectRef>
+      <a:fontRef idx="minor">
+        <a:schemeClr val="lt1"/>
+      </a:fontRef>
+    </dgm:style>
+  </dgm:styleLbl>
+  <dgm:styleLbl name="fgImgPlace1">
+    <dgm:scene3d>
+      <a:camera prst="orthographicFront"/>
+      <a:lightRig rig="threePt" dir="t"/>
+    </dgm:scene3d>
+    <dgm:sp3d/>
+    <dgm:txPr/>
+    <dgm:style>
+      <a:lnRef idx="2">
+        <a:scrgbClr r="0" g="0" b="0"/>
+      </a:lnRef>
+      <a:fillRef idx="1">
+        <a:scrgbClr r="0" g="0" b="0"/>
+      </a:fillRef>
+      <a:effectRef idx="0">
+        <a:scrgbClr r="0" g="0" b="0"/>
+      </a:effectRef>
+      <a:fontRef idx="minor"/>
+    </dgm:style>
+  </dgm:styleLbl>
+  <dgm:styleLbl name="alignImgPlace1">
+    <dgm:scene3d>
+      <a:camera prst="orthographicFront"/>
+      <a:lightRig rig="threePt" dir="t"/>
+    </dgm:scene3d>
+    <dgm:sp3d/>
+    <dgm:txPr/>
+    <dgm:style>
+      <a:lnRef idx="2">
+        <a:scrgbClr r="0" g="0" b="0"/>
+      </a:lnRef>
+      <a:fillRef idx="1">
+        <a:scrgbClr r="0" g="0" b="0"/>
+      </a:fillRef>
+      <a:effectRef idx="0">
+        <a:scrgbClr r="0" g="0" b="0"/>
+      </a:effectRef>
+      <a:fontRef idx="minor"/>
+    </dgm:style>
+  </dgm:styleLbl>
+  <dgm:styleLbl name="bgImgPlace1">
+    <dgm:scene3d>
+      <a:camera prst="orthographicFront"/>
+      <a:lightRig rig="threePt" dir="t"/>
+    </dgm:scene3d>
+    <dgm:sp3d/>
+    <dgm:txPr/>
+    <dgm:style>
+      <a:lnRef idx="2">
+        <a:scrgbClr r="0" g="0" b="0"/>
+      </a:lnRef>
+      <a:fillRef idx="1">
+        <a:scrgbClr r="0" g="0" b="0"/>
+      </a:fillRef>
+      <a:effectRef idx="0">
+        <a:scrgbClr r="0" g="0" b="0"/>
+      </a:effectRef>
+      <a:fontRef idx="minor"/>
+    </dgm:style>
+  </dgm:styleLbl>
+  <dgm:styleLbl name="sibTrans2D1">
+    <dgm:scene3d>
+      <a:camera prst="orthographicFront"/>
+      <a:lightRig rig="threePt" dir="t"/>
+    </dgm:scene3d>
+    <dgm:sp3d/>
+    <dgm:txPr/>
+    <dgm:style>
+      <a:lnRef idx="0">
+        <a:scrgbClr r="0" g="0" b="0"/>
+      </a:lnRef>
+      <a:fillRef idx="1">
+        <a:scrgbClr r="0" g="0" b="0"/>
+      </a:fillRef>
+      <a:effectRef idx="0">
+        <a:scrgbClr r="0" g="0" b="0"/>
+      </a:effectRef>
+      <a:fontRef idx="minor">
+        <a:schemeClr val="lt1"/>
+      </a:fontRef>
+    </dgm:style>
+  </dgm:styleLbl>
+  <dgm:styleLbl name="fgSibTrans2D1">
+    <dgm:scene3d>
+      <a:camera prst="orthographicFront"/>
+      <a:lightRig rig="threePt" dir="t"/>
+    </dgm:scene3d>
+    <dgm:sp3d/>
+    <dgm:txPr/>
+    <dgm:style>
+      <a:lnRef idx="0">
+        <a:scrgbClr r="0" g="0" b="0"/>
+      </a:lnRef>
+      <a:fillRef idx="1">
+        <a:scrgbClr r="0" g="0" b="0"/>
+      </a:fillRef>
+      <a:effectRef idx="0">
+        <a:scrgbClr r="0" g="0" b="0"/>
+      </a:effectRef>
+      <a:fontRef idx="minor">
+        <a:schemeClr val="lt1"/>
+      </a:fontRef>
+    </dgm:style>
+  </dgm:styleLbl>
+  <dgm:styleLbl name="bgSibTrans2D1">
+    <dgm:scene3d>
+      <a:camera prst="orthographicFront"/>
+      <a:lightRig rig="threePt" dir="t"/>
+    </dgm:scene3d>
+    <dgm:sp3d/>
+    <dgm:txPr/>
+    <dgm:style>
+      <a:lnRef idx="0">
+        <a:scrgbClr r="0" g="0" b="0"/>
+      </a:lnRef>
+      <a:fillRef idx="1">
+        <a:scrgbClr r="0" g="0" b="0"/>
+      </a:fillRef>
+      <a:effectRef idx="0">
+        <a:scrgbClr r="0" g="0" b="0"/>
+      </a:effectRef>
+      <a:fontRef idx="minor">
+        <a:schemeClr val="lt1"/>
+      </a:fontRef>
+    </dgm:style>
+  </dgm:styleLbl>
+  <dgm:styleLbl name="sibTrans1D1">
+    <dgm:scene3d>
+      <a:camera prst="orthographicFront"/>
+      <a:lightRig rig="threePt" dir="t"/>
+    </dgm:scene3d>
+    <dgm:sp3d/>
+    <dgm:txPr/>
+    <dgm:style>
+      <a:lnRef idx="1">
+        <a:scrgbClr r="0" g="0" b="0"/>
+      </a:lnRef>
+      <a:fillRef idx="0">
+        <a:scrgbClr r="0" g="0" b="0"/>
+      </a:fillRef>
+      <a:effectRef idx="0">
+        <a:scrgbClr r="0" g="0" b="0"/>
+      </a:effectRef>
+      <a:fontRef idx="minor"/>
+    </dgm:style>
+  </dgm:styleLbl>
+  <dgm:styleLbl name="callout">
+    <dgm:scene3d>
+      <a:camera prst="orthographicFront"/>
+      <a:lightRig rig="threePt" dir="t"/>
+    </dgm:scene3d>
+    <dgm:sp3d/>
+    <dgm:txPr/>
+    <dgm:style>
+      <a:lnRef idx="2">
+        <a:scrgbClr r="0" g="0" b="0"/>
+      </a:lnRef>
+      <a:fillRef idx="1">
+        <a:scrgbClr r="0" g="0" b="0"/>
+      </a:fillRef>
+      <a:effectRef idx="0">
+        <a:scrgbClr r="0" g="0" b="0"/>
+      </a:effectRef>
+      <a:fontRef idx="minor"/>
+    </dgm:style>
+  </dgm:styleLbl>
+  <dgm:styleLbl name="asst0">
+    <dgm:scene3d>
+      <a:camera prst="orthographicFront"/>
+      <a:lightRig rig="threePt" dir="t"/>
+    </dgm:scene3d>
+    <dgm:sp3d/>
+    <dgm:txPr/>
+    <dgm:style>
+      <a:lnRef idx="2">
+        <a:scrgbClr r="0" g="0" b="0"/>
+      </a:lnRef>
+      <a:fillRef idx="1">
+        <a:scrgbClr r="0" g="0" b="0"/>
+      </a:fillRef>
+      <a:effectRef idx="0">
+        <a:scrgbClr r="0" g="0" b="0"/>
+      </a:effectRef>
+      <a:fontRef idx="minor">
+        <a:schemeClr val="lt1"/>
+      </a:fontRef>
+    </dgm:style>
+  </dgm:styleLbl>
+  <dgm:styleLbl name="asst1">
+    <dgm:scene3d>
+      <a:camera prst="orthographicFront"/>
+      <a:lightRig rig="threePt" dir="t"/>
+    </dgm:scene3d>
+    <dgm:sp3d/>
+    <dgm:txPr/>
+    <dgm:style>
+      <a:lnRef idx="2">
+        <a:scrgbClr r="0" g="0" b="0"/>
+      </a:lnRef>
+      <a:fillRef idx="1">
+        <a:scrgbClr r="0" g="0" b="0"/>
+      </a:fillRef>
+      <a:effectRef idx="0">
+        <a:scrgbClr r="0" g="0" b="0"/>
+      </a:effectRef>
+      <a:fontRef idx="minor">
+        <a:schemeClr val="lt1"/>
+      </a:fontRef>
+    </dgm:style>
+  </dgm:styleLbl>
+  <dgm:styleLbl name="asst2">
+    <dgm:scene3d>
+      <a:camera prst="orthographicFront"/>
+      <a:lightRig rig="threePt" dir="t"/>
+    </dgm:scene3d>
+    <dgm:sp3d/>
+    <dgm:txPr/>
+    <dgm:style>
+      <a:lnRef idx="2">
+        <a:scrgbClr r="0" g="0" b="0"/>
+      </a:lnRef>
+      <a:fillRef idx="1">
+        <a:scrgbClr r="0" g="0" b="0"/>
+      </a:fillRef>
+      <a:effectRef idx="0">
+        <a:scrgbClr r="0" g="0" b="0"/>
+      </a:effectRef>
+      <a:fontRef idx="minor">
+        <a:schemeClr val="lt1"/>
+      </a:fontRef>
+    </dgm:style>
+  </dgm:styleLbl>
+  <dgm:styleLbl name="asst3">
+    <dgm:scene3d>
+      <a:camera prst="orthographicFront"/>
+      <a:lightRig rig="threePt" dir="t"/>
+    </dgm:scene3d>
+    <dgm:sp3d/>
+    <dgm:txPr/>
+    <dgm:style>
+      <a:lnRef idx="2">
+        <a:scrgbClr r="0" g="0" b="0"/>
+      </a:lnRef>
+      <a:fillRef idx="1">
+        <a:scrgbClr r="0" g="0" b="0"/>
+      </a:fillRef>
+      <a:effectRef idx="0">
+        <a:scrgbClr r="0" g="0" b="0"/>
+      </a:effectRef>
+      <a:fontRef idx="minor">
+        <a:schemeClr val="lt1"/>
+      </a:fontRef>
+    </dgm:style>
+  </dgm:styleLbl>
+  <dgm:styleLbl name="asst4">
+    <dgm:scene3d>
+      <a:camera prst="orthographicFront"/>
+      <a:lightRig rig="threePt" dir="t"/>
+    </dgm:scene3d>
+    <dgm:sp3d/>
+    <dgm:txPr/>
+    <dgm:style>
+      <a:lnRef idx="2">
+        <a:scrgbClr r="0" g="0" b="0"/>
+      </a:lnRef>
+      <a:fillRef idx="1">
+        <a:scrgbClr r="0" g="0" b="0"/>
+      </a:fillRef>
+      <a:effectRef idx="0">
+        <a:scrgbClr r="0" g="0" b="0"/>
+      </a:effectRef>
+      <a:fontRef idx="minor">
+        <a:schemeClr val="lt1"/>
+      </a:fontRef>
+    </dgm:style>
+  </dgm:styleLbl>
+  <dgm:styleLbl name="parChTrans2D1">
+    <dgm:scene3d>
+      <a:camera prst="orthographicFront"/>
+      <a:lightRig rig="threePt" dir="t"/>
+    </dgm:scene3d>
+    <dgm:sp3d/>
+    <dgm:txPr/>
+    <dgm:style>
+      <a:lnRef idx="2">
+        <a:scrgbClr r="0" g="0" b="0"/>
+      </a:lnRef>
+      <a:fillRef idx="1">
+        <a:scrgbClr r="0" g="0" b="0"/>
+      </a:fillRef>
+      <a:effectRef idx="0">
+        <a:scrgbClr r="0" g="0" b="0"/>
+      </a:effectRef>
+      <a:fontRef idx="minor">
+        <a:schemeClr val="lt1"/>
+      </a:fontRef>
+    </dgm:style>
+  </dgm:styleLbl>
+  <dgm:styleLbl name="parChTrans2D2">
+    <dgm:scene3d>
+      <a:camera prst="orthographicFront"/>
+      <a:lightRig rig="threePt" dir="t"/>
+    </dgm:scene3d>
+    <dgm:sp3d/>
+    <dgm:txPr/>
+    <dgm:style>
+      <a:lnRef idx="2">
+        <a:scrgbClr r="0" g="0" b="0"/>
+      </a:lnRef>
+      <a:fillRef idx="1">
+        <a:scrgbClr r="0" g="0" b="0"/>
+      </a:fillRef>
+      <a:effectRef idx="0">
+        <a:scrgbClr r="0" g="0" b="0"/>
+      </a:effectRef>
+      <a:fontRef idx="minor">
+        <a:schemeClr val="lt1"/>
+      </a:fontRef>
+    </dgm:style>
+  </dgm:styleLbl>
+  <dgm:styleLbl name="parChTrans2D3">
+    <dgm:scene3d>
+      <a:camera prst="orthographicFront"/>
+      <a:lightRig rig="threePt" dir="t"/>
+    </dgm:scene3d>
+    <dgm:sp3d/>
+    <dgm:txPr/>
+    <dgm:style>
+      <a:lnRef idx="2">
+        <a:scrgbClr r="0" g="0" b="0"/>
+      </a:lnRef>
+      <a:fillRef idx="1">
+        <a:scrgbClr r="0" g="0" b="0"/>
+      </a:fillRef>
+      <a:effectRef idx="0">
+        <a:scrgbClr r="0" g="0" b="0"/>
+      </a:effectRef>
+      <a:fontRef idx="minor">
+        <a:schemeClr val="lt1"/>
+      </a:fontRef>
+    </dgm:style>
+  </dgm:styleLbl>
+  <dgm:styleLbl name="parChTrans2D4">
+    <dgm:scene3d>
+      <a:camera prst="orthographicFront"/>
+      <a:lightRig rig="threePt" dir="t"/>
+    </dgm:scene3d>
+    <dgm:sp3d/>
+    <dgm:txPr/>
+    <dgm:style>
+      <a:lnRef idx="2">
+        <a:scrgbClr r="0" g="0" b="0"/>
+      </a:lnRef>
+      <a:fillRef idx="1">
+        <a:scrgbClr r="0" g="0" b="0"/>
+      </a:fillRef>
+      <a:effectRef idx="0">
+        <a:scrgbClr r="0" g="0" b="0"/>
+      </a:effectRef>
+      <a:fontRef idx="minor">
+        <a:schemeClr val="lt1"/>
+      </a:fontRef>
+    </dgm:style>
+  </dgm:styleLbl>
+  <dgm:styleLbl name="parChTrans1D1">
+    <dgm:scene3d>
+      <a:camera prst="orthographicFront"/>
+      <a:lightRig rig="threePt" dir="t"/>
+    </dgm:scene3d>
+    <dgm:sp3d/>
+    <dgm:txPr/>
+    <dgm:style>
+      <a:lnRef idx="2">
+        <a:scrgbClr r="0" g="0" b="0"/>
+      </a:lnRef>
+      <a:fillRef idx="0">
+        <a:scrgbClr r="0" g="0" b="0"/>
+      </a:fillRef>
+      <a:effectRef idx="0">
+        <a:scrgbClr r="0" g="0" b="0"/>
+      </a:effectRef>
+      <a:fontRef idx="minor"/>
+    </dgm:style>
+  </dgm:styleLbl>
+  <dgm:styleLbl name="parChTrans1D2">
+    <dgm:scene3d>
+      <a:camera prst="orthographicFront"/>
+      <a:lightRig rig="threePt" dir="t"/>
+    </dgm:scene3d>
+    <dgm:sp3d/>
+    <dgm:txPr/>
+    <dgm:style>
+      <a:lnRef idx="2">
+        <a:scrgbClr r="0" g="0" b="0"/>
+      </a:lnRef>
+      <a:fillRef idx="0">
+        <a:scrgbClr r="0" g="0" b="0"/>
+      </a:fillRef>
+      <a:effectRef idx="0">
+        <a:scrgbClr r="0" g="0" b="0"/>
+      </a:effectRef>
+      <a:fontRef idx="minor"/>
+    </dgm:style>
+  </dgm:styleLbl>
+  <dgm:styleLbl name="parChTrans1D3">
+    <dgm:scene3d>
+      <a:camera prst="orthographicFront"/>
+      <a:lightRig rig="threePt" dir="t"/>
+    </dgm:scene3d>
+    <dgm:sp3d/>
+    <dgm:txPr/>
+    <dgm:style>
+      <a:lnRef idx="2">
+        <a:scrgbClr r="0" g="0" b="0"/>
+      </a:lnRef>
+      <a:fillRef idx="0">
+        <a:scrgbClr r="0" g="0" b="0"/>
+      </a:fillRef>
+      <a:effectRef idx="0">
+        <a:scrgbClr r="0" g="0" b="0"/>
+      </a:effectRef>
+      <a:fontRef idx="minor"/>
+    </dgm:style>
+  </dgm:styleLbl>
+  <dgm:styleLbl name="parChTrans1D4">
+    <dgm:scene3d>
+      <a:camera prst="orthographicFront"/>
+      <a:lightRig rig="threePt" dir="t"/>
+    </dgm:scene3d>
+    <dgm:sp3d/>
+    <dgm:txPr/>
+    <dgm:style>
+      <a:lnRef idx="2">
+        <a:scrgbClr r="0" g="0" b="0"/>
+      </a:lnRef>
+      <a:fillRef idx="0">
+        <a:scrgbClr r="0" g="0" b="0"/>
+      </a:fillRef>
+      <a:effectRef idx="0">
+        <a:scrgbClr r="0" g="0" b="0"/>
+      </a:effectRef>
+      <a:fontRef idx="minor"/>
+    </dgm:style>
+  </dgm:styleLbl>
+  <dgm:styleLbl name="fgAcc1">
+    <dgm:scene3d>
+      <a:camera prst="orthographicFront"/>
+      <a:lightRig rig="threePt" dir="t"/>
+    </dgm:scene3d>
+    <dgm:sp3d/>
+    <dgm:txPr/>
+    <dgm:style>
+      <a:lnRef idx="2">
+        <a:scrgbClr r="0" g="0" b="0"/>
+      </a:lnRef>
+      <a:fillRef idx="1">
+        <a:scrgbClr r="0" g="0" b="0"/>
+      </a:fillRef>
+      <a:effectRef idx="0">
+        <a:scrgbClr r="0" g="0" b="0"/>
+      </a:effectRef>
+      <a:fontRef idx="minor"/>
+    </dgm:style>
+  </dgm:styleLbl>
+  <dgm:styleLbl name="conFgAcc1">
+    <dgm:scene3d>
+      <a:camera prst="orthographicFront"/>
+      <a:lightRig rig="threePt" dir="t"/>
+    </dgm:scene3d>
+    <dgm:sp3d/>
+    <dgm:txPr/>
+    <dgm:style>
+      <a:lnRef idx="2">
+        <a:scrgbClr r="0" g="0" b="0"/>
+      </a:lnRef>
+      <a:fillRef idx="1">
+        <a:scrgbClr r="0" g="0" b="0"/>
+      </a:fillRef>
+      <a:effectRef idx="0">
+        <a:scrgbClr r="0" g="0" b="0"/>
+      </a:effectRef>
+      <a:fontRef idx="minor"/>
+    </dgm:style>
+  </dgm:styleLbl>
+  <dgm:styleLbl name="alignAcc1">
+    <dgm:scene3d>
+      <a:camera prst="orthographicFront"/>
+      <a:lightRig rig="threePt" dir="t"/>
+    </dgm:scene3d>
+    <dgm:sp3d/>
+    <dgm:txPr/>
+    <dgm:style>
+      <a:lnRef idx="2">
+        <a:scrgbClr r="0" g="0" b="0"/>
+      </a:lnRef>
+      <a:fillRef idx="1">
+        <a:scrgbClr r="0" g="0" b="0"/>
+      </a:fillRef>
+      <a:effectRef idx="0">
+        <a:scrgbClr r="0" g="0" b="0"/>
+      </a:effectRef>
+      <a:fontRef idx="minor"/>
+    </dgm:style>
+  </dgm:styleLbl>
+  <dgm:styleLbl name="trAlignAcc1">
+    <dgm:scene3d>
+      <a:camera prst="orthographicFront"/>
+      <a:lightRig rig="threePt" dir="t"/>
+    </dgm:scene3d>
+    <dgm:sp3d/>
+    <dgm:txPr/>
+    <dgm:style>
+      <a:lnRef idx="1">
+        <a:scrgbClr r="0" g="0" b="0"/>
+      </a:lnRef>
+      <a:fillRef idx="1">
+        <a:scrgbClr r="0" g="0" b="0"/>
+      </a:fillRef>
+      <a:effectRef idx="0">
+        <a:scrgbClr r="0" g="0" b="0"/>
+      </a:effectRef>
+      <a:fontRef idx="minor"/>
+    </dgm:style>
+  </dgm:styleLbl>
+  <dgm:styleLbl name="bgAcc1">
+    <dgm:scene3d>
+      <a:camera prst="orthographicFront"/>
+      <a:lightRig rig="threePt" dir="t"/>
+    </dgm:scene3d>
+    <dgm:sp3d/>
+    <dgm:txPr/>
+    <dgm:style>
+      <a:lnRef idx="2">
+        <a:scrgbClr r="0" g="0" b="0"/>
+      </a:lnRef>
+      <a:fillRef idx="1">
+        <a:scrgbClr r="0" g="0" b="0"/>
+      </a:fillRef>
+      <a:effectRef idx="0">
+        <a:scrgbClr r="0" g="0" b="0"/>
+      </a:effectRef>
+      <a:fontRef idx="minor"/>
+    </dgm:style>
+  </dgm:styleLbl>
+  <dgm:styleLbl name="solidFgAcc1">
+    <dgm:scene3d>
+      <a:camera prst="orthographicFront"/>
+      <a:lightRig rig="threePt" dir="t"/>
+    </dgm:scene3d>
+    <dgm:sp3d/>
+    <dgm:txPr/>
+    <dgm:style>
+      <a:lnRef idx="2">
+        <a:scrgbClr r="0" g="0" b="0"/>
+      </a:lnRef>
+      <a:fillRef idx="1">
+        <a:scrgbClr r="0" g="0" b="0"/>
+      </a:fillRef>
+      <a:effectRef idx="0">
+        <a:scrgbClr r="0" g="0" b="0"/>
+      </a:effectRef>
+      <a:fontRef idx="minor"/>
+    </dgm:style>
+  </dgm:styleLbl>
+  <dgm:styleLbl name="solidAlignAcc1">
+    <dgm:scene3d>
+      <a:camera prst="orthographicFront"/>
+      <a:lightRig rig="threePt" dir="t"/>
+    </dgm:scene3d>
+    <dgm:sp3d/>
+    <dgm:txPr/>
+    <dgm:style>
+      <a:lnRef idx="2">
+        <a:scrgbClr r="0" g="0" b="0"/>
+      </a:lnRef>
+      <a:fillRef idx="1">
+        <a:scrgbClr r="0" g="0" b="0"/>
+      </a:fillRef>
+      <a:effectRef idx="0">
+        <a:scrgbClr r="0" g="0" b="0"/>
+      </a:effectRef>
+      <a:fontRef idx="minor"/>
+    </dgm:style>
+  </dgm:styleLbl>
+  <dgm:styleLbl name="solidBgAcc1">
+    <dgm:scene3d>
+      <a:camera prst="orthographicFront"/>
+      <a:lightRig rig="threePt" dir="t"/>
+    </dgm:scene3d>
+    <dgm:sp3d/>
+    <dgm:txPr/>
+    <dgm:style>
+      <a:lnRef idx="2">
+        <a:scrgbClr r="0" g="0" b="0"/>
+      </a:lnRef>
+      <a:fillRef idx="1">
+        <a:scrgbClr r="0" g="0" b="0"/>
+      </a:fillRef>
+      <a:effectRef idx="0">
+        <a:scrgbClr r="0" g="0" b="0"/>
+      </a:effectRef>
+      <a:fontRef idx="minor"/>
+    </dgm:style>
+  </dgm:styleLbl>
+  <dgm:styleLbl name="fgAccFollowNode1">
+    <dgm:scene3d>
+      <a:camera prst="orthographicFront"/>
+      <a:lightRig rig="threePt" dir="t"/>
+    </dgm:scene3d>
+    <dgm:sp3d/>
+    <dgm:txPr/>
+    <dgm:style>
+      <a:lnRef idx="2">
+        <a:scrgbClr r="0" g="0" b="0"/>
+      </a:lnRef>
+      <a:fillRef idx="1">
+        <a:scrgbClr r="0" g="0" b="0"/>
+      </a:fillRef>
+      <a:effectRef idx="0">
+        <a:scrgbClr r="0" g="0" b="0"/>
+      </a:effectRef>
+      <a:fontRef idx="minor"/>
+    </dgm:style>
+  </dgm:styleLbl>
+  <dgm:styleLbl name="alignAccFollowNode1">
+    <dgm:scene3d>
+      <a:camera prst="orthographicFront"/>
+      <a:lightRig rig="threePt" dir="t"/>
+    </dgm:scene3d>
+    <dgm:sp3d/>
+    <dgm:txPr/>
+    <dgm:style>
+      <a:lnRef idx="2">
+        <a:scrgbClr r="0" g="0" b="0"/>
+      </a:lnRef>
+      <a:fillRef idx="1">
+        <a:scrgbClr r="0" g="0" b="0"/>
+      </a:fillRef>
+      <a:effectRef idx="0">
+        <a:scrgbClr r="0" g="0" b="0"/>
+      </a:effectRef>
+      <a:fontRef idx="minor"/>
+    </dgm:style>
+  </dgm:styleLbl>
+  <dgm:styleLbl name="bgAccFollowNode1">
+    <dgm:scene3d>
+      <a:camera prst="orthographicFront"/>
+      <a:lightRig rig="threePt" dir="t"/>
+    </dgm:scene3d>
+    <dgm:sp3d/>
+    <dgm:txPr/>
+    <dgm:style>
+      <a:lnRef idx="2">
+        <a:scrgbClr r="0" g="0" b="0"/>
+      </a:lnRef>
+      <a:fillRef idx="1">
+        <a:scrgbClr r="0" g="0" b="0"/>
+      </a:fillRef>
+      <a:effectRef idx="0">
+        <a:scrgbClr r="0" g="0" b="0"/>
+      </a:effectRef>
+      <a:fontRef idx="minor"/>
+    </dgm:style>
+  </dgm:styleLbl>
+  <dgm:styleLbl name="fgAcc0">
+    <dgm:scene3d>
+      <a:camera prst="orthographicFront"/>
+      <a:lightRig rig="threePt" dir="t"/>
+    </dgm:scene3d>
+    <dgm:sp3d/>
+    <dgm:txPr/>
+    <dgm:style>
+      <a:lnRef idx="2">
+        <a:scrgbClr r="0" g="0" b="0"/>
+      </a:lnRef>
+      <a:fillRef idx="1">
+        <a:scrgbClr r="0" g="0" b="0"/>
+      </a:fillRef>
+      <a:effectRef idx="0">
+        <a:scrgbClr r="0" g="0" b="0"/>
+      </a:effectRef>
+      <a:fontRef idx="minor"/>
+    </dgm:style>
+  </dgm:styleLbl>
+  <dgm:styleLbl name="fgAcc2">
+    <dgm:scene3d>
+      <a:camera prst="orthographicFront"/>
+      <a:lightRig rig="threePt" dir="t"/>
+    </dgm:scene3d>
+    <dgm:sp3d/>
+    <dgm:txPr/>
+    <dgm:style>
+      <a:lnRef idx="2">
+        <a:scrgbClr r="0" g="0" b="0"/>
+      </a:lnRef>
+      <a:fillRef idx="1">
+        <a:scrgbClr r="0" g="0" b="0"/>
+      </a:fillRef>
+      <a:effectRef idx="0">
+        <a:scrgbClr r="0" g="0" b="0"/>
+      </a:effectRef>
+      <a:fontRef idx="minor"/>
+    </dgm:style>
+  </dgm:styleLbl>
+  <dgm:styleLbl name="fgAcc3">
+    <dgm:scene3d>
+      <a:camera prst="orthographicFront"/>
+      <a:lightRig rig="threePt" dir="t"/>
+    </dgm:scene3d>
+    <dgm:sp3d/>
+    <dgm:txPr/>
+    <dgm:style>
+      <a:lnRef idx="2">
+        <a:scrgbClr r="0" g="0" b="0"/>
+      </a:lnRef>
+      <a:fillRef idx="1">
+        <a:scrgbClr r="0" g="0" b="0"/>
+      </a:fillRef>
+      <a:effectRef idx="0">
+        <a:scrgbClr r="0" g="0" b="0"/>
+      </a:effectRef>
+      <a:fontRef idx="minor"/>
+    </dgm:style>
+  </dgm:styleLbl>
+  <dgm:styleLbl name="fgAcc4">
+    <dgm:scene3d>
+      <a:camera prst="orthographicFront"/>
+      <a:lightRig rig="threePt" dir="t"/>
+    </dgm:scene3d>
+    <dgm:sp3d/>
+    <dgm:txPr/>
+    <dgm:style>
+      <a:lnRef idx="2">
+        <a:scrgbClr r="0" g="0" b="0"/>
+      </a:lnRef>
+      <a:fillRef idx="1">
+        <a:scrgbClr r="0" g="0" b="0"/>
+      </a:fillRef>
+      <a:effectRef idx="0">
+        <a:scrgbClr r="0" g="0" b="0"/>
+      </a:effectRef>
+      <a:fontRef idx="minor"/>
+    </dgm:style>
+  </dgm:styleLbl>
+  <dgm:styleLbl name="bgShp">
+    <dgm:scene3d>
+      <a:camera prst="orthographicFront"/>
+      <a:lightRig rig="threePt" dir="t"/>
+    </dgm:scene3d>
+    <dgm:sp3d/>
+    <dgm:txPr/>
+    <dgm:style>
+      <a:lnRef idx="0">
+        <a:scrgbClr r="0" g="0" b="0"/>
+      </a:lnRef>
+      <a:fillRef idx="1">
+        <a:scrgbClr r="0" g="0" b="0"/>
+      </a:fillRef>
+      <a:effectRef idx="0">
+        <a:scrgbClr r="0" g="0" b="0"/>
+      </a:effectRef>
+      <a:fontRef idx="minor"/>
+    </dgm:style>
+  </dgm:styleLbl>
+  <dgm:styleLbl name="dkBgShp">
+    <dgm:scene3d>
+      <a:camera prst="orthographicFront"/>
+      <a:lightRig rig="threePt" dir="t"/>
+    </dgm:scene3d>
+    <dgm:sp3d/>
+    <dgm:txPr/>
+    <dgm:style>
+      <a:lnRef idx="0">
+        <a:scrgbClr r="0" g="0" b="0"/>
+      </a:lnRef>
+      <a:fillRef idx="1">
+        <a:scrgbClr r="0" g="0" b="0"/>
+      </a:fillRef>
+      <a:effectRef idx="0">
+        <a:scrgbClr r="0" g="0" b="0"/>
+      </a:effectRef>
+      <a:fontRef idx="minor"/>
+    </dgm:style>
+  </dgm:styleLbl>
+  <dgm:styleLbl name="trBgShp">
+    <dgm:scene3d>
+      <a:camera prst="orthographicFront"/>
+      <a:lightRig rig="threePt" dir="t"/>
+    </dgm:scene3d>
+    <dgm:sp3d/>
+    <dgm:txPr/>
+    <dgm:style>
+      <a:lnRef idx="0">
+        <a:scrgbClr r="0" g="0" b="0"/>
+      </a:lnRef>
+      <a:fillRef idx="1">
+        <a:scrgbClr r="0" g="0" b="0"/>
+      </a:fillRef>
+      <a:effectRef idx="0">
+        <a:scrgbClr r="0" g="0" b="0"/>
+      </a:effectRef>
+      <a:fontRef idx="minor"/>
+    </dgm:style>
+  </dgm:styleLbl>
+  <dgm:styleLbl name="fgShp">
+    <dgm:scene3d>
+      <a:camera prst="orthographicFront"/>
+      <a:lightRig rig="threePt" dir="t"/>
+    </dgm:scene3d>
+    <dgm:sp3d/>
+    <dgm:txPr/>
+    <dgm:style>
+      <a:lnRef idx="2">
+        <a:scrgbClr r="0" g="0" b="0"/>
+      </a:lnRef>
+      <a:fillRef idx="1">
+        <a:scrgbClr r="0" g="0" b="0"/>
+      </a:fillRef>
+      <a:effectRef idx="0">
+        <a:scrgbClr r="0" g="0" b="0"/>
+      </a:effectRef>
+      <a:fontRef idx="minor"/>
+    </dgm:style>
+  </dgm:styleLbl>
+  <dgm:styleLbl name="revTx">
+    <dgm:scene3d>
+      <a:camera prst="orthographicFront"/>
+      <a:lightRig rig="threePt" dir="t"/>
+    </dgm:scene3d>
+    <dgm:sp3d/>
+    <dgm:txPr/>
+    <dgm:style>
+      <a:lnRef idx="0">
+        <a:scrgbClr r="0" g="0" b="0"/>
+      </a:lnRef>
+      <a:fillRef idx="0">
+        <a:scrgbClr r="0" g="0" b="0"/>
+      </a:fillRef>
+      <a:effectRef idx="0">
+        <a:scrgbClr r="0" g="0" b="0"/>
+      </a:effectRef>
+      <a:fontRef idx="minor"/>
+    </dgm:style>
+  </dgm:styleLbl>
+</dgm:styleDef>
+</file>
+
+<file path=ppt/diagrams/quickStyle6.xml><?xml version="1.0" encoding="utf-8"?>
+<dgm:styleDef xmlns:dgm="http://schemas.openxmlformats.org/drawingml/2006/diagram" xmlns:a="http://schemas.openxmlformats.org/drawingml/2006/main" uniqueId="urn:microsoft.com/office/officeart/2005/8/quickstyle/simple1">
+  <dgm:title val=""/>
+  <dgm:desc val=""/>
+  <dgm:catLst>
+    <dgm:cat type="simple" pri="10100"/>
+  </dgm:catLst>
+  <dgm:scene3d>
+    <a:camera prst="orthographicFront"/>
+    <a:lightRig rig="threePt" dir="t"/>
+  </dgm:scene3d>
+  <dgm:styleLbl name="node0">
+    <dgm:scene3d>
+      <a:camera prst="orthographicFront"/>
+      <a:lightRig rig="threePt" dir="t"/>
+    </dgm:scene3d>
+    <dgm:sp3d/>
+    <dgm:txPr/>
+    <dgm:style>
+      <a:lnRef idx="2">
+        <a:scrgbClr r="0" g="0" b="0"/>
+      </a:lnRef>
+      <a:fillRef idx="1">
+        <a:scrgbClr r="0" g="0" b="0"/>
+      </a:fillRef>
+      <a:effectRef idx="0">
+        <a:scrgbClr r="0" g="0" b="0"/>
+      </a:effectRef>
+      <a:fontRef idx="minor">
+        <a:schemeClr val="lt1"/>
+      </a:fontRef>
+    </dgm:style>
+  </dgm:styleLbl>
+  <dgm:styleLbl name="lnNode1">
+    <dgm:scene3d>
+      <a:camera prst="orthographicFront"/>
+      <a:lightRig rig="threePt" dir="t"/>
+    </dgm:scene3d>
+    <dgm:sp3d/>
+    <dgm:txPr/>
+    <dgm:style>
+      <a:lnRef idx="2">
+        <a:scrgbClr r="0" g="0" b="0"/>
+      </a:lnRef>
+      <a:fillRef idx="1">
+        <a:scrgbClr r="0" g="0" b="0"/>
+      </a:fillRef>
+      <a:effectRef idx="0">
+        <a:scrgbClr r="0" g="0" b="0"/>
+      </a:effectRef>
+      <a:fontRef idx="minor">
+        <a:schemeClr val="lt1"/>
+      </a:fontRef>
+    </dgm:style>
+  </dgm:styleLbl>
+  <dgm:styleLbl name="vennNode1">
+    <dgm:scene3d>
+      <a:camera prst="orthographicFront"/>
+      <a:lightRig rig="threePt" dir="t"/>
+    </dgm:scene3d>
+    <dgm:sp3d/>
+    <dgm:txPr/>
+    <dgm:style>
+      <a:lnRef idx="2">
+        <a:scrgbClr r="0" g="0" b="0"/>
+      </a:lnRef>
+      <a:fillRef idx="1">
+        <a:scrgbClr r="0" g="0" b="0"/>
+      </a:fillRef>
+      <a:effectRef idx="0">
+        <a:scrgbClr r="0" g="0" b="0"/>
+      </a:effectRef>
+      <a:fontRef idx="minor">
+        <a:schemeClr val="tx1"/>
+      </a:fontRef>
+    </dgm:style>
+  </dgm:styleLbl>
+  <dgm:styleLbl name="alignNode1">
+    <dgm:scene3d>
+      <a:camera prst="orthographicFront"/>
+      <a:lightRig rig="threePt" dir="t"/>
+    </dgm:scene3d>
+    <dgm:sp3d/>
+    <dgm:txPr/>
+    <dgm:style>
+      <a:lnRef idx="2">
+        <a:scrgbClr r="0" g="0" b="0"/>
+      </a:lnRef>
+      <a:fillRef idx="1">
+        <a:scrgbClr r="0" g="0" b="0"/>
+      </a:fillRef>
+      <a:effectRef idx="0">
+        <a:scrgbClr r="0" g="0" b="0"/>
+      </a:effectRef>
+      <a:fontRef idx="minor">
+        <a:schemeClr val="lt1"/>
+      </a:fontRef>
+    </dgm:style>
+  </dgm:styleLbl>
+  <dgm:styleLbl name="node1">
+    <dgm:scene3d>
+      <a:camera prst="orthographicFront"/>
+      <a:lightRig rig="threePt" dir="t"/>
+    </dgm:scene3d>
+    <dgm:sp3d/>
+    <dgm:txPr/>
+    <dgm:style>
+      <a:lnRef idx="2">
+        <a:scrgbClr r="0" g="0" b="0"/>
+      </a:lnRef>
+      <a:fillRef idx="1">
+        <a:scrgbClr r="0" g="0" b="0"/>
+      </a:fillRef>
+      <a:effectRef idx="0">
+        <a:scrgbClr r="0" g="0" b="0"/>
+      </a:effectRef>
+      <a:fontRef idx="minor">
+        <a:schemeClr val="lt1"/>
+      </a:fontRef>
+    </dgm:style>
+  </dgm:styleLbl>
+  <dgm:styleLbl name="node2">
+    <dgm:scene3d>
+      <a:camera prst="orthographicFront"/>
+      <a:lightRig rig="threePt" dir="t"/>
+    </dgm:scene3d>
+    <dgm:sp3d/>
+    <dgm:txPr/>
+    <dgm:style>
+      <a:lnRef idx="2">
+        <a:scrgbClr r="0" g="0" b="0"/>
+      </a:lnRef>
+      <a:fillRef idx="1">
+        <a:scrgbClr r="0" g="0" b="0"/>
+      </a:fillRef>
+      <a:effectRef idx="0">
+        <a:scrgbClr r="0" g="0" b="0"/>
+      </a:effectRef>
+      <a:fontRef idx="minor">
+        <a:schemeClr val="lt1"/>
+      </a:fontRef>
+    </dgm:style>
+  </dgm:styleLbl>
+  <dgm:styleLbl name="node3">
+    <dgm:scene3d>
+      <a:camera prst="orthographicFront"/>
+      <a:lightRig rig="threePt" dir="t"/>
+    </dgm:scene3d>
+    <dgm:sp3d/>
+    <dgm:txPr/>
+    <dgm:style>
+      <a:lnRef idx="2">
+        <a:scrgbClr r="0" g="0" b="0"/>
+      </a:lnRef>
+      <a:fillRef idx="1">
+        <a:scrgbClr r="0" g="0" b="0"/>
+      </a:fillRef>
+      <a:effectRef idx="0">
+        <a:scrgbClr r="0" g="0" b="0"/>
+      </a:effectRef>
+      <a:fontRef idx="minor">
+        <a:schemeClr val="lt1"/>
+      </a:fontRef>
+    </dgm:style>
+  </dgm:styleLbl>
+  <dgm:styleLbl name="node4">
+    <dgm:scene3d>
+      <a:camera prst="orthographicFront"/>
+      <a:lightRig rig="threePt" dir="t"/>
+    </dgm:scene3d>
+    <dgm:sp3d/>
+    <dgm:txPr/>
+    <dgm:style>
+      <a:lnRef idx="2">
+        <a:scrgbClr r="0" g="0" b="0"/>
+      </a:lnRef>
+      <a:fillRef idx="1">
+        <a:scrgbClr r="0" g="0" b="0"/>
+      </a:fillRef>
+      <a:effectRef idx="0">
+        <a:scrgbClr r="0" g="0" b="0"/>
+      </a:effectRef>
+      <a:fontRef idx="minor">
+        <a:schemeClr val="lt1"/>
+      </a:fontRef>
+    </dgm:style>
+  </dgm:styleLbl>
+  <dgm:styleLbl name="fgImgPlace1">
+    <dgm:scene3d>
+      <a:camera prst="orthographicFront"/>
+      <a:lightRig rig="threePt" dir="t"/>
+    </dgm:scene3d>
+    <dgm:sp3d/>
+    <dgm:txPr/>
+    <dgm:style>
+      <a:lnRef idx="2">
+        <a:scrgbClr r="0" g="0" b="0"/>
+      </a:lnRef>
+      <a:fillRef idx="1">
+        <a:scrgbClr r="0" g="0" b="0"/>
+      </a:fillRef>
+      <a:effectRef idx="0">
+        <a:scrgbClr r="0" g="0" b="0"/>
+      </a:effectRef>
+      <a:fontRef idx="minor"/>
+    </dgm:style>
+  </dgm:styleLbl>
+  <dgm:styleLbl name="alignImgPlace1">
+    <dgm:scene3d>
+      <a:camera prst="orthographicFront"/>
+      <a:lightRig rig="threePt" dir="t"/>
+    </dgm:scene3d>
+    <dgm:sp3d/>
+    <dgm:txPr/>
+    <dgm:style>
+      <a:lnRef idx="2">
+        <a:scrgbClr r="0" g="0" b="0"/>
+      </a:lnRef>
+      <a:fillRef idx="1">
+        <a:scrgbClr r="0" g="0" b="0"/>
+      </a:fillRef>
+      <a:effectRef idx="0">
+        <a:scrgbClr r="0" g="0" b="0"/>
+      </a:effectRef>
+      <a:fontRef idx="minor"/>
+    </dgm:style>
+  </dgm:styleLbl>
+  <dgm:styleLbl name="bgImgPlace1">
+    <dgm:scene3d>
+      <a:camera prst="orthographicFront"/>
+      <a:lightRig rig="threePt" dir="t"/>
+    </dgm:scene3d>
+    <dgm:sp3d/>
+    <dgm:txPr/>
+    <dgm:style>
+      <a:lnRef idx="2">
+        <a:scrgbClr r="0" g="0" b="0"/>
+      </a:lnRef>
+      <a:fillRef idx="1">
+        <a:scrgbClr r="0" g="0" b="0"/>
+      </a:fillRef>
+      <a:effectRef idx="0">
+        <a:scrgbClr r="0" g="0" b="0"/>
+      </a:effectRef>
+      <a:fontRef idx="minor"/>
+    </dgm:style>
+  </dgm:styleLbl>
+  <dgm:styleLbl name="sibTrans2D1">
+    <dgm:scene3d>
+      <a:camera prst="orthographicFront"/>
+      <a:lightRig rig="threePt" dir="t"/>
+    </dgm:scene3d>
+    <dgm:sp3d/>
+    <dgm:txPr/>
+    <dgm:style>
+      <a:lnRef idx="0">
+        <a:scrgbClr r="0" g="0" b="0"/>
+      </a:lnRef>
+      <a:fillRef idx="1">
+        <a:scrgbClr r="0" g="0" b="0"/>
+      </a:fillRef>
+      <a:effectRef idx="0">
+        <a:scrgbClr r="0" g="0" b="0"/>
+      </a:effectRef>
+      <a:fontRef idx="minor">
+        <a:schemeClr val="lt1"/>
+      </a:fontRef>
+    </dgm:style>
+  </dgm:styleLbl>
+  <dgm:styleLbl name="fgSibTrans2D1">
+    <dgm:scene3d>
+      <a:camera prst="orthographicFront"/>
+      <a:lightRig rig="threePt" dir="t"/>
+    </dgm:scene3d>
+    <dgm:sp3d/>
+    <dgm:txPr/>
+    <dgm:style>
+      <a:lnRef idx="0">
+        <a:scrgbClr r="0" g="0" b="0"/>
+      </a:lnRef>
+      <a:fillRef idx="1">
+        <a:scrgbClr r="0" g="0" b="0"/>
+      </a:fillRef>
+      <a:effectRef idx="0">
+        <a:scrgbClr r="0" g="0" b="0"/>
+      </a:effectRef>
+      <a:fontRef idx="minor">
+        <a:schemeClr val="lt1"/>
+      </a:fontRef>
+    </dgm:style>
+  </dgm:styleLbl>
+  <dgm:styleLbl name="bgSibTrans2D1">
+    <dgm:scene3d>
+      <a:camera prst="orthographicFront"/>
+      <a:lightRig rig="threePt" dir="t"/>
+    </dgm:scene3d>
+    <dgm:sp3d/>
+    <dgm:txPr/>
+    <dgm:style>
+      <a:lnRef idx="0">
+        <a:scrgbClr r="0" g="0" b="0"/>
+      </a:lnRef>
+      <a:fillRef idx="1">
+        <a:scrgbClr r="0" g="0" b="0"/>
+      </a:fillRef>
+      <a:effectRef idx="0">
+        <a:scrgbClr r="0" g="0" b="0"/>
+      </a:effectRef>
+      <a:fontRef idx="minor">
+        <a:schemeClr val="lt1"/>
+      </a:fontRef>
+    </dgm:style>
+  </dgm:styleLbl>
+  <dgm:styleLbl name="sibTrans1D1">
+    <dgm:scene3d>
+      <a:camera prst="orthographicFront"/>
+      <a:lightRig rig="threePt" dir="t"/>
+    </dgm:scene3d>
+    <dgm:sp3d/>
+    <dgm:txPr/>
+    <dgm:style>
+      <a:lnRef idx="1">
+        <a:scrgbClr r="0" g="0" b="0"/>
+      </a:lnRef>
+      <a:fillRef idx="0">
+        <a:scrgbClr r="0" g="0" b="0"/>
+      </a:fillRef>
+      <a:effectRef idx="0">
+        <a:scrgbClr r="0" g="0" b="0"/>
+      </a:effectRef>
+      <a:fontRef idx="minor"/>
+    </dgm:style>
+  </dgm:styleLbl>
+  <dgm:styleLbl name="callout">
+    <dgm:scene3d>
+      <a:camera prst="orthographicFront"/>
+      <a:lightRig rig="threePt" dir="t"/>
+    </dgm:scene3d>
+    <dgm:sp3d/>
+    <dgm:txPr/>
+    <dgm:style>
+      <a:lnRef idx="2">
+        <a:scrgbClr r="0" g="0" b="0"/>
+      </a:lnRef>
+      <a:fillRef idx="1">
+        <a:scrgbClr r="0" g="0" b="0"/>
+      </a:fillRef>
+      <a:effectRef idx="0">
+        <a:scrgbClr r="0" g="0" b="0"/>
+      </a:effectRef>
+      <a:fontRef idx="minor"/>
+    </dgm:style>
+  </dgm:styleLbl>
+  <dgm:styleLbl name="asst0">
+    <dgm:scene3d>
+      <a:camera prst="orthographicFront"/>
+      <a:lightRig rig="threePt" dir="t"/>
+    </dgm:scene3d>
+    <dgm:sp3d/>
+    <dgm:txPr/>
+    <dgm:style>
+      <a:lnRef idx="2">
+        <a:scrgbClr r="0" g="0" b="0"/>
+      </a:lnRef>
+      <a:fillRef idx="1">
+        <a:scrgbClr r="0" g="0" b="0"/>
+      </a:fillRef>
+      <a:effectRef idx="0">
+        <a:scrgbClr r="0" g="0" b="0"/>
+      </a:effectRef>
+      <a:fontRef idx="minor">
+        <a:schemeClr val="lt1"/>
+      </a:fontRef>
+    </dgm:style>
+  </dgm:styleLbl>
+  <dgm:styleLbl name="asst1">
+    <dgm:scene3d>
+      <a:camera prst="orthographicFront"/>
+      <a:lightRig rig="threePt" dir="t"/>
+    </dgm:scene3d>
+    <dgm:sp3d/>
+    <dgm:txPr/>
+    <dgm:style>
+      <a:lnRef idx="2">
+        <a:scrgbClr r="0" g="0" b="0"/>
+      </a:lnRef>
+      <a:fillRef idx="1">
+        <a:scrgbClr r="0" g="0" b="0"/>
+      </a:fillRef>
+      <a:effectRef idx="0">
+        <a:scrgbClr r="0" g="0" b="0"/>
+      </a:effectRef>
+      <a:fontRef idx="minor">
+        <a:schemeClr val="lt1"/>
+      </a:fontRef>
+    </dgm:style>
+  </dgm:styleLbl>
+  <dgm:styleLbl name="asst2">
+    <dgm:scene3d>
+      <a:camera prst="orthographicFront"/>
+      <a:lightRig rig="threePt" dir="t"/>
+    </dgm:scene3d>
+    <dgm:sp3d/>
+    <dgm:txPr/>
+    <dgm:style>
+      <a:lnRef idx="2">
+        <a:scrgbClr r="0" g="0" b="0"/>
+      </a:lnRef>
+      <a:fillRef idx="1">
+        <a:scrgbClr r="0" g="0" b="0"/>
+      </a:fillRef>
+      <a:effectRef idx="0">
+        <a:scrgbClr r="0" g="0" b="0"/>
+      </a:effectRef>
+      <a:fontRef idx="minor">
+        <a:schemeClr val="lt1"/>
+      </a:fontRef>
+    </dgm:style>
+  </dgm:styleLbl>
+  <dgm:styleLbl name="asst3">
+    <dgm:scene3d>
+      <a:camera prst="orthographicFront"/>
+      <a:lightRig rig="threePt" dir="t"/>
+    </dgm:scene3d>
+    <dgm:sp3d/>
+    <dgm:txPr/>
+    <dgm:style>
+      <a:lnRef idx="2">
+        <a:scrgbClr r="0" g="0" b="0"/>
+      </a:lnRef>
+      <a:fillRef idx="1">
+        <a:scrgbClr r="0" g="0" b="0"/>
+      </a:fillRef>
+      <a:effectRef idx="0">
+        <a:scrgbClr r="0" g="0" b="0"/>
+      </a:effectRef>
+      <a:fontRef idx="minor">
+        <a:schemeClr val="lt1"/>
+      </a:fontRef>
+    </dgm:style>
+  </dgm:styleLbl>
+  <dgm:styleLbl name="asst4">
+    <dgm:scene3d>
+      <a:camera prst="orthographicFront"/>
+      <a:lightRig rig="threePt" dir="t"/>
+    </dgm:scene3d>
+    <dgm:sp3d/>
+    <dgm:txPr/>
+    <dgm:style>
+      <a:lnRef idx="2">
+        <a:scrgbClr r="0" g="0" b="0"/>
+      </a:lnRef>
+      <a:fillRef idx="1">
+        <a:scrgbClr r="0" g="0" b="0"/>
+      </a:fillRef>
+      <a:effectRef idx="0">
+        <a:scrgbClr r="0" g="0" b="0"/>
+      </a:effectRef>
+      <a:fontRef idx="minor">
+        <a:schemeClr val="lt1"/>
+      </a:fontRef>
+    </dgm:style>
+  </dgm:styleLbl>
+  <dgm:styleLbl name="parChTrans2D1">
+    <dgm:scene3d>
+      <a:camera prst="orthographicFront"/>
+      <a:lightRig rig="threePt" dir="t"/>
+    </dgm:scene3d>
+    <dgm:sp3d/>
+    <dgm:txPr/>
+    <dgm:style>
+      <a:lnRef idx="2">
+        <a:scrgbClr r="0" g="0" b="0"/>
+      </a:lnRef>
+      <a:fillRef idx="1">
+        <a:scrgbClr r="0" g="0" b="0"/>
+      </a:fillRef>
+      <a:effectRef idx="0">
+        <a:scrgbClr r="0" g="0" b="0"/>
+      </a:effectRef>
+      <a:fontRef idx="minor">
+        <a:schemeClr val="lt1"/>
+      </a:fontRef>
+    </dgm:style>
+  </dgm:styleLbl>
+  <dgm:styleLbl name="parChTrans2D2">
+    <dgm:scene3d>
+      <a:camera prst="orthographicFront"/>
+      <a:lightRig rig="threePt" dir="t"/>
+    </dgm:scene3d>
+    <dgm:sp3d/>
+    <dgm:txPr/>
+    <dgm:style>
+      <a:lnRef idx="2">
+        <a:scrgbClr r="0" g="0" b="0"/>
+      </a:lnRef>
+      <a:fillRef idx="1">
+        <a:scrgbClr r="0" g="0" b="0"/>
+      </a:fillRef>
+      <a:effectRef idx="0">
+        <a:scrgbClr r="0" g="0" b="0"/>
+      </a:effectRef>
+      <a:fontRef idx="minor">
+        <a:schemeClr val="lt1"/>
+      </a:fontRef>
+    </dgm:style>
+  </dgm:styleLbl>
+  <dgm:styleLbl name="parChTrans2D3">
+    <dgm:scene3d>
+      <a:camera prst="orthographicFront"/>
+      <a:lightRig rig="threePt" dir="t"/>
+    </dgm:scene3d>
+    <dgm:sp3d/>
+    <dgm:txPr/>
+    <dgm:style>
+      <a:lnRef idx="2">
+        <a:scrgbClr r="0" g="0" b="0"/>
+      </a:lnRef>
+      <a:fillRef idx="1">
+        <a:scrgbClr r="0" g="0" b="0"/>
+      </a:fillRef>
+      <a:effectRef idx="0">
+        <a:scrgbClr r="0" g="0" b="0"/>
+      </a:effectRef>
+      <a:fontRef idx="minor">
+        <a:schemeClr val="lt1"/>
+      </a:fontRef>
+    </dgm:style>
+  </dgm:styleLbl>
+  <dgm:styleLbl name="parChTrans2D4">
+    <dgm:scene3d>
+      <a:camera prst="orthographicFront"/>
+      <a:lightRig rig="threePt" dir="t"/>
+    </dgm:scene3d>
+    <dgm:sp3d/>
+    <dgm:txPr/>
+    <dgm:style>
+      <a:lnRef idx="2">
+        <a:scrgbClr r="0" g="0" b="0"/>
+      </a:lnRef>
+      <a:fillRef idx="1">
+        <a:scrgbClr r="0" g="0" b="0"/>
+      </a:fillRef>
+      <a:effectRef idx="0">
+        <a:scrgbClr r="0" g="0" b="0"/>
+      </a:effectRef>
+      <a:fontRef idx="minor">
+        <a:schemeClr val="lt1"/>
+      </a:fontRef>
+    </dgm:style>
+  </dgm:styleLbl>
+  <dgm:styleLbl name="parChTrans1D1">
+    <dgm:scene3d>
+      <a:camera prst="orthographicFront"/>
+      <a:lightRig rig="threePt" dir="t"/>
+    </dgm:scene3d>
+    <dgm:sp3d/>
+    <dgm:txPr/>
+    <dgm:style>
+      <a:lnRef idx="2">
+        <a:scrgbClr r="0" g="0" b="0"/>
+      </a:lnRef>
+      <a:fillRef idx="0">
+        <a:scrgbClr r="0" g="0" b="0"/>
+      </a:fillRef>
+      <a:effectRef idx="0">
+        <a:scrgbClr r="0" g="0" b="0"/>
+      </a:effectRef>
+      <a:fontRef idx="minor"/>
+    </dgm:style>
+  </dgm:styleLbl>
+  <dgm:styleLbl name="parChTrans1D2">
+    <dgm:scene3d>
+      <a:camera prst="orthographicFront"/>
+      <a:lightRig rig="threePt" dir="t"/>
+    </dgm:scene3d>
+    <dgm:sp3d/>
+    <dgm:txPr/>
+    <dgm:style>
+      <a:lnRef idx="2">
+        <a:scrgbClr r="0" g="0" b="0"/>
+      </a:lnRef>
+      <a:fillRef idx="0">
+        <a:scrgbClr r="0" g="0" b="0"/>
+      </a:fillRef>
+      <a:effectRef idx="0">
+        <a:scrgbClr r="0" g="0" b="0"/>
+      </a:effectRef>
+      <a:fontRef idx="minor"/>
+    </dgm:style>
+  </dgm:styleLbl>
+  <dgm:styleLbl name="parChTrans1D3">
+    <dgm:scene3d>
+      <a:camera prst="orthographicFront"/>
+      <a:lightRig rig="threePt" dir="t"/>
+    </dgm:scene3d>
+    <dgm:sp3d/>
+    <dgm:txPr/>
+    <dgm:style>
+      <a:lnRef idx="2">
+        <a:scrgbClr r="0" g="0" b="0"/>
+      </a:lnRef>
+      <a:fillRef idx="0">
+        <a:scrgbClr r="0" g="0" b="0"/>
+      </a:fillRef>
+      <a:effectRef idx="0">
+        <a:scrgbClr r="0" g="0" b="0"/>
+      </a:effectRef>
+      <a:fontRef idx="minor"/>
+    </dgm:style>
+  </dgm:styleLbl>
+  <dgm:styleLbl name="parChTrans1D4">
+    <dgm:scene3d>
+      <a:camera prst="orthographicFront"/>
+      <a:lightRig rig="threePt" dir="t"/>
+    </dgm:scene3d>
+    <dgm:sp3d/>
+    <dgm:txPr/>
+    <dgm:style>
+      <a:lnRef idx="2">
+        <a:scrgbClr r="0" g="0" b="0"/>
+      </a:lnRef>
+      <a:fillRef idx="0">
+        <a:scrgbClr r="0" g="0" b="0"/>
+      </a:fillRef>
+      <a:effectRef idx="0">
+        <a:scrgbClr r="0" g="0" b="0"/>
+      </a:effectRef>
+      <a:fontRef idx="minor"/>
+    </dgm:style>
+  </dgm:styleLbl>
+  <dgm:styleLbl name="fgAcc1">
+    <dgm:scene3d>
+      <a:camera prst="orthographicFront"/>
+      <a:lightRig rig="threePt" dir="t"/>
+    </dgm:scene3d>
+    <dgm:sp3d/>
+    <dgm:txPr/>
+    <dgm:style>
+      <a:lnRef idx="2">
+        <a:scrgbClr r="0" g="0" b="0"/>
+      </a:lnRef>
+      <a:fillRef idx="1">
+        <a:scrgbClr r="0" g="0" b="0"/>
+      </a:fillRef>
+      <a:effectRef idx="0">
+        <a:scrgbClr r="0" g="0" b="0"/>
+      </a:effectRef>
+      <a:fontRef idx="minor"/>
+    </dgm:style>
+  </dgm:styleLbl>
+  <dgm:styleLbl name="conFgAcc1">
+    <dgm:scene3d>
+      <a:camera prst="orthographicFront"/>
+      <a:lightRig rig="threePt" dir="t"/>
+    </dgm:scene3d>
+    <dgm:sp3d/>
+    <dgm:txPr/>
+    <dgm:style>
+      <a:lnRef idx="2">
+        <a:scrgbClr r="0" g="0" b="0"/>
+      </a:lnRef>
+      <a:fillRef idx="1">
+        <a:scrgbClr r="0" g="0" b="0"/>
+      </a:fillRef>
+      <a:effectRef idx="0">
+        <a:scrgbClr r="0" g="0" b="0"/>
+      </a:effectRef>
+      <a:fontRef idx="minor"/>
+    </dgm:style>
+  </dgm:styleLbl>
+  <dgm:styleLbl name="alignAcc1">
+    <dgm:scene3d>
+      <a:camera prst="orthographicFront"/>
+      <a:lightRig rig="threePt" dir="t"/>
+    </dgm:scene3d>
+    <dgm:sp3d/>
+    <dgm:txPr/>
+    <dgm:style>
+      <a:lnRef idx="2">
+        <a:scrgbClr r="0" g="0" b="0"/>
+      </a:lnRef>
+      <a:fillRef idx="1">
+        <a:scrgbClr r="0" g="0" b="0"/>
+      </a:fillRef>
+      <a:effectRef idx="0">
+        <a:scrgbClr r="0" g="0" b="0"/>
+      </a:effectRef>
+      <a:fontRef idx="minor"/>
+    </dgm:style>
+  </dgm:styleLbl>
+  <dgm:styleLbl name="trAlignAcc1">
+    <dgm:scene3d>
+      <a:camera prst="orthographicFront"/>
+      <a:lightRig rig="threePt" dir="t"/>
+    </dgm:scene3d>
+    <dgm:sp3d/>
+    <dgm:txPr/>
+    <dgm:style>
+      <a:lnRef idx="1">
+        <a:scrgbClr r="0" g="0" b="0"/>
+      </a:lnRef>
+      <a:fillRef idx="1">
+        <a:scrgbClr r="0" g="0" b="0"/>
+      </a:fillRef>
+      <a:effectRef idx="0">
+        <a:scrgbClr r="0" g="0" b="0"/>
+      </a:effectRef>
+      <a:fontRef idx="minor"/>
+    </dgm:style>
+  </dgm:styleLbl>
+  <dgm:styleLbl name="bgAcc1">
+    <dgm:scene3d>
+      <a:camera prst="orthographicFront"/>
+      <a:lightRig rig="threePt" dir="t"/>
+    </dgm:scene3d>
+    <dgm:sp3d/>
+    <dgm:txPr/>
+    <dgm:style>
+      <a:lnRef idx="2">
+        <a:scrgbClr r="0" g="0" b="0"/>
+      </a:lnRef>
+      <a:fillRef idx="1">
+        <a:scrgbClr r="0" g="0" b="0"/>
+      </a:fillRef>
+      <a:effectRef idx="0">
+        <a:scrgbClr r="0" g="0" b="0"/>
+      </a:effectRef>
+      <a:fontRef idx="minor"/>
+    </dgm:style>
+  </dgm:styleLbl>
+  <dgm:styleLbl name="solidFgAcc1">
+    <dgm:scene3d>
+      <a:camera prst="orthographicFront"/>
+      <a:lightRig rig="threePt" dir="t"/>
+    </dgm:scene3d>
+    <dgm:sp3d/>
+    <dgm:txPr/>
+    <dgm:style>
+      <a:lnRef idx="2">
+        <a:scrgbClr r="0" g="0" b="0"/>
+      </a:lnRef>
+      <a:fillRef idx="1">
+        <a:scrgbClr r="0" g="0" b="0"/>
+      </a:fillRef>
+      <a:effectRef idx="0">
+        <a:scrgbClr r="0" g="0" b="0"/>
+      </a:effectRef>
+      <a:fontRef idx="minor"/>
+    </dgm:style>
+  </dgm:styleLbl>
+  <dgm:styleLbl name="solidAlignAcc1">
+    <dgm:scene3d>
+      <a:camera prst="orthographicFront"/>
+      <a:lightRig rig="threePt" dir="t"/>
+    </dgm:scene3d>
+    <dgm:sp3d/>
+    <dgm:txPr/>
+    <dgm:style>
+      <a:lnRef idx="2">
+        <a:scrgbClr r="0" g="0" b="0"/>
+      </a:lnRef>
+      <a:fillRef idx="1">
+        <a:scrgbClr r="0" g="0" b="0"/>
+      </a:fillRef>
+      <a:effectRef idx="0">
+        <a:scrgbClr r="0" g="0" b="0"/>
+      </a:effectRef>
+      <a:fontRef idx="minor"/>
+    </dgm:style>
+  </dgm:styleLbl>
+  <dgm:styleLbl name="solidBgAcc1">
+    <dgm:scene3d>
+      <a:camera prst="orthographicFront"/>
+      <a:lightRig rig="threePt" dir="t"/>
+    </dgm:scene3d>
+    <dgm:sp3d/>
+    <dgm:txPr/>
+    <dgm:style>
+      <a:lnRef idx="2">
+        <a:scrgbClr r="0" g="0" b="0"/>
+      </a:lnRef>
+      <a:fillRef idx="1">
+        <a:scrgbClr r="0" g="0" b="0"/>
+      </a:fillRef>
+      <a:effectRef idx="0">
+        <a:scrgbClr r="0" g="0" b="0"/>
+      </a:effectRef>
+      <a:fontRef idx="minor"/>
+    </dgm:style>
+  </dgm:styleLbl>
+  <dgm:styleLbl name="fgAccFollowNode1">
+    <dgm:scene3d>
+      <a:camera prst="orthographicFront"/>
+      <a:lightRig rig="threePt" dir="t"/>
+    </dgm:scene3d>
+    <dgm:sp3d/>
+    <dgm:txPr/>
+    <dgm:style>
+      <a:lnRef idx="2">
+        <a:scrgbClr r="0" g="0" b="0"/>
+      </a:lnRef>
+      <a:fillRef idx="1">
+        <a:scrgbClr r="0" g="0" b="0"/>
+      </a:fillRef>
+      <a:effectRef idx="0">
+        <a:scrgbClr r="0" g="0" b="0"/>
+      </a:effectRef>
+      <a:fontRef idx="minor"/>
+    </dgm:style>
+  </dgm:styleLbl>
+  <dgm:styleLbl name="alignAccFollowNode1">
+    <dgm:scene3d>
+      <a:camera prst="orthographicFront"/>
+      <a:lightRig rig="threePt" dir="t"/>
+    </dgm:scene3d>
+    <dgm:sp3d/>
+    <dgm:txPr/>
+    <dgm:style>
+      <a:lnRef idx="2">
+        <a:scrgbClr r="0" g="0" b="0"/>
+      </a:lnRef>
+      <a:fillRef idx="1">
+        <a:scrgbClr r="0" g="0" b="0"/>
+      </a:fillRef>
+      <a:effectRef idx="0">
+        <a:scrgbClr r="0" g="0" b="0"/>
+      </a:effectRef>
+      <a:fontRef idx="minor"/>
+    </dgm:style>
+  </dgm:styleLbl>
+  <dgm:styleLbl name="bgAccFollowNode1">
+    <dgm:scene3d>
+      <a:camera prst="orthographicFront"/>
+      <a:lightRig rig="threePt" dir="t"/>
+    </dgm:scene3d>
+    <dgm:sp3d/>
+    <dgm:txPr/>
+    <dgm:style>
+      <a:lnRef idx="2">
+        <a:scrgbClr r="0" g="0" b="0"/>
+      </a:lnRef>
+      <a:fillRef idx="1">
+        <a:scrgbClr r="0" g="0" b="0"/>
+      </a:fillRef>
+      <a:effectRef idx="0">
+        <a:scrgbClr r="0" g="0" b="0"/>
+      </a:effectRef>
+      <a:fontRef idx="minor"/>
+    </dgm:style>
+  </dgm:styleLbl>
+  <dgm:styleLbl name="fgAcc0">
+    <dgm:scene3d>
+      <a:camera prst="orthographicFront"/>
+      <a:lightRig rig="threePt" dir="t"/>
+    </dgm:scene3d>
+    <dgm:sp3d/>
+    <dgm:txPr/>
+    <dgm:style>
+      <a:lnRef idx="2">
+        <a:scrgbClr r="0" g="0" b="0"/>
+      </a:lnRef>
+      <a:fillRef idx="1">
+        <a:scrgbClr r="0" g="0" b="0"/>
+      </a:fillRef>
+      <a:effectRef idx="0">
+        <a:scrgbClr r="0" g="0" b="0"/>
+      </a:effectRef>
+      <a:fontRef idx="minor"/>
+    </dgm:style>
+  </dgm:styleLbl>
+  <dgm:styleLbl name="fgAcc2">
+    <dgm:scene3d>
+      <a:camera prst="orthographicFront"/>
+      <a:lightRig rig="threePt" dir="t"/>
+    </dgm:scene3d>
+    <dgm:sp3d/>
+    <dgm:txPr/>
+    <dgm:style>
+      <a:lnRef idx="2">
+        <a:scrgbClr r="0" g="0" b="0"/>
+      </a:lnRef>
+      <a:fillRef idx="1">
+        <a:scrgbClr r="0" g="0" b="0"/>
+      </a:fillRef>
+      <a:effectRef idx="0">
+        <a:scrgbClr r="0" g="0" b="0"/>
+      </a:effectRef>
+      <a:fontRef idx="minor"/>
+    </dgm:style>
+  </dgm:styleLbl>
+  <dgm:styleLbl name="fgAcc3">
+    <dgm:scene3d>
+      <a:camera prst="orthographicFront"/>
+      <a:lightRig rig="threePt" dir="t"/>
+    </dgm:scene3d>
+    <dgm:sp3d/>
+    <dgm:txPr/>
+    <dgm:style>
+      <a:lnRef idx="2">
+        <a:scrgbClr r="0" g="0" b="0"/>
+      </a:lnRef>
+      <a:fillRef idx="1">
+        <a:scrgbClr r="0" g="0" b="0"/>
+      </a:fillRef>
+      <a:effectRef idx="0">
+        <a:scrgbClr r="0" g="0" b="0"/>
+      </a:effectRef>
+      <a:fontRef idx="minor"/>
+    </dgm:style>
+  </dgm:styleLbl>
+  <dgm:styleLbl name="fgAcc4">
+    <dgm:scene3d>
+      <a:camera prst="orthographicFront"/>
+      <a:lightRig rig="threePt" dir="t"/>
+    </dgm:scene3d>
+    <dgm:sp3d/>
+    <dgm:txPr/>
+    <dgm:style>
+      <a:lnRef idx="2">
+        <a:scrgbClr r="0" g="0" b="0"/>
+      </a:lnRef>
+      <a:fillRef idx="1">
+        <a:scrgbClr r="0" g="0" b="0"/>
+      </a:fillRef>
+      <a:effectRef idx="0">
+        <a:scrgbClr r="0" g="0" b="0"/>
+      </a:effectRef>
+      <a:fontRef idx="minor"/>
+    </dgm:style>
+  </dgm:styleLbl>
+  <dgm:styleLbl name="bgShp">
+    <dgm:scene3d>
+      <a:camera prst="orthographicFront"/>
+      <a:lightRig rig="threePt" dir="t"/>
+    </dgm:scene3d>
+    <dgm:sp3d/>
+    <dgm:txPr/>
+    <dgm:style>
+      <a:lnRef idx="0">
+        <a:scrgbClr r="0" g="0" b="0"/>
+      </a:lnRef>
+      <a:fillRef idx="1">
+        <a:scrgbClr r="0" g="0" b="0"/>
+      </a:fillRef>
+      <a:effectRef idx="0">
+        <a:scrgbClr r="0" g="0" b="0"/>
+      </a:effectRef>
+      <a:fontRef idx="minor"/>
+    </dgm:style>
+  </dgm:styleLbl>
+  <dgm:styleLbl name="dkBgShp">
+    <dgm:scene3d>
+      <a:camera prst="orthographicFront"/>
+      <a:lightRig rig="threePt" dir="t"/>
+    </dgm:scene3d>
+    <dgm:sp3d/>
+    <dgm:txPr/>
+    <dgm:style>
+      <a:lnRef idx="0">
+        <a:scrgbClr r="0" g="0" b="0"/>
+      </a:lnRef>
+      <a:fillRef idx="1">
+        <a:scrgbClr r="0" g="0" b="0"/>
+      </a:fillRef>
+      <a:effectRef idx="0">
+        <a:scrgbClr r="0" g="0" b="0"/>
+      </a:effectRef>
+      <a:fontRef idx="minor"/>
+    </dgm:style>
+  </dgm:styleLbl>
+  <dgm:styleLbl name="trBgShp">
+    <dgm:scene3d>
+      <a:camera prst="orthographicFront"/>
+      <a:lightRig rig="threePt" dir="t"/>
+    </dgm:scene3d>
+    <dgm:sp3d/>
+    <dgm:txPr/>
+    <dgm:style>
+      <a:lnRef idx="0">
+        <a:scrgbClr r="0" g="0" b="0"/>
+      </a:lnRef>
+      <a:fillRef idx="1">
+        <a:scrgbClr r="0" g="0" b="0"/>
+      </a:fillRef>
+      <a:effectRef idx="0">
+        <a:scrgbClr r="0" g="0" b="0"/>
+      </a:effectRef>
+      <a:fontRef idx="minor"/>
+    </dgm:style>
+  </dgm:styleLbl>
+  <dgm:styleLbl name="fgShp">
+    <dgm:scene3d>
+      <a:camera prst="orthographicFront"/>
+      <a:lightRig rig="threePt" dir="t"/>
+    </dgm:scene3d>
+    <dgm:sp3d/>
+    <dgm:txPr/>
+    <dgm:style>
+      <a:lnRef idx="2">
+        <a:scrgbClr r="0" g="0" b="0"/>
+      </a:lnRef>
+      <a:fillRef idx="1">
+        <a:scrgbClr r="0" g="0" b="0"/>
+      </a:fillRef>
+      <a:effectRef idx="0">
+        <a:scrgbClr r="0" g="0" b="0"/>
+      </a:effectRef>
+      <a:fontRef idx="minor"/>
+    </dgm:style>
+  </dgm:styleLbl>
+  <dgm:styleLbl name="revTx">
+    <dgm:scene3d>
+      <a:camera prst="orthographicFront"/>
+      <a:lightRig rig="threePt" dir="t"/>
+    </dgm:scene3d>
+    <dgm:sp3d/>
+    <dgm:txPr/>
+    <dgm:style>
+      <a:lnRef idx="0">
+        <a:scrgbClr r="0" g="0" b="0"/>
+      </a:lnRef>
+      <a:fillRef idx="0">
+        <a:scrgbClr r="0" g="0" b="0"/>
+      </a:fillRef>
+      <a:effectRef idx="0">
+        <a:scrgbClr r="0" g="0" b="0"/>
+      </a:effectRef>
+      <a:fontRef idx="minor"/>
+    </dgm:style>
+  </dgm:styleLbl>
+</dgm:styleDef>
+</file>
+
+<file path=ppt/diagrams/quickStyle7.xml><?xml version="1.0" encoding="utf-8"?>
 <dgm:styleDef xmlns:dgm="http://schemas.openxmlformats.org/drawingml/2006/diagram" xmlns:a="http://schemas.openxmlformats.org/drawingml/2006/main" uniqueId="urn:microsoft.com/office/officeart/2005/8/quickstyle/simple1">
   <dgm:title val=""/>
   <dgm:desc val=""/>
@@ -16187,7 +23290,7 @@
             <a:fld id="{B61BEF0D-F0BB-DE4B-95CE-6DB70DBA9567}" type="datetimeFigureOut">
               <a:rPr lang="en-US" dirty="0"/>
               <a:pPr/>
-              <a:t>1/15/2020</a:t>
+              <a:t>1/16/2020</a:t>
             </a:fld>
             <a:endParaRPr lang="en-US" dirty="0"/>
           </a:p>
@@ -16475,7 +23578,7 @@
             <a:fld id="{B61BEF0D-F0BB-DE4B-95CE-6DB70DBA9567}" type="datetimeFigureOut">
               <a:rPr lang="en-US" dirty="0"/>
               <a:pPr/>
-              <a:t>1/15/2020</a:t>
+              <a:t>1/16/2020</a:t>
             </a:fld>
             <a:endParaRPr lang="en-US" dirty="0"/>
           </a:p>
@@ -16731,7 +23834,7 @@
             <a:fld id="{B61BEF0D-F0BB-DE4B-95CE-6DB70DBA9567}" type="datetimeFigureOut">
               <a:rPr lang="en-US" dirty="0"/>
               <a:pPr/>
-              <a:t>1/15/2020</a:t>
+              <a:t>1/16/2020</a:t>
             </a:fld>
             <a:endParaRPr lang="en-US" dirty="0"/>
           </a:p>
@@ -17197,7 +24300,7 @@
             <a:fld id="{B61BEF0D-F0BB-DE4B-95CE-6DB70DBA9567}" type="datetimeFigureOut">
               <a:rPr lang="en-US" dirty="0"/>
               <a:pPr/>
-              <a:t>1/15/2020</a:t>
+              <a:t>1/16/2020</a:t>
             </a:fld>
             <a:endParaRPr lang="en-US" dirty="0"/>
           </a:p>
@@ -17374,7 +24477,7 @@
             <a:fld id="{B61BEF0D-F0BB-DE4B-95CE-6DB70DBA9567}" type="datetimeFigureOut">
               <a:rPr lang="en-US" dirty="0"/>
               <a:pPr/>
-              <a:t>1/15/2020</a:t>
+              <a:t>1/16/2020</a:t>
             </a:fld>
             <a:endParaRPr lang="en-US" dirty="0"/>
           </a:p>
@@ -17947,7 +25050,7 @@
             <a:fld id="{B61BEF0D-F0BB-DE4B-95CE-6DB70DBA9567}" type="datetimeFigureOut">
               <a:rPr lang="en-US" dirty="0"/>
               <a:pPr/>
-              <a:t>1/15/2020</a:t>
+              <a:t>1/16/2020</a:t>
             </a:fld>
             <a:endParaRPr lang="en-US" dirty="0"/>
           </a:p>
@@ -18276,7 +25379,7 @@
             <a:fld id="{B61BEF0D-F0BB-DE4B-95CE-6DB70DBA9567}" type="datetimeFigureOut">
               <a:rPr lang="en-US" dirty="0"/>
               <a:pPr/>
-              <a:t>1/15/2020</a:t>
+              <a:t>1/16/2020</a:t>
             </a:fld>
             <a:endParaRPr lang="en-US" dirty="0"/>
           </a:p>
@@ -18448,7 +25551,7 @@
             <a:fld id="{B61BEF0D-F0BB-DE4B-95CE-6DB70DBA9567}" type="datetimeFigureOut">
               <a:rPr lang="en-US" dirty="0"/>
               <a:pPr/>
-              <a:t>1/15/2020</a:t>
+              <a:t>1/16/2020</a:t>
             </a:fld>
             <a:endParaRPr lang="en-US" dirty="0"/>
           </a:p>
@@ -18625,7 +25728,7 @@
             <a:fld id="{B61BEF0D-F0BB-DE4B-95CE-6DB70DBA9567}" type="datetimeFigureOut">
               <a:rPr lang="en-US" dirty="0"/>
               <a:pPr/>
-              <a:t>1/15/2020</a:t>
+              <a:t>1/16/2020</a:t>
             </a:fld>
             <a:endParaRPr lang="en-US" dirty="0"/>
           </a:p>
@@ -18792,7 +25895,7 @@
             <a:fld id="{B61BEF0D-F0BB-DE4B-95CE-6DB70DBA9567}" type="datetimeFigureOut">
               <a:rPr lang="en-US" dirty="0"/>
               <a:pPr/>
-              <a:t>1/15/2020</a:t>
+              <a:t>1/16/2020</a:t>
             </a:fld>
             <a:endParaRPr lang="en-US" dirty="0"/>
           </a:p>
@@ -19046,7 +26149,7 @@
             <a:fld id="{B61BEF0D-F0BB-DE4B-95CE-6DB70DBA9567}" type="datetimeFigureOut">
               <a:rPr lang="en-US" dirty="0"/>
               <a:pPr/>
-              <a:t>1/15/2020</a:t>
+              <a:t>1/16/2020</a:t>
             </a:fld>
             <a:endParaRPr lang="en-US" dirty="0"/>
           </a:p>
@@ -19335,7 +26438,7 @@
             <a:fld id="{B61BEF0D-F0BB-DE4B-95CE-6DB70DBA9567}" type="datetimeFigureOut">
               <a:rPr lang="en-US" dirty="0"/>
               <a:pPr/>
-              <a:t>1/15/2020</a:t>
+              <a:t>1/16/2020</a:t>
             </a:fld>
             <a:endParaRPr lang="en-US" dirty="0"/>
           </a:p>
@@ -19762,7 +26865,7 @@
             <a:fld id="{B61BEF0D-F0BB-DE4B-95CE-6DB70DBA9567}" type="datetimeFigureOut">
               <a:rPr lang="en-US" dirty="0"/>
               <a:pPr/>
-              <a:t>1/15/2020</a:t>
+              <a:t>1/16/2020</a:t>
             </a:fld>
             <a:endParaRPr lang="en-US" dirty="0"/>
           </a:p>
@@ -19877,7 +26980,7 @@
             <a:fld id="{B61BEF0D-F0BB-DE4B-95CE-6DB70DBA9567}" type="datetimeFigureOut">
               <a:rPr lang="en-US" dirty="0"/>
               <a:pPr/>
-              <a:t>1/15/2020</a:t>
+              <a:t>1/16/2020</a:t>
             </a:fld>
             <a:endParaRPr lang="en-US" dirty="0"/>
           </a:p>
@@ -19969,7 +27072,7 @@
             <a:fld id="{B61BEF0D-F0BB-DE4B-95CE-6DB70DBA9567}" type="datetimeFigureOut">
               <a:rPr lang="en-US" dirty="0"/>
               <a:pPr/>
-              <a:t>1/15/2020</a:t>
+              <a:t>1/16/2020</a:t>
             </a:fld>
             <a:endParaRPr lang="en-US" dirty="0"/>
           </a:p>
@@ -20249,7 +27352,7 @@
             <a:fld id="{B61BEF0D-F0BB-DE4B-95CE-6DB70DBA9567}" type="datetimeFigureOut">
               <a:rPr lang="en-US" dirty="0"/>
               <a:pPr/>
-              <a:t>1/15/2020</a:t>
+              <a:t>1/16/2020</a:t>
             </a:fld>
             <a:endParaRPr lang="en-US" dirty="0"/>
           </a:p>
@@ -20537,7 +27640,7 @@
             <a:fld id="{B61BEF0D-F0BB-DE4B-95CE-6DB70DBA9567}" type="datetimeFigureOut">
               <a:rPr lang="en-US" dirty="0"/>
               <a:pPr/>
-              <a:t>1/15/2020</a:t>
+              <a:t>1/16/2020</a:t>
             </a:fld>
             <a:endParaRPr lang="en-US" dirty="0"/>
           </a:p>
@@ -20765,7 +27868,7 @@
             <a:fld id="{B61BEF0D-F0BB-DE4B-95CE-6DB70DBA9567}" type="datetimeFigureOut">
               <a:rPr lang="en-US" dirty="0"/>
               <a:pPr/>
-              <a:t>1/15/2020</a:t>
+              <a:t>1/16/2020</a:t>
             </a:fld>
             <a:endParaRPr lang="en-US" dirty="0"/>
           </a:p>
@@ -21564,7 +28667,48 @@
                 <a:ea typeface="+mj-lt"/>
                 <a:cs typeface="+mj-lt"/>
               </a:rPr>
-              <a:t>Wykrywanie metrum i tempa utworu muzycznego</a:t>
+              <a:t>Wykrywanie metrum</a:t>
+            </a:r>
+            <a:br>
+              <a:rPr lang="pl-PL" dirty="0">
+                <a:effectLst>
+                  <a:glow rad="38100">
+                    <a:prstClr val="black">
+                      <a:lumMod val="65000"/>
+                      <a:lumOff val="35000"/>
+                      <a:alpha val="50000"/>
+                    </a:prstClr>
+                  </a:glow>
+                  <a:outerShdw blurRad="28575" dist="31750" dir="13200000" algn="tl" rotWithShape="0">
+                    <a:srgbClr val="000000">
+                      <a:alpha val="25000"/>
+                    </a:srgbClr>
+                  </a:outerShdw>
+                </a:effectLst>
+                <a:ea typeface="+mj-lt"/>
+                <a:cs typeface="+mj-lt"/>
+              </a:rPr>
+            </a:br>
+            <a:r>
+              <a:rPr lang="pl-PL" dirty="0">
+                <a:effectLst>
+                  <a:glow rad="38100">
+                    <a:prstClr val="black">
+                      <a:lumMod val="65000"/>
+                      <a:lumOff val="35000"/>
+                      <a:alpha val="50000"/>
+                    </a:prstClr>
+                  </a:glow>
+                  <a:outerShdw blurRad="28575" dist="31750" dir="13200000" algn="tl" rotWithShape="0">
+                    <a:srgbClr val="000000">
+                      <a:alpha val="25000"/>
+                    </a:srgbClr>
+                  </a:outerShdw>
+                </a:effectLst>
+                <a:ea typeface="+mj-lt"/>
+                <a:cs typeface="+mj-lt"/>
+              </a:rPr>
+              <a:t> i tempa utworu muzycznego</a:t>
             </a:r>
             <a:endParaRPr lang="pl-PL" dirty="0"/>
           </a:p>
@@ -21671,29 +28815,6 @@
           </a:p>
           <a:p>
             <a:r>
-              <a:rPr lang="pl-PL">
-                <a:effectLst>
-                  <a:glow rad="38100">
-                    <a:prstClr val="black">
-                      <a:lumMod val="50000"/>
-                      <a:lumOff val="50000"/>
-                      <a:alpha val="20000"/>
-                    </a:prstClr>
-                  </a:glow>
-                  <a:outerShdw blurRad="44450" dist="12700" dir="13860000" algn="tl" rotWithShape="0">
-                    <a:srgbClr val="000000">
-                      <a:alpha val="20000"/>
-                    </a:srgbClr>
-                  </a:outerShdw>
-                </a:effectLst>
-                <a:latin typeface="Arial"/>
-                <a:cs typeface="Arial"/>
-              </a:rPr>
-              <a:t>Seminarium dyplomowe: dr inż. Przemysław Szmal</a:t>
-            </a:r>
-          </a:p>
-          <a:p>
-            <a:r>
               <a:rPr lang="pl-PL" dirty="0">
                 <a:effectLst>
                   <a:glow rad="38100">
@@ -21712,7 +28833,7 @@
                 <a:latin typeface="Arial"/>
                 <a:cs typeface="Arial"/>
               </a:rPr>
-              <a:t>Gliwice, Politechnika Śląska, listopad 2019</a:t>
+              <a:t>Gliwice, Politechnika Śląska, styczeń 2019</a:t>
             </a:r>
           </a:p>
         </p:txBody>
@@ -22702,6 +29823,45 @@
           </a:p>
         </p:txBody>
       </p:sp>
+      <p:sp>
+        <p:nvSpPr>
+          <p:cNvPr id="4" name="pole tekstowe 3">
+            <a:extLst>
+              <a:ext uri="{FF2B5EF4-FFF2-40B4-BE49-F238E27FC236}">
+                <a16:creationId xmlns:a16="http://schemas.microsoft.com/office/drawing/2014/main" id="{D053F4A5-413B-4C33-AC8C-BAD4D6A7BED3}"/>
+              </a:ext>
+            </a:extLst>
+          </p:cNvPr>
+          <p:cNvSpPr txBox="1"/>
+          <p:nvPr/>
+        </p:nvSpPr>
+        <p:spPr>
+          <a:xfrm>
+            <a:off x="11645153" y="6329082"/>
+            <a:ext cx="322730" cy="369332"/>
+          </a:xfrm>
+          <a:prstGeom prst="rect">
+            <a:avLst/>
+          </a:prstGeom>
+          <a:noFill/>
+        </p:spPr>
+        <p:txBody>
+          <a:bodyPr rot="0" spcFirstLastPara="0" vertOverflow="overflow" horzOverflow="overflow" vert="horz" wrap="square" lIns="91440" tIns="45720" rIns="91440" bIns="45720" numCol="1" spcCol="0" rtlCol="0" fromWordArt="0" anchor="t" anchorCtr="0" forceAA="0" compatLnSpc="1">
+            <a:prstTxWarp prst="textNoShape">
+              <a:avLst/>
+            </a:prstTxWarp>
+            <a:spAutoFit/>
+          </a:bodyPr>
+          <a:lstStyle/>
+          <a:p>
+            <a:pPr algn="l"/>
+            <a:r>
+              <a:rPr lang="pl-PL" dirty="0"/>
+              <a:t>9</a:t>
+            </a:r>
+          </a:p>
+        </p:txBody>
+      </p:sp>
     </p:spTree>
     <p:extLst>
       <p:ext uri="{BB962C8B-B14F-4D97-AF65-F5344CB8AC3E}">
@@ -22755,73 +29915,12 @@
           <a:chExt cx="0" cy="0"/>
         </a:xfrm>
       </p:grpSpPr>
-      <p:sp useBgFill="1">
-        <p:nvSpPr>
-          <p:cNvPr id="7" name="Rectangle 7">
-            <a:extLst>
-              <a:ext uri="{FF2B5EF4-FFF2-40B4-BE49-F238E27FC236}">
-                <a16:creationId xmlns:a16="http://schemas.microsoft.com/office/drawing/2014/main" id="{A79A2E3A-88DD-4B27-909A-4031901CC83D}"/>
-              </a:ext>
-              <a:ext uri="{C183D7F6-B498-43B3-948B-1728B52AA6E4}">
-                <adec:decorative xmlns:adec="http://schemas.microsoft.com/office/drawing/2017/decorative" val="1"/>
-              </a:ext>
-            </a:extLst>
-          </p:cNvPr>
-          <p:cNvSpPr>
-            <a:spLocks noGrp="1" noRot="1" noChangeAspect="1" noMove="1" noResize="1" noEditPoints="1" noAdjustHandles="1" noChangeArrowheads="1" noChangeShapeType="1" noTextEdit="1"/>
-          </p:cNvSpPr>
-          <p:nvPr>
-            <p:extLst>
-              <p:ext uri="{386F3935-93C4-4BCD-93E2-E3B085C9AB24}">
-                <p16:designElem xmlns:p16="http://schemas.microsoft.com/office/powerpoint/2015/main" val="1"/>
-              </p:ext>
-            </p:extLst>
-          </p:nvPr>
-        </p:nvSpPr>
-        <p:spPr>
-          <a:xfrm>
-            <a:off x="0" y="0"/>
-            <a:ext cx="12192000" cy="4257675"/>
-          </a:xfrm>
-          <a:prstGeom prst="rect">
-            <a:avLst/>
-          </a:prstGeom>
-          <a:ln>
-            <a:noFill/>
-          </a:ln>
-          <a:effectLst/>
-        </p:spPr>
-        <p:style>
-          <a:lnRef idx="2">
-            <a:schemeClr val="accent1">
-              <a:shade val="50000"/>
-            </a:schemeClr>
-          </a:lnRef>
-          <a:fillRef idx="1">
-            <a:schemeClr val="accent1"/>
-          </a:fillRef>
-          <a:effectRef idx="0">
-            <a:schemeClr val="accent1"/>
-          </a:effectRef>
-          <a:fontRef idx="minor">
-            <a:schemeClr val="lt1"/>
-          </a:fontRef>
-        </p:style>
-        <p:txBody>
-          <a:bodyPr rtlCol="0" anchor="ctr"/>
-          <a:lstStyle/>
-          <a:p>
-            <a:pPr algn="ctr"/>
-            <a:endParaRPr lang="en-US"/>
-          </a:p>
-        </p:txBody>
-      </p:sp>
       <p:sp>
         <p:nvSpPr>
           <p:cNvPr id="2" name="Tytuł 1">
             <a:extLst>
               <a:ext uri="{FF2B5EF4-FFF2-40B4-BE49-F238E27FC236}">
-                <a16:creationId xmlns:a16="http://schemas.microsoft.com/office/drawing/2014/main" id="{6DCFFFA1-B29E-4376-BD52-7CC3D6E0129B}"/>
+                <a16:creationId xmlns:a16="http://schemas.microsoft.com/office/drawing/2014/main" id="{BD8BAECE-C25A-4C41-83C8-2B29A2ED49F4}"/>
               </a:ext>
             </a:extLst>
           </p:cNvPr>
@@ -22834,18 +29933,18 @@
         </p:nvSpPr>
         <p:spPr>
           <a:xfrm>
-            <a:off x="1141412" y="609601"/>
-            <a:ext cx="9285822" cy="3402562"/>
+            <a:off x="643192" y="609600"/>
+            <a:ext cx="3643674" cy="1905000"/>
           </a:xfrm>
         </p:spPr>
         <p:txBody>
-          <a:bodyPr vert="horz" lIns="91440" tIns="45720" rIns="91440" bIns="45720" rtlCol="0" anchor="b">
+          <a:bodyPr vert="horz" lIns="91440" tIns="45720" rIns="91440" bIns="45720" rtlCol="0">
             <a:normAutofit/>
           </a:bodyPr>
           <a:lstStyle/>
           <a:p>
             <a:r>
-              <a:rPr lang="en-US" sz="6600">
+              <a:rPr lang="en-US" sz="4400" dirty="0" err="1">
                 <a:effectLst>
                   <a:glow rad="38100">
                     <a:schemeClr val="bg1">
@@ -22861,87 +29960,33 @@
                   </a:outerShdw>
                 </a:effectLst>
               </a:rPr>
-              <a:t>Co dalej?</a:t>
+              <a:t>Wyniki</a:t>
             </a:r>
+            <a:endParaRPr lang="en-US" sz="4400">
+              <a:effectLst>
+                <a:glow rad="38100">
+                  <a:prstClr val="black">
+                    <a:lumMod val="65000"/>
+                    <a:lumOff val="35000"/>
+                    <a:alpha val="50000"/>
+                  </a:prstClr>
+                </a:glow>
+                <a:outerShdw blurRad="28575" dist="31750" dir="13200000" algn="tl" rotWithShape="0">
+                  <a:srgbClr val="000000">
+                    <a:alpha val="25000"/>
+                  </a:srgbClr>
+                </a:outerShdw>
+              </a:effectLst>
+            </a:endParaRPr>
           </a:p>
         </p:txBody>
       </p:sp>
       <p:sp>
         <p:nvSpPr>
-          <p:cNvPr id="9" name="Rectangle 9">
+          <p:cNvPr id="23" name="Content Placeholder 22">
             <a:extLst>
               <a:ext uri="{FF2B5EF4-FFF2-40B4-BE49-F238E27FC236}">
-                <a16:creationId xmlns:a16="http://schemas.microsoft.com/office/drawing/2014/main" id="{22FC9FC5-AE70-47F7-97E7-DD8418F0D44B}"/>
-              </a:ext>
-              <a:ext uri="{C183D7F6-B498-43B3-948B-1728B52AA6E4}">
-                <adec:decorative xmlns:adec="http://schemas.microsoft.com/office/drawing/2017/decorative" val="1"/>
-              </a:ext>
-            </a:extLst>
-          </p:cNvPr>
-          <p:cNvSpPr>
-            <a:spLocks noGrp="1" noRot="1" noChangeAspect="1" noMove="1" noResize="1" noEditPoints="1" noAdjustHandles="1" noChangeArrowheads="1" noChangeShapeType="1" noTextEdit="1"/>
-          </p:cNvSpPr>
-          <p:nvPr>
-            <p:extLst>
-              <p:ext uri="{386F3935-93C4-4BCD-93E2-E3B085C9AB24}">
-                <p16:designElem xmlns:p16="http://schemas.microsoft.com/office/powerpoint/2015/main" val="1"/>
-              </p:ext>
-            </p:extLst>
-          </p:nvPr>
-        </p:nvSpPr>
-        <p:spPr>
-          <a:xfrm>
-            <a:off x="0" y="4565807"/>
-            <a:ext cx="12192000" cy="2292194"/>
-          </a:xfrm>
-          <a:prstGeom prst="rect">
-            <a:avLst/>
-          </a:prstGeom>
-          <a:solidFill>
-            <a:srgbClr val="363D46"/>
-          </a:solidFill>
-          <a:ln>
-            <a:noFill/>
-          </a:ln>
-          <a:effectLst>
-            <a:innerShdw blurRad="63500" dist="38100" dir="16200000">
-              <a:prstClr val="black">
-                <a:alpha val="50000"/>
-              </a:prstClr>
-            </a:innerShdw>
-          </a:effectLst>
-        </p:spPr>
-        <p:style>
-          <a:lnRef idx="2">
-            <a:schemeClr val="accent1">
-              <a:shade val="50000"/>
-            </a:schemeClr>
-          </a:lnRef>
-          <a:fillRef idx="1">
-            <a:schemeClr val="accent1"/>
-          </a:fillRef>
-          <a:effectRef idx="0">
-            <a:schemeClr val="accent1"/>
-          </a:effectRef>
-          <a:fontRef idx="minor">
-            <a:schemeClr val="lt1"/>
-          </a:fontRef>
-        </p:style>
-        <p:txBody>
-          <a:bodyPr rtlCol="0" anchor="ctr"/>
-          <a:lstStyle/>
-          <a:p>
-            <a:pPr algn="ctr"/>
-            <a:endParaRPr lang="en-US"/>
-          </a:p>
-        </p:txBody>
-      </p:sp>
-      <p:sp>
-        <p:nvSpPr>
-          <p:cNvPr id="3" name="Symbol zastępczy zawartości 2">
-            <a:extLst>
-              <a:ext uri="{FF2B5EF4-FFF2-40B4-BE49-F238E27FC236}">
-                <a16:creationId xmlns:a16="http://schemas.microsoft.com/office/drawing/2014/main" id="{3BA248A7-A1DC-47DD-A6E2-BEA370DB4BE6}"/>
+                <a16:creationId xmlns:a16="http://schemas.microsoft.com/office/drawing/2014/main" id="{C233497F-E112-4AAB-BBE5-9087C7255623}"/>
               </a:ext>
             </a:extLst>
           </p:cNvPr>
@@ -22954,167 +29999,204 @@
         </p:nvSpPr>
         <p:spPr>
           <a:xfrm>
-            <a:off x="1141412" y="4867276"/>
-            <a:ext cx="9285822" cy="923924"/>
+            <a:off x="257370" y="2666999"/>
+            <a:ext cx="4029496" cy="3216276"/>
           </a:xfrm>
         </p:spPr>
         <p:txBody>
-          <a:bodyPr vert="horz" lIns="91440" tIns="45720" rIns="91440" bIns="45720" rtlCol="0" anchor="t">
+          <a:bodyPr anchor="t">
             <a:normAutofit/>
           </a:bodyPr>
           <a:lstStyle/>
           <a:p>
-            <a:pPr marL="0" indent="0">
-              <a:lnSpc>
-                <a:spcPct val="90000"/>
-              </a:lnSpc>
-              <a:buNone/>
-            </a:pPr>
             <a:r>
-              <a:rPr lang="en-US" sz="3000" dirty="0" err="1">
-                <a:solidFill>
-                  <a:srgbClr val="E6E6E6"/>
-                </a:solidFill>
+              <a:rPr lang="en-US" sz="2800" dirty="0" err="1">
+                <a:effectLst>
+                  <a:glow rad="38100">
+                    <a:prstClr val="black">
+                      <a:lumMod val="50000"/>
+                      <a:lumOff val="50000"/>
+                      <a:alpha val="20000"/>
+                    </a:prstClr>
+                  </a:glow>
+                  <a:outerShdw blurRad="44450" dist="12700" dir="13860000" algn="tl" rotWithShape="0">
+                    <a:srgbClr val="000000">
+                      <a:alpha val="20000"/>
+                    </a:srgbClr>
+                  </a:outerShdw>
+                </a:effectLst>
               </a:rPr>
-              <a:t>Refaktoryzacja</a:t>
+              <a:t>Wykrywanie</a:t>
             </a:r>
             <a:r>
-              <a:rPr lang="en-US" sz="3000" dirty="0">
-                <a:solidFill>
-                  <a:srgbClr val="E6E6E6"/>
-                </a:solidFill>
-              </a:rPr>
-              <a:t> I </a:t>
-            </a:r>
-            <a:r>
-              <a:rPr lang="en-US" sz="3000" dirty="0" err="1">
-                <a:solidFill>
-                  <a:srgbClr val="E6E6E6"/>
-                </a:solidFill>
-              </a:rPr>
-              <a:t>polepszenie</a:t>
-            </a:r>
-            <a:r>
-              <a:rPr lang="en-US" sz="3000" dirty="0">
-                <a:solidFill>
-                  <a:srgbClr val="E6E6E6"/>
-                </a:solidFill>
+              <a:rPr lang="en-US" sz="2800" dirty="0">
+                <a:effectLst>
+                  <a:glow rad="38100">
+                    <a:prstClr val="black">
+                      <a:lumMod val="50000"/>
+                      <a:lumOff val="50000"/>
+                      <a:alpha val="20000"/>
+                    </a:prstClr>
+                  </a:glow>
+                  <a:outerShdw blurRad="44450" dist="12700" dir="13860000" algn="tl" rotWithShape="0">
+                    <a:srgbClr val="000000">
+                      <a:alpha val="20000"/>
+                    </a:srgbClr>
+                  </a:outerShdw>
+                </a:effectLst>
               </a:rPr>
               <a:t> </a:t>
             </a:r>
             <a:r>
-              <a:rPr lang="en-US" sz="3000" dirty="0" err="1">
-                <a:solidFill>
-                  <a:srgbClr val="E6E6E6"/>
-                </a:solidFill>
+              <a:rPr lang="en-US" sz="2800" dirty="0" err="1">
+                <a:effectLst>
+                  <a:glow rad="38100">
+                    <a:prstClr val="black">
+                      <a:lumMod val="50000"/>
+                      <a:lumOff val="50000"/>
+                      <a:alpha val="20000"/>
+                    </a:prstClr>
+                  </a:glow>
+                  <a:outerShdw blurRad="44450" dist="12700" dir="13860000" algn="tl" rotWithShape="0">
+                    <a:srgbClr val="000000">
+                      <a:alpha val="20000"/>
+                    </a:srgbClr>
+                  </a:outerShdw>
+                </a:effectLst>
               </a:rPr>
-              <a:t>wykrywania</a:t>
+              <a:t>tempa</a:t>
             </a:r>
             <a:r>
-              <a:rPr lang="en-US" sz="3000" dirty="0">
-                <a:solidFill>
-                  <a:srgbClr val="E6E6E6"/>
-                </a:solidFill>
+              <a:rPr lang="en-US" sz="2800" dirty="0">
+                <a:effectLst>
+                  <a:glow rad="38100">
+                    <a:prstClr val="black">
+                      <a:lumMod val="50000"/>
+                      <a:lumOff val="50000"/>
+                      <a:alpha val="20000"/>
+                    </a:prstClr>
+                  </a:glow>
+                  <a:outerShdw blurRad="44450" dist="12700" dir="13860000" algn="tl" rotWithShape="0">
+                    <a:srgbClr val="000000">
+                      <a:alpha val="20000"/>
+                    </a:srgbClr>
+                  </a:outerShdw>
+                </a:effectLst>
+              </a:rPr>
+              <a:t> ~ 30%/64%</a:t>
+            </a:r>
+          </a:p>
+          <a:p>
+            <a:r>
+              <a:rPr lang="en-US" sz="2800" dirty="0" err="1">
+                <a:effectLst>
+                  <a:glow rad="38100">
+                    <a:prstClr val="black">
+                      <a:lumMod val="50000"/>
+                      <a:lumOff val="50000"/>
+                      <a:alpha val="20000"/>
+                    </a:prstClr>
+                  </a:glow>
+                  <a:outerShdw blurRad="44450" dist="12700" dir="13860000" algn="tl" rotWithShape="0">
+                    <a:srgbClr val="000000">
+                      <a:alpha val="20000"/>
+                    </a:srgbClr>
+                  </a:outerShdw>
+                </a:effectLst>
+              </a:rPr>
+              <a:t>Wykrywanie</a:t>
+            </a:r>
+            <a:r>
+              <a:rPr lang="en-US" sz="2800" dirty="0">
+                <a:effectLst>
+                  <a:glow rad="38100">
+                    <a:prstClr val="black">
+                      <a:lumMod val="50000"/>
+                      <a:lumOff val="50000"/>
+                      <a:alpha val="20000"/>
+                    </a:prstClr>
+                  </a:glow>
+                  <a:outerShdw blurRad="44450" dist="12700" dir="13860000" algn="tl" rotWithShape="0">
+                    <a:srgbClr val="000000">
+                      <a:alpha val="20000"/>
+                    </a:srgbClr>
+                  </a:outerShdw>
+                </a:effectLst>
               </a:rPr>
               <a:t> </a:t>
             </a:r>
             <a:r>
-              <a:rPr lang="en-US" sz="3000" dirty="0" err="1">
-                <a:solidFill>
-                  <a:srgbClr val="E6E6E6"/>
-                </a:solidFill>
-              </a:rPr>
-              <a:t>tempa</a:t>
-            </a:r>
-            <a:r>
-              <a:rPr lang="en-US" sz="3000" dirty="0">
-                <a:solidFill>
-                  <a:srgbClr val="E6E6E6"/>
-                </a:solidFill>
-              </a:rPr>
-              <a:t> </a:t>
-            </a:r>
-            <a:r>
-              <a:rPr lang="en-US" sz="3000" dirty="0" err="1">
-                <a:solidFill>
-                  <a:srgbClr val="E6E6E6"/>
-                </a:solidFill>
-              </a:rPr>
-              <a:t>oraz</a:t>
-            </a:r>
-            <a:r>
-              <a:rPr lang="en-US" sz="3000" dirty="0">
-                <a:solidFill>
-                  <a:srgbClr val="E6E6E6"/>
-                </a:solidFill>
-              </a:rPr>
-              <a:t> </a:t>
-            </a:r>
-            <a:r>
-              <a:rPr lang="en-US" sz="3000" dirty="0" err="1">
-                <a:solidFill>
-                  <a:srgbClr val="E6E6E6"/>
-                </a:solidFill>
+              <a:rPr lang="en-US" sz="2800" dirty="0" err="1">
+                <a:effectLst>
+                  <a:glow rad="38100">
+                    <a:prstClr val="black">
+                      <a:lumMod val="50000"/>
+                      <a:lumOff val="50000"/>
+                      <a:alpha val="20000"/>
+                    </a:prstClr>
+                  </a:glow>
+                  <a:outerShdw blurRad="44450" dist="12700" dir="13860000" algn="tl" rotWithShape="0">
+                    <a:srgbClr val="000000">
+                      <a:alpha val="20000"/>
+                    </a:srgbClr>
+                  </a:outerShdw>
+                </a:effectLst>
               </a:rPr>
               <a:t>metrum</a:t>
             </a:r>
-            <a:endParaRPr lang="en-US" sz="3000" dirty="0" err="1">
-              <a:solidFill>
-                <a:srgbClr val="E6E6E6"/>
-              </a:solidFill>
-              <a:effectLst>
-                <a:glow rad="38100">
-                  <a:prstClr val="black">
-                    <a:lumMod val="50000"/>
-                    <a:lumOff val="50000"/>
-                    <a:alpha val="20000"/>
-                  </a:prstClr>
-                </a:glow>
-                <a:outerShdw blurRad="44450" dist="12700" dir="13860000" algn="tl" rotWithShape="0">
-                  <a:srgbClr val="000000">
-                    <a:alpha val="20000"/>
-                  </a:srgbClr>
-                </a:outerShdw>
-              </a:effectLst>
-            </a:endParaRPr>
+            <a:r>
+              <a:rPr lang="en-US" sz="2800" dirty="0">
+                <a:effectLst>
+                  <a:glow rad="38100">
+                    <a:prstClr val="black">
+                      <a:lumMod val="50000"/>
+                      <a:lumOff val="50000"/>
+                      <a:alpha val="20000"/>
+                    </a:prstClr>
+                  </a:glow>
+                  <a:outerShdw blurRad="44450" dist="12700" dir="13860000" algn="tl" rotWithShape="0">
+                    <a:srgbClr val="000000">
+                      <a:alpha val="20000"/>
+                    </a:srgbClr>
+                  </a:outerShdw>
+                </a:effectLst>
+              </a:rPr>
+              <a:t> ~ 30%/36%</a:t>
+            </a:r>
           </a:p>
         </p:txBody>
       </p:sp>
-      <p:cxnSp>
-        <p:nvCxnSpPr>
-          <p:cNvPr id="12" name="Straight Connector 11">
+      <p:pic>
+        <p:nvPicPr>
+          <p:cNvPr id="21" name="Obraz 21" descr="Obraz zawierający zrzut ekranu&#10;&#10;Opis wygenerowany przy bardzo wysokim poziomie pewności">
             <a:extLst>
               <a:ext uri="{FF2B5EF4-FFF2-40B4-BE49-F238E27FC236}">
-                <a16:creationId xmlns:a16="http://schemas.microsoft.com/office/drawing/2014/main" id="{BB6211A9-0224-42CE-8B84-2223FD5FA59B}"/>
-              </a:ext>
-              <a:ext uri="{C183D7F6-B498-43B3-948B-1728B52AA6E4}">
-                <adec:decorative xmlns:adec="http://schemas.microsoft.com/office/drawing/2017/decorative" val="1"/>
+                <a16:creationId xmlns:a16="http://schemas.microsoft.com/office/drawing/2014/main" id="{8351773D-E113-4082-85C8-7E127BB2F957}"/>
               </a:ext>
             </a:extLst>
           </p:cNvPr>
-          <p:cNvCxnSpPr>
-            <a:cxnSpLocks noGrp="1" noRot="1" noChangeAspect="1" noMove="1" noResize="1" noEditPoints="1" noAdjustHandles="1" noChangeArrowheads="1" noChangeShapeType="1"/>
-          </p:cNvCxnSpPr>
-          <p:nvPr>
-            <p:extLst>
-              <p:ext uri="{386F3935-93C4-4BCD-93E2-E3B085C9AB24}">
-                <p16:designElem xmlns:p16="http://schemas.microsoft.com/office/powerpoint/2015/main" val="1"/>
-              </p:ext>
-            </p:extLst>
-          </p:nvPr>
-        </p:nvCxnSpPr>
+          <p:cNvPicPr>
+            <a:picLocks noChangeAspect="1"/>
+          </p:cNvPicPr>
+          <p:nvPr/>
+        </p:nvPicPr>
+        <p:blipFill>
+          <a:blip r:embed="rId3"/>
+          <a:stretch>
+            <a:fillRect/>
+          </a:stretch>
+        </p:blipFill>
         <p:spPr>
           <a:xfrm>
-            <a:off x="0" y="4565807"/>
-            <a:ext cx="12192000" cy="0"/>
+            <a:off x="4630994" y="1548467"/>
+            <a:ext cx="6916633" cy="3441025"/>
           </a:xfrm>
-          <a:prstGeom prst="line">
-            <a:avLst/>
+          <a:prstGeom prst="roundRect">
+            <a:avLst>
+              <a:gd name="adj" fmla="val 3517"/>
+            </a:avLst>
           </a:prstGeom>
-          <a:solidFill>
-            <a:srgbClr val="FFFFFF"/>
-          </a:solidFill>
-          <a:ln w="38100" cap="flat">
+          <a:ln w="38100">
             <a:gradFill flip="none" rotWithShape="1">
               <a:gsLst>
                 <a:gs pos="0">
@@ -23129,31 +30211,59 @@
               <a:lin ang="5400000" scaled="0"/>
               <a:tileRect/>
             </a:gradFill>
-            <a:miter lim="800000"/>
           </a:ln>
-          <a:effectLst/>
+          <a:effectLst>
+            <a:innerShdw blurRad="57150" dist="38100" dir="14460000">
+              <a:srgbClr val="000000">
+                <a:alpha val="70000"/>
+              </a:srgbClr>
+            </a:innerShdw>
+          </a:effectLst>
         </p:spPr>
-        <p:style>
-          <a:lnRef idx="2">
-            <a:schemeClr val="accent1">
-              <a:shade val="50000"/>
-            </a:schemeClr>
-          </a:lnRef>
-          <a:fillRef idx="1">
-            <a:schemeClr val="accent1"/>
-          </a:fillRef>
-          <a:effectRef idx="0">
-            <a:schemeClr val="accent1"/>
-          </a:effectRef>
-          <a:fontRef idx="minor">
-            <a:schemeClr val="lt1"/>
-          </a:fontRef>
-        </p:style>
-      </p:cxnSp>
+      </p:pic>
+      <p:sp>
+        <p:nvSpPr>
+          <p:cNvPr id="25" name="pole tekstowe 24">
+            <a:extLst>
+              <a:ext uri="{FF2B5EF4-FFF2-40B4-BE49-F238E27FC236}">
+                <a16:creationId xmlns:a16="http://schemas.microsoft.com/office/drawing/2014/main" id="{21EB9235-39CC-4CBF-974D-7E29195EACD0}"/>
+              </a:ext>
+            </a:extLst>
+          </p:cNvPr>
+          <p:cNvSpPr txBox="1"/>
+          <p:nvPr/>
+        </p:nvSpPr>
+        <p:spPr>
+          <a:xfrm>
+            <a:off x="11548698" y="6329082"/>
+            <a:ext cx="515640" cy="369332"/>
+          </a:xfrm>
+          <a:prstGeom prst="rect">
+            <a:avLst/>
+          </a:prstGeom>
+          <a:noFill/>
+        </p:spPr>
+        <p:txBody>
+          <a:bodyPr rot="0" spcFirstLastPara="0" vertOverflow="overflow" horzOverflow="overflow" vert="horz" wrap="square" lIns="91440" tIns="45720" rIns="91440" bIns="45720" numCol="1" spcCol="0" rtlCol="0" fromWordArt="0" anchor="t" anchorCtr="0" forceAA="0" compatLnSpc="1">
+            <a:prstTxWarp prst="textNoShape">
+              <a:avLst/>
+            </a:prstTxWarp>
+            <a:spAutoFit/>
+          </a:bodyPr>
+          <a:lstStyle/>
+          <a:p>
+            <a:pPr algn="l"/>
+            <a:r>
+              <a:rPr lang="pl-PL" dirty="0"/>
+              <a:t>10</a:t>
+            </a:r>
+          </a:p>
+        </p:txBody>
+      </p:sp>
     </p:spTree>
     <p:extLst>
       <p:ext uri="{BB962C8B-B14F-4D97-AF65-F5344CB8AC3E}">
-        <p14:creationId xmlns:p14="http://schemas.microsoft.com/office/powerpoint/2010/main" val="3062873101"/>
+        <p14:creationId xmlns:p14="http://schemas.microsoft.com/office/powerpoint/2010/main" val="1016048461"/>
       </p:ext>
     </p:extLst>
   </p:cSld>
@@ -23185,7 +30295,7 @@
           <p:cNvPr id="2" name="Tytuł 1">
             <a:extLst>
               <a:ext uri="{FF2B5EF4-FFF2-40B4-BE49-F238E27FC236}">
-                <a16:creationId xmlns:a16="http://schemas.microsoft.com/office/drawing/2014/main" id="{382F9E26-7C95-4B5C-BDA2-962490D0BBB5}"/>
+                <a16:creationId xmlns:a16="http://schemas.microsoft.com/office/drawing/2014/main" id="{84E43DEB-6CBA-4DE4-AF28-A0104C02A12D}"/>
               </a:ext>
             </a:extLst>
           </p:cNvPr>
@@ -23218,7 +30328,7 @@
                   </a:outerShdw>
                 </a:effectLst>
               </a:rPr>
-              <a:t>Bibliografia</a:t>
+              <a:t>Wnioski</a:t>
             </a:r>
             <a:endParaRPr lang="pl-PL" dirty="0"/>
           </a:p>
@@ -23226,10 +30336,101 @@
       </p:sp>
       <p:sp>
         <p:nvSpPr>
-          <p:cNvPr id="3" name="Symbol zastępczy zawartości 2">
+          <p:cNvPr id="5" name="pole tekstowe 4">
             <a:extLst>
               <a:ext uri="{FF2B5EF4-FFF2-40B4-BE49-F238E27FC236}">
-                <a16:creationId xmlns:a16="http://schemas.microsoft.com/office/drawing/2014/main" id="{D2DFF064-D85F-4D49-8B62-6BFE2C55A5CE}"/>
+                <a16:creationId xmlns:a16="http://schemas.microsoft.com/office/drawing/2014/main" id="{CD990C35-3D00-4537-9586-0B60ABF604A9}"/>
+              </a:ext>
+            </a:extLst>
+          </p:cNvPr>
+          <p:cNvSpPr txBox="1"/>
+          <p:nvPr/>
+        </p:nvSpPr>
+        <p:spPr>
+          <a:xfrm>
+            <a:off x="11548698" y="6329082"/>
+            <a:ext cx="515640" cy="369332"/>
+          </a:xfrm>
+          <a:prstGeom prst="rect">
+            <a:avLst/>
+          </a:prstGeom>
+          <a:noFill/>
+        </p:spPr>
+        <p:txBody>
+          <a:bodyPr rot="0" spcFirstLastPara="0" vertOverflow="overflow" horzOverflow="overflow" vert="horz" wrap="square" lIns="91440" tIns="45720" rIns="91440" bIns="45720" numCol="1" spcCol="0" rtlCol="0" fromWordArt="0" anchor="t" anchorCtr="0" forceAA="0" compatLnSpc="1">
+            <a:prstTxWarp prst="textNoShape">
+              <a:avLst/>
+            </a:prstTxWarp>
+            <a:spAutoFit/>
+          </a:bodyPr>
+          <a:lstStyle/>
+          <a:p>
+            <a:pPr algn="l"/>
+            <a:r>
+              <a:rPr lang="pl-PL" dirty="0"/>
+              <a:t>11</a:t>
+            </a:r>
+          </a:p>
+        </p:txBody>
+      </p:sp>
+      <p:graphicFrame>
+        <p:nvGraphicFramePr>
+          <p:cNvPr id="6" name="Diagram 3">
+            <a:extLst>
+              <a:ext uri="{FF2B5EF4-FFF2-40B4-BE49-F238E27FC236}">
+                <a16:creationId xmlns:a16="http://schemas.microsoft.com/office/drawing/2014/main" id="{01F84425-0C27-42C0-8698-09F4D066CE52}"/>
+              </a:ext>
+            </a:extLst>
+          </p:cNvPr>
+          <p:cNvGraphicFramePr/>
+          <p:nvPr/>
+        </p:nvGraphicFramePr>
+        <p:xfrm>
+          <a:off x="1141413" y="2666999"/>
+          <a:ext cx="9905998" cy="3124201"/>
+        </p:xfrm>
+        <a:graphic>
+          <a:graphicData uri="http://schemas.openxmlformats.org/drawingml/2006/diagram">
+            <dgm:relIds xmlns:dgm="http://schemas.openxmlformats.org/drawingml/2006/diagram" xmlns:r="http://schemas.openxmlformats.org/officeDocument/2006/relationships" r:dm="rId2" r:lo="rId3" r:qs="rId4" r:cs="rId5"/>
+          </a:graphicData>
+        </a:graphic>
+      </p:graphicFrame>
+    </p:spTree>
+    <p:extLst>
+      <p:ext uri="{BB962C8B-B14F-4D97-AF65-F5344CB8AC3E}">
+        <p14:creationId xmlns:p14="http://schemas.microsoft.com/office/powerpoint/2010/main" val="3540752265"/>
+      </p:ext>
+    </p:extLst>
+  </p:cSld>
+  <p:clrMapOvr>
+    <a:masterClrMapping/>
+  </p:clrMapOvr>
+</p:sld>
+</file>
+
+<file path=ppt/slides/slide13.xml><?xml version="1.0" encoding="utf-8"?>
+<p:sld xmlns:a="http://schemas.openxmlformats.org/drawingml/2006/main" xmlns:r="http://schemas.openxmlformats.org/officeDocument/2006/relationships" xmlns:p="http://schemas.openxmlformats.org/presentationml/2006/main">
+  <p:cSld>
+    <p:spTree>
+      <p:nvGrpSpPr>
+        <p:cNvPr id="1" name=""/>
+        <p:cNvGrpSpPr/>
+        <p:nvPr/>
+      </p:nvGrpSpPr>
+      <p:grpSpPr>
+        <a:xfrm>
+          <a:off x="0" y="0"/>
+          <a:ext cx="0" cy="0"/>
+          <a:chOff x="0" y="0"/>
+          <a:chExt cx="0" cy="0"/>
+        </a:xfrm>
+      </p:grpSpPr>
+      <p:sp>
+        <p:nvSpPr>
+          <p:cNvPr id="2" name="Tytuł 1">
+            <a:extLst>
+              <a:ext uri="{FF2B5EF4-FFF2-40B4-BE49-F238E27FC236}">
+                <a16:creationId xmlns:a16="http://schemas.microsoft.com/office/drawing/2014/main" id="{0CE2D5C5-C097-471D-8096-8D9F3D6D8C91}"/>
               </a:ext>
             </a:extLst>
           </p:cNvPr>
@@ -23237,14 +30438,232 @@
             <a:spLocks noGrp="1"/>
           </p:cNvSpPr>
           <p:nvPr>
-            <p:ph idx="1"/>
+            <p:ph type="title"/>
           </p:nvPr>
         </p:nvSpPr>
         <p:spPr/>
         <p:txBody>
-          <a:bodyPr>
-            <a:normAutofit/>
+          <a:bodyPr/>
+          <a:lstStyle/>
+          <a:p>
+            <a:r>
+              <a:rPr lang="pl-PL" dirty="0">
+                <a:effectLst>
+                  <a:glow rad="38100">
+                    <a:prstClr val="black">
+                      <a:lumMod val="65000"/>
+                      <a:lumOff val="35000"/>
+                      <a:alpha val="40000"/>
+                    </a:prstClr>
+                  </a:glow>
+                  <a:outerShdw blurRad="28575" dist="38100" dir="14040000" algn="tl" rotWithShape="0">
+                    <a:srgbClr val="000000">
+                      <a:alpha val="25000"/>
+                    </a:srgbClr>
+                  </a:outerShdw>
+                </a:effectLst>
+              </a:rPr>
+              <a:t>Dalsze prace</a:t>
+            </a:r>
+            <a:endParaRPr lang="pl-PL" dirty="0"/>
+          </a:p>
+        </p:txBody>
+      </p:sp>
+      <p:sp>
+        <p:nvSpPr>
+          <p:cNvPr id="5" name="pole tekstowe 4">
+            <a:extLst>
+              <a:ext uri="{FF2B5EF4-FFF2-40B4-BE49-F238E27FC236}">
+                <a16:creationId xmlns:a16="http://schemas.microsoft.com/office/drawing/2014/main" id="{FC53E8F7-6B21-4D2F-9580-6C8C5DB78219}"/>
+              </a:ext>
+            </a:extLst>
+          </p:cNvPr>
+          <p:cNvSpPr txBox="1"/>
+          <p:nvPr/>
+        </p:nvSpPr>
+        <p:spPr>
+          <a:xfrm>
+            <a:off x="11548698" y="6329082"/>
+            <a:ext cx="515640" cy="369332"/>
+          </a:xfrm>
+          <a:prstGeom prst="rect">
+            <a:avLst/>
+          </a:prstGeom>
+          <a:noFill/>
+        </p:spPr>
+        <p:txBody>
+          <a:bodyPr rot="0" spcFirstLastPara="0" vertOverflow="overflow" horzOverflow="overflow" vert="horz" wrap="square" lIns="91440" tIns="45720" rIns="91440" bIns="45720" numCol="1" spcCol="0" rtlCol="0" fromWordArt="0" anchor="t" anchorCtr="0" forceAA="0" compatLnSpc="1">
+            <a:prstTxWarp prst="textNoShape">
+              <a:avLst/>
+            </a:prstTxWarp>
+            <a:spAutoFit/>
           </a:bodyPr>
+          <a:lstStyle/>
+          <a:p>
+            <a:pPr algn="l"/>
+            <a:r>
+              <a:rPr lang="pl-PL" dirty="0"/>
+              <a:t>12</a:t>
+            </a:r>
+          </a:p>
+        </p:txBody>
+      </p:sp>
+      <p:graphicFrame>
+        <p:nvGraphicFramePr>
+          <p:cNvPr id="7" name="Diagram 7">
+            <a:extLst>
+              <a:ext uri="{FF2B5EF4-FFF2-40B4-BE49-F238E27FC236}">
+                <a16:creationId xmlns:a16="http://schemas.microsoft.com/office/drawing/2014/main" id="{A235BED9-AA89-431A-92DC-7365B35EFBC1}"/>
+              </a:ext>
+            </a:extLst>
+          </p:cNvPr>
+          <p:cNvGraphicFramePr/>
+          <p:nvPr/>
+        </p:nvGraphicFramePr>
+        <p:xfrm>
+          <a:off x="1141413" y="2666999"/>
+          <a:ext cx="9905998" cy="3124201"/>
+        </p:xfrm>
+        <a:graphic>
+          <a:graphicData uri="http://schemas.openxmlformats.org/drawingml/2006/diagram">
+            <dgm:relIds xmlns:dgm="http://schemas.openxmlformats.org/drawingml/2006/diagram" xmlns:r="http://schemas.openxmlformats.org/officeDocument/2006/relationships" r:dm="rId2" r:lo="rId3" r:qs="rId4" r:cs="rId5"/>
+          </a:graphicData>
+        </a:graphic>
+      </p:graphicFrame>
+    </p:spTree>
+    <p:extLst>
+      <p:ext uri="{BB962C8B-B14F-4D97-AF65-F5344CB8AC3E}">
+        <p14:creationId xmlns:p14="http://schemas.microsoft.com/office/powerpoint/2010/main" val="2906141745"/>
+      </p:ext>
+    </p:extLst>
+  </p:cSld>
+  <p:clrMapOvr>
+    <a:masterClrMapping/>
+  </p:clrMapOvr>
+</p:sld>
+</file>
+
+<file path=ppt/slides/slide14.xml><?xml version="1.0" encoding="utf-8"?>
+<p:sld xmlns:a="http://schemas.openxmlformats.org/drawingml/2006/main" xmlns:r="http://schemas.openxmlformats.org/officeDocument/2006/relationships" xmlns:p="http://schemas.openxmlformats.org/presentationml/2006/main">
+  <p:cSld>
+    <p:spTree>
+      <p:nvGrpSpPr>
+        <p:cNvPr id="1" name=""/>
+        <p:cNvGrpSpPr/>
+        <p:nvPr/>
+      </p:nvGrpSpPr>
+      <p:grpSpPr>
+        <a:xfrm>
+          <a:off x="0" y="0"/>
+          <a:ext cx="0" cy="0"/>
+          <a:chOff x="0" y="0"/>
+          <a:chExt cx="0" cy="0"/>
+        </a:xfrm>
+      </p:grpSpPr>
+      <p:sp>
+        <p:nvSpPr>
+          <p:cNvPr id="2" name="Tytuł 1"/>
+          <p:cNvSpPr>
+            <a:spLocks noGrp="1"/>
+          </p:cNvSpPr>
+          <p:nvPr>
+            <p:ph type="ctrTitle"/>
+          </p:nvPr>
+        </p:nvSpPr>
+        <p:spPr>
+          <a:xfrm>
+            <a:off x="1751012" y="-753034"/>
+            <a:ext cx="8676222" cy="3200400"/>
+          </a:xfrm>
+        </p:spPr>
+        <p:txBody>
+          <a:bodyPr/>
+          <a:lstStyle/>
+          <a:p>
+            <a:r>
+              <a:rPr lang="pl-PL" dirty="0">
+                <a:effectLst>
+                  <a:glow rad="38100">
+                    <a:prstClr val="black">
+                      <a:lumMod val="65000"/>
+                      <a:lumOff val="35000"/>
+                      <a:alpha val="50000"/>
+                    </a:prstClr>
+                  </a:glow>
+                  <a:outerShdw blurRad="28575" dist="31750" dir="13200000" algn="tl" rotWithShape="0">
+                    <a:srgbClr val="000000">
+                      <a:alpha val="25000"/>
+                    </a:srgbClr>
+                  </a:outerShdw>
+                </a:effectLst>
+                <a:ea typeface="+mj-lt"/>
+                <a:cs typeface="+mj-lt"/>
+              </a:rPr>
+              <a:t>Wykrywanie metrum</a:t>
+            </a:r>
+            <a:br>
+              <a:rPr lang="pl-PL" dirty="0">
+                <a:effectLst>
+                  <a:glow rad="38100">
+                    <a:prstClr val="black">
+                      <a:lumMod val="65000"/>
+                      <a:lumOff val="35000"/>
+                      <a:alpha val="50000"/>
+                    </a:prstClr>
+                  </a:glow>
+                  <a:outerShdw blurRad="28575" dist="31750" dir="13200000" algn="tl" rotWithShape="0">
+                    <a:srgbClr val="000000">
+                      <a:alpha val="25000"/>
+                    </a:srgbClr>
+                  </a:outerShdw>
+                </a:effectLst>
+                <a:ea typeface="+mj-lt"/>
+                <a:cs typeface="+mj-lt"/>
+              </a:rPr>
+            </a:br>
+            <a:r>
+              <a:rPr lang="pl-PL" dirty="0">
+                <a:effectLst>
+                  <a:glow rad="38100">
+                    <a:prstClr val="black">
+                      <a:lumMod val="65000"/>
+                      <a:lumOff val="35000"/>
+                      <a:alpha val="50000"/>
+                    </a:prstClr>
+                  </a:glow>
+                  <a:outerShdw blurRad="28575" dist="31750" dir="13200000" algn="tl" rotWithShape="0">
+                    <a:srgbClr val="000000">
+                      <a:alpha val="25000"/>
+                    </a:srgbClr>
+                  </a:outerShdw>
+                </a:effectLst>
+                <a:ea typeface="+mj-lt"/>
+                <a:cs typeface="+mj-lt"/>
+              </a:rPr>
+              <a:t> i tempa utworu muzycznego</a:t>
+            </a:r>
+            <a:endParaRPr lang="pl-PL" dirty="0"/>
+          </a:p>
+        </p:txBody>
+      </p:sp>
+      <p:sp>
+        <p:nvSpPr>
+          <p:cNvPr id="3" name="Podtytuł 2"/>
+          <p:cNvSpPr>
+            <a:spLocks noGrp="1"/>
+          </p:cNvSpPr>
+          <p:nvPr>
+            <p:ph type="subTitle" idx="1"/>
+          </p:nvPr>
+        </p:nvSpPr>
+        <p:spPr>
+          <a:xfrm>
+            <a:off x="1822730" y="2693894"/>
+            <a:ext cx="8676222" cy="1905000"/>
+          </a:xfrm>
+        </p:spPr>
+        <p:txBody>
+          <a:bodyPr/>
           <a:lstStyle/>
           <a:p>
             <a:r>
@@ -23263,11 +30682,72 @@
                     </a:srgbClr>
                   </a:outerShdw>
                 </a:effectLst>
-                <a:ea typeface="+mn-lt"/>
-                <a:cs typeface="+mn-lt"/>
-                <a:hlinkClick r:id="rId2"/>
+                <a:latin typeface="Arial"/>
+                <a:cs typeface="Arial"/>
               </a:rPr>
-              <a:t>https://www.wikiwand.com/pl/Metrum_(muzyka)</a:t>
+              <a:t>Autor: Marek </a:t>
+            </a:r>
+            <a:r>
+              <a:rPr lang="pl-PL" dirty="0" err="1">
+                <a:effectLst>
+                  <a:glow rad="38100">
+                    <a:prstClr val="black">
+                      <a:lumMod val="50000"/>
+                      <a:lumOff val="50000"/>
+                      <a:alpha val="20000"/>
+                    </a:prstClr>
+                  </a:glow>
+                  <a:outerShdw blurRad="44450" dist="12700" dir="13860000" algn="tl" rotWithShape="0">
+                    <a:srgbClr val="000000">
+                      <a:alpha val="20000"/>
+                    </a:srgbClr>
+                  </a:outerShdw>
+                </a:effectLst>
+                <a:latin typeface="Arial"/>
+                <a:cs typeface="Arial"/>
+              </a:rPr>
+              <a:t>Żabiałowicz</a:t>
+            </a:r>
+            <a:endParaRPr lang="pl-PL">
+              <a:effectLst>
+                <a:glow rad="38100">
+                  <a:prstClr val="black">
+                    <a:lumMod val="50000"/>
+                    <a:lumOff val="50000"/>
+                    <a:alpha val="20000"/>
+                  </a:prstClr>
+                </a:glow>
+                <a:outerShdw blurRad="44450" dist="12700" dir="13860000" algn="tl" rotWithShape="0">
+                  <a:srgbClr val="000000">
+                    <a:alpha val="20000"/>
+                  </a:srgbClr>
+                </a:outerShdw>
+              </a:effectLst>
+              <a:latin typeface="Arial"/>
+              <a:cs typeface="Arial"/>
+            </a:endParaRPr>
+          </a:p>
+          <a:p>
+            <a:r>
+              <a:rPr lang="pl-PL" dirty="0">
+                <a:effectLst>
+                  <a:glow rad="38100">
+                    <a:prstClr val="black">
+                      <a:lumMod val="50000"/>
+                      <a:lumOff val="50000"/>
+                      <a:alpha val="20000"/>
+                    </a:prstClr>
+                  </a:glow>
+                  <a:outerShdw blurRad="44450" dist="12700" dir="13860000" algn="tl" rotWithShape="0">
+                    <a:srgbClr val="000000">
+                      <a:alpha val="20000"/>
+                    </a:srgbClr>
+                  </a:outerShdw>
+                </a:effectLst>
+                <a:latin typeface="Arial"/>
+                <a:cs typeface="Arial"/>
+              </a:rPr>
+              <a:t>Promotor: dr inż. Daniel Kostrzewa</a:t>
             </a:r>
           </a:p>
           <a:p>
@@ -23287,149 +30767,65 @@
                     </a:srgbClr>
                   </a:outerShdw>
                 </a:effectLst>
-                <a:ea typeface="+mn-lt"/>
-                <a:cs typeface="+mn-lt"/>
+                <a:latin typeface="Arial"/>
+                <a:cs typeface="Arial"/>
               </a:rPr>
-              <a:t>https://upload.wikimedia.org/wikipedia/commons/thumb/e/ef/Ilustracja_do_metrum.svg/320px-Ilustracja_do_metrum.svg.png</a:t>
+              <a:t>Gliwice, Politechnika Śląska, styczeń 2019</a:t>
             </a:r>
-          </a:p>
-          <a:p>
-            <a:endParaRPr lang="pl-PL" dirty="0">
-              <a:effectLst>
-                <a:glow rad="38100">
-                  <a:prstClr val="black">
-                    <a:lumMod val="50000"/>
-                    <a:lumOff val="50000"/>
-                    <a:alpha val="20000"/>
-                  </a:prstClr>
-                </a:glow>
-                <a:outerShdw blurRad="44450" dist="12700" dir="13860000" algn="tl" rotWithShape="0">
-                  <a:srgbClr val="000000">
-                    <a:alpha val="20000"/>
-                  </a:srgbClr>
-                </a:outerShdw>
-              </a:effectLst>
-              <a:ea typeface="+mn-lt"/>
-              <a:cs typeface="+mn-lt"/>
-            </a:endParaRPr>
           </a:p>
         </p:txBody>
       </p:sp>
-    </p:spTree>
-    <p:extLst>
-      <p:ext uri="{BB962C8B-B14F-4D97-AF65-F5344CB8AC3E}">
-        <p14:creationId xmlns:p14="http://schemas.microsoft.com/office/powerpoint/2010/main" val="3661961424"/>
-      </p:ext>
-    </p:extLst>
-  </p:cSld>
-  <p:clrMapOvr>
-    <a:masterClrMapping/>
-  </p:clrMapOvr>
-</p:sld>
-</file>
-
-<file path=ppt/slides/slide13.xml><?xml version="1.0" encoding="utf-8"?>
-<p:sld xmlns:a="http://schemas.openxmlformats.org/drawingml/2006/main" xmlns:r="http://schemas.openxmlformats.org/officeDocument/2006/relationships" xmlns:p="http://schemas.openxmlformats.org/presentationml/2006/main">
-  <p:cSld>
-    <p:bg>
-      <p:bgPr>
-        <a:blipFill rotWithShape="1">
-          <a:blip r:embed="rId2">
-            <a:duotone>
-              <a:schemeClr val="bg2">
-                <a:shade val="28000"/>
-                <a:satMod val="94000"/>
-                <a:lumMod val="20000"/>
-              </a:schemeClr>
-              <a:schemeClr val="bg2">
-                <a:tint val="94000"/>
-                <a:shade val="84000"/>
-                <a:satMod val="148000"/>
-                <a:lumMod val="114000"/>
-              </a:schemeClr>
-            </a:duotone>
-          </a:blip>
-          <a:stretch/>
-        </a:blipFill>
-        <a:effectLst/>
-      </p:bgPr>
-    </p:bg>
-    <p:spTree>
-      <p:nvGrpSpPr>
-        <p:cNvPr id="1" name=""/>
-        <p:cNvGrpSpPr/>
-        <p:nvPr/>
-      </p:nvGrpSpPr>
-      <p:grpSpPr>
-        <a:xfrm>
-          <a:off x="0" y="0"/>
-          <a:ext cx="0" cy="0"/>
-          <a:chOff x="0" y="0"/>
-          <a:chExt cx="0" cy="0"/>
-        </a:xfrm>
-      </p:grpSpPr>
-      <p:pic>
-        <p:nvPicPr>
-          <p:cNvPr id="6" name="Picture 4">
+      <p:sp>
+        <p:nvSpPr>
+          <p:cNvPr id="8" name="Tytuł 1">
             <a:extLst>
               <a:ext uri="{FF2B5EF4-FFF2-40B4-BE49-F238E27FC236}">
-                <a16:creationId xmlns:a16="http://schemas.microsoft.com/office/drawing/2014/main" id="{9568D903-972C-4E3E-A3F0-7C74CCFED862}"/>
+                <a16:creationId xmlns:a16="http://schemas.microsoft.com/office/drawing/2014/main" id="{70A4CB6D-E09D-40C6-A625-12585D845E57}"/>
               </a:ext>
             </a:extLst>
           </p:cNvPr>
-          <p:cNvPicPr>
-            <a:picLocks noChangeAspect="1"/>
-          </p:cNvPicPr>
+          <p:cNvSpPr txBox="1">
+            <a:spLocks/>
+          </p:cNvSpPr>
           <p:nvPr/>
-        </p:nvPicPr>
-        <p:blipFill rotWithShape="1">
-          <a:blip r:embed="rId3">
-            <a:alphaModFix amt="15000"/>
-          </a:blip>
-          <a:srcRect t="7787"/>
-          <a:stretch/>
-        </p:blipFill>
+        </p:nvSpPr>
         <p:spPr>
           <a:xfrm>
-            <a:off x="20" y="10"/>
-            <a:ext cx="12191980" cy="6857990"/>
+            <a:off x="1759977" y="2689413"/>
+            <a:ext cx="8676222" cy="3200400"/>
           </a:xfrm>
           <a:prstGeom prst="rect">
             <a:avLst/>
           </a:prstGeom>
         </p:spPr>
-      </p:pic>
-      <p:sp>
-        <p:nvSpPr>
-          <p:cNvPr id="2" name="Tytuł 1">
-            <a:extLst>
-              <a:ext uri="{FF2B5EF4-FFF2-40B4-BE49-F238E27FC236}">
-                <a16:creationId xmlns:a16="http://schemas.microsoft.com/office/drawing/2014/main" id="{64E680C0-9BC7-4B8C-9FBD-DB7C83C99707}"/>
-              </a:ext>
-            </a:extLst>
-          </p:cNvPr>
-          <p:cNvSpPr>
-            <a:spLocks noGrp="1"/>
-          </p:cNvSpPr>
-          <p:nvPr>
-            <p:ph type="title"/>
-          </p:nvPr>
-        </p:nvSpPr>
-        <p:spPr>
-          <a:xfrm>
-            <a:off x="1751012" y="609601"/>
-            <a:ext cx="8676222" cy="3200400"/>
-          </a:xfrm>
-        </p:spPr>
         <p:txBody>
           <a:bodyPr vert="horz" lIns="91440" tIns="45720" rIns="91440" bIns="45720" rtlCol="0" anchor="b">
             <a:normAutofit/>
           </a:bodyPr>
-          <a:lstStyle/>
-          <a:p>
-            <a:pPr algn="ctr"/>
-            <a:r>
-              <a:rPr lang="en-US" sz="4800">
+          <a:lstStyle>
+            <a:lvl1pPr algn="ctr" defTabSz="457200" rtl="0" eaLnBrk="1" latinLnBrk="0" hangingPunct="1">
+              <a:spcBef>
+                <a:spcPct val="0"/>
+              </a:spcBef>
+              <a:buNone/>
+              <a:defRPr sz="4800" kern="1200" cap="all">
+                <a:ln w="3175" cmpd="sng">
+                  <a:noFill/>
+                </a:ln>
+                <a:gradFill flip="none" rotWithShape="1">
+                  <a:gsLst>
+                    <a:gs pos="0">
+                      <a:schemeClr val="tx1"/>
+                    </a:gs>
+                    <a:gs pos="100000">
+                      <a:schemeClr val="tx1">
+                        <a:lumMod val="65000"/>
+                      </a:schemeClr>
+                    </a:gs>
+                  </a:gsLst>
+                  <a:lin ang="5580000" scaled="0"/>
+                  <a:tileRect/>
+                </a:gradFill>
                 <a:effectLst>
                   <a:glow rad="38100">
                     <a:schemeClr val="bg1">
@@ -23444,61 +30840,72 @@
                     </a:srgbClr>
                   </a:outerShdw>
                 </a:effectLst>
-              </a:rPr>
+                <a:latin typeface="+mj-lt"/>
+                <a:ea typeface="+mj-ea"/>
+                <a:cs typeface="+mj-cs"/>
+              </a:defRPr>
+            </a:lvl1pPr>
+            <a:lvl2pPr eaLnBrk="1" hangingPunct="1">
+              <a:defRPr>
+                <a:solidFill>
+                  <a:schemeClr val="tx2"/>
+                </a:solidFill>
+              </a:defRPr>
+            </a:lvl2pPr>
+            <a:lvl3pPr eaLnBrk="1" hangingPunct="1">
+              <a:defRPr>
+                <a:solidFill>
+                  <a:schemeClr val="tx2"/>
+                </a:solidFill>
+              </a:defRPr>
+            </a:lvl3pPr>
+            <a:lvl4pPr eaLnBrk="1" hangingPunct="1">
+              <a:defRPr>
+                <a:solidFill>
+                  <a:schemeClr val="tx2"/>
+                </a:solidFill>
+              </a:defRPr>
+            </a:lvl4pPr>
+            <a:lvl5pPr eaLnBrk="1" hangingPunct="1">
+              <a:defRPr>
+                <a:solidFill>
+                  <a:schemeClr val="tx2"/>
+                </a:solidFill>
+              </a:defRPr>
+            </a:lvl5pPr>
+            <a:lvl6pPr eaLnBrk="1" hangingPunct="1">
+              <a:defRPr>
+                <a:solidFill>
+                  <a:schemeClr val="tx2"/>
+                </a:solidFill>
+              </a:defRPr>
+            </a:lvl6pPr>
+            <a:lvl7pPr eaLnBrk="1" hangingPunct="1">
+              <a:defRPr>
+                <a:solidFill>
+                  <a:schemeClr val="tx2"/>
+                </a:solidFill>
+              </a:defRPr>
+            </a:lvl7pPr>
+            <a:lvl8pPr eaLnBrk="1" hangingPunct="1">
+              <a:defRPr>
+                <a:solidFill>
+                  <a:schemeClr val="tx2"/>
+                </a:solidFill>
+              </a:defRPr>
+            </a:lvl8pPr>
+            <a:lvl9pPr eaLnBrk="1" hangingPunct="1">
+              <a:defRPr>
+                <a:solidFill>
+                  <a:schemeClr val="tx2"/>
+                </a:solidFill>
+              </a:defRPr>
+            </a:lvl9pPr>
+          </a:lstStyle>
+          <a:p>
+            <a:r>
+              <a:rPr lang="en-US"/>
               <a:t>Dziękuję za uwagę</a:t>
-            </a:r>
-          </a:p>
-        </p:txBody>
-      </p:sp>
-      <p:sp>
-        <p:nvSpPr>
-          <p:cNvPr id="3" name="Symbol zastępczy zawartości 2">
-            <a:extLst>
-              <a:ext uri="{FF2B5EF4-FFF2-40B4-BE49-F238E27FC236}">
-                <a16:creationId xmlns:a16="http://schemas.microsoft.com/office/drawing/2014/main" id="{EEF639A1-B0E8-4AEF-BA76-4D296DB454AA}"/>
-              </a:ext>
-            </a:extLst>
-          </p:cNvPr>
-          <p:cNvSpPr>
-            <a:spLocks noGrp="1"/>
-          </p:cNvSpPr>
-          <p:nvPr>
-            <p:ph idx="1"/>
-          </p:nvPr>
-        </p:nvSpPr>
-        <p:spPr>
-          <a:xfrm>
-            <a:off x="1751012" y="3886200"/>
-            <a:ext cx="8676222" cy="1905000"/>
-          </a:xfrm>
-        </p:spPr>
-        <p:txBody>
-          <a:bodyPr vert="horz" lIns="91440" tIns="45720" rIns="91440" bIns="45720" rtlCol="0" anchor="t">
-            <a:normAutofit/>
-          </a:bodyPr>
-          <a:lstStyle/>
-          <a:p>
-            <a:pPr marL="0" indent="0" algn="ctr">
-              <a:buNone/>
-            </a:pPr>
-            <a:r>
-              <a:rPr lang="en-US" sz="2100">
-                <a:gradFill flip="none" rotWithShape="1">
-                  <a:gsLst>
-                    <a:gs pos="0">
-                      <a:schemeClr val="tx1"/>
-                    </a:gs>
-                    <a:gs pos="100000">
-                      <a:schemeClr val="tx1">
-                        <a:lumMod val="75000"/>
-                      </a:schemeClr>
-                    </a:gs>
-                  </a:gsLst>
-                  <a:lin ang="5400000" scaled="0"/>
-                  <a:tileRect/>
-                </a:gradFill>
-              </a:rPr>
-              <a:t>Zapraszam do zadawania pytań</a:t>
             </a:r>
           </a:p>
         </p:txBody>
@@ -23506,7 +30913,7 @@
     </p:spTree>
     <p:extLst>
       <p:ext uri="{BB962C8B-B14F-4D97-AF65-F5344CB8AC3E}">
-        <p14:creationId xmlns:p14="http://schemas.microsoft.com/office/powerpoint/2010/main" val="348793600"/>
+        <p14:creationId xmlns:p14="http://schemas.microsoft.com/office/powerpoint/2010/main" val="3345471166"/>
       </p:ext>
     </p:extLst>
   </p:cSld>
@@ -23638,6 +31045,45 @@
           </a:graphicData>
         </a:graphic>
       </p:graphicFrame>
+      <p:sp>
+        <p:nvSpPr>
+          <p:cNvPr id="42" name="pole tekstowe 41">
+            <a:extLst>
+              <a:ext uri="{FF2B5EF4-FFF2-40B4-BE49-F238E27FC236}">
+                <a16:creationId xmlns:a16="http://schemas.microsoft.com/office/drawing/2014/main" id="{01B0C9AA-455F-4871-8E80-00841F8EE583}"/>
+              </a:ext>
+            </a:extLst>
+          </p:cNvPr>
+          <p:cNvSpPr txBox="1"/>
+          <p:nvPr/>
+        </p:nvSpPr>
+        <p:spPr>
+          <a:xfrm>
+            <a:off x="11645153" y="6329082"/>
+            <a:ext cx="322730" cy="369332"/>
+          </a:xfrm>
+          <a:prstGeom prst="rect">
+            <a:avLst/>
+          </a:prstGeom>
+          <a:noFill/>
+        </p:spPr>
+        <p:txBody>
+          <a:bodyPr rot="0" spcFirstLastPara="0" vertOverflow="overflow" horzOverflow="overflow" vert="horz" wrap="square" lIns="91440" tIns="45720" rIns="91440" bIns="45720" numCol="1" spcCol="0" rtlCol="0" fromWordArt="0" anchor="t" anchorCtr="0" forceAA="0" compatLnSpc="1">
+            <a:prstTxWarp prst="textNoShape">
+              <a:avLst/>
+            </a:prstTxWarp>
+            <a:spAutoFit/>
+          </a:bodyPr>
+          <a:lstStyle/>
+          <a:p>
+            <a:pPr algn="l"/>
+            <a:r>
+              <a:rPr lang="pl-PL" dirty="0"/>
+              <a:t>1</a:t>
+            </a:r>
+          </a:p>
+        </p:txBody>
+      </p:sp>
     </p:spTree>
     <p:extLst>
       <p:ext uri="{BB962C8B-B14F-4D97-AF65-F5344CB8AC3E}">
@@ -23773,6 +31219,45 @@
           </a:graphicData>
         </a:graphic>
       </p:graphicFrame>
+      <p:sp>
+        <p:nvSpPr>
+          <p:cNvPr id="6" name="pole tekstowe 5">
+            <a:extLst>
+              <a:ext uri="{FF2B5EF4-FFF2-40B4-BE49-F238E27FC236}">
+                <a16:creationId xmlns:a16="http://schemas.microsoft.com/office/drawing/2014/main" id="{E308CD2C-3161-45DE-BBD5-78C91BD57860}"/>
+              </a:ext>
+            </a:extLst>
+          </p:cNvPr>
+          <p:cNvSpPr txBox="1"/>
+          <p:nvPr/>
+        </p:nvSpPr>
+        <p:spPr>
+          <a:xfrm>
+            <a:off x="11645153" y="6329082"/>
+            <a:ext cx="322730" cy="369332"/>
+          </a:xfrm>
+          <a:prstGeom prst="rect">
+            <a:avLst/>
+          </a:prstGeom>
+          <a:noFill/>
+        </p:spPr>
+        <p:txBody>
+          <a:bodyPr rot="0" spcFirstLastPara="0" vertOverflow="overflow" horzOverflow="overflow" vert="horz" wrap="square" lIns="91440" tIns="45720" rIns="91440" bIns="45720" numCol="1" spcCol="0" rtlCol="0" fromWordArt="0" anchor="t" anchorCtr="0" forceAA="0" compatLnSpc="1">
+            <a:prstTxWarp prst="textNoShape">
+              <a:avLst/>
+            </a:prstTxWarp>
+            <a:spAutoFit/>
+          </a:bodyPr>
+          <a:lstStyle/>
+          <a:p>
+            <a:pPr algn="l"/>
+            <a:r>
+              <a:rPr lang="pl-PL" dirty="0"/>
+              <a:t>2</a:t>
+            </a:r>
+          </a:p>
+        </p:txBody>
+      </p:sp>
     </p:spTree>
     <p:extLst>
       <p:ext uri="{BB962C8B-B14F-4D97-AF65-F5344CB8AC3E}">
@@ -23908,6 +31393,45 @@
           </a:graphicData>
         </a:graphic>
       </p:graphicFrame>
+      <p:sp>
+        <p:nvSpPr>
+          <p:cNvPr id="10" name="pole tekstowe 9">
+            <a:extLst>
+              <a:ext uri="{FF2B5EF4-FFF2-40B4-BE49-F238E27FC236}">
+                <a16:creationId xmlns:a16="http://schemas.microsoft.com/office/drawing/2014/main" id="{338EC595-7061-4657-9A73-2FE17D120F71}"/>
+              </a:ext>
+            </a:extLst>
+          </p:cNvPr>
+          <p:cNvSpPr txBox="1"/>
+          <p:nvPr/>
+        </p:nvSpPr>
+        <p:spPr>
+          <a:xfrm>
+            <a:off x="11645153" y="6329082"/>
+            <a:ext cx="322730" cy="369332"/>
+          </a:xfrm>
+          <a:prstGeom prst="rect">
+            <a:avLst/>
+          </a:prstGeom>
+          <a:noFill/>
+        </p:spPr>
+        <p:txBody>
+          <a:bodyPr rot="0" spcFirstLastPara="0" vertOverflow="overflow" horzOverflow="overflow" vert="horz" wrap="square" lIns="91440" tIns="45720" rIns="91440" bIns="45720" numCol="1" spcCol="0" rtlCol="0" fromWordArt="0" anchor="t" anchorCtr="0" forceAA="0" compatLnSpc="1">
+            <a:prstTxWarp prst="textNoShape">
+              <a:avLst/>
+            </a:prstTxWarp>
+            <a:spAutoFit/>
+          </a:bodyPr>
+          <a:lstStyle/>
+          <a:p>
+            <a:pPr algn="l"/>
+            <a:r>
+              <a:rPr lang="pl-PL" dirty="0"/>
+              <a:t>3</a:t>
+            </a:r>
+          </a:p>
+        </p:txBody>
+      </p:sp>
     </p:spTree>
     <p:extLst>
       <p:ext uri="{BB962C8B-B14F-4D97-AF65-F5344CB8AC3E}">
@@ -24041,7 +31565,7 @@
           <a:lstStyle/>
           <a:p>
             <a:r>
-              <a:rPr lang="en-US" dirty="0">
+              <a:rPr lang="en-US">
                 <a:effectLst>
                   <a:glow rad="38100">
                     <a:prstClr val="black">
@@ -24059,222 +31583,12 @@
                 <a:ea typeface="+mn-lt"/>
                 <a:cs typeface="+mn-lt"/>
               </a:rPr>
-              <a:t>Tempo </a:t>
-            </a:r>
-            <a:r>
-              <a:rPr lang="en-US" dirty="0" err="1">
-                <a:effectLst>
-                  <a:glow rad="38100">
-                    <a:prstClr val="black">
-                      <a:lumMod val="50000"/>
-                      <a:lumOff val="50000"/>
-                      <a:alpha val="20000"/>
-                    </a:prstClr>
-                  </a:glow>
-                  <a:outerShdw blurRad="44450" dist="12700" dir="13860000" algn="tl" rotWithShape="0">
-                    <a:srgbClr val="000000">
-                      <a:alpha val="20000"/>
-                    </a:srgbClr>
-                  </a:outerShdw>
-                </a:effectLst>
-                <a:ea typeface="+mn-lt"/>
-                <a:cs typeface="+mn-lt"/>
-              </a:rPr>
-              <a:t>jak</a:t>
-            </a:r>
-            <a:r>
-              <a:rPr lang="en-US" dirty="0">
-                <a:effectLst>
-                  <a:glow rad="38100">
-                    <a:prstClr val="black">
-                      <a:lumMod val="50000"/>
-                      <a:lumOff val="50000"/>
-                      <a:alpha val="20000"/>
-                    </a:prstClr>
-                  </a:glow>
-                  <a:outerShdw blurRad="44450" dist="12700" dir="13860000" algn="tl" rotWithShape="0">
-                    <a:srgbClr val="000000">
-                      <a:alpha val="20000"/>
-                    </a:srgbClr>
-                  </a:outerShdw>
-                </a:effectLst>
-                <a:ea typeface="+mn-lt"/>
-                <a:cs typeface="+mn-lt"/>
-              </a:rPr>
-              <a:t> </a:t>
-            </a:r>
-            <a:r>
-              <a:rPr lang="en-US" dirty="0" err="1">
-                <a:effectLst>
-                  <a:glow rad="38100">
-                    <a:prstClr val="black">
-                      <a:lumMod val="50000"/>
-                      <a:lumOff val="50000"/>
-                      <a:alpha val="20000"/>
-                    </a:prstClr>
-                  </a:glow>
-                  <a:outerShdw blurRad="44450" dist="12700" dir="13860000" algn="tl" rotWithShape="0">
-                    <a:srgbClr val="000000">
-                      <a:alpha val="20000"/>
-                    </a:srgbClr>
-                  </a:outerShdw>
-                </a:effectLst>
-                <a:ea typeface="+mn-lt"/>
-                <a:cs typeface="+mn-lt"/>
-              </a:rPr>
-              <a:t>szybko</a:t>
-            </a:r>
-            <a:r>
-              <a:rPr lang="en-US" dirty="0">
-                <a:effectLst>
-                  <a:glow rad="38100">
-                    <a:prstClr val="black">
-                      <a:lumMod val="50000"/>
-                      <a:lumOff val="50000"/>
-                      <a:alpha val="20000"/>
-                    </a:prstClr>
-                  </a:glow>
-                  <a:outerShdw blurRad="44450" dist="12700" dir="13860000" algn="tl" rotWithShape="0">
-                    <a:srgbClr val="000000">
-                      <a:alpha val="20000"/>
-                    </a:srgbClr>
-                  </a:outerShdw>
-                </a:effectLst>
-                <a:ea typeface="+mn-lt"/>
-                <a:cs typeface="+mn-lt"/>
-              </a:rPr>
-              <a:t> </a:t>
-            </a:r>
-            <a:r>
-              <a:rPr lang="en-US" dirty="0" err="1">
-                <a:effectLst>
-                  <a:glow rad="38100">
-                    <a:prstClr val="black">
-                      <a:lumMod val="50000"/>
-                      <a:lumOff val="50000"/>
-                      <a:alpha val="20000"/>
-                    </a:prstClr>
-                  </a:glow>
-                  <a:outerShdw blurRad="44450" dist="12700" dir="13860000" algn="tl" rotWithShape="0">
-                    <a:srgbClr val="000000">
-                      <a:alpha val="20000"/>
-                    </a:srgbClr>
-                  </a:outerShdw>
-                </a:effectLst>
-                <a:ea typeface="+mn-lt"/>
-                <a:cs typeface="+mn-lt"/>
-              </a:rPr>
-              <a:t>utwór</a:t>
-            </a:r>
-            <a:r>
-              <a:rPr lang="en-US" dirty="0">
-                <a:effectLst>
-                  <a:glow rad="38100">
-                    <a:prstClr val="black">
-                      <a:lumMod val="50000"/>
-                      <a:lumOff val="50000"/>
-                      <a:alpha val="20000"/>
-                    </a:prstClr>
-                  </a:glow>
-                  <a:outerShdw blurRad="44450" dist="12700" dir="13860000" algn="tl" rotWithShape="0">
-                    <a:srgbClr val="000000">
-                      <a:alpha val="20000"/>
-                    </a:srgbClr>
-                  </a:outerShdw>
-                </a:effectLst>
-                <a:ea typeface="+mn-lt"/>
-                <a:cs typeface="+mn-lt"/>
-              </a:rPr>
-              <a:t> ma </a:t>
-            </a:r>
-            <a:r>
-              <a:rPr lang="en-US" dirty="0" err="1">
-                <a:effectLst>
-                  <a:glow rad="38100">
-                    <a:prstClr val="black">
-                      <a:lumMod val="50000"/>
-                      <a:lumOff val="50000"/>
-                      <a:alpha val="20000"/>
-                    </a:prstClr>
-                  </a:glow>
-                  <a:outerShdw blurRad="44450" dist="12700" dir="13860000" algn="tl" rotWithShape="0">
-                    <a:srgbClr val="000000">
-                      <a:alpha val="20000"/>
-                    </a:srgbClr>
-                  </a:outerShdw>
-                </a:effectLst>
-                <a:ea typeface="+mn-lt"/>
-                <a:cs typeface="+mn-lt"/>
-              </a:rPr>
-              <a:t>być</a:t>
-            </a:r>
-            <a:r>
-              <a:rPr lang="en-US" dirty="0">
-                <a:effectLst>
-                  <a:glow rad="38100">
-                    <a:prstClr val="black">
-                      <a:lumMod val="50000"/>
-                      <a:lumOff val="50000"/>
-                      <a:alpha val="20000"/>
-                    </a:prstClr>
-                  </a:glow>
-                  <a:outerShdw blurRad="44450" dist="12700" dir="13860000" algn="tl" rotWithShape="0">
-                    <a:srgbClr val="000000">
-                      <a:alpha val="20000"/>
-                    </a:srgbClr>
-                  </a:outerShdw>
-                </a:effectLst>
-                <a:ea typeface="+mn-lt"/>
-                <a:cs typeface="+mn-lt"/>
-              </a:rPr>
-              <a:t> </a:t>
-            </a:r>
-            <a:r>
-              <a:rPr lang="en-US" dirty="0" err="1">
-                <a:effectLst>
-                  <a:glow rad="38100">
-                    <a:prstClr val="black">
-                      <a:lumMod val="50000"/>
-                      <a:lumOff val="50000"/>
-                      <a:alpha val="20000"/>
-                    </a:prstClr>
-                  </a:glow>
-                  <a:outerShdw blurRad="44450" dist="12700" dir="13860000" algn="tl" rotWithShape="0">
-                    <a:srgbClr val="000000">
-                      <a:alpha val="20000"/>
-                    </a:srgbClr>
-                  </a:outerShdw>
-                </a:effectLst>
-                <a:ea typeface="+mn-lt"/>
-                <a:cs typeface="+mn-lt"/>
-              </a:rPr>
-              <a:t>wykonany</a:t>
-            </a:r>
-            <a:r>
-              <a:rPr lang="en-US" dirty="0">
-                <a:effectLst>
-                  <a:glow rad="38100">
-                    <a:prstClr val="black">
-                      <a:lumMod val="50000"/>
-                      <a:lumOff val="50000"/>
-                      <a:alpha val="20000"/>
-                    </a:prstClr>
-                  </a:glow>
-                  <a:outerShdw blurRad="44450" dist="12700" dir="13860000" algn="tl" rotWithShape="0">
-                    <a:srgbClr val="000000">
-                      <a:alpha val="20000"/>
-                    </a:srgbClr>
-                  </a:outerShdw>
-                </a:effectLst>
-                <a:ea typeface="+mn-lt"/>
-                <a:cs typeface="+mn-lt"/>
-              </a:rPr>
-              <a:t>.</a:t>
+              <a:t>Tempo jak szybko utwór ma być wykonany.</a:t>
             </a:r>
           </a:p>
           <a:p>
             <a:r>
-              <a:rPr lang="en-US" dirty="0" err="1">
+              <a:rPr lang="en-US">
                 <a:effectLst>
                   <a:glow rad="38100">
                     <a:prstClr val="black">
@@ -24290,106 +31604,11 @@
                   </a:outerShdw>
                 </a:effectLst>
               </a:rPr>
-              <a:t>Słownie</a:t>
-            </a:r>
-            <a:r>
-              <a:rPr lang="en-US" dirty="0">
-                <a:effectLst>
-                  <a:glow rad="38100">
-                    <a:prstClr val="black">
-                      <a:lumMod val="50000"/>
-                      <a:lumOff val="50000"/>
-                      <a:alpha val="20000"/>
-                    </a:prstClr>
-                  </a:glow>
-                  <a:outerShdw blurRad="44450" dist="12700" dir="13860000" algn="tl" rotWithShape="0">
-                    <a:srgbClr val="000000">
-                      <a:alpha val="20000"/>
-                    </a:srgbClr>
-                  </a:outerShdw>
-                </a:effectLst>
-              </a:rPr>
-              <a:t> </a:t>
-            </a:r>
-            <a:r>
-              <a:rPr lang="en-US" dirty="0" err="1">
-                <a:effectLst>
-                  <a:glow rad="38100">
-                    <a:prstClr val="black">
-                      <a:lumMod val="50000"/>
-                      <a:lumOff val="50000"/>
-                      <a:alpha val="20000"/>
-                    </a:prstClr>
-                  </a:glow>
-                  <a:outerShdw blurRad="44450" dist="12700" dir="13860000" algn="tl" rotWithShape="0">
-                    <a:srgbClr val="000000">
-                      <a:alpha val="20000"/>
-                    </a:srgbClr>
-                  </a:outerShdw>
-                </a:effectLst>
-              </a:rPr>
-              <a:t>albo</a:t>
-            </a:r>
-            <a:r>
-              <a:rPr lang="en-US" dirty="0">
-                <a:effectLst>
-                  <a:glow rad="38100">
-                    <a:prstClr val="black">
-                      <a:lumMod val="50000"/>
-                      <a:lumOff val="50000"/>
-                      <a:alpha val="20000"/>
-                    </a:prstClr>
-                  </a:glow>
-                  <a:outerShdw blurRad="44450" dist="12700" dir="13860000" algn="tl" rotWithShape="0">
-                    <a:srgbClr val="000000">
-                      <a:alpha val="20000"/>
-                    </a:srgbClr>
-                  </a:outerShdw>
-                </a:effectLst>
-              </a:rPr>
-              <a:t> </a:t>
-            </a:r>
-            <a:r>
-              <a:rPr lang="en-US" dirty="0" err="1">
-                <a:effectLst>
-                  <a:glow rad="38100">
-                    <a:prstClr val="black">
-                      <a:lumMod val="50000"/>
-                      <a:lumOff val="50000"/>
-                      <a:alpha val="20000"/>
-                    </a:prstClr>
-                  </a:glow>
-                  <a:outerShdw blurRad="44450" dist="12700" dir="13860000" algn="tl" rotWithShape="0">
-                    <a:srgbClr val="000000">
-                      <a:alpha val="20000"/>
-                    </a:srgbClr>
-                  </a:outerShdw>
-                </a:effectLst>
-              </a:rPr>
-              <a:t>liczbowo</a:t>
-            </a:r>
-            <a:r>
-              <a:rPr lang="en-US" dirty="0">
-                <a:effectLst>
-                  <a:glow rad="38100">
-                    <a:prstClr val="black">
-                      <a:lumMod val="50000"/>
-                      <a:lumOff val="50000"/>
-                      <a:alpha val="20000"/>
-                    </a:prstClr>
-                  </a:glow>
-                  <a:outerShdw blurRad="44450" dist="12700" dir="13860000" algn="tl" rotWithShape="0">
-                    <a:srgbClr val="000000">
-                      <a:alpha val="20000"/>
-                    </a:srgbClr>
-                  </a:outerShdw>
-                </a:effectLst>
-              </a:rPr>
-              <a:t> - BPM (ang. Bears per Minute)</a:t>
+              <a:t>Słownie albo liczbowo - BPM (ang. Bears per Minute)</a:t>
             </a:r>
           </a:p>
           <a:p>
-            <a:endParaRPr lang="en-US" dirty="0">
+            <a:endParaRPr lang="en-US">
               <a:effectLst>
                 <a:glow rad="38100">
                   <a:prstClr val="black">
@@ -24410,10 +31629,10 @@
       </p:sp>
       <p:pic>
         <p:nvPicPr>
-          <p:cNvPr id="4" name="Obraz 4">
+          <p:cNvPr id="17" name="Obraz 17" descr="Obraz zawierający obiekt&#10;&#10;Opis wygenerowany przy bardzo wysokim poziomie pewności">
             <a:extLst>
               <a:ext uri="{FF2B5EF4-FFF2-40B4-BE49-F238E27FC236}">
-                <a16:creationId xmlns:a16="http://schemas.microsoft.com/office/drawing/2014/main" id="{AEE23174-B0FA-4331-BB7E-5616A69EAA7A}"/>
+                <a16:creationId xmlns:a16="http://schemas.microsoft.com/office/drawing/2014/main" id="{713E80DA-368E-41F6-8BEE-1471FFA4D1E0}"/>
               </a:ext>
             </a:extLst>
           </p:cNvPr>
@@ -24422,15 +31641,16 @@
           </p:cNvPicPr>
           <p:nvPr/>
         </p:nvPicPr>
-        <p:blipFill rotWithShape="1">
+        <p:blipFill>
           <a:blip r:embed="rId3"/>
-          <a:srcRect l="18699" r="17376" b="-1"/>
-          <a:stretch/>
+          <a:stretch>
+            <a:fillRect/>
+          </a:stretch>
         </p:blipFill>
         <p:spPr>
           <a:xfrm>
-            <a:off x="7570839" y="1760367"/>
-            <a:ext cx="3976788" cy="3017225"/>
+            <a:off x="7570839" y="2274782"/>
+            <a:ext cx="3976788" cy="1988394"/>
           </a:xfrm>
           <a:prstGeom prst="roundRect">
             <a:avLst>
@@ -24462,6 +31682,100 @@
           </a:effectLst>
         </p:spPr>
       </p:pic>
+      <p:sp>
+        <p:nvSpPr>
+          <p:cNvPr id="3" name="pole tekstowe 2">
+            <a:extLst>
+              <a:ext uri="{FF2B5EF4-FFF2-40B4-BE49-F238E27FC236}">
+                <a16:creationId xmlns:a16="http://schemas.microsoft.com/office/drawing/2014/main" id="{63886BCA-D91E-4EB4-B10A-8DB68AF8CAB1}"/>
+              </a:ext>
+            </a:extLst>
+          </p:cNvPr>
+          <p:cNvSpPr txBox="1"/>
+          <p:nvPr/>
+        </p:nvSpPr>
+        <p:spPr>
+          <a:xfrm>
+            <a:off x="11645153" y="6329082"/>
+            <a:ext cx="322730" cy="369332"/>
+          </a:xfrm>
+          <a:prstGeom prst="rect">
+            <a:avLst/>
+          </a:prstGeom>
+          <a:noFill/>
+        </p:spPr>
+        <p:txBody>
+          <a:bodyPr rot="0" spcFirstLastPara="0" vertOverflow="overflow" horzOverflow="overflow" vert="horz" wrap="square" lIns="91440" tIns="45720" rIns="91440" bIns="45720" numCol="1" spcCol="0" rtlCol="0" fromWordArt="0" anchor="t" anchorCtr="0" forceAA="0" compatLnSpc="1">
+            <a:prstTxWarp prst="textNoShape">
+              <a:avLst/>
+            </a:prstTxWarp>
+            <a:spAutoFit/>
+          </a:bodyPr>
+          <a:lstStyle/>
+          <a:p>
+            <a:pPr algn="l">
+              <a:spcAft>
+                <a:spcPts val="600"/>
+              </a:spcAft>
+            </a:pPr>
+            <a:r>
+              <a:rPr lang="pl-PL" dirty="0"/>
+              <a:t>4</a:t>
+            </a:r>
+            <a:endParaRPr lang="pl-PL"/>
+          </a:p>
+        </p:txBody>
+      </p:sp>
+      <p:sp>
+        <p:nvSpPr>
+          <p:cNvPr id="11" name="pole tekstowe 10">
+            <a:extLst>
+              <a:ext uri="{FF2B5EF4-FFF2-40B4-BE49-F238E27FC236}">
+                <a16:creationId xmlns:a16="http://schemas.microsoft.com/office/drawing/2014/main" id="{01EF8A7C-44C6-4BEC-B1A9-DE1F5170687A}"/>
+              </a:ext>
+            </a:extLst>
+          </p:cNvPr>
+          <p:cNvSpPr txBox="1"/>
+          <p:nvPr/>
+        </p:nvSpPr>
+        <p:spPr>
+          <a:xfrm>
+            <a:off x="2449859" y="6420466"/>
+            <a:ext cx="10242118" cy="276999"/>
+          </a:xfrm>
+          <a:prstGeom prst="rect">
+            <a:avLst/>
+          </a:prstGeom>
+          <a:noFill/>
+        </p:spPr>
+        <p:txBody>
+          <a:bodyPr rot="0" spcFirstLastPara="0" vertOverflow="overflow" horzOverflow="overflow" vert="horz" wrap="square" lIns="91440" tIns="45720" rIns="91440" bIns="45720" numCol="1" spcCol="0" rtlCol="0" fromWordArt="0" anchor="t" anchorCtr="0" forceAA="0" compatLnSpc="1">
+            <a:prstTxWarp prst="textNoShape">
+              <a:avLst/>
+            </a:prstTxWarp>
+            <a:spAutoFit/>
+          </a:bodyPr>
+          <a:lstStyle/>
+          <a:p>
+            <a:pPr algn="l">
+              <a:spcAft>
+                <a:spcPts val="600"/>
+              </a:spcAft>
+            </a:pPr>
+            <a:r>
+              <a:rPr lang="pl-PL" sz="1200" dirty="0">
+                <a:ea typeface="+mn-lt"/>
+                <a:cs typeface="+mn-lt"/>
+              </a:rPr>
+              <a:t>https://upload.wikimedia.org/wikipedia/commons/thumb/2/27/MozartExcerptK331.svg/350px-MozartExcerptK331.svg.png</a:t>
+            </a:r>
+            <a:endParaRPr lang="pl-PL">
+              <a:ea typeface="+mn-lt"/>
+              <a:cs typeface="+mn-lt"/>
+            </a:endParaRPr>
+          </a:p>
+        </p:txBody>
+      </p:sp>
     </p:spTree>
     <p:extLst>
       <p:ext uri="{BB962C8B-B14F-4D97-AF65-F5344CB8AC3E}">
@@ -24502,7 +31816,7 @@
       </p:grpSpPr>
       <p:sp>
         <p:nvSpPr>
-          <p:cNvPr id="18" name="Rectangle 17">
+          <p:cNvPr id="25" name="Rectangle 24">
             <a:extLst>
               <a:ext uri="{FF2B5EF4-FFF2-40B4-BE49-F238E27FC236}">
                 <a16:creationId xmlns:a16="http://schemas.microsoft.com/office/drawing/2014/main" id="{0EF8982E-02F0-4D24-85CB-98DEBCC3226A}"/>
@@ -24709,7 +32023,7 @@
       </p:sp>
       <p:sp>
         <p:nvSpPr>
-          <p:cNvPr id="20" name="Rounded Rectangle 7">
+          <p:cNvPr id="27" name="Rounded Rectangle 7">
             <a:extLst>
               <a:ext uri="{FF2B5EF4-FFF2-40B4-BE49-F238E27FC236}">
                 <a16:creationId xmlns:a16="http://schemas.microsoft.com/office/drawing/2014/main" id="{2CB72970-2D5B-4516-9F76-B1220A77B6AB}"/>
@@ -24818,8 +32132,8 @@
         </p:blipFill>
         <p:spPr>
           <a:xfrm>
-            <a:off x="5128626" y="2107039"/>
-            <a:ext cx="5934182" cy="2299495"/>
+            <a:off x="5128626" y="2103667"/>
+            <a:ext cx="5934182" cy="2306238"/>
           </a:xfrm>
           <a:prstGeom prst="rect">
             <a:avLst/>
@@ -24840,8 +32154,64 @@
         </p:nvSpPr>
         <p:spPr>
           <a:xfrm>
-            <a:off x="4676172" y="5370652"/>
-            <a:ext cx="6784692" cy="461665"/>
+            <a:off x="1810651" y="6375171"/>
+            <a:ext cx="10020950" cy="276999"/>
+          </a:xfrm>
+          <a:prstGeom prst="rect">
+            <a:avLst/>
+          </a:prstGeom>
+          <a:noFill/>
+        </p:spPr>
+        <p:txBody>
+          <a:bodyPr rot="0" spcFirstLastPara="0" vertOverflow="overflow" horzOverflow="overflow" vert="horz" wrap="square" lIns="91440" tIns="45720" rIns="91440" bIns="45720" numCol="1" spcCol="0" rtlCol="0" fromWordArt="0" anchor="t" anchorCtr="0" forceAA="0" compatLnSpc="1">
+            <a:prstTxWarp prst="textNoShape">
+              <a:avLst/>
+            </a:prstTxWarp>
+            <a:spAutoFit/>
+          </a:bodyPr>
+          <a:lstStyle/>
+          <a:p>
+            <a:pPr algn="l">
+              <a:spcAft>
+                <a:spcPts val="600"/>
+              </a:spcAft>
+            </a:pPr>
+            <a:r>
+              <a:rPr lang="pl-PL" sz="1200" dirty="0">
+                <a:solidFill>
+                  <a:schemeClr val="bg1"/>
+                </a:solidFill>
+                <a:ea typeface="+mn-lt"/>
+                <a:cs typeface="+mn-lt"/>
+              </a:rPr>
+              <a:t>https://upload.wikimedia.org/wikipedia/commons/thumb/e/ef/Ilustracja_do_metrum.svg/320px-Ilustracja_do_metrum.svg.png</a:t>
+            </a:r>
+            <a:endParaRPr lang="pl-PL">
+              <a:solidFill>
+                <a:schemeClr val="bg1"/>
+              </a:solidFill>
+              <a:ea typeface="+mn-lt"/>
+              <a:cs typeface="+mn-lt"/>
+            </a:endParaRPr>
+          </a:p>
+        </p:txBody>
+      </p:sp>
+      <p:sp>
+        <p:nvSpPr>
+          <p:cNvPr id="8" name="pole tekstowe 7">
+            <a:extLst>
+              <a:ext uri="{FF2B5EF4-FFF2-40B4-BE49-F238E27FC236}">
+                <a16:creationId xmlns:a16="http://schemas.microsoft.com/office/drawing/2014/main" id="{806BD9AD-1296-43B3-B20A-80DCD2087504}"/>
+              </a:ext>
+            </a:extLst>
+          </p:cNvPr>
+          <p:cNvSpPr txBox="1"/>
+          <p:nvPr/>
+        </p:nvSpPr>
+        <p:spPr>
+          <a:xfrm>
+            <a:off x="11645153" y="6329082"/>
+            <a:ext cx="322730" cy="369332"/>
           </a:xfrm>
           <a:prstGeom prst="rect">
             <a:avLst/>
@@ -24859,16 +32229,14 @@
           <a:p>
             <a:pPr algn="l"/>
             <a:r>
-              <a:rPr lang="pl-PL" sz="1200" dirty="0">
-                <a:ea typeface="+mn-lt"/>
-                <a:cs typeface="+mn-lt"/>
+              <a:rPr lang="pl-PL" dirty="0">
+                <a:solidFill>
+                  <a:schemeClr val="bg1"/>
+                </a:solidFill>
               </a:rPr>
-              <a:t>https://upload.wikimedia.org/wikipedia/commons/thumb/e/ef/Ilustracja_do_metrum.svg/320px-Ilustracja_do_metrum.svg.png</a:t>
+              <a:t>5</a:t>
             </a:r>
-            <a:endParaRPr lang="pl-PL">
-              <a:ea typeface="+mn-lt"/>
-              <a:cs typeface="+mn-lt"/>
-            </a:endParaRPr>
+            <a:endParaRPr lang="pl-PL" dirty="0"/>
           </a:p>
         </p:txBody>
       </p:sp>
@@ -25234,6 +32602,45 @@
           </a:graphicData>
         </a:graphic>
       </p:graphicFrame>
+      <p:sp>
+        <p:nvSpPr>
+          <p:cNvPr id="38" name="pole tekstowe 37">
+            <a:extLst>
+              <a:ext uri="{FF2B5EF4-FFF2-40B4-BE49-F238E27FC236}">
+                <a16:creationId xmlns:a16="http://schemas.microsoft.com/office/drawing/2014/main" id="{2A189634-5CCE-477B-B9E6-3542414888BD}"/>
+              </a:ext>
+            </a:extLst>
+          </p:cNvPr>
+          <p:cNvSpPr txBox="1"/>
+          <p:nvPr/>
+        </p:nvSpPr>
+        <p:spPr>
+          <a:xfrm>
+            <a:off x="11645153" y="6329082"/>
+            <a:ext cx="322730" cy="369332"/>
+          </a:xfrm>
+          <a:prstGeom prst="rect">
+            <a:avLst/>
+          </a:prstGeom>
+          <a:noFill/>
+        </p:spPr>
+        <p:txBody>
+          <a:bodyPr rot="0" spcFirstLastPara="0" vertOverflow="overflow" horzOverflow="overflow" vert="horz" wrap="square" lIns="91440" tIns="45720" rIns="91440" bIns="45720" numCol="1" spcCol="0" rtlCol="0" fromWordArt="0" anchor="t" anchorCtr="0" forceAA="0" compatLnSpc="1">
+            <a:prstTxWarp prst="textNoShape">
+              <a:avLst/>
+            </a:prstTxWarp>
+            <a:spAutoFit/>
+          </a:bodyPr>
+          <a:lstStyle/>
+          <a:p>
+            <a:pPr algn="l"/>
+            <a:r>
+              <a:rPr lang="pl-PL" dirty="0"/>
+              <a:t>6</a:t>
+            </a:r>
+          </a:p>
+        </p:txBody>
+      </p:sp>
     </p:spTree>
     <p:extLst>
       <p:ext uri="{BB962C8B-B14F-4D97-AF65-F5344CB8AC3E}">
@@ -25305,8 +32712,8 @@
         </p:nvSpPr>
         <p:spPr>
           <a:xfrm>
-            <a:off x="1141414" y="609600"/>
-            <a:ext cx="6038768" cy="1905000"/>
+            <a:off x="693179" y="905435"/>
+            <a:ext cx="6935238" cy="1905000"/>
           </a:xfrm>
         </p:spPr>
         <p:txBody>
@@ -25316,7 +32723,7 @@
           <a:lstStyle/>
           <a:p>
             <a:r>
-              <a:rPr lang="pl-PL">
+              <a:rPr lang="pl-PL" dirty="0">
                 <a:effectLst>
                   <a:glow rad="38100">
                     <a:prstClr val="black">
@@ -25332,9 +32739,9 @@
                   </a:outerShdw>
                 </a:effectLst>
               </a:rPr>
-              <a:t>Estymacja tempa i metrum</a:t>
+              <a:t>Wykrywanie tempa i metrum</a:t>
             </a:r>
-            <a:endParaRPr lang="pl-PL"/>
+            <a:endParaRPr lang="pl-PL" dirty="0"/>
           </a:p>
         </p:txBody>
       </p:sp>
@@ -25367,7 +32774,7 @@
           <a:lstStyle/>
           <a:p>
             <a:r>
-              <a:rPr lang="pl-PL">
+              <a:rPr lang="pl-PL" dirty="0">
                 <a:effectLst>
                   <a:glow rad="38100">
                     <a:prstClr val="black">
@@ -25388,7 +32795,7 @@
           </a:p>
           <a:p>
             <a:r>
-              <a:rPr lang="pl-PL">
+              <a:rPr lang="pl-PL" dirty="0">
                 <a:effectLst>
                   <a:glow rad="38100">
                     <a:prstClr val="black">
@@ -25404,12 +32811,12 @@
                   </a:outerShdw>
                 </a:effectLst>
               </a:rPr>
-              <a:t>Transformata Fouriera</a:t>
+              <a:t>Transformacja Fouriera</a:t>
             </a:r>
           </a:p>
           <a:p>
             <a:r>
-              <a:rPr lang="pl-PL">
+              <a:rPr lang="pl-PL" dirty="0">
                 <a:effectLst>
                   <a:glow rad="38100">
                     <a:prstClr val="black">
@@ -25553,6 +32960,49 @@
           </a:prstGeom>
         </p:spPr>
       </p:pic>
+      <p:sp>
+        <p:nvSpPr>
+          <p:cNvPr id="4" name="pole tekstowe 3">
+            <a:extLst>
+              <a:ext uri="{FF2B5EF4-FFF2-40B4-BE49-F238E27FC236}">
+                <a16:creationId xmlns:a16="http://schemas.microsoft.com/office/drawing/2014/main" id="{AB56E23A-C8D3-4799-BC3B-B65AA628ACFE}"/>
+              </a:ext>
+            </a:extLst>
+          </p:cNvPr>
+          <p:cNvSpPr txBox="1"/>
+          <p:nvPr/>
+        </p:nvSpPr>
+        <p:spPr>
+          <a:xfrm>
+            <a:off x="11645153" y="6329082"/>
+            <a:ext cx="322730" cy="369332"/>
+          </a:xfrm>
+          <a:prstGeom prst="rect">
+            <a:avLst/>
+          </a:prstGeom>
+          <a:noFill/>
+        </p:spPr>
+        <p:txBody>
+          <a:bodyPr rot="0" spcFirstLastPara="0" vertOverflow="overflow" horzOverflow="overflow" vert="horz" wrap="square" lIns="91440" tIns="45720" rIns="91440" bIns="45720" numCol="1" spcCol="0" rtlCol="0" fromWordArt="0" anchor="t" anchorCtr="0" forceAA="0" compatLnSpc="1">
+            <a:prstTxWarp prst="textNoShape">
+              <a:avLst/>
+            </a:prstTxWarp>
+            <a:spAutoFit/>
+          </a:bodyPr>
+          <a:lstStyle/>
+          <a:p>
+            <a:pPr algn="l"/>
+            <a:r>
+              <a:rPr lang="pl-PL" dirty="0">
+                <a:solidFill>
+                  <a:schemeClr val="bg1"/>
+                </a:solidFill>
+              </a:rPr>
+              <a:t>7</a:t>
+            </a:r>
+          </a:p>
+        </p:txBody>
+      </p:sp>
     </p:spTree>
     <p:extLst>
       <p:ext uri="{BB962C8B-B14F-4D97-AF65-F5344CB8AC3E}">
@@ -25688,6 +33138,45 @@
           </a:graphicData>
         </a:graphic>
       </p:graphicFrame>
+      <p:sp>
+        <p:nvSpPr>
+          <p:cNvPr id="29" name="pole tekstowe 28">
+            <a:extLst>
+              <a:ext uri="{FF2B5EF4-FFF2-40B4-BE49-F238E27FC236}">
+                <a16:creationId xmlns:a16="http://schemas.microsoft.com/office/drawing/2014/main" id="{665F7B74-F27A-43C1-AFC9-429391759763}"/>
+              </a:ext>
+            </a:extLst>
+          </p:cNvPr>
+          <p:cNvSpPr txBox="1"/>
+          <p:nvPr/>
+        </p:nvSpPr>
+        <p:spPr>
+          <a:xfrm>
+            <a:off x="11645153" y="6329082"/>
+            <a:ext cx="322730" cy="369332"/>
+          </a:xfrm>
+          <a:prstGeom prst="rect">
+            <a:avLst/>
+          </a:prstGeom>
+          <a:noFill/>
+        </p:spPr>
+        <p:txBody>
+          <a:bodyPr rot="0" spcFirstLastPara="0" vertOverflow="overflow" horzOverflow="overflow" vert="horz" wrap="square" lIns="91440" tIns="45720" rIns="91440" bIns="45720" numCol="1" spcCol="0" rtlCol="0" fromWordArt="0" anchor="t" anchorCtr="0" forceAA="0" compatLnSpc="1">
+            <a:prstTxWarp prst="textNoShape">
+              <a:avLst/>
+            </a:prstTxWarp>
+            <a:spAutoFit/>
+          </a:bodyPr>
+          <a:lstStyle/>
+          <a:p>
+            <a:pPr algn="l"/>
+            <a:r>
+              <a:rPr lang="pl-PL" dirty="0"/>
+              <a:t>8</a:t>
+            </a:r>
+          </a:p>
+        </p:txBody>
+      </p:sp>
     </p:spTree>
     <p:extLst>
       <p:ext uri="{BB962C8B-B14F-4D97-AF65-F5344CB8AC3E}">

--- a/doc/Prezentacja.pptx
+++ b/doc/Prezentacja.pptx
@@ -132,6 +132,7 @@
     <p1510:client id="{4F31CD5E-E8CB-EFAB-8F71-F9CC419E1DC4}" v="29" dt="2019-11-13T11:08:18.464"/>
     <p1510:client id="{7650DB4D-4E1B-8C4F-4F09-835477EA3F5C}" v="299" dt="2020-01-15T08:25:20.926"/>
     <p1510:client id="{8240DE95-F872-E5F8-146C-4F6F6D6A76AD}" v="1172" dt="2019-11-12T19:34:33.323"/>
+    <p1510:client id="{8A6146E3-8E18-5907-B0FD-9B17006A9149}" v="14" dt="2020-01-17T15:09:14.676"/>
     <p1510:client id="{AAB3FF7D-5E0B-F99F-322D-33A8CD7B4ABA}" v="1151" dt="2019-11-12T20:35:27.742"/>
     <p1510:client id="{DC5051E3-B76E-BDAB-786B-C5DA33E97B7F}" v="207" dt="2020-01-17T00:10:06.737"/>
     <p1510:client id="{ECE0A1CB-FE33-F1F9-AF23-6D7FC099C7AB}" v="686" dt="2020-01-17T02:37:26.540"/>
@@ -23290,7 +23291,7 @@
             <a:fld id="{B61BEF0D-F0BB-DE4B-95CE-6DB70DBA9567}" type="datetimeFigureOut">
               <a:rPr lang="en-US" dirty="0"/>
               <a:pPr/>
-              <a:t>1/16/2020</a:t>
+              <a:t>1/17/2020</a:t>
             </a:fld>
             <a:endParaRPr lang="en-US" dirty="0"/>
           </a:p>
@@ -23578,7 +23579,7 @@
             <a:fld id="{B61BEF0D-F0BB-DE4B-95CE-6DB70DBA9567}" type="datetimeFigureOut">
               <a:rPr lang="en-US" dirty="0"/>
               <a:pPr/>
-              <a:t>1/16/2020</a:t>
+              <a:t>1/17/2020</a:t>
             </a:fld>
             <a:endParaRPr lang="en-US" dirty="0"/>
           </a:p>
@@ -23834,7 +23835,7 @@
             <a:fld id="{B61BEF0D-F0BB-DE4B-95CE-6DB70DBA9567}" type="datetimeFigureOut">
               <a:rPr lang="en-US" dirty="0"/>
               <a:pPr/>
-              <a:t>1/16/2020</a:t>
+              <a:t>1/17/2020</a:t>
             </a:fld>
             <a:endParaRPr lang="en-US" dirty="0"/>
           </a:p>
@@ -24300,7 +24301,7 @@
             <a:fld id="{B61BEF0D-F0BB-DE4B-95CE-6DB70DBA9567}" type="datetimeFigureOut">
               <a:rPr lang="en-US" dirty="0"/>
               <a:pPr/>
-              <a:t>1/16/2020</a:t>
+              <a:t>1/17/2020</a:t>
             </a:fld>
             <a:endParaRPr lang="en-US" dirty="0"/>
           </a:p>
@@ -24477,7 +24478,7 @@
             <a:fld id="{B61BEF0D-F0BB-DE4B-95CE-6DB70DBA9567}" type="datetimeFigureOut">
               <a:rPr lang="en-US" dirty="0"/>
               <a:pPr/>
-              <a:t>1/16/2020</a:t>
+              <a:t>1/17/2020</a:t>
             </a:fld>
             <a:endParaRPr lang="en-US" dirty="0"/>
           </a:p>
@@ -25050,7 +25051,7 @@
             <a:fld id="{B61BEF0D-F0BB-DE4B-95CE-6DB70DBA9567}" type="datetimeFigureOut">
               <a:rPr lang="en-US" dirty="0"/>
               <a:pPr/>
-              <a:t>1/16/2020</a:t>
+              <a:t>1/17/2020</a:t>
             </a:fld>
             <a:endParaRPr lang="en-US" dirty="0"/>
           </a:p>
@@ -25379,7 +25380,7 @@
             <a:fld id="{B61BEF0D-F0BB-DE4B-95CE-6DB70DBA9567}" type="datetimeFigureOut">
               <a:rPr lang="en-US" dirty="0"/>
               <a:pPr/>
-              <a:t>1/16/2020</a:t>
+              <a:t>1/17/2020</a:t>
             </a:fld>
             <a:endParaRPr lang="en-US" dirty="0"/>
           </a:p>
@@ -25551,7 +25552,7 @@
             <a:fld id="{B61BEF0D-F0BB-DE4B-95CE-6DB70DBA9567}" type="datetimeFigureOut">
               <a:rPr lang="en-US" dirty="0"/>
               <a:pPr/>
-              <a:t>1/16/2020</a:t>
+              <a:t>1/17/2020</a:t>
             </a:fld>
             <a:endParaRPr lang="en-US" dirty="0"/>
           </a:p>
@@ -25728,7 +25729,7 @@
             <a:fld id="{B61BEF0D-F0BB-DE4B-95CE-6DB70DBA9567}" type="datetimeFigureOut">
               <a:rPr lang="en-US" dirty="0"/>
               <a:pPr/>
-              <a:t>1/16/2020</a:t>
+              <a:t>1/17/2020</a:t>
             </a:fld>
             <a:endParaRPr lang="en-US" dirty="0"/>
           </a:p>
@@ -25895,7 +25896,7 @@
             <a:fld id="{B61BEF0D-F0BB-DE4B-95CE-6DB70DBA9567}" type="datetimeFigureOut">
               <a:rPr lang="en-US" dirty="0"/>
               <a:pPr/>
-              <a:t>1/16/2020</a:t>
+              <a:t>1/17/2020</a:t>
             </a:fld>
             <a:endParaRPr lang="en-US" dirty="0"/>
           </a:p>
@@ -26149,7 +26150,7 @@
             <a:fld id="{B61BEF0D-F0BB-DE4B-95CE-6DB70DBA9567}" type="datetimeFigureOut">
               <a:rPr lang="en-US" dirty="0"/>
               <a:pPr/>
-              <a:t>1/16/2020</a:t>
+              <a:t>1/17/2020</a:t>
             </a:fld>
             <a:endParaRPr lang="en-US" dirty="0"/>
           </a:p>
@@ -26438,7 +26439,7 @@
             <a:fld id="{B61BEF0D-F0BB-DE4B-95CE-6DB70DBA9567}" type="datetimeFigureOut">
               <a:rPr lang="en-US" dirty="0"/>
               <a:pPr/>
-              <a:t>1/16/2020</a:t>
+              <a:t>1/17/2020</a:t>
             </a:fld>
             <a:endParaRPr lang="en-US" dirty="0"/>
           </a:p>
@@ -26865,7 +26866,7 @@
             <a:fld id="{B61BEF0D-F0BB-DE4B-95CE-6DB70DBA9567}" type="datetimeFigureOut">
               <a:rPr lang="en-US" dirty="0"/>
               <a:pPr/>
-              <a:t>1/16/2020</a:t>
+              <a:t>1/17/2020</a:t>
             </a:fld>
             <a:endParaRPr lang="en-US" dirty="0"/>
           </a:p>
@@ -26980,7 +26981,7 @@
             <a:fld id="{B61BEF0D-F0BB-DE4B-95CE-6DB70DBA9567}" type="datetimeFigureOut">
               <a:rPr lang="en-US" dirty="0"/>
               <a:pPr/>
-              <a:t>1/16/2020</a:t>
+              <a:t>1/17/2020</a:t>
             </a:fld>
             <a:endParaRPr lang="en-US" dirty="0"/>
           </a:p>
@@ -27072,7 +27073,7 @@
             <a:fld id="{B61BEF0D-F0BB-DE4B-95CE-6DB70DBA9567}" type="datetimeFigureOut">
               <a:rPr lang="en-US" dirty="0"/>
               <a:pPr/>
-              <a:t>1/16/2020</a:t>
+              <a:t>1/17/2020</a:t>
             </a:fld>
             <a:endParaRPr lang="en-US" dirty="0"/>
           </a:p>
@@ -27352,7 +27353,7 @@
             <a:fld id="{B61BEF0D-F0BB-DE4B-95CE-6DB70DBA9567}" type="datetimeFigureOut">
               <a:rPr lang="en-US" dirty="0"/>
               <a:pPr/>
-              <a:t>1/16/2020</a:t>
+              <a:t>1/17/2020</a:t>
             </a:fld>
             <a:endParaRPr lang="en-US" dirty="0"/>
           </a:p>
@@ -27640,7 +27641,7 @@
             <a:fld id="{B61BEF0D-F0BB-DE4B-95CE-6DB70DBA9567}" type="datetimeFigureOut">
               <a:rPr lang="en-US" dirty="0"/>
               <a:pPr/>
-              <a:t>1/16/2020</a:t>
+              <a:t>1/17/2020</a:t>
             </a:fld>
             <a:endParaRPr lang="en-US" dirty="0"/>
           </a:p>
@@ -27868,7 +27869,7 @@
             <a:fld id="{B61BEF0D-F0BB-DE4B-95CE-6DB70DBA9567}" type="datetimeFigureOut">
               <a:rPr lang="en-US" dirty="0"/>
               <a:pPr/>
-              <a:t>1/16/2020</a:t>
+              <a:t>1/17/2020</a:t>
             </a:fld>
             <a:endParaRPr lang="en-US" dirty="0"/>
           </a:p>
@@ -28833,7 +28834,7 @@
                 <a:latin typeface="Arial"/>
                 <a:cs typeface="Arial"/>
               </a:rPr>
-              <a:t>Gliwice, Politechnika Śląska, styczeń 2019</a:t>
+              <a:t>Gliwice, Politechnika Śląska, styczeń 2020</a:t>
             </a:r>
           </a:p>
         </p:txBody>
@@ -30770,7 +30771,7 @@
                 <a:latin typeface="Arial"/>
                 <a:cs typeface="Arial"/>
               </a:rPr>
-              <a:t>Gliwice, Politechnika Śląska, styczeń 2019</a:t>
+              <a:t>Gliwice, Politechnika Śląska, styczeń 2020</a:t>
             </a:r>
           </a:p>
         </p:txBody>
